--- a/Intro2D3.pptx
+++ b/Intro2D3.pptx
@@ -5,7 +5,7 @@
     <p:sldMasterId id="2147483696" r:id="rId1"/>
   </p:sldMasterIdLst>
   <p:notesMasterIdLst>
-    <p:notesMasterId r:id="rId15"/>
+    <p:notesMasterId r:id="rId17"/>
   </p:notesMasterIdLst>
   <p:sldIdLst>
     <p:sldId id="256" r:id="rId2"/>
@@ -17,10 +17,12 @@
     <p:sldId id="288" r:id="rId8"/>
     <p:sldId id="289" r:id="rId9"/>
     <p:sldId id="290" r:id="rId10"/>
-    <p:sldId id="291" r:id="rId11"/>
-    <p:sldId id="292" r:id="rId12"/>
-    <p:sldId id="282" r:id="rId13"/>
-    <p:sldId id="283" r:id="rId14"/>
+    <p:sldId id="294" r:id="rId11"/>
+    <p:sldId id="295" r:id="rId12"/>
+    <p:sldId id="291" r:id="rId13"/>
+    <p:sldId id="292" r:id="rId14"/>
+    <p:sldId id="282" r:id="rId15"/>
+    <p:sldId id="283" r:id="rId16"/>
   </p:sldIdLst>
   <p:sldSz cx="12192000" cy="6858000"/>
   <p:notesSz cx="6858000" cy="9144000"/>
@@ -131,757 +133,6 @@
 </file>
 
 <file path=ppt/diagrams/colors1.xml><?xml version="1.0" encoding="utf-8"?>
-<dgm:colorsDef xmlns:dgm="http://schemas.openxmlformats.org/drawingml/2006/diagram" xmlns:a="http://schemas.openxmlformats.org/drawingml/2006/main" uniqueId="urn:microsoft.com/office/officeart/2005/8/colors/accent0_3">
-  <dgm:title val=""/>
-  <dgm:desc val=""/>
-  <dgm:catLst>
-    <dgm:cat type="mainScheme" pri="10300"/>
-  </dgm:catLst>
-  <dgm:styleLbl name="node0">
-    <dgm:fillClrLst meth="repeat">
-      <a:schemeClr val="dk2"/>
-    </dgm:fillClrLst>
-    <dgm:linClrLst meth="repeat">
-      <a:schemeClr val="lt2"/>
-    </dgm:linClrLst>
-    <dgm:effectClrLst/>
-    <dgm:txLinClrLst/>
-    <dgm:txFillClrLst/>
-    <dgm:txEffectClrLst/>
-  </dgm:styleLbl>
-  <dgm:styleLbl name="alignNode1">
-    <dgm:fillClrLst meth="repeat">
-      <a:schemeClr val="dk2"/>
-    </dgm:fillClrLst>
-    <dgm:linClrLst meth="repeat">
-      <a:schemeClr val="dk2"/>
-    </dgm:linClrLst>
-    <dgm:effectClrLst/>
-    <dgm:txLinClrLst/>
-    <dgm:txFillClrLst/>
-    <dgm:txEffectClrLst/>
-  </dgm:styleLbl>
-  <dgm:styleLbl name="node1">
-    <dgm:fillClrLst meth="repeat">
-      <a:schemeClr val="dk2"/>
-    </dgm:fillClrLst>
-    <dgm:linClrLst meth="repeat">
-      <a:schemeClr val="lt2"/>
-    </dgm:linClrLst>
-    <dgm:effectClrLst/>
-    <dgm:txLinClrLst/>
-    <dgm:txFillClrLst/>
-    <dgm:txEffectClrLst/>
-  </dgm:styleLbl>
-  <dgm:styleLbl name="lnNode1">
-    <dgm:fillClrLst meth="repeat">
-      <a:schemeClr val="dk2"/>
-    </dgm:fillClrLst>
-    <dgm:linClrLst meth="repeat">
-      <a:schemeClr val="lt2"/>
-    </dgm:linClrLst>
-    <dgm:effectClrLst/>
-    <dgm:txLinClrLst/>
-    <dgm:txFillClrLst/>
-    <dgm:txEffectClrLst/>
-  </dgm:styleLbl>
-  <dgm:styleLbl name="vennNode1">
-    <dgm:fillClrLst meth="repeat">
-      <a:schemeClr val="dk2">
-        <a:alpha val="50000"/>
-      </a:schemeClr>
-    </dgm:fillClrLst>
-    <dgm:linClrLst meth="repeat">
-      <a:schemeClr val="lt2"/>
-    </dgm:linClrLst>
-    <dgm:effectClrLst/>
-    <dgm:txLinClrLst/>
-    <dgm:txFillClrLst/>
-    <dgm:txEffectClrLst/>
-  </dgm:styleLbl>
-  <dgm:styleLbl name="node2">
-    <dgm:fillClrLst meth="repeat">
-      <a:schemeClr val="dk2"/>
-    </dgm:fillClrLst>
-    <dgm:linClrLst meth="repeat">
-      <a:schemeClr val="lt2"/>
-    </dgm:linClrLst>
-    <dgm:effectClrLst/>
-    <dgm:txLinClrLst/>
-    <dgm:txFillClrLst/>
-    <dgm:txEffectClrLst/>
-  </dgm:styleLbl>
-  <dgm:styleLbl name="node3">
-    <dgm:fillClrLst meth="repeat">
-      <a:schemeClr val="dk2"/>
-    </dgm:fillClrLst>
-    <dgm:linClrLst meth="repeat">
-      <a:schemeClr val="lt2"/>
-    </dgm:linClrLst>
-    <dgm:effectClrLst/>
-    <dgm:txLinClrLst/>
-    <dgm:txFillClrLst/>
-    <dgm:txEffectClrLst/>
-  </dgm:styleLbl>
-  <dgm:styleLbl name="node4">
-    <dgm:fillClrLst meth="repeat">
-      <a:schemeClr val="dk2"/>
-    </dgm:fillClrLst>
-    <dgm:linClrLst meth="repeat">
-      <a:schemeClr val="lt2"/>
-    </dgm:linClrLst>
-    <dgm:effectClrLst/>
-    <dgm:txLinClrLst/>
-    <dgm:txFillClrLst/>
-    <dgm:txEffectClrLst/>
-  </dgm:styleLbl>
-  <dgm:styleLbl name="fgImgPlace1">
-    <dgm:fillClrLst meth="repeat">
-      <a:schemeClr val="dk2">
-        <a:tint val="50000"/>
-      </a:schemeClr>
-    </dgm:fillClrLst>
-    <dgm:linClrLst meth="repeat">
-      <a:schemeClr val="lt2"/>
-    </dgm:linClrLst>
-    <dgm:effectClrLst/>
-    <dgm:txLinClrLst/>
-    <dgm:txFillClrLst meth="repeat">
-      <a:schemeClr val="lt2"/>
-    </dgm:txFillClrLst>
-    <dgm:txEffectClrLst/>
-  </dgm:styleLbl>
-  <dgm:styleLbl name="alignImgPlace1">
-    <dgm:fillClrLst meth="repeat">
-      <a:schemeClr val="dk2">
-        <a:tint val="50000"/>
-      </a:schemeClr>
-    </dgm:fillClrLst>
-    <dgm:linClrLst meth="repeat">
-      <a:schemeClr val="dk2">
-        <a:shade val="80000"/>
-      </a:schemeClr>
-    </dgm:linClrLst>
-    <dgm:effectClrLst/>
-    <dgm:txLinClrLst/>
-    <dgm:txFillClrLst meth="repeat">
-      <a:schemeClr val="lt2"/>
-    </dgm:txFillClrLst>
-    <dgm:txEffectClrLst/>
-  </dgm:styleLbl>
-  <dgm:styleLbl name="bgImgPlace1">
-    <dgm:fillClrLst meth="repeat">
-      <a:schemeClr val="dk2">
-        <a:tint val="50000"/>
-      </a:schemeClr>
-    </dgm:fillClrLst>
-    <dgm:linClrLst meth="repeat">
-      <a:schemeClr val="dk2">
-        <a:shade val="80000"/>
-      </a:schemeClr>
-    </dgm:linClrLst>
-    <dgm:effectClrLst/>
-    <dgm:txLinClrLst/>
-    <dgm:txFillClrLst meth="repeat">
-      <a:schemeClr val="lt2"/>
-    </dgm:txFillClrLst>
-    <dgm:txEffectClrLst/>
-  </dgm:styleLbl>
-  <dgm:styleLbl name="sibTrans2D1">
-    <dgm:fillClrLst meth="repeat">
-      <a:schemeClr val="dk2">
-        <a:tint val="60000"/>
-      </a:schemeClr>
-    </dgm:fillClrLst>
-    <dgm:linClrLst meth="repeat">
-      <a:schemeClr val="dk2">
-        <a:tint val="60000"/>
-      </a:schemeClr>
-    </dgm:linClrLst>
-    <dgm:effectClrLst/>
-    <dgm:txLinClrLst/>
-    <dgm:txFillClrLst/>
-    <dgm:txEffectClrLst/>
-  </dgm:styleLbl>
-  <dgm:styleLbl name="fgSibTrans2D1">
-    <dgm:fillClrLst meth="repeat">
-      <a:schemeClr val="dk2">
-        <a:tint val="60000"/>
-      </a:schemeClr>
-    </dgm:fillClrLst>
-    <dgm:linClrLst meth="repeat">
-      <a:schemeClr val="dk2">
-        <a:tint val="60000"/>
-      </a:schemeClr>
-    </dgm:linClrLst>
-    <dgm:effectClrLst/>
-    <dgm:txLinClrLst/>
-    <dgm:txFillClrLst/>
-    <dgm:txEffectClrLst/>
-  </dgm:styleLbl>
-  <dgm:styleLbl name="bgSibTrans2D1">
-    <dgm:fillClrLst meth="repeat">
-      <a:schemeClr val="dk2">
-        <a:tint val="60000"/>
-      </a:schemeClr>
-    </dgm:fillClrLst>
-    <dgm:linClrLst meth="repeat">
-      <a:schemeClr val="dk2">
-        <a:tint val="60000"/>
-      </a:schemeClr>
-    </dgm:linClrLst>
-    <dgm:effectClrLst/>
-    <dgm:txLinClrLst/>
-    <dgm:txFillClrLst/>
-    <dgm:txEffectClrLst/>
-  </dgm:styleLbl>
-  <dgm:styleLbl name="sibTrans1D1">
-    <dgm:fillClrLst meth="repeat">
-      <a:schemeClr val="dk2"/>
-    </dgm:fillClrLst>
-    <dgm:linClrLst meth="repeat">
-      <a:schemeClr val="dk2"/>
-    </dgm:linClrLst>
-    <dgm:effectClrLst/>
-    <dgm:txLinClrLst/>
-    <dgm:txFillClrLst meth="repeat">
-      <a:schemeClr val="lt2"/>
-    </dgm:txFillClrLst>
-    <dgm:txEffectClrLst/>
-  </dgm:styleLbl>
-  <dgm:styleLbl name="callout">
-    <dgm:fillClrLst meth="repeat">
-      <a:schemeClr val="dk2"/>
-    </dgm:fillClrLst>
-    <dgm:linClrLst meth="repeat">
-      <a:schemeClr val="dk2">
-        <a:tint val="50000"/>
-      </a:schemeClr>
-    </dgm:linClrLst>
-    <dgm:effectClrLst/>
-    <dgm:txLinClrLst/>
-    <dgm:txFillClrLst meth="repeat">
-      <a:schemeClr val="lt2"/>
-    </dgm:txFillClrLst>
-    <dgm:txEffectClrLst/>
-  </dgm:styleLbl>
-  <dgm:styleLbl name="asst0">
-    <dgm:fillClrLst meth="repeat">
-      <a:schemeClr val="dk2"/>
-    </dgm:fillClrLst>
-    <dgm:linClrLst meth="repeat">
-      <a:schemeClr val="lt2"/>
-    </dgm:linClrLst>
-    <dgm:effectClrLst/>
-    <dgm:txLinClrLst/>
-    <dgm:txFillClrLst/>
-    <dgm:txEffectClrLst/>
-  </dgm:styleLbl>
-  <dgm:styleLbl name="asst1">
-    <dgm:fillClrLst meth="repeat">
-      <a:schemeClr val="dk2"/>
-    </dgm:fillClrLst>
-    <dgm:linClrLst meth="repeat">
-      <a:schemeClr val="lt2"/>
-    </dgm:linClrLst>
-    <dgm:effectClrLst/>
-    <dgm:txLinClrLst/>
-    <dgm:txFillClrLst/>
-    <dgm:txEffectClrLst/>
-  </dgm:styleLbl>
-  <dgm:styleLbl name="asst2">
-    <dgm:fillClrLst meth="repeat">
-      <a:schemeClr val="dk2"/>
-    </dgm:fillClrLst>
-    <dgm:linClrLst meth="repeat">
-      <a:schemeClr val="lt2"/>
-    </dgm:linClrLst>
-    <dgm:effectClrLst/>
-    <dgm:txLinClrLst/>
-    <dgm:txFillClrLst/>
-    <dgm:txEffectClrLst/>
-  </dgm:styleLbl>
-  <dgm:styleLbl name="asst3">
-    <dgm:fillClrLst meth="repeat">
-      <a:schemeClr val="dk2"/>
-    </dgm:fillClrLst>
-    <dgm:linClrLst meth="repeat">
-      <a:schemeClr val="lt2"/>
-    </dgm:linClrLst>
-    <dgm:effectClrLst/>
-    <dgm:txLinClrLst/>
-    <dgm:txFillClrLst/>
-    <dgm:txEffectClrLst/>
-  </dgm:styleLbl>
-  <dgm:styleLbl name="asst4">
-    <dgm:fillClrLst meth="repeat">
-      <a:schemeClr val="dk2"/>
-    </dgm:fillClrLst>
-    <dgm:linClrLst meth="repeat">
-      <a:schemeClr val="lt2"/>
-    </dgm:linClrLst>
-    <dgm:effectClrLst/>
-    <dgm:txLinClrLst/>
-    <dgm:txFillClrLst/>
-    <dgm:txEffectClrLst/>
-  </dgm:styleLbl>
-  <dgm:styleLbl name="parChTrans2D1">
-    <dgm:fillClrLst meth="repeat">
-      <a:schemeClr val="dk2">
-        <a:tint val="60000"/>
-      </a:schemeClr>
-    </dgm:fillClrLst>
-    <dgm:linClrLst meth="repeat">
-      <a:schemeClr val="dk2">
-        <a:tint val="60000"/>
-      </a:schemeClr>
-    </dgm:linClrLst>
-    <dgm:effectClrLst/>
-    <dgm:txLinClrLst/>
-    <dgm:txFillClrLst meth="repeat">
-      <a:schemeClr val="lt2"/>
-    </dgm:txFillClrLst>
-    <dgm:txEffectClrLst/>
-  </dgm:styleLbl>
-  <dgm:styleLbl name="parChTrans2D2">
-    <dgm:fillClrLst meth="repeat">
-      <a:schemeClr val="dk2"/>
-    </dgm:fillClrLst>
-    <dgm:linClrLst meth="repeat">
-      <a:schemeClr val="dk2"/>
-    </dgm:linClrLst>
-    <dgm:effectClrLst/>
-    <dgm:txLinClrLst/>
-    <dgm:txFillClrLst meth="repeat">
-      <a:schemeClr val="lt2"/>
-    </dgm:txFillClrLst>
-    <dgm:txEffectClrLst/>
-  </dgm:styleLbl>
-  <dgm:styleLbl name="parChTrans2D3">
-    <dgm:fillClrLst meth="repeat">
-      <a:schemeClr val="dk2"/>
-    </dgm:fillClrLst>
-    <dgm:linClrLst meth="repeat">
-      <a:schemeClr val="dk2"/>
-    </dgm:linClrLst>
-    <dgm:effectClrLst/>
-    <dgm:txLinClrLst/>
-    <dgm:txFillClrLst meth="repeat">
-      <a:schemeClr val="lt2"/>
-    </dgm:txFillClrLst>
-    <dgm:txEffectClrLst/>
-  </dgm:styleLbl>
-  <dgm:styleLbl name="parChTrans2D4">
-    <dgm:fillClrLst meth="repeat">
-      <a:schemeClr val="dk2"/>
-    </dgm:fillClrLst>
-    <dgm:linClrLst meth="repeat">
-      <a:schemeClr val="dk2"/>
-    </dgm:linClrLst>
-    <dgm:effectClrLst/>
-    <dgm:txLinClrLst/>
-    <dgm:txFillClrLst meth="repeat">
-      <a:schemeClr val="lt2"/>
-    </dgm:txFillClrLst>
-    <dgm:txEffectClrLst/>
-  </dgm:styleLbl>
-  <dgm:styleLbl name="parChTrans1D1">
-    <dgm:fillClrLst meth="repeat">
-      <a:schemeClr val="dk2"/>
-    </dgm:fillClrLst>
-    <dgm:linClrLst meth="repeat">
-      <a:schemeClr val="dk2">
-        <a:shade val="60000"/>
-      </a:schemeClr>
-    </dgm:linClrLst>
-    <dgm:effectClrLst/>
-    <dgm:txLinClrLst/>
-    <dgm:txFillClrLst meth="repeat">
-      <a:schemeClr val="tx1"/>
-    </dgm:txFillClrLst>
-    <dgm:txEffectClrLst/>
-  </dgm:styleLbl>
-  <dgm:styleLbl name="parChTrans1D2">
-    <dgm:fillClrLst meth="repeat">
-      <a:schemeClr val="dk2"/>
-    </dgm:fillClrLst>
-    <dgm:linClrLst meth="repeat">
-      <a:schemeClr val="dk2">
-        <a:shade val="60000"/>
-      </a:schemeClr>
-    </dgm:linClrLst>
-    <dgm:effectClrLst/>
-    <dgm:txLinClrLst/>
-    <dgm:txFillClrLst meth="repeat">
-      <a:schemeClr val="tx1"/>
-    </dgm:txFillClrLst>
-    <dgm:txEffectClrLst/>
-  </dgm:styleLbl>
-  <dgm:styleLbl name="parChTrans1D3">
-    <dgm:fillClrLst meth="repeat">
-      <a:schemeClr val="dk2"/>
-    </dgm:fillClrLst>
-    <dgm:linClrLst meth="repeat">
-      <a:schemeClr val="dk2">
-        <a:shade val="80000"/>
-      </a:schemeClr>
-    </dgm:linClrLst>
-    <dgm:effectClrLst/>
-    <dgm:txLinClrLst/>
-    <dgm:txFillClrLst meth="repeat">
-      <a:schemeClr val="tx1"/>
-    </dgm:txFillClrLst>
-    <dgm:txEffectClrLst/>
-  </dgm:styleLbl>
-  <dgm:styleLbl name="parChTrans1D4">
-    <dgm:fillClrLst meth="repeat">
-      <a:schemeClr val="dk2"/>
-    </dgm:fillClrLst>
-    <dgm:linClrLst meth="repeat">
-      <a:schemeClr val="dk2">
-        <a:shade val="80000"/>
-      </a:schemeClr>
-    </dgm:linClrLst>
-    <dgm:effectClrLst/>
-    <dgm:txLinClrLst/>
-    <dgm:txFillClrLst meth="repeat">
-      <a:schemeClr val="tx1"/>
-    </dgm:txFillClrLst>
-    <dgm:txEffectClrLst/>
-  </dgm:styleLbl>
-  <dgm:styleLbl name="fgAcc1">
-    <dgm:fillClrLst meth="repeat">
-      <a:schemeClr val="lt2">
-        <a:alpha val="90000"/>
-      </a:schemeClr>
-    </dgm:fillClrLst>
-    <dgm:linClrLst meth="repeat">
-      <a:schemeClr val="dk2"/>
-    </dgm:linClrLst>
-    <dgm:effectClrLst/>
-    <dgm:txLinClrLst/>
-    <dgm:txFillClrLst meth="repeat">
-      <a:schemeClr val="dk1"/>
-    </dgm:txFillClrLst>
-    <dgm:txEffectClrLst/>
-  </dgm:styleLbl>
-  <dgm:styleLbl name="conFgAcc1">
-    <dgm:fillClrLst meth="repeat">
-      <a:schemeClr val="lt2">
-        <a:alpha val="90000"/>
-      </a:schemeClr>
-    </dgm:fillClrLst>
-    <dgm:linClrLst meth="repeat">
-      <a:schemeClr val="dk2"/>
-    </dgm:linClrLst>
-    <dgm:effectClrLst/>
-    <dgm:txLinClrLst/>
-    <dgm:txFillClrLst meth="repeat">
-      <a:schemeClr val="dk1"/>
-    </dgm:txFillClrLst>
-    <dgm:txEffectClrLst/>
-  </dgm:styleLbl>
-  <dgm:styleLbl name="alignAcc1">
-    <dgm:fillClrLst meth="repeat">
-      <a:schemeClr val="lt2">
-        <a:alpha val="90000"/>
-      </a:schemeClr>
-    </dgm:fillClrLst>
-    <dgm:linClrLst meth="repeat">
-      <a:schemeClr val="dk2"/>
-    </dgm:linClrLst>
-    <dgm:effectClrLst/>
-    <dgm:txLinClrLst/>
-    <dgm:txFillClrLst meth="repeat">
-      <a:schemeClr val="dk1"/>
-    </dgm:txFillClrLst>
-    <dgm:txEffectClrLst/>
-  </dgm:styleLbl>
-  <dgm:styleLbl name="trAlignAcc1">
-    <dgm:fillClrLst meth="repeat">
-      <a:schemeClr val="lt2">
-        <a:alpha val="40000"/>
-      </a:schemeClr>
-    </dgm:fillClrLst>
-    <dgm:linClrLst meth="repeat">
-      <a:schemeClr val="dk2"/>
-    </dgm:linClrLst>
-    <dgm:effectClrLst/>
-    <dgm:txLinClrLst/>
-    <dgm:txFillClrLst meth="repeat">
-      <a:schemeClr val="dk1"/>
-    </dgm:txFillClrLst>
-    <dgm:txEffectClrLst/>
-  </dgm:styleLbl>
-  <dgm:styleLbl name="bgAcc1">
-    <dgm:fillClrLst meth="repeat">
-      <a:schemeClr val="lt2">
-        <a:alpha val="90000"/>
-      </a:schemeClr>
-    </dgm:fillClrLst>
-    <dgm:linClrLst meth="repeat">
-      <a:schemeClr val="dk2"/>
-    </dgm:linClrLst>
-    <dgm:effectClrLst/>
-    <dgm:txLinClrLst/>
-    <dgm:txFillClrLst meth="repeat">
-      <a:schemeClr val="dk1"/>
-    </dgm:txFillClrLst>
-    <dgm:txEffectClrLst/>
-  </dgm:styleLbl>
-  <dgm:styleLbl name="solidFgAcc1">
-    <dgm:fillClrLst meth="repeat">
-      <a:schemeClr val="lt2"/>
-    </dgm:fillClrLst>
-    <dgm:linClrLst meth="repeat">
-      <a:schemeClr val="dk2"/>
-    </dgm:linClrLst>
-    <dgm:effectClrLst/>
-    <dgm:txLinClrLst/>
-    <dgm:txFillClrLst meth="repeat">
-      <a:schemeClr val="dk1"/>
-    </dgm:txFillClrLst>
-    <dgm:txEffectClrLst/>
-  </dgm:styleLbl>
-  <dgm:styleLbl name="solidAlignAcc1">
-    <dgm:fillClrLst meth="repeat">
-      <a:schemeClr val="lt2"/>
-    </dgm:fillClrLst>
-    <dgm:linClrLst meth="repeat">
-      <a:schemeClr val="dk2"/>
-    </dgm:linClrLst>
-    <dgm:effectClrLst/>
-    <dgm:txLinClrLst/>
-    <dgm:txFillClrLst meth="repeat">
-      <a:schemeClr val="dk1"/>
-    </dgm:txFillClrLst>
-    <dgm:txEffectClrLst/>
-  </dgm:styleLbl>
-  <dgm:styleLbl name="solidBgAcc1">
-    <dgm:fillClrLst meth="repeat">
-      <a:schemeClr val="lt2"/>
-    </dgm:fillClrLst>
-    <dgm:linClrLst meth="repeat">
-      <a:schemeClr val="dk2"/>
-    </dgm:linClrLst>
-    <dgm:effectClrLst/>
-    <dgm:txLinClrLst/>
-    <dgm:txFillClrLst meth="repeat">
-      <a:schemeClr val="dk1"/>
-    </dgm:txFillClrLst>
-    <dgm:txEffectClrLst/>
-  </dgm:styleLbl>
-  <dgm:styleLbl name="fgAccFollowNode1">
-    <dgm:fillClrLst meth="repeat">
-      <a:schemeClr val="dk2">
-        <a:alpha val="90000"/>
-        <a:tint val="40000"/>
-      </a:schemeClr>
-    </dgm:fillClrLst>
-    <dgm:linClrLst meth="repeat">
-      <a:schemeClr val="dk2">
-        <a:alpha val="90000"/>
-        <a:tint val="40000"/>
-      </a:schemeClr>
-    </dgm:linClrLst>
-    <dgm:effectClrLst/>
-    <dgm:txLinClrLst/>
-    <dgm:txFillClrLst meth="repeat">
-      <a:schemeClr val="dk1"/>
-    </dgm:txFillClrLst>
-    <dgm:txEffectClrLst/>
-  </dgm:styleLbl>
-  <dgm:styleLbl name="alignAccFollowNode1">
-    <dgm:fillClrLst meth="repeat">
-      <a:schemeClr val="dk2">
-        <a:alpha val="90000"/>
-        <a:tint val="40000"/>
-      </a:schemeClr>
-    </dgm:fillClrLst>
-    <dgm:linClrLst meth="repeat">
-      <a:schemeClr val="dk2">
-        <a:alpha val="90000"/>
-        <a:tint val="40000"/>
-      </a:schemeClr>
-    </dgm:linClrLst>
-    <dgm:effectClrLst/>
-    <dgm:txLinClrLst/>
-    <dgm:txFillClrLst meth="repeat">
-      <a:schemeClr val="dk1"/>
-    </dgm:txFillClrLst>
-    <dgm:txEffectClrLst/>
-  </dgm:styleLbl>
-  <dgm:styleLbl name="bgAccFollowNode1">
-    <dgm:fillClrLst meth="repeat">
-      <a:schemeClr val="dk2">
-        <a:alpha val="90000"/>
-        <a:tint val="40000"/>
-      </a:schemeClr>
-    </dgm:fillClrLst>
-    <dgm:linClrLst meth="repeat">
-      <a:schemeClr val="dk2">
-        <a:alpha val="90000"/>
-        <a:tint val="40000"/>
-      </a:schemeClr>
-    </dgm:linClrLst>
-    <dgm:effectClrLst/>
-    <dgm:txLinClrLst/>
-    <dgm:txFillClrLst meth="repeat">
-      <a:schemeClr val="dk1"/>
-    </dgm:txFillClrLst>
-    <dgm:txEffectClrLst/>
-  </dgm:styleLbl>
-  <dgm:styleLbl name="fgAcc0">
-    <dgm:fillClrLst meth="repeat">
-      <a:schemeClr val="lt2">
-        <a:alpha val="90000"/>
-      </a:schemeClr>
-    </dgm:fillClrLst>
-    <dgm:linClrLst meth="repeat">
-      <a:schemeClr val="dk2"/>
-    </dgm:linClrLst>
-    <dgm:effectClrLst/>
-    <dgm:txLinClrLst/>
-    <dgm:txFillClrLst meth="repeat">
-      <a:schemeClr val="dk1"/>
-    </dgm:txFillClrLst>
-    <dgm:txEffectClrLst/>
-  </dgm:styleLbl>
-  <dgm:styleLbl name="fgAcc2">
-    <dgm:fillClrLst meth="repeat">
-      <a:schemeClr val="lt2">
-        <a:alpha val="90000"/>
-      </a:schemeClr>
-    </dgm:fillClrLst>
-    <dgm:linClrLst meth="repeat">
-      <a:schemeClr val="dk2"/>
-    </dgm:linClrLst>
-    <dgm:effectClrLst/>
-    <dgm:txLinClrLst/>
-    <dgm:txFillClrLst meth="repeat">
-      <a:schemeClr val="dk1"/>
-    </dgm:txFillClrLst>
-    <dgm:txEffectClrLst/>
-  </dgm:styleLbl>
-  <dgm:styleLbl name="fgAcc3">
-    <dgm:fillClrLst meth="repeat">
-      <a:schemeClr val="lt2">
-        <a:alpha val="90000"/>
-      </a:schemeClr>
-    </dgm:fillClrLst>
-    <dgm:linClrLst meth="repeat">
-      <a:schemeClr val="dk2"/>
-    </dgm:linClrLst>
-    <dgm:effectClrLst/>
-    <dgm:txLinClrLst/>
-    <dgm:txFillClrLst meth="repeat">
-      <a:schemeClr val="dk1"/>
-    </dgm:txFillClrLst>
-    <dgm:txEffectClrLst/>
-  </dgm:styleLbl>
-  <dgm:styleLbl name="fgAcc4">
-    <dgm:fillClrLst meth="repeat">
-      <a:schemeClr val="lt2">
-        <a:alpha val="90000"/>
-      </a:schemeClr>
-    </dgm:fillClrLst>
-    <dgm:linClrLst meth="repeat">
-      <a:schemeClr val="dk2"/>
-    </dgm:linClrLst>
-    <dgm:effectClrLst/>
-    <dgm:txLinClrLst/>
-    <dgm:txFillClrLst meth="repeat">
-      <a:schemeClr val="dk1"/>
-    </dgm:txFillClrLst>
-    <dgm:txEffectClrLst/>
-  </dgm:styleLbl>
-  <dgm:styleLbl name="bgShp">
-    <dgm:fillClrLst meth="repeat">
-      <a:schemeClr val="dk2">
-        <a:tint val="40000"/>
-      </a:schemeClr>
-    </dgm:fillClrLst>
-    <dgm:linClrLst meth="repeat">
-      <a:schemeClr val="dk2"/>
-    </dgm:linClrLst>
-    <dgm:effectClrLst/>
-    <dgm:txLinClrLst/>
-    <dgm:txFillClrLst meth="repeat">
-      <a:schemeClr val="dk1"/>
-    </dgm:txFillClrLst>
-    <dgm:txEffectClrLst/>
-  </dgm:styleLbl>
-  <dgm:styleLbl name="dkBgShp">
-    <dgm:fillClrLst meth="repeat">
-      <a:schemeClr val="dk2">
-        <a:shade val="80000"/>
-      </a:schemeClr>
-    </dgm:fillClrLst>
-    <dgm:linClrLst meth="repeat">
-      <a:schemeClr val="dk2"/>
-    </dgm:linClrLst>
-    <dgm:effectClrLst/>
-    <dgm:txLinClrLst/>
-    <dgm:txFillClrLst meth="repeat">
-      <a:schemeClr val="lt1"/>
-    </dgm:txFillClrLst>
-    <dgm:txEffectClrLst/>
-  </dgm:styleLbl>
-  <dgm:styleLbl name="trBgShp">
-    <dgm:fillClrLst meth="repeat">
-      <a:schemeClr val="dk2">
-        <a:tint val="50000"/>
-        <a:alpha val="40000"/>
-      </a:schemeClr>
-    </dgm:fillClrLst>
-    <dgm:linClrLst meth="repeat">
-      <a:schemeClr val="dk2"/>
-    </dgm:linClrLst>
-    <dgm:effectClrLst/>
-    <dgm:txLinClrLst/>
-    <dgm:txFillClrLst meth="repeat">
-      <a:schemeClr val="lt1"/>
-    </dgm:txFillClrLst>
-    <dgm:txEffectClrLst/>
-  </dgm:styleLbl>
-  <dgm:styleLbl name="fgShp">
-    <dgm:fillClrLst meth="repeat">
-      <a:schemeClr val="dk2">
-        <a:tint val="60000"/>
-      </a:schemeClr>
-    </dgm:fillClrLst>
-    <dgm:linClrLst meth="repeat">
-      <a:schemeClr val="lt2"/>
-    </dgm:linClrLst>
-    <dgm:effectClrLst/>
-    <dgm:txLinClrLst/>
-    <dgm:txFillClrLst meth="repeat">
-      <a:schemeClr val="dk1"/>
-    </dgm:txFillClrLst>
-    <dgm:txEffectClrLst/>
-  </dgm:styleLbl>
-  <dgm:styleLbl name="revTx">
-    <dgm:fillClrLst meth="repeat">
-      <a:schemeClr val="lt2">
-        <a:alpha val="0"/>
-      </a:schemeClr>
-    </dgm:fillClrLst>
-    <dgm:linClrLst meth="repeat">
-      <a:schemeClr val="dk1">
-        <a:alpha val="0"/>
-      </a:schemeClr>
-    </dgm:linClrLst>
-    <dgm:effectClrLst/>
-    <dgm:txLinClrLst/>
-    <dgm:txFillClrLst meth="repeat">
-      <a:schemeClr val="tx1"/>
-    </dgm:txFillClrLst>
-    <dgm:txEffectClrLst/>
-  </dgm:styleLbl>
-</dgm:colorsDef>
-</file>
-
-<file path=ppt/diagrams/colors2.xml><?xml version="1.0" encoding="utf-8"?>
 <dgm:colorsDef xmlns:dgm="http://schemas.openxmlformats.org/drawingml/2006/diagram" xmlns:a="http://schemas.openxmlformats.org/drawingml/2006/main" uniqueId="urn:microsoft.com/office/officeart/2005/8/colors/accent0_3">
   <dgm:title val=""/>
   <dgm:desc val=""/>
@@ -1879,6 +1130,13 @@
         </dgm:presLayoutVars>
       </dgm:prSet>
       <dgm:spPr/>
+      <dgm:t>
+        <a:bodyPr/>
+        <a:lstStyle/>
+        <a:p>
+          <a:endParaRPr lang="en-US"/>
+        </a:p>
+      </dgm:t>
     </dgm:pt>
     <dgm:pt modelId="{BBE9A92A-0C5B-4830-828A-F33554E0CF6F}" type="pres">
       <dgm:prSet presAssocID="{92365D73-59B5-4770-8657-DC5BD058A600}" presName="hierFlow" presStyleCnt="0"/>
@@ -1905,6 +1163,13 @@
         </dgm:presLayoutVars>
       </dgm:prSet>
       <dgm:spPr/>
+      <dgm:t>
+        <a:bodyPr/>
+        <a:lstStyle/>
+        <a:p>
+          <a:endParaRPr lang="en-US"/>
+        </a:p>
+      </dgm:t>
     </dgm:pt>
     <dgm:pt modelId="{D3C56287-6633-4D35-AC5B-1B64012B1330}" type="pres">
       <dgm:prSet presAssocID="{F635A32E-5627-439F-AB9D-F13F4D9437C6}" presName="hierChild2" presStyleCnt="0"/>
@@ -1913,6 +1178,13 @@
     <dgm:pt modelId="{463F15CD-A45C-4462-9948-E711D053C6B4}" type="pres">
       <dgm:prSet presAssocID="{C0C536BF-CB4F-46EF-9A38-C898FF177A54}" presName="Name19" presStyleLbl="parChTrans1D2" presStyleIdx="0" presStyleCnt="2"/>
       <dgm:spPr/>
+      <dgm:t>
+        <a:bodyPr/>
+        <a:lstStyle/>
+        <a:p>
+          <a:endParaRPr lang="en-US"/>
+        </a:p>
+      </dgm:t>
     </dgm:pt>
     <dgm:pt modelId="{EF6C3CB8-0883-4BE4-9DB8-F49A082718FD}" type="pres">
       <dgm:prSet presAssocID="{8B60073C-63F4-4FB7-A112-2629B8979010}" presName="Name21" presStyleCnt="0"/>
@@ -1921,6 +1193,13 @@
     <dgm:pt modelId="{B8D15FD1-F334-4D3D-BBFA-2F7BB9251441}" type="pres">
       <dgm:prSet presAssocID="{8B60073C-63F4-4FB7-A112-2629B8979010}" presName="level2Shape" presStyleLbl="node2" presStyleIdx="0" presStyleCnt="2"/>
       <dgm:spPr/>
+      <dgm:t>
+        <a:bodyPr/>
+        <a:lstStyle/>
+        <a:p>
+          <a:endParaRPr lang="en-US"/>
+        </a:p>
+      </dgm:t>
     </dgm:pt>
     <dgm:pt modelId="{2C8331EE-7B83-4334-8F17-6C950176F49E}" type="pres">
       <dgm:prSet presAssocID="{8B60073C-63F4-4FB7-A112-2629B8979010}" presName="hierChild3" presStyleCnt="0"/>
@@ -1929,6 +1208,13 @@
     <dgm:pt modelId="{AA4D6884-88A6-49F8-B4F2-AEE6E73BD9FB}" type="pres">
       <dgm:prSet presAssocID="{0B492C23-0B9B-4393-94BB-16FF4E13DBBD}" presName="Name19" presStyleLbl="parChTrans1D2" presStyleIdx="1" presStyleCnt="2"/>
       <dgm:spPr/>
+      <dgm:t>
+        <a:bodyPr/>
+        <a:lstStyle/>
+        <a:p>
+          <a:endParaRPr lang="en-US"/>
+        </a:p>
+      </dgm:t>
     </dgm:pt>
     <dgm:pt modelId="{ACA54B9F-0DFE-46B4-A8C6-7106430475DB}" type="pres">
       <dgm:prSet presAssocID="{BA4E5D79-4C3E-48C3-9806-4174BA46BD83}" presName="Name21" presStyleCnt="0"/>
@@ -1937,6 +1223,13 @@
     <dgm:pt modelId="{54380677-F5F1-4608-B5DE-B8F90C1B0EF4}" type="pres">
       <dgm:prSet presAssocID="{BA4E5D79-4C3E-48C3-9806-4174BA46BD83}" presName="level2Shape" presStyleLbl="node2" presStyleIdx="1" presStyleCnt="2"/>
       <dgm:spPr/>
+      <dgm:t>
+        <a:bodyPr/>
+        <a:lstStyle/>
+        <a:p>
+          <a:endParaRPr lang="en-US"/>
+        </a:p>
+      </dgm:t>
     </dgm:pt>
     <dgm:pt modelId="{F9A8BB87-4840-4028-ADB2-D71695ED2C28}" type="pres">
       <dgm:prSet presAssocID="{BA4E5D79-4C3E-48C3-9806-4174BA46BD83}" presName="hierChild3" presStyleCnt="0"/>
@@ -1945,6 +1238,13 @@
     <dgm:pt modelId="{81159E24-14D7-44FE-859A-9A57B43E2135}" type="pres">
       <dgm:prSet presAssocID="{13A7D5E4-8B64-4136-9469-68B17BBB6DF6}" presName="Name19" presStyleLbl="parChTrans1D3" presStyleIdx="0" presStyleCnt="1"/>
       <dgm:spPr/>
+      <dgm:t>
+        <a:bodyPr/>
+        <a:lstStyle/>
+        <a:p>
+          <a:endParaRPr lang="en-US"/>
+        </a:p>
+      </dgm:t>
     </dgm:pt>
     <dgm:pt modelId="{345B1343-AC4D-441A-9E51-33CA14015568}" type="pres">
       <dgm:prSet presAssocID="{4D4DC481-F703-42F8-9E54-ECEAA1AE34B0}" presName="Name21" presStyleCnt="0"/>
@@ -1953,6 +1253,13 @@
     <dgm:pt modelId="{ED9FF23E-44F9-4058-ABA0-AB473DF6CC42}" type="pres">
       <dgm:prSet presAssocID="{4D4DC481-F703-42F8-9E54-ECEAA1AE34B0}" presName="level2Shape" presStyleLbl="node3" presStyleIdx="0" presStyleCnt="1"/>
       <dgm:spPr/>
+      <dgm:t>
+        <a:bodyPr/>
+        <a:lstStyle/>
+        <a:p>
+          <a:endParaRPr lang="en-US"/>
+        </a:p>
+      </dgm:t>
     </dgm:pt>
     <dgm:pt modelId="{A1763C36-394E-4589-BABF-8D60658EEDA0}" type="pres">
       <dgm:prSet presAssocID="{4D4DC481-F703-42F8-9E54-ECEAA1AE34B0}" presName="hierChild3" presStyleCnt="0"/>
@@ -1961,6 +1268,13 @@
     <dgm:pt modelId="{3DD5293F-AAB0-4966-936D-C5F816FCDAE1}" type="pres">
       <dgm:prSet presAssocID="{63BA1459-38A1-4971-925F-ACF9CB0AD617}" presName="Name19" presStyleLbl="parChTrans1D4" presStyleIdx="0" presStyleCnt="2"/>
       <dgm:spPr/>
+      <dgm:t>
+        <a:bodyPr/>
+        <a:lstStyle/>
+        <a:p>
+          <a:endParaRPr lang="en-US"/>
+        </a:p>
+      </dgm:t>
     </dgm:pt>
     <dgm:pt modelId="{07A1573D-2BDF-455C-8E5D-52C262FE1A74}" type="pres">
       <dgm:prSet presAssocID="{677A6B7D-697B-440C-95AD-35A99EB99672}" presName="Name21" presStyleCnt="0"/>
@@ -1969,6 +1283,13 @@
     <dgm:pt modelId="{4DE24E9D-9930-4903-ADB0-11A2486B4473}" type="pres">
       <dgm:prSet presAssocID="{677A6B7D-697B-440C-95AD-35A99EB99672}" presName="level2Shape" presStyleLbl="node4" presStyleIdx="0" presStyleCnt="2"/>
       <dgm:spPr/>
+      <dgm:t>
+        <a:bodyPr/>
+        <a:lstStyle/>
+        <a:p>
+          <a:endParaRPr lang="en-US"/>
+        </a:p>
+      </dgm:t>
     </dgm:pt>
     <dgm:pt modelId="{73E9C351-93AE-4C17-A3C9-F4D80950A1FB}" type="pres">
       <dgm:prSet presAssocID="{677A6B7D-697B-440C-95AD-35A99EB99672}" presName="hierChild3" presStyleCnt="0"/>
@@ -1977,6 +1298,13 @@
     <dgm:pt modelId="{9B0E16B5-BCF0-44FA-804E-9FDF20ACC5FA}" type="pres">
       <dgm:prSet presAssocID="{4488A1EA-8DBE-4CE7-AF2E-CC7CB287EC64}" presName="Name19" presStyleLbl="parChTrans1D4" presStyleIdx="1" presStyleCnt="2"/>
       <dgm:spPr/>
+      <dgm:t>
+        <a:bodyPr/>
+        <a:lstStyle/>
+        <a:p>
+          <a:endParaRPr lang="en-US"/>
+        </a:p>
+      </dgm:t>
     </dgm:pt>
     <dgm:pt modelId="{10913DC3-ABF6-4E0B-9B5D-95C2BCE46092}" type="pres">
       <dgm:prSet presAssocID="{67227851-E9E0-45E8-8326-081E50259687}" presName="Name21" presStyleCnt="0"/>
@@ -1985,6 +1313,13 @@
     <dgm:pt modelId="{8F10CC7E-6E25-45D0-A54D-2391DFF2213D}" type="pres">
       <dgm:prSet presAssocID="{67227851-E9E0-45E8-8326-081E50259687}" presName="level2Shape" presStyleLbl="node4" presStyleIdx="1" presStyleCnt="2"/>
       <dgm:spPr/>
+      <dgm:t>
+        <a:bodyPr/>
+        <a:lstStyle/>
+        <a:p>
+          <a:endParaRPr lang="en-US"/>
+        </a:p>
+      </dgm:t>
     </dgm:pt>
     <dgm:pt modelId="{B9EA6D60-66E1-467E-9F2E-0FAD6C8A8783}" type="pres">
       <dgm:prSet presAssocID="{67227851-E9E0-45E8-8326-081E50259687}" presName="hierChild3" presStyleCnt="0"/>
@@ -1996,24 +1331,24 @@
     </dgm:pt>
   </dgm:ptLst>
   <dgm:cxnLst>
+    <dgm:cxn modelId="{561997CC-9E3C-4751-891E-327DD3641ED4}" type="presOf" srcId="{92365D73-59B5-4770-8657-DC5BD058A600}" destId="{1D72673F-9B6B-4F4D-9417-9587CDA740BB}" srcOrd="0" destOrd="0" presId="urn:microsoft.com/office/officeart/2005/8/layout/hierarchy6"/>
+    <dgm:cxn modelId="{E1F26910-909A-4DE4-AB7F-7D7BB901D8ED}" srcId="{4D4DC481-F703-42F8-9E54-ECEAA1AE34B0}" destId="{677A6B7D-697B-440C-95AD-35A99EB99672}" srcOrd="0" destOrd="0" parTransId="{63BA1459-38A1-4971-925F-ACF9CB0AD617}" sibTransId="{FC990CF0-1445-4E52-AFAB-281BBD6EB83C}"/>
+    <dgm:cxn modelId="{F1BAAC4A-C091-458B-9521-C769B8DDAC48}" type="presOf" srcId="{BA4E5D79-4C3E-48C3-9806-4174BA46BD83}" destId="{54380677-F5F1-4608-B5DE-B8F90C1B0EF4}" srcOrd="0" destOrd="0" presId="urn:microsoft.com/office/officeart/2005/8/layout/hierarchy6"/>
+    <dgm:cxn modelId="{90AD779E-5736-47B0-925C-4E9CF1E693A7}" type="presOf" srcId="{F635A32E-5627-439F-AB9D-F13F4D9437C6}" destId="{0888257A-EE48-472B-BEB2-6047B4B3FFCD}" srcOrd="0" destOrd="0" presId="urn:microsoft.com/office/officeart/2005/8/layout/hierarchy6"/>
+    <dgm:cxn modelId="{13D212E6-566C-47FA-ADB5-444A8844E972}" type="presOf" srcId="{13A7D5E4-8B64-4136-9469-68B17BBB6DF6}" destId="{81159E24-14D7-44FE-859A-9A57B43E2135}" srcOrd="0" destOrd="0" presId="urn:microsoft.com/office/officeart/2005/8/layout/hierarchy6"/>
+    <dgm:cxn modelId="{C412081E-FD94-46AE-AD21-2AE5839D95EA}" type="presOf" srcId="{63BA1459-38A1-4971-925F-ACF9CB0AD617}" destId="{3DD5293F-AAB0-4966-936D-C5F816FCDAE1}" srcOrd="0" destOrd="0" presId="urn:microsoft.com/office/officeart/2005/8/layout/hierarchy6"/>
+    <dgm:cxn modelId="{A81691ED-2869-4F3D-A6EF-8AC1178AF208}" type="presOf" srcId="{4D4DC481-F703-42F8-9E54-ECEAA1AE34B0}" destId="{ED9FF23E-44F9-4058-ABA0-AB473DF6CC42}" srcOrd="0" destOrd="0" presId="urn:microsoft.com/office/officeart/2005/8/layout/hierarchy6"/>
+    <dgm:cxn modelId="{8338CDE5-3A03-4398-9D55-8791BFDA0E0F}" type="presOf" srcId="{0B492C23-0B9B-4393-94BB-16FF4E13DBBD}" destId="{AA4D6884-88A6-49F8-B4F2-AEE6E73BD9FB}" srcOrd="0" destOrd="0" presId="urn:microsoft.com/office/officeart/2005/8/layout/hierarchy6"/>
+    <dgm:cxn modelId="{42B32E92-8FA7-4D13-B556-3230D2329C5E}" srcId="{92365D73-59B5-4770-8657-DC5BD058A600}" destId="{F635A32E-5627-439F-AB9D-F13F4D9437C6}" srcOrd="0" destOrd="0" parTransId="{5EB2059C-9A1F-4A18-B942-830F44CC5E7E}" sibTransId="{7F1B749D-08F4-4B8D-8684-A1BA43136C16}"/>
+    <dgm:cxn modelId="{CC46562E-22A4-4646-ABEA-002873042AA3}" srcId="{4D4DC481-F703-42F8-9E54-ECEAA1AE34B0}" destId="{67227851-E9E0-45E8-8326-081E50259687}" srcOrd="1" destOrd="0" parTransId="{4488A1EA-8DBE-4CE7-AF2E-CC7CB287EC64}" sibTransId="{495A035F-43B7-42FC-9139-E5ADC6F13748}"/>
+    <dgm:cxn modelId="{0D41FACA-9DBC-4AA1-860D-0797F58E4DAB}" type="presOf" srcId="{677A6B7D-697B-440C-95AD-35A99EB99672}" destId="{4DE24E9D-9930-4903-ADB0-11A2486B4473}" srcOrd="0" destOrd="0" presId="urn:microsoft.com/office/officeart/2005/8/layout/hierarchy6"/>
+    <dgm:cxn modelId="{BDA7FFE0-9BC2-4EA6-8319-806C9FFCE24B}" type="presOf" srcId="{8B60073C-63F4-4FB7-A112-2629B8979010}" destId="{B8D15FD1-F334-4D3D-BBFA-2F7BB9251441}" srcOrd="0" destOrd="0" presId="urn:microsoft.com/office/officeart/2005/8/layout/hierarchy6"/>
+    <dgm:cxn modelId="{627EB41A-D074-49C5-AAA3-8F25EF84EC0C}" type="presOf" srcId="{67227851-E9E0-45E8-8326-081E50259687}" destId="{8F10CC7E-6E25-45D0-A54D-2391DFF2213D}" srcOrd="0" destOrd="0" presId="urn:microsoft.com/office/officeart/2005/8/layout/hierarchy6"/>
+    <dgm:cxn modelId="{E6AACE39-CF3D-43C9-AE30-6907462BF268}" type="presOf" srcId="{4488A1EA-8DBE-4CE7-AF2E-CC7CB287EC64}" destId="{9B0E16B5-BCF0-44FA-804E-9FDF20ACC5FA}" srcOrd="0" destOrd="0" presId="urn:microsoft.com/office/officeart/2005/8/layout/hierarchy6"/>
     <dgm:cxn modelId="{661CF4C4-6E59-4FEE-A450-34E820E88B97}" srcId="{F635A32E-5627-439F-AB9D-F13F4D9437C6}" destId="{BA4E5D79-4C3E-48C3-9806-4174BA46BD83}" srcOrd="1" destOrd="0" parTransId="{0B492C23-0B9B-4393-94BB-16FF4E13DBBD}" sibTransId="{46B02BCB-13F7-408E-84F6-0EC231152A84}"/>
     <dgm:cxn modelId="{C01F7836-3B38-47A2-8478-92BDDFEEFD21}" type="presOf" srcId="{C0C536BF-CB4F-46EF-9A38-C898FF177A54}" destId="{463F15CD-A45C-4462-9948-E711D053C6B4}" srcOrd="0" destOrd="0" presId="urn:microsoft.com/office/officeart/2005/8/layout/hierarchy6"/>
+    <dgm:cxn modelId="{82E5B663-B0D3-4A4B-8466-01036A8BB3BB}" srcId="{BA4E5D79-4C3E-48C3-9806-4174BA46BD83}" destId="{4D4DC481-F703-42F8-9E54-ECEAA1AE34B0}" srcOrd="0" destOrd="0" parTransId="{13A7D5E4-8B64-4136-9469-68B17BBB6DF6}" sibTransId="{E69867A1-A6B1-4D9D-9250-46FBD0FC8660}"/>
     <dgm:cxn modelId="{7B9DB950-F5E8-4C0A-8548-895050C18CCB}" srcId="{F635A32E-5627-439F-AB9D-F13F4D9437C6}" destId="{8B60073C-63F4-4FB7-A112-2629B8979010}" srcOrd="0" destOrd="0" parTransId="{C0C536BF-CB4F-46EF-9A38-C898FF177A54}" sibTransId="{E4281176-6375-420A-B6D0-89BE4092744C}"/>
-    <dgm:cxn modelId="{8338CDE5-3A03-4398-9D55-8791BFDA0E0F}" type="presOf" srcId="{0B492C23-0B9B-4393-94BB-16FF4E13DBBD}" destId="{AA4D6884-88A6-49F8-B4F2-AEE6E73BD9FB}" srcOrd="0" destOrd="0" presId="urn:microsoft.com/office/officeart/2005/8/layout/hierarchy6"/>
-    <dgm:cxn modelId="{CC46562E-22A4-4646-ABEA-002873042AA3}" srcId="{4D4DC481-F703-42F8-9E54-ECEAA1AE34B0}" destId="{67227851-E9E0-45E8-8326-081E50259687}" srcOrd="1" destOrd="0" parTransId="{4488A1EA-8DBE-4CE7-AF2E-CC7CB287EC64}" sibTransId="{495A035F-43B7-42FC-9139-E5ADC6F13748}"/>
-    <dgm:cxn modelId="{E6AACE39-CF3D-43C9-AE30-6907462BF268}" type="presOf" srcId="{4488A1EA-8DBE-4CE7-AF2E-CC7CB287EC64}" destId="{9B0E16B5-BCF0-44FA-804E-9FDF20ACC5FA}" srcOrd="0" destOrd="0" presId="urn:microsoft.com/office/officeart/2005/8/layout/hierarchy6"/>
-    <dgm:cxn modelId="{90AD779E-5736-47B0-925C-4E9CF1E693A7}" type="presOf" srcId="{F635A32E-5627-439F-AB9D-F13F4D9437C6}" destId="{0888257A-EE48-472B-BEB2-6047B4B3FFCD}" srcOrd="0" destOrd="0" presId="urn:microsoft.com/office/officeart/2005/8/layout/hierarchy6"/>
-    <dgm:cxn modelId="{E1F26910-909A-4DE4-AB7F-7D7BB901D8ED}" srcId="{4D4DC481-F703-42F8-9E54-ECEAA1AE34B0}" destId="{677A6B7D-697B-440C-95AD-35A99EB99672}" srcOrd="0" destOrd="0" parTransId="{63BA1459-38A1-4971-925F-ACF9CB0AD617}" sibTransId="{FC990CF0-1445-4E52-AFAB-281BBD6EB83C}"/>
-    <dgm:cxn modelId="{561997CC-9E3C-4751-891E-327DD3641ED4}" type="presOf" srcId="{92365D73-59B5-4770-8657-DC5BD058A600}" destId="{1D72673F-9B6B-4F4D-9417-9587CDA740BB}" srcOrd="0" destOrd="0" presId="urn:microsoft.com/office/officeart/2005/8/layout/hierarchy6"/>
-    <dgm:cxn modelId="{BDA7FFE0-9BC2-4EA6-8319-806C9FFCE24B}" type="presOf" srcId="{8B60073C-63F4-4FB7-A112-2629B8979010}" destId="{B8D15FD1-F334-4D3D-BBFA-2F7BB9251441}" srcOrd="0" destOrd="0" presId="urn:microsoft.com/office/officeart/2005/8/layout/hierarchy6"/>
-    <dgm:cxn modelId="{627EB41A-D074-49C5-AAA3-8F25EF84EC0C}" type="presOf" srcId="{67227851-E9E0-45E8-8326-081E50259687}" destId="{8F10CC7E-6E25-45D0-A54D-2391DFF2213D}" srcOrd="0" destOrd="0" presId="urn:microsoft.com/office/officeart/2005/8/layout/hierarchy6"/>
-    <dgm:cxn modelId="{F1BAAC4A-C091-458B-9521-C769B8DDAC48}" type="presOf" srcId="{BA4E5D79-4C3E-48C3-9806-4174BA46BD83}" destId="{54380677-F5F1-4608-B5DE-B8F90C1B0EF4}" srcOrd="0" destOrd="0" presId="urn:microsoft.com/office/officeart/2005/8/layout/hierarchy6"/>
-    <dgm:cxn modelId="{A81691ED-2869-4F3D-A6EF-8AC1178AF208}" type="presOf" srcId="{4D4DC481-F703-42F8-9E54-ECEAA1AE34B0}" destId="{ED9FF23E-44F9-4058-ABA0-AB473DF6CC42}" srcOrd="0" destOrd="0" presId="urn:microsoft.com/office/officeart/2005/8/layout/hierarchy6"/>
-    <dgm:cxn modelId="{42B32E92-8FA7-4D13-B556-3230D2329C5E}" srcId="{92365D73-59B5-4770-8657-DC5BD058A600}" destId="{F635A32E-5627-439F-AB9D-F13F4D9437C6}" srcOrd="0" destOrd="0" parTransId="{5EB2059C-9A1F-4A18-B942-830F44CC5E7E}" sibTransId="{7F1B749D-08F4-4B8D-8684-A1BA43136C16}"/>
-    <dgm:cxn modelId="{C412081E-FD94-46AE-AD21-2AE5839D95EA}" type="presOf" srcId="{63BA1459-38A1-4971-925F-ACF9CB0AD617}" destId="{3DD5293F-AAB0-4966-936D-C5F816FCDAE1}" srcOrd="0" destOrd="0" presId="urn:microsoft.com/office/officeart/2005/8/layout/hierarchy6"/>
-    <dgm:cxn modelId="{82E5B663-B0D3-4A4B-8466-01036A8BB3BB}" srcId="{BA4E5D79-4C3E-48C3-9806-4174BA46BD83}" destId="{4D4DC481-F703-42F8-9E54-ECEAA1AE34B0}" srcOrd="0" destOrd="0" parTransId="{13A7D5E4-8B64-4136-9469-68B17BBB6DF6}" sibTransId="{E69867A1-A6B1-4D9D-9250-46FBD0FC8660}"/>
-    <dgm:cxn modelId="{13D212E6-566C-47FA-ADB5-444A8844E972}" type="presOf" srcId="{13A7D5E4-8B64-4136-9469-68B17BBB6DF6}" destId="{81159E24-14D7-44FE-859A-9A57B43E2135}" srcOrd="0" destOrd="0" presId="urn:microsoft.com/office/officeart/2005/8/layout/hierarchy6"/>
-    <dgm:cxn modelId="{0D41FACA-9DBC-4AA1-860D-0797F58E4DAB}" type="presOf" srcId="{677A6B7D-697B-440C-95AD-35A99EB99672}" destId="{4DE24E9D-9930-4903-ADB0-11A2486B4473}" srcOrd="0" destOrd="0" presId="urn:microsoft.com/office/officeart/2005/8/layout/hierarchy6"/>
     <dgm:cxn modelId="{658768EA-E2CC-4119-9D27-555FA9EEB846}" type="presParOf" srcId="{1D72673F-9B6B-4F4D-9417-9587CDA740BB}" destId="{BBE9A92A-0C5B-4830-828A-F33554E0CF6F}" srcOrd="0" destOrd="0" presId="urn:microsoft.com/office/officeart/2005/8/layout/hierarchy6"/>
     <dgm:cxn modelId="{191D51D8-B47F-4A06-A2E5-7EF4034BA495}" type="presParOf" srcId="{BBE9A92A-0C5B-4830-828A-F33554E0CF6F}" destId="{9109BE28-FB3A-4B82-8633-B8FBBECDAF83}" srcOrd="0" destOrd="0" presId="urn:microsoft.com/office/officeart/2005/8/layout/hierarchy6"/>
     <dgm:cxn modelId="{6B109D36-3554-455A-9227-EE84EDADDB84}" type="presParOf" srcId="{9109BE28-FB3A-4B82-8633-B8FBBECDAF83}" destId="{68C47FE3-C8CD-40D6-A09C-EC249DEBF2AF}" srcOrd="0" destOrd="0" presId="urn:microsoft.com/office/officeart/2005/8/layout/hierarchy6"/>
@@ -2046,425 +1381,6 @@
   <dgm:extLst>
     <a:ext uri="http://schemas.microsoft.com/office/drawing/2008/diagram">
       <dsp:dataModelExt xmlns:dsp="http://schemas.microsoft.com/office/drawing/2008/diagram" relId="rId7" minVer="http://schemas.openxmlformats.org/drawingml/2006/diagram"/>
-    </a:ext>
-  </dgm:extLst>
-</dgm:dataModel>
-</file>
-
-<file path=ppt/diagrams/data2.xml><?xml version="1.0" encoding="utf-8"?>
-<dgm:dataModel xmlns:dgm="http://schemas.openxmlformats.org/drawingml/2006/diagram" xmlns:a="http://schemas.openxmlformats.org/drawingml/2006/main">
-  <dgm:ptLst>
-    <dgm:pt modelId="{92365D73-59B5-4770-8657-DC5BD058A600}" type="doc">
-      <dgm:prSet loTypeId="urn:microsoft.com/office/officeart/2005/8/layout/hierarchy6" loCatId="hierarchy" qsTypeId="urn:microsoft.com/office/officeart/2005/8/quickstyle/simple1" qsCatId="simple" csTypeId="urn:microsoft.com/office/officeart/2005/8/colors/accent0_3" csCatId="mainScheme" phldr="1"/>
-      <dgm:spPr/>
-      <dgm:t>
-        <a:bodyPr/>
-        <a:lstStyle/>
-        <a:p>
-          <a:endParaRPr lang="en-US"/>
-        </a:p>
-      </dgm:t>
-    </dgm:pt>
-    <dgm:pt modelId="{F635A32E-5627-439F-AB9D-F13F4D9437C6}">
-      <dgm:prSet phldrT="[Text]" custT="1"/>
-      <dgm:spPr/>
-      <dgm:t>
-        <a:bodyPr/>
-        <a:lstStyle/>
-        <a:p>
-          <a:r>
-            <a:rPr lang="en-US" sz="1050" b="1" dirty="0" smtClean="0"/>
-            <a:t>html</a:t>
-          </a:r>
-          <a:endParaRPr lang="en-US" sz="1050" b="1" dirty="0"/>
-        </a:p>
-      </dgm:t>
-    </dgm:pt>
-    <dgm:pt modelId="{5EB2059C-9A1F-4A18-B942-830F44CC5E7E}" type="parTrans" cxnId="{42B32E92-8FA7-4D13-B556-3230D2329C5E}">
-      <dgm:prSet/>
-      <dgm:spPr/>
-      <dgm:t>
-        <a:bodyPr/>
-        <a:lstStyle/>
-        <a:p>
-          <a:endParaRPr lang="en-US" sz="2000" b="1"/>
-        </a:p>
-      </dgm:t>
-    </dgm:pt>
-    <dgm:pt modelId="{7F1B749D-08F4-4B8D-8684-A1BA43136C16}" type="sibTrans" cxnId="{42B32E92-8FA7-4D13-B556-3230D2329C5E}">
-      <dgm:prSet/>
-      <dgm:spPr/>
-      <dgm:t>
-        <a:bodyPr/>
-        <a:lstStyle/>
-        <a:p>
-          <a:endParaRPr lang="en-US" sz="2000" b="1"/>
-        </a:p>
-      </dgm:t>
-    </dgm:pt>
-    <dgm:pt modelId="{8B60073C-63F4-4FB7-A112-2629B8979010}">
-      <dgm:prSet phldrT="[Text]" custT="1"/>
-      <dgm:spPr/>
-      <dgm:t>
-        <a:bodyPr/>
-        <a:lstStyle/>
-        <a:p>
-          <a:r>
-            <a:rPr lang="en-US" sz="1050" b="1" dirty="0" smtClean="0"/>
-            <a:t>head</a:t>
-          </a:r>
-          <a:endParaRPr lang="en-US" sz="1050" b="1" dirty="0"/>
-        </a:p>
-      </dgm:t>
-    </dgm:pt>
-    <dgm:pt modelId="{C0C536BF-CB4F-46EF-9A38-C898FF177A54}" type="parTrans" cxnId="{7B9DB950-F5E8-4C0A-8548-895050C18CCB}">
-      <dgm:prSet/>
-      <dgm:spPr/>
-      <dgm:t>
-        <a:bodyPr/>
-        <a:lstStyle/>
-        <a:p>
-          <a:endParaRPr lang="en-US" sz="2000" b="1"/>
-        </a:p>
-      </dgm:t>
-    </dgm:pt>
-    <dgm:pt modelId="{E4281176-6375-420A-B6D0-89BE4092744C}" type="sibTrans" cxnId="{7B9DB950-F5E8-4C0A-8548-895050C18CCB}">
-      <dgm:prSet/>
-      <dgm:spPr/>
-      <dgm:t>
-        <a:bodyPr/>
-        <a:lstStyle/>
-        <a:p>
-          <a:endParaRPr lang="en-US" sz="2000" b="1"/>
-        </a:p>
-      </dgm:t>
-    </dgm:pt>
-    <dgm:pt modelId="{BA4E5D79-4C3E-48C3-9806-4174BA46BD83}">
-      <dgm:prSet phldrT="[Text]" custT="1"/>
-      <dgm:spPr/>
-      <dgm:t>
-        <a:bodyPr/>
-        <a:lstStyle/>
-        <a:p>
-          <a:r>
-            <a:rPr lang="en-US" sz="1050" b="1" dirty="0" smtClean="0"/>
-            <a:t>body</a:t>
-          </a:r>
-          <a:endParaRPr lang="en-US" sz="1050" b="1" dirty="0"/>
-        </a:p>
-      </dgm:t>
-    </dgm:pt>
-    <dgm:pt modelId="{0B492C23-0B9B-4393-94BB-16FF4E13DBBD}" type="parTrans" cxnId="{661CF4C4-6E59-4FEE-A450-34E820E88B97}">
-      <dgm:prSet/>
-      <dgm:spPr/>
-      <dgm:t>
-        <a:bodyPr/>
-        <a:lstStyle/>
-        <a:p>
-          <a:endParaRPr lang="en-US" sz="2000" b="1"/>
-        </a:p>
-      </dgm:t>
-    </dgm:pt>
-    <dgm:pt modelId="{46B02BCB-13F7-408E-84F6-0EC231152A84}" type="sibTrans" cxnId="{661CF4C4-6E59-4FEE-A450-34E820E88B97}">
-      <dgm:prSet/>
-      <dgm:spPr/>
-      <dgm:t>
-        <a:bodyPr/>
-        <a:lstStyle/>
-        <a:p>
-          <a:endParaRPr lang="en-US" sz="2000" b="1"/>
-        </a:p>
-      </dgm:t>
-    </dgm:pt>
-    <dgm:pt modelId="{4D4DC481-F703-42F8-9E54-ECEAA1AE34B0}">
-      <dgm:prSet phldrT="[Text]" custT="1"/>
-      <dgm:spPr/>
-      <dgm:t>
-        <a:bodyPr/>
-        <a:lstStyle/>
-        <a:p>
-          <a:r>
-            <a:rPr lang="en-US" sz="1050" b="1" dirty="0" smtClean="0"/>
-            <a:t>div</a:t>
-          </a:r>
-          <a:endParaRPr lang="en-US" sz="1050" b="1" dirty="0"/>
-        </a:p>
-      </dgm:t>
-    </dgm:pt>
-    <dgm:pt modelId="{13A7D5E4-8B64-4136-9469-68B17BBB6DF6}" type="parTrans" cxnId="{82E5B663-B0D3-4A4B-8466-01036A8BB3BB}">
-      <dgm:prSet/>
-      <dgm:spPr/>
-      <dgm:t>
-        <a:bodyPr/>
-        <a:lstStyle/>
-        <a:p>
-          <a:endParaRPr lang="en-US" sz="2000" b="1"/>
-        </a:p>
-      </dgm:t>
-    </dgm:pt>
-    <dgm:pt modelId="{E69867A1-A6B1-4D9D-9250-46FBD0FC8660}" type="sibTrans" cxnId="{82E5B663-B0D3-4A4B-8466-01036A8BB3BB}">
-      <dgm:prSet/>
-      <dgm:spPr/>
-      <dgm:t>
-        <a:bodyPr/>
-        <a:lstStyle/>
-        <a:p>
-          <a:endParaRPr lang="en-US" sz="2000" b="1"/>
-        </a:p>
-      </dgm:t>
-    </dgm:pt>
-    <dgm:pt modelId="{677A6B7D-697B-440C-95AD-35A99EB99672}">
-      <dgm:prSet phldrT="[Text]" custT="1"/>
-      <dgm:spPr/>
-      <dgm:t>
-        <a:bodyPr/>
-        <a:lstStyle/>
-        <a:p>
-          <a:r>
-            <a:rPr lang="en-US" sz="1050" b="1" dirty="0" smtClean="0"/>
-            <a:t>Attribute:  style</a:t>
-          </a:r>
-          <a:endParaRPr lang="en-US" sz="1050" b="1" dirty="0"/>
-        </a:p>
-      </dgm:t>
-    </dgm:pt>
-    <dgm:pt modelId="{63BA1459-38A1-4971-925F-ACF9CB0AD617}" type="parTrans" cxnId="{E1F26910-909A-4DE4-AB7F-7D7BB901D8ED}">
-      <dgm:prSet/>
-      <dgm:spPr/>
-      <dgm:t>
-        <a:bodyPr/>
-        <a:lstStyle/>
-        <a:p>
-          <a:endParaRPr lang="en-US" sz="2000" b="1"/>
-        </a:p>
-      </dgm:t>
-    </dgm:pt>
-    <dgm:pt modelId="{FC990CF0-1445-4E52-AFAB-281BBD6EB83C}" type="sibTrans" cxnId="{E1F26910-909A-4DE4-AB7F-7D7BB901D8ED}">
-      <dgm:prSet/>
-      <dgm:spPr/>
-      <dgm:t>
-        <a:bodyPr/>
-        <a:lstStyle/>
-        <a:p>
-          <a:endParaRPr lang="en-US" sz="2000" b="1"/>
-        </a:p>
-      </dgm:t>
-    </dgm:pt>
-    <dgm:pt modelId="{67227851-E9E0-45E8-8326-081E50259687}">
-      <dgm:prSet phldrT="[Text]" custT="1"/>
-      <dgm:spPr/>
-      <dgm:t>
-        <a:bodyPr/>
-        <a:lstStyle/>
-        <a:p>
-          <a:r>
-            <a:rPr lang="en-US" sz="1050" b="1" dirty="0" smtClean="0"/>
-            <a:t>Content: Hello World!</a:t>
-          </a:r>
-          <a:endParaRPr lang="en-US" sz="1050" b="1" dirty="0"/>
-        </a:p>
-      </dgm:t>
-    </dgm:pt>
-    <dgm:pt modelId="{4488A1EA-8DBE-4CE7-AF2E-CC7CB287EC64}" type="parTrans" cxnId="{CC46562E-22A4-4646-ABEA-002873042AA3}">
-      <dgm:prSet/>
-      <dgm:spPr/>
-      <dgm:t>
-        <a:bodyPr/>
-        <a:lstStyle/>
-        <a:p>
-          <a:endParaRPr lang="en-US" sz="2000" b="1"/>
-        </a:p>
-      </dgm:t>
-    </dgm:pt>
-    <dgm:pt modelId="{495A035F-43B7-42FC-9139-E5ADC6F13748}" type="sibTrans" cxnId="{CC46562E-22A4-4646-ABEA-002873042AA3}">
-      <dgm:prSet/>
-      <dgm:spPr/>
-      <dgm:t>
-        <a:bodyPr/>
-        <a:lstStyle/>
-        <a:p>
-          <a:endParaRPr lang="en-US" sz="2000" b="1"/>
-        </a:p>
-      </dgm:t>
-    </dgm:pt>
-    <dgm:pt modelId="{1D72673F-9B6B-4F4D-9417-9587CDA740BB}" type="pres">
-      <dgm:prSet presAssocID="{92365D73-59B5-4770-8657-DC5BD058A600}" presName="mainComposite" presStyleCnt="0">
-        <dgm:presLayoutVars>
-          <dgm:chPref val="1"/>
-          <dgm:dir/>
-          <dgm:animOne val="branch"/>
-          <dgm:animLvl val="lvl"/>
-          <dgm:resizeHandles val="exact"/>
-        </dgm:presLayoutVars>
-      </dgm:prSet>
-      <dgm:spPr/>
-    </dgm:pt>
-    <dgm:pt modelId="{BBE9A92A-0C5B-4830-828A-F33554E0CF6F}" type="pres">
-      <dgm:prSet presAssocID="{92365D73-59B5-4770-8657-DC5BD058A600}" presName="hierFlow" presStyleCnt="0"/>
-      <dgm:spPr/>
-    </dgm:pt>
-    <dgm:pt modelId="{9109BE28-FB3A-4B82-8633-B8FBBECDAF83}" type="pres">
-      <dgm:prSet presAssocID="{92365D73-59B5-4770-8657-DC5BD058A600}" presName="hierChild1" presStyleCnt="0">
-        <dgm:presLayoutVars>
-          <dgm:chPref val="1"/>
-          <dgm:animOne val="branch"/>
-          <dgm:animLvl val="lvl"/>
-        </dgm:presLayoutVars>
-      </dgm:prSet>
-      <dgm:spPr/>
-    </dgm:pt>
-    <dgm:pt modelId="{68C47FE3-C8CD-40D6-A09C-EC249DEBF2AF}" type="pres">
-      <dgm:prSet presAssocID="{F635A32E-5627-439F-AB9D-F13F4D9437C6}" presName="Name14" presStyleCnt="0"/>
-      <dgm:spPr/>
-    </dgm:pt>
-    <dgm:pt modelId="{0888257A-EE48-472B-BEB2-6047B4B3FFCD}" type="pres">
-      <dgm:prSet presAssocID="{F635A32E-5627-439F-AB9D-F13F4D9437C6}" presName="level1Shape" presStyleLbl="node0" presStyleIdx="0" presStyleCnt="1">
-        <dgm:presLayoutVars>
-          <dgm:chPref val="3"/>
-        </dgm:presLayoutVars>
-      </dgm:prSet>
-      <dgm:spPr/>
-    </dgm:pt>
-    <dgm:pt modelId="{D3C56287-6633-4D35-AC5B-1B64012B1330}" type="pres">
-      <dgm:prSet presAssocID="{F635A32E-5627-439F-AB9D-F13F4D9437C6}" presName="hierChild2" presStyleCnt="0"/>
-      <dgm:spPr/>
-    </dgm:pt>
-    <dgm:pt modelId="{463F15CD-A45C-4462-9948-E711D053C6B4}" type="pres">
-      <dgm:prSet presAssocID="{C0C536BF-CB4F-46EF-9A38-C898FF177A54}" presName="Name19" presStyleLbl="parChTrans1D2" presStyleIdx="0" presStyleCnt="2"/>
-      <dgm:spPr/>
-    </dgm:pt>
-    <dgm:pt modelId="{EF6C3CB8-0883-4BE4-9DB8-F49A082718FD}" type="pres">
-      <dgm:prSet presAssocID="{8B60073C-63F4-4FB7-A112-2629B8979010}" presName="Name21" presStyleCnt="0"/>
-      <dgm:spPr/>
-    </dgm:pt>
-    <dgm:pt modelId="{B8D15FD1-F334-4D3D-BBFA-2F7BB9251441}" type="pres">
-      <dgm:prSet presAssocID="{8B60073C-63F4-4FB7-A112-2629B8979010}" presName="level2Shape" presStyleLbl="node2" presStyleIdx="0" presStyleCnt="2"/>
-      <dgm:spPr/>
-    </dgm:pt>
-    <dgm:pt modelId="{2C8331EE-7B83-4334-8F17-6C950176F49E}" type="pres">
-      <dgm:prSet presAssocID="{8B60073C-63F4-4FB7-A112-2629B8979010}" presName="hierChild3" presStyleCnt="0"/>
-      <dgm:spPr/>
-    </dgm:pt>
-    <dgm:pt modelId="{AA4D6884-88A6-49F8-B4F2-AEE6E73BD9FB}" type="pres">
-      <dgm:prSet presAssocID="{0B492C23-0B9B-4393-94BB-16FF4E13DBBD}" presName="Name19" presStyleLbl="parChTrans1D2" presStyleIdx="1" presStyleCnt="2"/>
-      <dgm:spPr/>
-    </dgm:pt>
-    <dgm:pt modelId="{ACA54B9F-0DFE-46B4-A8C6-7106430475DB}" type="pres">
-      <dgm:prSet presAssocID="{BA4E5D79-4C3E-48C3-9806-4174BA46BD83}" presName="Name21" presStyleCnt="0"/>
-      <dgm:spPr/>
-    </dgm:pt>
-    <dgm:pt modelId="{54380677-F5F1-4608-B5DE-B8F90C1B0EF4}" type="pres">
-      <dgm:prSet presAssocID="{BA4E5D79-4C3E-48C3-9806-4174BA46BD83}" presName="level2Shape" presStyleLbl="node2" presStyleIdx="1" presStyleCnt="2"/>
-      <dgm:spPr/>
-    </dgm:pt>
-    <dgm:pt modelId="{F9A8BB87-4840-4028-ADB2-D71695ED2C28}" type="pres">
-      <dgm:prSet presAssocID="{BA4E5D79-4C3E-48C3-9806-4174BA46BD83}" presName="hierChild3" presStyleCnt="0"/>
-      <dgm:spPr/>
-    </dgm:pt>
-    <dgm:pt modelId="{81159E24-14D7-44FE-859A-9A57B43E2135}" type="pres">
-      <dgm:prSet presAssocID="{13A7D5E4-8B64-4136-9469-68B17BBB6DF6}" presName="Name19" presStyleLbl="parChTrans1D3" presStyleIdx="0" presStyleCnt="1"/>
-      <dgm:spPr/>
-    </dgm:pt>
-    <dgm:pt modelId="{345B1343-AC4D-441A-9E51-33CA14015568}" type="pres">
-      <dgm:prSet presAssocID="{4D4DC481-F703-42F8-9E54-ECEAA1AE34B0}" presName="Name21" presStyleCnt="0"/>
-      <dgm:spPr/>
-    </dgm:pt>
-    <dgm:pt modelId="{ED9FF23E-44F9-4058-ABA0-AB473DF6CC42}" type="pres">
-      <dgm:prSet presAssocID="{4D4DC481-F703-42F8-9E54-ECEAA1AE34B0}" presName="level2Shape" presStyleLbl="node3" presStyleIdx="0" presStyleCnt="1"/>
-      <dgm:spPr/>
-    </dgm:pt>
-    <dgm:pt modelId="{A1763C36-394E-4589-BABF-8D60658EEDA0}" type="pres">
-      <dgm:prSet presAssocID="{4D4DC481-F703-42F8-9E54-ECEAA1AE34B0}" presName="hierChild3" presStyleCnt="0"/>
-      <dgm:spPr/>
-    </dgm:pt>
-    <dgm:pt modelId="{3DD5293F-AAB0-4966-936D-C5F816FCDAE1}" type="pres">
-      <dgm:prSet presAssocID="{63BA1459-38A1-4971-925F-ACF9CB0AD617}" presName="Name19" presStyleLbl="parChTrans1D4" presStyleIdx="0" presStyleCnt="2"/>
-      <dgm:spPr/>
-    </dgm:pt>
-    <dgm:pt modelId="{07A1573D-2BDF-455C-8E5D-52C262FE1A74}" type="pres">
-      <dgm:prSet presAssocID="{677A6B7D-697B-440C-95AD-35A99EB99672}" presName="Name21" presStyleCnt="0"/>
-      <dgm:spPr/>
-    </dgm:pt>
-    <dgm:pt modelId="{4DE24E9D-9930-4903-ADB0-11A2486B4473}" type="pres">
-      <dgm:prSet presAssocID="{677A6B7D-697B-440C-95AD-35A99EB99672}" presName="level2Shape" presStyleLbl="node4" presStyleIdx="0" presStyleCnt="2"/>
-      <dgm:spPr/>
-    </dgm:pt>
-    <dgm:pt modelId="{73E9C351-93AE-4C17-A3C9-F4D80950A1FB}" type="pres">
-      <dgm:prSet presAssocID="{677A6B7D-697B-440C-95AD-35A99EB99672}" presName="hierChild3" presStyleCnt="0"/>
-      <dgm:spPr/>
-    </dgm:pt>
-    <dgm:pt modelId="{9B0E16B5-BCF0-44FA-804E-9FDF20ACC5FA}" type="pres">
-      <dgm:prSet presAssocID="{4488A1EA-8DBE-4CE7-AF2E-CC7CB287EC64}" presName="Name19" presStyleLbl="parChTrans1D4" presStyleIdx="1" presStyleCnt="2"/>
-      <dgm:spPr/>
-    </dgm:pt>
-    <dgm:pt modelId="{10913DC3-ABF6-4E0B-9B5D-95C2BCE46092}" type="pres">
-      <dgm:prSet presAssocID="{67227851-E9E0-45E8-8326-081E50259687}" presName="Name21" presStyleCnt="0"/>
-      <dgm:spPr/>
-    </dgm:pt>
-    <dgm:pt modelId="{8F10CC7E-6E25-45D0-A54D-2391DFF2213D}" type="pres">
-      <dgm:prSet presAssocID="{67227851-E9E0-45E8-8326-081E50259687}" presName="level2Shape" presStyleLbl="node4" presStyleIdx="1" presStyleCnt="2"/>
-      <dgm:spPr/>
-    </dgm:pt>
-    <dgm:pt modelId="{B9EA6D60-66E1-467E-9F2E-0FAD6C8A8783}" type="pres">
-      <dgm:prSet presAssocID="{67227851-E9E0-45E8-8326-081E50259687}" presName="hierChild3" presStyleCnt="0"/>
-      <dgm:spPr/>
-    </dgm:pt>
-    <dgm:pt modelId="{EEF30209-6693-47FC-B73F-70CC55822E4E}" type="pres">
-      <dgm:prSet presAssocID="{92365D73-59B5-4770-8657-DC5BD058A600}" presName="bgShapesFlow" presStyleCnt="0"/>
-      <dgm:spPr/>
-    </dgm:pt>
-  </dgm:ptLst>
-  <dgm:cxnLst>
-    <dgm:cxn modelId="{A34EF47F-ACC7-46BD-80C4-AB275C427608}" type="presOf" srcId="{0B492C23-0B9B-4393-94BB-16FF4E13DBBD}" destId="{AA4D6884-88A6-49F8-B4F2-AEE6E73BD9FB}" srcOrd="0" destOrd="0" presId="urn:microsoft.com/office/officeart/2005/8/layout/hierarchy6"/>
-    <dgm:cxn modelId="{661CF4C4-6E59-4FEE-A450-34E820E88B97}" srcId="{F635A32E-5627-439F-AB9D-F13F4D9437C6}" destId="{BA4E5D79-4C3E-48C3-9806-4174BA46BD83}" srcOrd="1" destOrd="0" parTransId="{0B492C23-0B9B-4393-94BB-16FF4E13DBBD}" sibTransId="{46B02BCB-13F7-408E-84F6-0EC231152A84}"/>
-    <dgm:cxn modelId="{879B838B-0501-4F36-A202-9E2B42B5C343}" type="presOf" srcId="{4D4DC481-F703-42F8-9E54-ECEAA1AE34B0}" destId="{ED9FF23E-44F9-4058-ABA0-AB473DF6CC42}" srcOrd="0" destOrd="0" presId="urn:microsoft.com/office/officeart/2005/8/layout/hierarchy6"/>
-    <dgm:cxn modelId="{BDB4724F-C405-4E20-A1EA-46015C5FD71B}" type="presOf" srcId="{63BA1459-38A1-4971-925F-ACF9CB0AD617}" destId="{3DD5293F-AAB0-4966-936D-C5F816FCDAE1}" srcOrd="0" destOrd="0" presId="urn:microsoft.com/office/officeart/2005/8/layout/hierarchy6"/>
-    <dgm:cxn modelId="{A9F6831B-4503-488B-A76D-C1E4F78829FF}" type="presOf" srcId="{F635A32E-5627-439F-AB9D-F13F4D9437C6}" destId="{0888257A-EE48-472B-BEB2-6047B4B3FFCD}" srcOrd="0" destOrd="0" presId="urn:microsoft.com/office/officeart/2005/8/layout/hierarchy6"/>
-    <dgm:cxn modelId="{499D1BFE-8610-4D63-92DF-54B4ECCA3917}" type="presOf" srcId="{67227851-E9E0-45E8-8326-081E50259687}" destId="{8F10CC7E-6E25-45D0-A54D-2391DFF2213D}" srcOrd="0" destOrd="0" presId="urn:microsoft.com/office/officeart/2005/8/layout/hierarchy6"/>
-    <dgm:cxn modelId="{10519C16-5C5D-40FD-8A3E-43F6D99508CD}" type="presOf" srcId="{4488A1EA-8DBE-4CE7-AF2E-CC7CB287EC64}" destId="{9B0E16B5-BCF0-44FA-804E-9FDF20ACC5FA}" srcOrd="0" destOrd="0" presId="urn:microsoft.com/office/officeart/2005/8/layout/hierarchy6"/>
-    <dgm:cxn modelId="{7B9DB950-F5E8-4C0A-8548-895050C18CCB}" srcId="{F635A32E-5627-439F-AB9D-F13F4D9437C6}" destId="{8B60073C-63F4-4FB7-A112-2629B8979010}" srcOrd="0" destOrd="0" parTransId="{C0C536BF-CB4F-46EF-9A38-C898FF177A54}" sibTransId="{E4281176-6375-420A-B6D0-89BE4092744C}"/>
-    <dgm:cxn modelId="{27ED2D9B-7F59-4AC3-99C3-8A28153F41DB}" type="presOf" srcId="{BA4E5D79-4C3E-48C3-9806-4174BA46BD83}" destId="{54380677-F5F1-4608-B5DE-B8F90C1B0EF4}" srcOrd="0" destOrd="0" presId="urn:microsoft.com/office/officeart/2005/8/layout/hierarchy6"/>
-    <dgm:cxn modelId="{CC46562E-22A4-4646-ABEA-002873042AA3}" srcId="{4D4DC481-F703-42F8-9E54-ECEAA1AE34B0}" destId="{67227851-E9E0-45E8-8326-081E50259687}" srcOrd="1" destOrd="0" parTransId="{4488A1EA-8DBE-4CE7-AF2E-CC7CB287EC64}" sibTransId="{495A035F-43B7-42FC-9139-E5ADC6F13748}"/>
-    <dgm:cxn modelId="{42B32E92-8FA7-4D13-B556-3230D2329C5E}" srcId="{92365D73-59B5-4770-8657-DC5BD058A600}" destId="{F635A32E-5627-439F-AB9D-F13F4D9437C6}" srcOrd="0" destOrd="0" parTransId="{5EB2059C-9A1F-4A18-B942-830F44CC5E7E}" sibTransId="{7F1B749D-08F4-4B8D-8684-A1BA43136C16}"/>
-    <dgm:cxn modelId="{AB156696-EDAF-49C3-A76E-FB3E7104C41F}" type="presOf" srcId="{92365D73-59B5-4770-8657-DC5BD058A600}" destId="{1D72673F-9B6B-4F4D-9417-9587CDA740BB}" srcOrd="0" destOrd="0" presId="urn:microsoft.com/office/officeart/2005/8/layout/hierarchy6"/>
-    <dgm:cxn modelId="{82E5B663-B0D3-4A4B-8466-01036A8BB3BB}" srcId="{BA4E5D79-4C3E-48C3-9806-4174BA46BD83}" destId="{4D4DC481-F703-42F8-9E54-ECEAA1AE34B0}" srcOrd="0" destOrd="0" parTransId="{13A7D5E4-8B64-4136-9469-68B17BBB6DF6}" sibTransId="{E69867A1-A6B1-4D9D-9250-46FBD0FC8660}"/>
-    <dgm:cxn modelId="{98232C56-A015-4F16-9449-D25C373CE9A1}" type="presOf" srcId="{13A7D5E4-8B64-4136-9469-68B17BBB6DF6}" destId="{81159E24-14D7-44FE-859A-9A57B43E2135}" srcOrd="0" destOrd="0" presId="urn:microsoft.com/office/officeart/2005/8/layout/hierarchy6"/>
-    <dgm:cxn modelId="{DB8D5631-5B14-41E6-9F26-44DE4ED75729}" type="presOf" srcId="{C0C536BF-CB4F-46EF-9A38-C898FF177A54}" destId="{463F15CD-A45C-4462-9948-E711D053C6B4}" srcOrd="0" destOrd="0" presId="urn:microsoft.com/office/officeart/2005/8/layout/hierarchy6"/>
-    <dgm:cxn modelId="{E075E6F5-96BC-4D42-AC69-845E3F64E179}" type="presOf" srcId="{677A6B7D-697B-440C-95AD-35A99EB99672}" destId="{4DE24E9D-9930-4903-ADB0-11A2486B4473}" srcOrd="0" destOrd="0" presId="urn:microsoft.com/office/officeart/2005/8/layout/hierarchy6"/>
-    <dgm:cxn modelId="{E5AC0796-DD93-47CC-A0AA-D49DAA24EBF1}" type="presOf" srcId="{8B60073C-63F4-4FB7-A112-2629B8979010}" destId="{B8D15FD1-F334-4D3D-BBFA-2F7BB9251441}" srcOrd="0" destOrd="0" presId="urn:microsoft.com/office/officeart/2005/8/layout/hierarchy6"/>
-    <dgm:cxn modelId="{E1F26910-909A-4DE4-AB7F-7D7BB901D8ED}" srcId="{4D4DC481-F703-42F8-9E54-ECEAA1AE34B0}" destId="{677A6B7D-697B-440C-95AD-35A99EB99672}" srcOrd="0" destOrd="0" parTransId="{63BA1459-38A1-4971-925F-ACF9CB0AD617}" sibTransId="{FC990CF0-1445-4E52-AFAB-281BBD6EB83C}"/>
-    <dgm:cxn modelId="{0B915D03-B71D-4041-8552-B4D164E0DBCF}" type="presParOf" srcId="{1D72673F-9B6B-4F4D-9417-9587CDA740BB}" destId="{BBE9A92A-0C5B-4830-828A-F33554E0CF6F}" srcOrd="0" destOrd="0" presId="urn:microsoft.com/office/officeart/2005/8/layout/hierarchy6"/>
-    <dgm:cxn modelId="{34ACF3FC-13D5-4DD7-ABD9-C41CFCEC817E}" type="presParOf" srcId="{BBE9A92A-0C5B-4830-828A-F33554E0CF6F}" destId="{9109BE28-FB3A-4B82-8633-B8FBBECDAF83}" srcOrd="0" destOrd="0" presId="urn:microsoft.com/office/officeart/2005/8/layout/hierarchy6"/>
-    <dgm:cxn modelId="{77E71045-CB39-42D4-8F19-E62C8ED58E76}" type="presParOf" srcId="{9109BE28-FB3A-4B82-8633-B8FBBECDAF83}" destId="{68C47FE3-C8CD-40D6-A09C-EC249DEBF2AF}" srcOrd="0" destOrd="0" presId="urn:microsoft.com/office/officeart/2005/8/layout/hierarchy6"/>
-    <dgm:cxn modelId="{A385DF91-A661-4E15-9FD4-F67346F783A4}" type="presParOf" srcId="{68C47FE3-C8CD-40D6-A09C-EC249DEBF2AF}" destId="{0888257A-EE48-472B-BEB2-6047B4B3FFCD}" srcOrd="0" destOrd="0" presId="urn:microsoft.com/office/officeart/2005/8/layout/hierarchy6"/>
-    <dgm:cxn modelId="{8C11CCD3-C473-4AF4-8C38-BB7FBD90B4B6}" type="presParOf" srcId="{68C47FE3-C8CD-40D6-A09C-EC249DEBF2AF}" destId="{D3C56287-6633-4D35-AC5B-1B64012B1330}" srcOrd="1" destOrd="0" presId="urn:microsoft.com/office/officeart/2005/8/layout/hierarchy6"/>
-    <dgm:cxn modelId="{849F25C2-F391-4F6B-8418-17F2203305FC}" type="presParOf" srcId="{D3C56287-6633-4D35-AC5B-1B64012B1330}" destId="{463F15CD-A45C-4462-9948-E711D053C6B4}" srcOrd="0" destOrd="0" presId="urn:microsoft.com/office/officeart/2005/8/layout/hierarchy6"/>
-    <dgm:cxn modelId="{5F74CAE9-24E5-467E-8DEA-06610BA6F2C1}" type="presParOf" srcId="{D3C56287-6633-4D35-AC5B-1B64012B1330}" destId="{EF6C3CB8-0883-4BE4-9DB8-F49A082718FD}" srcOrd="1" destOrd="0" presId="urn:microsoft.com/office/officeart/2005/8/layout/hierarchy6"/>
-    <dgm:cxn modelId="{0E3E71FC-75C9-40ED-B35E-796CFA41492A}" type="presParOf" srcId="{EF6C3CB8-0883-4BE4-9DB8-F49A082718FD}" destId="{B8D15FD1-F334-4D3D-BBFA-2F7BB9251441}" srcOrd="0" destOrd="0" presId="urn:microsoft.com/office/officeart/2005/8/layout/hierarchy6"/>
-    <dgm:cxn modelId="{59899299-2AA1-467F-BE7E-D4610A7BF3B4}" type="presParOf" srcId="{EF6C3CB8-0883-4BE4-9DB8-F49A082718FD}" destId="{2C8331EE-7B83-4334-8F17-6C950176F49E}" srcOrd="1" destOrd="0" presId="urn:microsoft.com/office/officeart/2005/8/layout/hierarchy6"/>
-    <dgm:cxn modelId="{0C6B841B-1D6C-4022-9F3B-329804E171CB}" type="presParOf" srcId="{D3C56287-6633-4D35-AC5B-1B64012B1330}" destId="{AA4D6884-88A6-49F8-B4F2-AEE6E73BD9FB}" srcOrd="2" destOrd="0" presId="urn:microsoft.com/office/officeart/2005/8/layout/hierarchy6"/>
-    <dgm:cxn modelId="{C54E23A3-A935-4784-803D-1DDBC38734D6}" type="presParOf" srcId="{D3C56287-6633-4D35-AC5B-1B64012B1330}" destId="{ACA54B9F-0DFE-46B4-A8C6-7106430475DB}" srcOrd="3" destOrd="0" presId="urn:microsoft.com/office/officeart/2005/8/layout/hierarchy6"/>
-    <dgm:cxn modelId="{E62DC23E-86E2-4DA3-A42F-BCE03DB517DF}" type="presParOf" srcId="{ACA54B9F-0DFE-46B4-A8C6-7106430475DB}" destId="{54380677-F5F1-4608-B5DE-B8F90C1B0EF4}" srcOrd="0" destOrd="0" presId="urn:microsoft.com/office/officeart/2005/8/layout/hierarchy6"/>
-    <dgm:cxn modelId="{E467F7D5-08D5-4941-BFD6-06815DD3271C}" type="presParOf" srcId="{ACA54B9F-0DFE-46B4-A8C6-7106430475DB}" destId="{F9A8BB87-4840-4028-ADB2-D71695ED2C28}" srcOrd="1" destOrd="0" presId="urn:microsoft.com/office/officeart/2005/8/layout/hierarchy6"/>
-    <dgm:cxn modelId="{EDB02CBF-3D19-4344-BFA9-88D9E1F35AF7}" type="presParOf" srcId="{F9A8BB87-4840-4028-ADB2-D71695ED2C28}" destId="{81159E24-14D7-44FE-859A-9A57B43E2135}" srcOrd="0" destOrd="0" presId="urn:microsoft.com/office/officeart/2005/8/layout/hierarchy6"/>
-    <dgm:cxn modelId="{4CE5E971-8F95-4C3B-9815-B6557401738B}" type="presParOf" srcId="{F9A8BB87-4840-4028-ADB2-D71695ED2C28}" destId="{345B1343-AC4D-441A-9E51-33CA14015568}" srcOrd="1" destOrd="0" presId="urn:microsoft.com/office/officeart/2005/8/layout/hierarchy6"/>
-    <dgm:cxn modelId="{C0CDE73A-3766-4870-9796-25A7BEB1EF47}" type="presParOf" srcId="{345B1343-AC4D-441A-9E51-33CA14015568}" destId="{ED9FF23E-44F9-4058-ABA0-AB473DF6CC42}" srcOrd="0" destOrd="0" presId="urn:microsoft.com/office/officeart/2005/8/layout/hierarchy6"/>
-    <dgm:cxn modelId="{FC58D3C0-1A3C-4C61-AD20-98F3B2C74685}" type="presParOf" srcId="{345B1343-AC4D-441A-9E51-33CA14015568}" destId="{A1763C36-394E-4589-BABF-8D60658EEDA0}" srcOrd="1" destOrd="0" presId="urn:microsoft.com/office/officeart/2005/8/layout/hierarchy6"/>
-    <dgm:cxn modelId="{A2744247-9E98-4E5E-844B-AA001573A72A}" type="presParOf" srcId="{A1763C36-394E-4589-BABF-8D60658EEDA0}" destId="{3DD5293F-AAB0-4966-936D-C5F816FCDAE1}" srcOrd="0" destOrd="0" presId="urn:microsoft.com/office/officeart/2005/8/layout/hierarchy6"/>
-    <dgm:cxn modelId="{327D2BD5-9190-4AF2-AACD-3C05BC5B6D6D}" type="presParOf" srcId="{A1763C36-394E-4589-BABF-8D60658EEDA0}" destId="{07A1573D-2BDF-455C-8E5D-52C262FE1A74}" srcOrd="1" destOrd="0" presId="urn:microsoft.com/office/officeart/2005/8/layout/hierarchy6"/>
-    <dgm:cxn modelId="{62E9F001-1E6E-4528-9283-2C860983A91A}" type="presParOf" srcId="{07A1573D-2BDF-455C-8E5D-52C262FE1A74}" destId="{4DE24E9D-9930-4903-ADB0-11A2486B4473}" srcOrd="0" destOrd="0" presId="urn:microsoft.com/office/officeart/2005/8/layout/hierarchy6"/>
-    <dgm:cxn modelId="{1CE03CF6-01B2-4B17-AF99-9D0133508512}" type="presParOf" srcId="{07A1573D-2BDF-455C-8E5D-52C262FE1A74}" destId="{73E9C351-93AE-4C17-A3C9-F4D80950A1FB}" srcOrd="1" destOrd="0" presId="urn:microsoft.com/office/officeart/2005/8/layout/hierarchy6"/>
-    <dgm:cxn modelId="{56C6A091-5B3B-4A9E-A497-E1D6F5B65557}" type="presParOf" srcId="{A1763C36-394E-4589-BABF-8D60658EEDA0}" destId="{9B0E16B5-BCF0-44FA-804E-9FDF20ACC5FA}" srcOrd="2" destOrd="0" presId="urn:microsoft.com/office/officeart/2005/8/layout/hierarchy6"/>
-    <dgm:cxn modelId="{8B569BE4-ADB3-41AB-898C-EB6E42F93544}" type="presParOf" srcId="{A1763C36-394E-4589-BABF-8D60658EEDA0}" destId="{10913DC3-ABF6-4E0B-9B5D-95C2BCE46092}" srcOrd="3" destOrd="0" presId="urn:microsoft.com/office/officeart/2005/8/layout/hierarchy6"/>
-    <dgm:cxn modelId="{A2B1470F-5054-410A-B270-910B9756246C}" type="presParOf" srcId="{10913DC3-ABF6-4E0B-9B5D-95C2BCE46092}" destId="{8F10CC7E-6E25-45D0-A54D-2391DFF2213D}" srcOrd="0" destOrd="0" presId="urn:microsoft.com/office/officeart/2005/8/layout/hierarchy6"/>
-    <dgm:cxn modelId="{7A93D7E6-09F0-42D7-9C79-D4E0C698B607}" type="presParOf" srcId="{10913DC3-ABF6-4E0B-9B5D-95C2BCE46092}" destId="{B9EA6D60-66E1-467E-9F2E-0FAD6C8A8783}" srcOrd="1" destOrd="0" presId="urn:microsoft.com/office/officeart/2005/8/layout/hierarchy6"/>
-    <dgm:cxn modelId="{CE369E45-7D48-4D6C-A2B0-0B32398267B5}" type="presParOf" srcId="{1D72673F-9B6B-4F4D-9417-9587CDA740BB}" destId="{EEF30209-6693-47FC-B73F-70CC55822E4E}" srcOrd="1" destOrd="0" presId="urn:microsoft.com/office/officeart/2005/8/layout/hierarchy6"/>
-  </dgm:cxnLst>
-  <dgm:bg/>
-  <dgm:whole/>
-  <dgm:extLst>
-    <a:ext uri="http://schemas.microsoft.com/office/drawing/2008/diagram">
-      <dsp:dataModelExt xmlns:dsp="http://schemas.microsoft.com/office/drawing/2008/diagram" relId="rId6" minVer="http://schemas.openxmlformats.org/drawingml/2006/diagram"/>
     </a:ext>
   </dgm:extLst>
 </dgm:dataModel>
@@ -3266,1314 +2182,7 @@
 </dsp:drawing>
 </file>
 
-<file path=ppt/diagrams/drawing2.xml><?xml version="1.0" encoding="utf-8"?>
-<dsp:drawing xmlns:dgm="http://schemas.openxmlformats.org/drawingml/2006/diagram" xmlns:dsp="http://schemas.microsoft.com/office/drawing/2008/diagram" xmlns:a="http://schemas.openxmlformats.org/drawingml/2006/main">
-  <dsp:spTree>
-    <dsp:nvGrpSpPr>
-      <dsp:cNvPr id="0" name=""/>
-      <dsp:cNvGrpSpPr/>
-    </dsp:nvGrpSpPr>
-    <dsp:grpSpPr/>
-    <dsp:sp modelId="{0888257A-EE48-472B-BEB2-6047B4B3FFCD}">
-      <dsp:nvSpPr>
-        <dsp:cNvPr id="0" name=""/>
-        <dsp:cNvSpPr/>
-      </dsp:nvSpPr>
-      <dsp:spPr>
-        <a:xfrm>
-          <a:off x="2117749" y="2484"/>
-          <a:ext cx="1026252" cy="684168"/>
-        </a:xfrm>
-        <a:prstGeom prst="roundRect">
-          <a:avLst>
-            <a:gd name="adj" fmla="val 10000"/>
-          </a:avLst>
-        </a:prstGeom>
-        <a:solidFill>
-          <a:schemeClr val="dk2">
-            <a:hueOff val="0"/>
-            <a:satOff val="0"/>
-            <a:lumOff val="0"/>
-            <a:alphaOff val="0"/>
-          </a:schemeClr>
-        </a:solidFill>
-        <a:ln w="12700" cap="flat" cmpd="sng" algn="ctr">
-          <a:solidFill>
-            <a:schemeClr val="lt2">
-              <a:hueOff val="0"/>
-              <a:satOff val="0"/>
-              <a:lumOff val="0"/>
-              <a:alphaOff val="0"/>
-            </a:schemeClr>
-          </a:solidFill>
-          <a:prstDash val="solid"/>
-          <a:miter lim="800000"/>
-        </a:ln>
-        <a:effectLst/>
-      </dsp:spPr>
-      <dsp:style>
-        <a:lnRef idx="2">
-          <a:scrgbClr r="0" g="0" b="0"/>
-        </a:lnRef>
-        <a:fillRef idx="1">
-          <a:scrgbClr r="0" g="0" b="0"/>
-        </a:fillRef>
-        <a:effectRef idx="0">
-          <a:scrgbClr r="0" g="0" b="0"/>
-        </a:effectRef>
-        <a:fontRef idx="minor">
-          <a:schemeClr val="lt1"/>
-        </a:fontRef>
-      </dsp:style>
-      <dsp:txBody>
-        <a:bodyPr spcFirstLastPara="0" vert="horz" wrap="square" lIns="41910" tIns="41910" rIns="41910" bIns="41910" numCol="1" spcCol="1270" anchor="ctr" anchorCtr="0">
-          <a:noAutofit/>
-        </a:bodyPr>
-        <a:lstStyle/>
-        <a:p>
-          <a:pPr lvl="0" algn="ctr" defTabSz="466725">
-            <a:lnSpc>
-              <a:spcPct val="90000"/>
-            </a:lnSpc>
-            <a:spcBef>
-              <a:spcPct val="0"/>
-            </a:spcBef>
-            <a:spcAft>
-              <a:spcPct val="35000"/>
-            </a:spcAft>
-          </a:pPr>
-          <a:r>
-            <a:rPr lang="en-US" sz="1050" b="1" kern="1200" dirty="0" smtClean="0"/>
-            <a:t>html</a:t>
-          </a:r>
-          <a:endParaRPr lang="en-US" sz="1050" b="1" kern="1200" dirty="0"/>
-        </a:p>
-      </dsp:txBody>
-      <dsp:txXfrm>
-        <a:off x="2137788" y="22523"/>
-        <a:ext cx="986174" cy="644090"/>
-      </dsp:txXfrm>
-    </dsp:sp>
-    <dsp:sp modelId="{463F15CD-A45C-4462-9948-E711D053C6B4}">
-      <dsp:nvSpPr>
-        <dsp:cNvPr id="0" name=""/>
-        <dsp:cNvSpPr/>
-      </dsp:nvSpPr>
-      <dsp:spPr>
-        <a:xfrm>
-          <a:off x="1963811" y="686652"/>
-          <a:ext cx="667064" cy="273667"/>
-        </a:xfrm>
-        <a:custGeom>
-          <a:avLst/>
-          <a:gdLst/>
-          <a:ahLst/>
-          <a:cxnLst/>
-          <a:rect l="0" t="0" r="0" b="0"/>
-          <a:pathLst>
-            <a:path>
-              <a:moveTo>
-                <a:pt x="667064" y="0"/>
-              </a:moveTo>
-              <a:lnTo>
-                <a:pt x="667064" y="136833"/>
-              </a:lnTo>
-              <a:lnTo>
-                <a:pt x="0" y="136833"/>
-              </a:lnTo>
-              <a:lnTo>
-                <a:pt x="0" y="273667"/>
-              </a:lnTo>
-            </a:path>
-          </a:pathLst>
-        </a:custGeom>
-        <a:noFill/>
-        <a:ln w="12700" cap="flat" cmpd="sng" algn="ctr">
-          <a:solidFill>
-            <a:schemeClr val="dk2">
-              <a:shade val="60000"/>
-              <a:hueOff val="0"/>
-              <a:satOff val="0"/>
-              <a:lumOff val="0"/>
-              <a:alphaOff val="0"/>
-            </a:schemeClr>
-          </a:solidFill>
-          <a:prstDash val="solid"/>
-          <a:miter lim="800000"/>
-        </a:ln>
-        <a:effectLst/>
-      </dsp:spPr>
-      <dsp:style>
-        <a:lnRef idx="2">
-          <a:scrgbClr r="0" g="0" b="0"/>
-        </a:lnRef>
-        <a:fillRef idx="0">
-          <a:scrgbClr r="0" g="0" b="0"/>
-        </a:fillRef>
-        <a:effectRef idx="0">
-          <a:scrgbClr r="0" g="0" b="0"/>
-        </a:effectRef>
-        <a:fontRef idx="minor"/>
-      </dsp:style>
-    </dsp:sp>
-    <dsp:sp modelId="{B8D15FD1-F334-4D3D-BBFA-2F7BB9251441}">
-      <dsp:nvSpPr>
-        <dsp:cNvPr id="0" name=""/>
-        <dsp:cNvSpPr/>
-      </dsp:nvSpPr>
-      <dsp:spPr>
-        <a:xfrm>
-          <a:off x="1450685" y="960319"/>
-          <a:ext cx="1026252" cy="684168"/>
-        </a:xfrm>
-        <a:prstGeom prst="roundRect">
-          <a:avLst>
-            <a:gd name="adj" fmla="val 10000"/>
-          </a:avLst>
-        </a:prstGeom>
-        <a:solidFill>
-          <a:schemeClr val="dk2">
-            <a:hueOff val="0"/>
-            <a:satOff val="0"/>
-            <a:lumOff val="0"/>
-            <a:alphaOff val="0"/>
-          </a:schemeClr>
-        </a:solidFill>
-        <a:ln w="12700" cap="flat" cmpd="sng" algn="ctr">
-          <a:solidFill>
-            <a:schemeClr val="lt2">
-              <a:hueOff val="0"/>
-              <a:satOff val="0"/>
-              <a:lumOff val="0"/>
-              <a:alphaOff val="0"/>
-            </a:schemeClr>
-          </a:solidFill>
-          <a:prstDash val="solid"/>
-          <a:miter lim="800000"/>
-        </a:ln>
-        <a:effectLst/>
-      </dsp:spPr>
-      <dsp:style>
-        <a:lnRef idx="2">
-          <a:scrgbClr r="0" g="0" b="0"/>
-        </a:lnRef>
-        <a:fillRef idx="1">
-          <a:scrgbClr r="0" g="0" b="0"/>
-        </a:fillRef>
-        <a:effectRef idx="0">
-          <a:scrgbClr r="0" g="0" b="0"/>
-        </a:effectRef>
-        <a:fontRef idx="minor">
-          <a:schemeClr val="lt1"/>
-        </a:fontRef>
-      </dsp:style>
-      <dsp:txBody>
-        <a:bodyPr spcFirstLastPara="0" vert="horz" wrap="square" lIns="41910" tIns="41910" rIns="41910" bIns="41910" numCol="1" spcCol="1270" anchor="ctr" anchorCtr="0">
-          <a:noAutofit/>
-        </a:bodyPr>
-        <a:lstStyle/>
-        <a:p>
-          <a:pPr lvl="0" algn="ctr" defTabSz="466725">
-            <a:lnSpc>
-              <a:spcPct val="90000"/>
-            </a:lnSpc>
-            <a:spcBef>
-              <a:spcPct val="0"/>
-            </a:spcBef>
-            <a:spcAft>
-              <a:spcPct val="35000"/>
-            </a:spcAft>
-          </a:pPr>
-          <a:r>
-            <a:rPr lang="en-US" sz="1050" b="1" kern="1200" dirty="0" smtClean="0"/>
-            <a:t>head</a:t>
-          </a:r>
-          <a:endParaRPr lang="en-US" sz="1050" b="1" kern="1200" dirty="0"/>
-        </a:p>
-      </dsp:txBody>
-      <dsp:txXfrm>
-        <a:off x="1470724" y="980358"/>
-        <a:ext cx="986174" cy="644090"/>
-      </dsp:txXfrm>
-    </dsp:sp>
-    <dsp:sp modelId="{AA4D6884-88A6-49F8-B4F2-AEE6E73BD9FB}">
-      <dsp:nvSpPr>
-        <dsp:cNvPr id="0" name=""/>
-        <dsp:cNvSpPr/>
-      </dsp:nvSpPr>
-      <dsp:spPr>
-        <a:xfrm>
-          <a:off x="2630875" y="686652"/>
-          <a:ext cx="667064" cy="273667"/>
-        </a:xfrm>
-        <a:custGeom>
-          <a:avLst/>
-          <a:gdLst/>
-          <a:ahLst/>
-          <a:cxnLst/>
-          <a:rect l="0" t="0" r="0" b="0"/>
-          <a:pathLst>
-            <a:path>
-              <a:moveTo>
-                <a:pt x="0" y="0"/>
-              </a:moveTo>
-              <a:lnTo>
-                <a:pt x="0" y="136833"/>
-              </a:lnTo>
-              <a:lnTo>
-                <a:pt x="667064" y="136833"/>
-              </a:lnTo>
-              <a:lnTo>
-                <a:pt x="667064" y="273667"/>
-              </a:lnTo>
-            </a:path>
-          </a:pathLst>
-        </a:custGeom>
-        <a:noFill/>
-        <a:ln w="12700" cap="flat" cmpd="sng" algn="ctr">
-          <a:solidFill>
-            <a:schemeClr val="dk2">
-              <a:shade val="60000"/>
-              <a:hueOff val="0"/>
-              <a:satOff val="0"/>
-              <a:lumOff val="0"/>
-              <a:alphaOff val="0"/>
-            </a:schemeClr>
-          </a:solidFill>
-          <a:prstDash val="solid"/>
-          <a:miter lim="800000"/>
-        </a:ln>
-        <a:effectLst/>
-      </dsp:spPr>
-      <dsp:style>
-        <a:lnRef idx="2">
-          <a:scrgbClr r="0" g="0" b="0"/>
-        </a:lnRef>
-        <a:fillRef idx="0">
-          <a:scrgbClr r="0" g="0" b="0"/>
-        </a:fillRef>
-        <a:effectRef idx="0">
-          <a:scrgbClr r="0" g="0" b="0"/>
-        </a:effectRef>
-        <a:fontRef idx="minor"/>
-      </dsp:style>
-    </dsp:sp>
-    <dsp:sp modelId="{54380677-F5F1-4608-B5DE-B8F90C1B0EF4}">
-      <dsp:nvSpPr>
-        <dsp:cNvPr id="0" name=""/>
-        <dsp:cNvSpPr/>
-      </dsp:nvSpPr>
-      <dsp:spPr>
-        <a:xfrm>
-          <a:off x="2784813" y="960319"/>
-          <a:ext cx="1026252" cy="684168"/>
-        </a:xfrm>
-        <a:prstGeom prst="roundRect">
-          <a:avLst>
-            <a:gd name="adj" fmla="val 10000"/>
-          </a:avLst>
-        </a:prstGeom>
-        <a:solidFill>
-          <a:schemeClr val="dk2">
-            <a:hueOff val="0"/>
-            <a:satOff val="0"/>
-            <a:lumOff val="0"/>
-            <a:alphaOff val="0"/>
-          </a:schemeClr>
-        </a:solidFill>
-        <a:ln w="12700" cap="flat" cmpd="sng" algn="ctr">
-          <a:solidFill>
-            <a:schemeClr val="lt2">
-              <a:hueOff val="0"/>
-              <a:satOff val="0"/>
-              <a:lumOff val="0"/>
-              <a:alphaOff val="0"/>
-            </a:schemeClr>
-          </a:solidFill>
-          <a:prstDash val="solid"/>
-          <a:miter lim="800000"/>
-        </a:ln>
-        <a:effectLst/>
-      </dsp:spPr>
-      <dsp:style>
-        <a:lnRef idx="2">
-          <a:scrgbClr r="0" g="0" b="0"/>
-        </a:lnRef>
-        <a:fillRef idx="1">
-          <a:scrgbClr r="0" g="0" b="0"/>
-        </a:fillRef>
-        <a:effectRef idx="0">
-          <a:scrgbClr r="0" g="0" b="0"/>
-        </a:effectRef>
-        <a:fontRef idx="minor">
-          <a:schemeClr val="lt1"/>
-        </a:fontRef>
-      </dsp:style>
-      <dsp:txBody>
-        <a:bodyPr spcFirstLastPara="0" vert="horz" wrap="square" lIns="41910" tIns="41910" rIns="41910" bIns="41910" numCol="1" spcCol="1270" anchor="ctr" anchorCtr="0">
-          <a:noAutofit/>
-        </a:bodyPr>
-        <a:lstStyle/>
-        <a:p>
-          <a:pPr lvl="0" algn="ctr" defTabSz="466725">
-            <a:lnSpc>
-              <a:spcPct val="90000"/>
-            </a:lnSpc>
-            <a:spcBef>
-              <a:spcPct val="0"/>
-            </a:spcBef>
-            <a:spcAft>
-              <a:spcPct val="35000"/>
-            </a:spcAft>
-          </a:pPr>
-          <a:r>
-            <a:rPr lang="en-US" sz="1050" b="1" kern="1200" dirty="0" smtClean="0"/>
-            <a:t>body</a:t>
-          </a:r>
-          <a:endParaRPr lang="en-US" sz="1050" b="1" kern="1200" dirty="0"/>
-        </a:p>
-      </dsp:txBody>
-      <dsp:txXfrm>
-        <a:off x="2804852" y="980358"/>
-        <a:ext cx="986174" cy="644090"/>
-      </dsp:txXfrm>
-    </dsp:sp>
-    <dsp:sp modelId="{81159E24-14D7-44FE-859A-9A57B43E2135}">
-      <dsp:nvSpPr>
-        <dsp:cNvPr id="0" name=""/>
-        <dsp:cNvSpPr/>
-      </dsp:nvSpPr>
-      <dsp:spPr>
-        <a:xfrm>
-          <a:off x="3252219" y="1644487"/>
-          <a:ext cx="91440" cy="273667"/>
-        </a:xfrm>
-        <a:custGeom>
-          <a:avLst/>
-          <a:gdLst/>
-          <a:ahLst/>
-          <a:cxnLst/>
-          <a:rect l="0" t="0" r="0" b="0"/>
-          <a:pathLst>
-            <a:path>
-              <a:moveTo>
-                <a:pt x="45720" y="0"/>
-              </a:moveTo>
-              <a:lnTo>
-                <a:pt x="45720" y="273667"/>
-              </a:lnTo>
-            </a:path>
-          </a:pathLst>
-        </a:custGeom>
-        <a:noFill/>
-        <a:ln w="12700" cap="flat" cmpd="sng" algn="ctr">
-          <a:solidFill>
-            <a:schemeClr val="dk2">
-              <a:shade val="80000"/>
-              <a:hueOff val="0"/>
-              <a:satOff val="0"/>
-              <a:lumOff val="0"/>
-              <a:alphaOff val="0"/>
-            </a:schemeClr>
-          </a:solidFill>
-          <a:prstDash val="solid"/>
-          <a:miter lim="800000"/>
-        </a:ln>
-        <a:effectLst/>
-      </dsp:spPr>
-      <dsp:style>
-        <a:lnRef idx="2">
-          <a:scrgbClr r="0" g="0" b="0"/>
-        </a:lnRef>
-        <a:fillRef idx="0">
-          <a:scrgbClr r="0" g="0" b="0"/>
-        </a:fillRef>
-        <a:effectRef idx="0">
-          <a:scrgbClr r="0" g="0" b="0"/>
-        </a:effectRef>
-        <a:fontRef idx="minor"/>
-      </dsp:style>
-    </dsp:sp>
-    <dsp:sp modelId="{ED9FF23E-44F9-4058-ABA0-AB473DF6CC42}">
-      <dsp:nvSpPr>
-        <dsp:cNvPr id="0" name=""/>
-        <dsp:cNvSpPr/>
-      </dsp:nvSpPr>
-      <dsp:spPr>
-        <a:xfrm>
-          <a:off x="2784813" y="1918155"/>
-          <a:ext cx="1026252" cy="684168"/>
-        </a:xfrm>
-        <a:prstGeom prst="roundRect">
-          <a:avLst>
-            <a:gd name="adj" fmla="val 10000"/>
-          </a:avLst>
-        </a:prstGeom>
-        <a:solidFill>
-          <a:schemeClr val="dk2">
-            <a:hueOff val="0"/>
-            <a:satOff val="0"/>
-            <a:lumOff val="0"/>
-            <a:alphaOff val="0"/>
-          </a:schemeClr>
-        </a:solidFill>
-        <a:ln w="12700" cap="flat" cmpd="sng" algn="ctr">
-          <a:solidFill>
-            <a:schemeClr val="lt2">
-              <a:hueOff val="0"/>
-              <a:satOff val="0"/>
-              <a:lumOff val="0"/>
-              <a:alphaOff val="0"/>
-            </a:schemeClr>
-          </a:solidFill>
-          <a:prstDash val="solid"/>
-          <a:miter lim="800000"/>
-        </a:ln>
-        <a:effectLst/>
-      </dsp:spPr>
-      <dsp:style>
-        <a:lnRef idx="2">
-          <a:scrgbClr r="0" g="0" b="0"/>
-        </a:lnRef>
-        <a:fillRef idx="1">
-          <a:scrgbClr r="0" g="0" b="0"/>
-        </a:fillRef>
-        <a:effectRef idx="0">
-          <a:scrgbClr r="0" g="0" b="0"/>
-        </a:effectRef>
-        <a:fontRef idx="minor">
-          <a:schemeClr val="lt1"/>
-        </a:fontRef>
-      </dsp:style>
-      <dsp:txBody>
-        <a:bodyPr spcFirstLastPara="0" vert="horz" wrap="square" lIns="41910" tIns="41910" rIns="41910" bIns="41910" numCol="1" spcCol="1270" anchor="ctr" anchorCtr="0">
-          <a:noAutofit/>
-        </a:bodyPr>
-        <a:lstStyle/>
-        <a:p>
-          <a:pPr lvl="0" algn="ctr" defTabSz="466725">
-            <a:lnSpc>
-              <a:spcPct val="90000"/>
-            </a:lnSpc>
-            <a:spcBef>
-              <a:spcPct val="0"/>
-            </a:spcBef>
-            <a:spcAft>
-              <a:spcPct val="35000"/>
-            </a:spcAft>
-          </a:pPr>
-          <a:r>
-            <a:rPr lang="en-US" sz="1050" b="1" kern="1200" dirty="0" smtClean="0"/>
-            <a:t>div</a:t>
-          </a:r>
-          <a:endParaRPr lang="en-US" sz="1050" b="1" kern="1200" dirty="0"/>
-        </a:p>
-      </dsp:txBody>
-      <dsp:txXfrm>
-        <a:off x="2804852" y="1938194"/>
-        <a:ext cx="986174" cy="644090"/>
-      </dsp:txXfrm>
-    </dsp:sp>
-    <dsp:sp modelId="{3DD5293F-AAB0-4966-936D-C5F816FCDAE1}">
-      <dsp:nvSpPr>
-        <dsp:cNvPr id="0" name=""/>
-        <dsp:cNvSpPr/>
-      </dsp:nvSpPr>
-      <dsp:spPr>
-        <a:xfrm>
-          <a:off x="2630875" y="2602323"/>
-          <a:ext cx="667064" cy="273667"/>
-        </a:xfrm>
-        <a:custGeom>
-          <a:avLst/>
-          <a:gdLst/>
-          <a:ahLst/>
-          <a:cxnLst/>
-          <a:rect l="0" t="0" r="0" b="0"/>
-          <a:pathLst>
-            <a:path>
-              <a:moveTo>
-                <a:pt x="667064" y="0"/>
-              </a:moveTo>
-              <a:lnTo>
-                <a:pt x="667064" y="136833"/>
-              </a:lnTo>
-              <a:lnTo>
-                <a:pt x="0" y="136833"/>
-              </a:lnTo>
-              <a:lnTo>
-                <a:pt x="0" y="273667"/>
-              </a:lnTo>
-            </a:path>
-          </a:pathLst>
-        </a:custGeom>
-        <a:noFill/>
-        <a:ln w="12700" cap="flat" cmpd="sng" algn="ctr">
-          <a:solidFill>
-            <a:schemeClr val="dk2">
-              <a:shade val="80000"/>
-              <a:hueOff val="0"/>
-              <a:satOff val="0"/>
-              <a:lumOff val="0"/>
-              <a:alphaOff val="0"/>
-            </a:schemeClr>
-          </a:solidFill>
-          <a:prstDash val="solid"/>
-          <a:miter lim="800000"/>
-        </a:ln>
-        <a:effectLst/>
-      </dsp:spPr>
-      <dsp:style>
-        <a:lnRef idx="2">
-          <a:scrgbClr r="0" g="0" b="0"/>
-        </a:lnRef>
-        <a:fillRef idx="0">
-          <a:scrgbClr r="0" g="0" b="0"/>
-        </a:fillRef>
-        <a:effectRef idx="0">
-          <a:scrgbClr r="0" g="0" b="0"/>
-        </a:effectRef>
-        <a:fontRef idx="minor"/>
-      </dsp:style>
-    </dsp:sp>
-    <dsp:sp modelId="{4DE24E9D-9930-4903-ADB0-11A2486B4473}">
-      <dsp:nvSpPr>
-        <dsp:cNvPr id="0" name=""/>
-        <dsp:cNvSpPr/>
-      </dsp:nvSpPr>
-      <dsp:spPr>
-        <a:xfrm>
-          <a:off x="2117749" y="2875990"/>
-          <a:ext cx="1026252" cy="684168"/>
-        </a:xfrm>
-        <a:prstGeom prst="roundRect">
-          <a:avLst>
-            <a:gd name="adj" fmla="val 10000"/>
-          </a:avLst>
-        </a:prstGeom>
-        <a:solidFill>
-          <a:schemeClr val="dk2">
-            <a:hueOff val="0"/>
-            <a:satOff val="0"/>
-            <a:lumOff val="0"/>
-            <a:alphaOff val="0"/>
-          </a:schemeClr>
-        </a:solidFill>
-        <a:ln w="12700" cap="flat" cmpd="sng" algn="ctr">
-          <a:solidFill>
-            <a:schemeClr val="lt2">
-              <a:hueOff val="0"/>
-              <a:satOff val="0"/>
-              <a:lumOff val="0"/>
-              <a:alphaOff val="0"/>
-            </a:schemeClr>
-          </a:solidFill>
-          <a:prstDash val="solid"/>
-          <a:miter lim="800000"/>
-        </a:ln>
-        <a:effectLst/>
-      </dsp:spPr>
-      <dsp:style>
-        <a:lnRef idx="2">
-          <a:scrgbClr r="0" g="0" b="0"/>
-        </a:lnRef>
-        <a:fillRef idx="1">
-          <a:scrgbClr r="0" g="0" b="0"/>
-        </a:fillRef>
-        <a:effectRef idx="0">
-          <a:scrgbClr r="0" g="0" b="0"/>
-        </a:effectRef>
-        <a:fontRef idx="minor">
-          <a:schemeClr val="lt1"/>
-        </a:fontRef>
-      </dsp:style>
-      <dsp:txBody>
-        <a:bodyPr spcFirstLastPara="0" vert="horz" wrap="square" lIns="41910" tIns="41910" rIns="41910" bIns="41910" numCol="1" spcCol="1270" anchor="ctr" anchorCtr="0">
-          <a:noAutofit/>
-        </a:bodyPr>
-        <a:lstStyle/>
-        <a:p>
-          <a:pPr lvl="0" algn="ctr" defTabSz="466725">
-            <a:lnSpc>
-              <a:spcPct val="90000"/>
-            </a:lnSpc>
-            <a:spcBef>
-              <a:spcPct val="0"/>
-            </a:spcBef>
-            <a:spcAft>
-              <a:spcPct val="35000"/>
-            </a:spcAft>
-          </a:pPr>
-          <a:r>
-            <a:rPr lang="en-US" sz="1050" b="1" kern="1200" dirty="0" smtClean="0"/>
-            <a:t>Attribute:  style</a:t>
-          </a:r>
-          <a:endParaRPr lang="en-US" sz="1050" b="1" kern="1200" dirty="0"/>
-        </a:p>
-      </dsp:txBody>
-      <dsp:txXfrm>
-        <a:off x="2137788" y="2896029"/>
-        <a:ext cx="986174" cy="644090"/>
-      </dsp:txXfrm>
-    </dsp:sp>
-    <dsp:sp modelId="{9B0E16B5-BCF0-44FA-804E-9FDF20ACC5FA}">
-      <dsp:nvSpPr>
-        <dsp:cNvPr id="0" name=""/>
-        <dsp:cNvSpPr/>
-      </dsp:nvSpPr>
-      <dsp:spPr>
-        <a:xfrm>
-          <a:off x="3297939" y="2602323"/>
-          <a:ext cx="667064" cy="273667"/>
-        </a:xfrm>
-        <a:custGeom>
-          <a:avLst/>
-          <a:gdLst/>
-          <a:ahLst/>
-          <a:cxnLst/>
-          <a:rect l="0" t="0" r="0" b="0"/>
-          <a:pathLst>
-            <a:path>
-              <a:moveTo>
-                <a:pt x="0" y="0"/>
-              </a:moveTo>
-              <a:lnTo>
-                <a:pt x="0" y="136833"/>
-              </a:lnTo>
-              <a:lnTo>
-                <a:pt x="667064" y="136833"/>
-              </a:lnTo>
-              <a:lnTo>
-                <a:pt x="667064" y="273667"/>
-              </a:lnTo>
-            </a:path>
-          </a:pathLst>
-        </a:custGeom>
-        <a:noFill/>
-        <a:ln w="12700" cap="flat" cmpd="sng" algn="ctr">
-          <a:solidFill>
-            <a:schemeClr val="dk2">
-              <a:shade val="80000"/>
-              <a:hueOff val="0"/>
-              <a:satOff val="0"/>
-              <a:lumOff val="0"/>
-              <a:alphaOff val="0"/>
-            </a:schemeClr>
-          </a:solidFill>
-          <a:prstDash val="solid"/>
-          <a:miter lim="800000"/>
-        </a:ln>
-        <a:effectLst/>
-      </dsp:spPr>
-      <dsp:style>
-        <a:lnRef idx="2">
-          <a:scrgbClr r="0" g="0" b="0"/>
-        </a:lnRef>
-        <a:fillRef idx="0">
-          <a:scrgbClr r="0" g="0" b="0"/>
-        </a:fillRef>
-        <a:effectRef idx="0">
-          <a:scrgbClr r="0" g="0" b="0"/>
-        </a:effectRef>
-        <a:fontRef idx="minor"/>
-      </dsp:style>
-    </dsp:sp>
-    <dsp:sp modelId="{8F10CC7E-6E25-45D0-A54D-2391DFF2213D}">
-      <dsp:nvSpPr>
-        <dsp:cNvPr id="0" name=""/>
-        <dsp:cNvSpPr/>
-      </dsp:nvSpPr>
-      <dsp:spPr>
-        <a:xfrm>
-          <a:off x="3451877" y="2875990"/>
-          <a:ext cx="1026252" cy="684168"/>
-        </a:xfrm>
-        <a:prstGeom prst="roundRect">
-          <a:avLst>
-            <a:gd name="adj" fmla="val 10000"/>
-          </a:avLst>
-        </a:prstGeom>
-        <a:solidFill>
-          <a:schemeClr val="dk2">
-            <a:hueOff val="0"/>
-            <a:satOff val="0"/>
-            <a:lumOff val="0"/>
-            <a:alphaOff val="0"/>
-          </a:schemeClr>
-        </a:solidFill>
-        <a:ln w="12700" cap="flat" cmpd="sng" algn="ctr">
-          <a:solidFill>
-            <a:schemeClr val="lt2">
-              <a:hueOff val="0"/>
-              <a:satOff val="0"/>
-              <a:lumOff val="0"/>
-              <a:alphaOff val="0"/>
-            </a:schemeClr>
-          </a:solidFill>
-          <a:prstDash val="solid"/>
-          <a:miter lim="800000"/>
-        </a:ln>
-        <a:effectLst/>
-      </dsp:spPr>
-      <dsp:style>
-        <a:lnRef idx="2">
-          <a:scrgbClr r="0" g="0" b="0"/>
-        </a:lnRef>
-        <a:fillRef idx="1">
-          <a:scrgbClr r="0" g="0" b="0"/>
-        </a:fillRef>
-        <a:effectRef idx="0">
-          <a:scrgbClr r="0" g="0" b="0"/>
-        </a:effectRef>
-        <a:fontRef idx="minor">
-          <a:schemeClr val="lt1"/>
-        </a:fontRef>
-      </dsp:style>
-      <dsp:txBody>
-        <a:bodyPr spcFirstLastPara="0" vert="horz" wrap="square" lIns="41910" tIns="41910" rIns="41910" bIns="41910" numCol="1" spcCol="1270" anchor="ctr" anchorCtr="0">
-          <a:noAutofit/>
-        </a:bodyPr>
-        <a:lstStyle/>
-        <a:p>
-          <a:pPr lvl="0" algn="ctr" defTabSz="466725">
-            <a:lnSpc>
-              <a:spcPct val="90000"/>
-            </a:lnSpc>
-            <a:spcBef>
-              <a:spcPct val="0"/>
-            </a:spcBef>
-            <a:spcAft>
-              <a:spcPct val="35000"/>
-            </a:spcAft>
-          </a:pPr>
-          <a:r>
-            <a:rPr lang="en-US" sz="1050" b="1" kern="1200" dirty="0" smtClean="0"/>
-            <a:t>Content: Hello World!</a:t>
-          </a:r>
-          <a:endParaRPr lang="en-US" sz="1050" b="1" kern="1200" dirty="0"/>
-        </a:p>
-      </dsp:txBody>
-      <dsp:txXfrm>
-        <a:off x="3471916" y="2896029"/>
-        <a:ext cx="986174" cy="644090"/>
-      </dsp:txXfrm>
-    </dsp:sp>
-  </dsp:spTree>
-</dsp:drawing>
-</file>
-
 <file path=ppt/diagrams/layout1.xml><?xml version="1.0" encoding="utf-8"?>
-<dgm:layoutDef xmlns:dgm="http://schemas.openxmlformats.org/drawingml/2006/diagram" xmlns:a="http://schemas.openxmlformats.org/drawingml/2006/main" uniqueId="urn:microsoft.com/office/officeart/2005/8/layout/hierarchy6">
-  <dgm:title val=""/>
-  <dgm:desc val=""/>
-  <dgm:catLst>
-    <dgm:cat type="hierarchy" pri="3000"/>
-  </dgm:catLst>
-  <dgm:sampData>
-    <dgm:dataModel>
-      <dgm:ptLst>
-        <dgm:pt modelId="0" type="doc"/>
-        <dgm:pt modelId="1">
-          <dgm:prSet phldr="1"/>
-        </dgm:pt>
-        <dgm:pt modelId="2">
-          <dgm:prSet phldr="1"/>
-        </dgm:pt>
-        <dgm:pt modelId="21">
-          <dgm:prSet phldr="1"/>
-        </dgm:pt>
-        <dgm:pt modelId="22">
-          <dgm:prSet phldr="1"/>
-        </dgm:pt>
-        <dgm:pt modelId="3">
-          <dgm:prSet phldr="1"/>
-        </dgm:pt>
-        <dgm:pt modelId="31">
-          <dgm:prSet phldr="1"/>
-        </dgm:pt>
-        <dgm:pt modelId="4">
-          <dgm:prSet phldr="1"/>
-        </dgm:pt>
-        <dgm:pt modelId="5">
-          <dgm:prSet phldr="1"/>
-        </dgm:pt>
-        <dgm:pt modelId="6">
-          <dgm:prSet phldr="1"/>
-        </dgm:pt>
-      </dgm:ptLst>
-      <dgm:cxnLst>
-        <dgm:cxn modelId="7" srcId="0" destId="1" srcOrd="0" destOrd="0"/>
-        <dgm:cxn modelId="8" srcId="1" destId="2" srcOrd="0" destOrd="0"/>
-        <dgm:cxn modelId="9" srcId="1" destId="3" srcOrd="1" destOrd="0"/>
-        <dgm:cxn modelId="23" srcId="2" destId="21" srcOrd="0" destOrd="0"/>
-        <dgm:cxn modelId="24" srcId="2" destId="22" srcOrd="1" destOrd="0"/>
-        <dgm:cxn modelId="33" srcId="3" destId="31" srcOrd="0" destOrd="0"/>
-        <dgm:cxn modelId="10" srcId="0" destId="4" srcOrd="1" destOrd="0"/>
-        <dgm:cxn modelId="11" srcId="0" destId="5" srcOrd="2" destOrd="0"/>
-        <dgm:cxn modelId="12" srcId="0" destId="6" srcOrd="3" destOrd="0"/>
-      </dgm:cxnLst>
-      <dgm:bg/>
-      <dgm:whole/>
-    </dgm:dataModel>
-  </dgm:sampData>
-  <dgm:styleData>
-    <dgm:dataModel>
-      <dgm:ptLst>
-        <dgm:pt modelId="0" type="doc"/>
-        <dgm:pt modelId="1"/>
-        <dgm:pt modelId="11"/>
-        <dgm:pt modelId="12"/>
-        <dgm:pt modelId="2"/>
-        <dgm:pt modelId="3"/>
-      </dgm:ptLst>
-      <dgm:cxnLst>
-        <dgm:cxn modelId="4" srcId="0" destId="1" srcOrd="0" destOrd="0"/>
-        <dgm:cxn modelId="13" srcId="1" destId="11" srcOrd="0" destOrd="0"/>
-        <dgm:cxn modelId="14" srcId="1" destId="12" srcOrd="1" destOrd="0"/>
-        <dgm:cxn modelId="5" srcId="0" destId="2" srcOrd="1" destOrd="0"/>
-        <dgm:cxn modelId="6" srcId="0" destId="3" srcOrd="2" destOrd="0"/>
-      </dgm:cxnLst>
-      <dgm:bg/>
-      <dgm:whole/>
-    </dgm:dataModel>
-  </dgm:styleData>
-  <dgm:clrData>
-    <dgm:dataModel>
-      <dgm:ptLst>
-        <dgm:pt modelId="0" type="doc"/>
-        <dgm:pt modelId="1"/>
-        <dgm:pt modelId="2"/>
-        <dgm:pt modelId="21"/>
-        <dgm:pt modelId="211"/>
-        <dgm:pt modelId="3"/>
-        <dgm:pt modelId="31"/>
-        <dgm:pt modelId="311"/>
-        <dgm:pt modelId="4"/>
-        <dgm:pt modelId="5"/>
-        <dgm:pt modelId="6"/>
-        <dgm:pt modelId="7"/>
-      </dgm:ptLst>
-      <dgm:cxnLst>
-        <dgm:cxn modelId="8" srcId="0" destId="1" srcOrd="0" destOrd="0"/>
-        <dgm:cxn modelId="9" srcId="1" destId="2" srcOrd="0" destOrd="0"/>
-        <dgm:cxn modelId="10" srcId="1" destId="3" srcOrd="1" destOrd="0"/>
-        <dgm:cxn modelId="23" srcId="2" destId="21" srcOrd="0" destOrd="0"/>
-        <dgm:cxn modelId="24" srcId="21" destId="211" srcOrd="0" destOrd="0"/>
-        <dgm:cxn modelId="33" srcId="3" destId="31" srcOrd="0" destOrd="0"/>
-        <dgm:cxn modelId="34" srcId="31" destId="311" srcOrd="0" destOrd="0"/>
-        <dgm:cxn modelId="11" srcId="0" destId="4" srcOrd="1" destOrd="0"/>
-        <dgm:cxn modelId="12" srcId="0" destId="5" srcOrd="2" destOrd="0"/>
-        <dgm:cxn modelId="13" srcId="0" destId="6" srcOrd="3" destOrd="0"/>
-        <dgm:cxn modelId="14" srcId="0" destId="7" srcOrd="4" destOrd="0"/>
-      </dgm:cxnLst>
-      <dgm:bg/>
-      <dgm:whole/>
-    </dgm:dataModel>
-  </dgm:clrData>
-  <dgm:layoutNode name="mainComposite">
-    <dgm:varLst>
-      <dgm:chPref val="1"/>
-      <dgm:dir/>
-      <dgm:animOne val="branch"/>
-      <dgm:animLvl val="lvl"/>
-      <dgm:resizeHandles val="exact"/>
-    </dgm:varLst>
-    <dgm:alg type="composite">
-      <dgm:param type="vertAlign" val="mid"/>
-      <dgm:param type="horzAlign" val="ctr"/>
-    </dgm:alg>
-    <dgm:shape xmlns:r="http://schemas.openxmlformats.org/officeDocument/2006/relationships" r:blip="">
-      <dgm:adjLst/>
-    </dgm:shape>
-    <dgm:presOf/>
-    <dgm:choose name="Name0">
-      <dgm:if name="Name1" axis="ch" ptType="node" func="cnt" op="gte" val="2">
-        <dgm:choose name="Name2">
-          <dgm:if name="Name3" func="var" arg="dir" op="equ" val="norm">
-            <dgm:constrLst>
-              <dgm:constr type="l" for="ch" forName="hierFlow" refType="w" fact="0.3"/>
-              <dgm:constr type="t" for="ch" forName="hierFlow"/>
-              <dgm:constr type="r" for="ch" forName="hierFlow" refType="w" fact="0.98"/>
-              <dgm:constr type="b" for="ch" forName="hierFlow" refType="h" fact="0.98"/>
-              <dgm:constr type="l" for="ch" forName="bgShapesFlow"/>
-              <dgm:constr type="t" for="ch" forName="bgShapesFlow"/>
-              <dgm:constr type="r" for="ch" forName="bgShapesFlow" refType="w"/>
-              <dgm:constr type="b" for="ch" forName="bgShapesFlow" refType="h"/>
-              <dgm:constr type="w" for="des" forName="level1Shape" refType="w"/>
-              <dgm:constr type="h" for="des" forName="level1Shape" refType="w" refFor="des" refForName="level1Shape" fact="0.66667"/>
-              <dgm:constr type="w" for="des" forName="level2Shape" refType="w" refFor="des" refForName="level1Shape" op="equ"/>
-              <dgm:constr type="h" for="des" forName="level2Shape" refType="h" refFor="des" refForName="level1Shape" op="equ"/>
-              <dgm:constr type="sp" for="des" refType="h" refFor="des" refForName="level1Shape" op="equ" fact="0.4"/>
-              <dgm:constr type="sibSp" for="des" forName="hierChild1" refType="w" refFor="des" refForName="level1Shape" op="equ" fact="0.3"/>
-              <dgm:constr type="sibSp" for="des" forName="hierChild2" refType="sibSp" refFor="des" refForName="hierChild1" op="equ"/>
-              <dgm:constr type="sibSp" for="des" forName="hierChild3" refType="sibSp" refFor="des" refForName="hierChild1" op="equ"/>
-              <dgm:constr type="userA" for="des" refType="h" refFor="des" refForName="level1Shape" op="equ"/>
-              <dgm:constr type="userB" for="des" refType="sp" refFor="des" op="equ"/>
-              <dgm:constr type="h" for="des" forName="firstBuf" refType="h" refFor="des" refForName="level1Shape" fact="0.1"/>
-            </dgm:constrLst>
-          </dgm:if>
-          <dgm:else name="Name4">
-            <dgm:constrLst>
-              <dgm:constr type="l" for="ch" forName="hierFlow" refType="w" fact="0.02"/>
-              <dgm:constr type="t" for="ch" forName="hierFlow"/>
-              <dgm:constr type="r" for="ch" forName="hierFlow" refType="w" fact="0.7"/>
-              <dgm:constr type="b" for="ch" forName="hierFlow" refType="h" fact="0.98"/>
-              <dgm:constr type="l" for="ch" forName="bgShapesFlow"/>
-              <dgm:constr type="t" for="ch" forName="bgShapesFlow"/>
-              <dgm:constr type="r" for="ch" forName="bgShapesFlow" refType="w"/>
-              <dgm:constr type="b" for="ch" forName="bgShapesFlow" refType="h"/>
-              <dgm:constr type="w" for="des" forName="level1Shape" refType="w"/>
-              <dgm:constr type="h" for="des" forName="level1Shape" refType="w" refFor="des" refForName="level1Shape" fact="0.66667"/>
-              <dgm:constr type="w" for="des" forName="level2Shape" refType="w" refFor="des" refForName="level1Shape" op="equ"/>
-              <dgm:constr type="h" for="des" forName="level2Shape" refType="h" refFor="des" refForName="level1Shape" op="equ"/>
-              <dgm:constr type="sp" for="des" refType="h" refFor="des" refForName="level1Shape" op="equ" fact="0.4"/>
-              <dgm:constr type="sibSp" for="des" forName="hierChild1" refType="w" refFor="des" refForName="level1Shape" op="equ" fact="0.3"/>
-              <dgm:constr type="sibSp" for="des" forName="hierChild2" refType="sibSp" refFor="des" refForName="hierChild1" op="equ"/>
-              <dgm:constr type="sibSp" for="des" forName="hierChild3" refType="sibSp" refFor="des" refForName="hierChild1" op="equ"/>
-              <dgm:constr type="userA" for="des" refType="h" refFor="des" refForName="level1Shape" op="equ"/>
-              <dgm:constr type="userB" for="des" refType="sp" refFor="des" op="equ"/>
-              <dgm:constr type="h" for="des" forName="firstBuf" refType="h" refFor="des" refForName="level1Shape" fact="0.1"/>
-            </dgm:constrLst>
-          </dgm:else>
-        </dgm:choose>
-      </dgm:if>
-      <dgm:else name="Name5">
-        <dgm:constrLst>
-          <dgm:constr type="l" for="ch" forName="hierFlow"/>
-          <dgm:constr type="t" for="ch" forName="hierFlow"/>
-          <dgm:constr type="r" for="ch" forName="hierFlow" refType="w"/>
-          <dgm:constr type="b" for="ch" forName="hierFlow" refType="h"/>
-          <dgm:constr type="l" for="ch" forName="bgShapesFlow"/>
-          <dgm:constr type="t" for="ch" forName="bgShapesFlow"/>
-          <dgm:constr type="r" for="ch" forName="bgShapesFlow" refType="w"/>
-          <dgm:constr type="b" for="ch" forName="bgShapesFlow" refType="h"/>
-          <dgm:constr type="w" for="des" forName="level1Shape" refType="w"/>
-          <dgm:constr type="h" for="des" forName="level1Shape" refType="w" refFor="des" refForName="level1Shape" fact="0.66667"/>
-          <dgm:constr type="w" for="des" forName="level2Shape" refType="w" refFor="des" refForName="level1Shape" op="equ"/>
-          <dgm:constr type="h" for="des" forName="level2Shape" refType="h" refFor="des" refForName="level1Shape" op="equ"/>
-          <dgm:constr type="sp" for="des" refType="h" refFor="des" refForName="level1Shape" op="equ" fact="0.4"/>
-          <dgm:constr type="sibSp" for="des" forName="hierChild1" refType="w" refFor="des" refForName="level1Shape" op="equ" fact="0.3"/>
-          <dgm:constr type="sibSp" for="des" forName="hierChild2" refType="sibSp" refFor="des" refForName="hierChild1" op="equ"/>
-          <dgm:constr type="sibSp" for="des" forName="hierChild3" refType="sibSp" refFor="des" refForName="hierChild1" op="equ"/>
-          <dgm:constr type="userA" for="des" refType="h" refFor="des" refForName="level1Shape" op="equ"/>
-          <dgm:constr type="userB" for="des" refType="sp" refFor="des" op="equ"/>
-          <dgm:constr type="h" for="des" forName="firstBuf" refType="h" refFor="des" refForName="level1Shape" fact="0.1"/>
-        </dgm:constrLst>
-      </dgm:else>
-    </dgm:choose>
-    <dgm:ruleLst/>
-    <dgm:layoutNode name="hierFlow">
-      <dgm:alg type="lin">
-        <dgm:param type="linDir" val="fromT"/>
-        <dgm:param type="nodeVertAlign" val="t"/>
-        <dgm:param type="vertAlign" val="t"/>
-        <dgm:param type="nodeHorzAlign" val="ctr"/>
-        <dgm:param type="fallback" val="2D"/>
-      </dgm:alg>
-      <dgm:shape xmlns:r="http://schemas.openxmlformats.org/officeDocument/2006/relationships" r:blip="">
-        <dgm:adjLst/>
-      </dgm:shape>
-      <dgm:presOf/>
-      <dgm:constrLst/>
-      <dgm:ruleLst/>
-      <dgm:choose name="Name6">
-        <dgm:if name="Name7" axis="ch" ptType="node" func="cnt" op="gte" val="2">
-          <dgm:layoutNode name="firstBuf">
-            <dgm:alg type="sp"/>
-            <dgm:shape xmlns:r="http://schemas.openxmlformats.org/officeDocument/2006/relationships" r:blip="">
-              <dgm:adjLst/>
-            </dgm:shape>
-            <dgm:presOf/>
-            <dgm:constrLst/>
-            <dgm:ruleLst/>
-          </dgm:layoutNode>
-        </dgm:if>
-        <dgm:else name="Name8"/>
-      </dgm:choose>
-      <dgm:layoutNode name="hierChild1">
-        <dgm:varLst>
-          <dgm:chPref val="1"/>
-          <dgm:animOne val="branch"/>
-          <dgm:animLvl val="lvl"/>
-        </dgm:varLst>
-        <dgm:choose name="Name9">
-          <dgm:if name="Name10" func="var" arg="dir" op="equ" val="norm">
-            <dgm:alg type="hierChild">
-              <dgm:param type="linDir" val="fromL"/>
-              <dgm:param type="vertAlign" val="t"/>
-            </dgm:alg>
-          </dgm:if>
-          <dgm:else name="Name11">
-            <dgm:alg type="hierChild">
-              <dgm:param type="linDir" val="fromR"/>
-              <dgm:param type="vertAlign" val="t"/>
-            </dgm:alg>
-          </dgm:else>
-        </dgm:choose>
-        <dgm:shape xmlns:r="http://schemas.openxmlformats.org/officeDocument/2006/relationships" r:blip="">
-          <dgm:adjLst/>
-        </dgm:shape>
-        <dgm:presOf/>
-        <dgm:constrLst>
-          <dgm:constr type="primFontSz" for="des" ptType="node" op="equ"/>
-        </dgm:constrLst>
-        <dgm:ruleLst/>
-        <dgm:forEach name="Name12" axis="ch" cnt="3">
-          <dgm:forEach name="Name13" axis="self" ptType="node">
-            <dgm:layoutNode name="Name14">
-              <dgm:alg type="hierRoot"/>
-              <dgm:shape xmlns:r="http://schemas.openxmlformats.org/officeDocument/2006/relationships" r:blip="">
-                <dgm:adjLst/>
-              </dgm:shape>
-              <dgm:presOf/>
-              <dgm:constrLst/>
-              <dgm:ruleLst/>
-              <dgm:layoutNode name="level1Shape" styleLbl="node0">
-                <dgm:varLst>
-                  <dgm:chPref val="3"/>
-                </dgm:varLst>
-                <dgm:alg type="tx"/>
-                <dgm:shape xmlns:r="http://schemas.openxmlformats.org/officeDocument/2006/relationships" type="roundRect" r:blip="">
-                  <dgm:adjLst>
-                    <dgm:adj idx="1" val="0.1"/>
-                  </dgm:adjLst>
-                </dgm:shape>
-                <dgm:presOf axis="self"/>
-                <dgm:constrLst>
-                  <dgm:constr type="primFontSz" val="65"/>
-                  <dgm:constr type="tMarg" refType="primFontSz" fact="0.3"/>
-                  <dgm:constr type="bMarg" refType="primFontSz" fact="0.3"/>
-                  <dgm:constr type="lMarg" refType="primFontSz" fact="0.3"/>
-                  <dgm:constr type="rMarg" refType="primFontSz" fact="0.3"/>
-                </dgm:constrLst>
-                <dgm:ruleLst>
-                  <dgm:rule type="primFontSz" val="5" fact="NaN" max="NaN"/>
-                </dgm:ruleLst>
-              </dgm:layoutNode>
-              <dgm:layoutNode name="hierChild2">
-                <dgm:choose name="Name15">
-                  <dgm:if name="Name16" func="var" arg="dir" op="equ" val="norm">
-                    <dgm:alg type="hierChild">
-                      <dgm:param type="linDir" val="fromL"/>
-                    </dgm:alg>
-                  </dgm:if>
-                  <dgm:else name="Name17">
-                    <dgm:alg type="hierChild">
-                      <dgm:param type="linDir" val="fromR"/>
-                    </dgm:alg>
-                  </dgm:else>
-                </dgm:choose>
-                <dgm:shape xmlns:r="http://schemas.openxmlformats.org/officeDocument/2006/relationships" r:blip="">
-                  <dgm:adjLst/>
-                </dgm:shape>
-                <dgm:presOf/>
-                <dgm:constrLst/>
-                <dgm:ruleLst/>
-                <dgm:forEach name="repeat" axis="ch">
-                  <dgm:forEach name="Name18" axis="self" ptType="parTrans" cnt="1">
-                    <dgm:layoutNode name="Name19">
-                      <dgm:alg type="conn">
-                        <dgm:param type="dim" val="1D"/>
-                        <dgm:param type="endSty" val="noArr"/>
-                        <dgm:param type="connRout" val="bend"/>
-                        <dgm:param type="begPts" val="bCtr"/>
-                        <dgm:param type="endPts" val="tCtr"/>
-                      </dgm:alg>
-                      <dgm:shape xmlns:r="http://schemas.openxmlformats.org/officeDocument/2006/relationships" type="conn" r:blip="">
-                        <dgm:adjLst/>
-                      </dgm:shape>
-                      <dgm:presOf axis="self"/>
-                      <dgm:constrLst>
-                        <dgm:constr type="w" val="1"/>
-                        <dgm:constr type="h" val="1"/>
-                        <dgm:constr type="begPad"/>
-                        <dgm:constr type="endPad"/>
-                      </dgm:constrLst>
-                      <dgm:ruleLst/>
-                    </dgm:layoutNode>
-                  </dgm:forEach>
-                  <dgm:forEach name="Name20" axis="self" ptType="node">
-                    <dgm:layoutNode name="Name21">
-                      <dgm:alg type="hierRoot"/>
-                      <dgm:shape xmlns:r="http://schemas.openxmlformats.org/officeDocument/2006/relationships" r:blip="">
-                        <dgm:adjLst/>
-                      </dgm:shape>
-                      <dgm:presOf/>
-                      <dgm:constrLst/>
-                      <dgm:ruleLst/>
-                      <dgm:layoutNode name="level2Shape">
-                        <dgm:alg type="tx"/>
-                        <dgm:shape xmlns:r="http://schemas.openxmlformats.org/officeDocument/2006/relationships" type="roundRect" r:blip="">
-                          <dgm:adjLst>
-                            <dgm:adj idx="1" val="0.1"/>
-                          </dgm:adjLst>
-                        </dgm:shape>
-                        <dgm:presOf axis="self"/>
-                        <dgm:constrLst>
-                          <dgm:constr type="primFontSz" val="65"/>
-                          <dgm:constr type="tMarg" refType="primFontSz" fact="0.3"/>
-                          <dgm:constr type="bMarg" refType="primFontSz" fact="0.3"/>
-                          <dgm:constr type="lMarg" refType="primFontSz" fact="0.3"/>
-                          <dgm:constr type="rMarg" refType="primFontSz" fact="0.3"/>
-                        </dgm:constrLst>
-                        <dgm:ruleLst>
-                          <dgm:rule type="primFontSz" val="5" fact="NaN" max="NaN"/>
-                        </dgm:ruleLst>
-                      </dgm:layoutNode>
-                      <dgm:layoutNode name="hierChild3">
-                        <dgm:choose name="Name22">
-                          <dgm:if name="Name23" func="var" arg="dir" op="equ" val="norm">
-                            <dgm:alg type="hierChild">
-                              <dgm:param type="linDir" val="fromL"/>
-                            </dgm:alg>
-                          </dgm:if>
-                          <dgm:else name="Name24">
-                            <dgm:alg type="hierChild">
-                              <dgm:param type="linDir" val="fromR"/>
-                            </dgm:alg>
-                          </dgm:else>
-                        </dgm:choose>
-                        <dgm:shape xmlns:r="http://schemas.openxmlformats.org/officeDocument/2006/relationships" r:blip="">
-                          <dgm:adjLst/>
-                        </dgm:shape>
-                        <dgm:presOf/>
-                        <dgm:constrLst/>
-                        <dgm:ruleLst/>
-                        <dgm:forEach name="Name25" ref="repeat"/>
-                      </dgm:layoutNode>
-                    </dgm:layoutNode>
-                  </dgm:forEach>
-                </dgm:forEach>
-              </dgm:layoutNode>
-            </dgm:layoutNode>
-          </dgm:forEach>
-        </dgm:forEach>
-      </dgm:layoutNode>
-    </dgm:layoutNode>
-    <dgm:layoutNode name="bgShapesFlow">
-      <dgm:alg type="lin">
-        <dgm:param type="linDir" val="fromT"/>
-        <dgm:param type="nodeVertAlign" val="t"/>
-        <dgm:param type="vertAlign" val="t"/>
-        <dgm:param type="nodeHorzAlign" val="ctr"/>
-      </dgm:alg>
-      <dgm:shape xmlns:r="http://schemas.openxmlformats.org/officeDocument/2006/relationships" r:blip="">
-        <dgm:adjLst/>
-      </dgm:shape>
-      <dgm:presOf/>
-      <dgm:constrLst>
-        <dgm:constr type="userB"/>
-        <dgm:constr type="w" for="ch" forName="rectComp" refType="w"/>
-        <dgm:constr type="h" for="ch" forName="rectComp" refType="h"/>
-        <dgm:constr type="w" for="des" forName="bgRect" refType="w"/>
-        <dgm:constr type="primFontSz" for="des" forName="bgRectTx" op="equ"/>
-      </dgm:constrLst>
-      <dgm:ruleLst/>
-      <dgm:forEach name="Name26" axis="ch" ptType="node" st="2">
-        <dgm:layoutNode name="rectComp">
-          <dgm:alg type="composite">
-            <dgm:param type="vertAlign" val="t"/>
-            <dgm:param type="horzAlign" val="ctr"/>
-          </dgm:alg>
-          <dgm:shape xmlns:r="http://schemas.openxmlformats.org/officeDocument/2006/relationships" r:blip="">
-            <dgm:adjLst/>
-          </dgm:shape>
-          <dgm:presOf/>
-          <dgm:choose name="Name27">
-            <dgm:if name="Name28" func="var" arg="dir" op="equ" val="norm">
-              <dgm:constrLst>
-                <dgm:constr type="userA"/>
-                <dgm:constr type="l" for="ch" forName="bgRect"/>
-                <dgm:constr type="t" for="ch" forName="bgRect"/>
-                <dgm:constr type="h" for="ch" forName="bgRect" refType="userA" fact="1.2"/>
-                <dgm:constr type="l" for="ch" forName="bgRectTx"/>
-                <dgm:constr type="t" for="ch" forName="bgRectTx"/>
-                <dgm:constr type="w" for="ch" forName="bgRectTx" refType="w" refFor="ch" refForName="bgRect" fact="0.3"/>
-                <dgm:constr type="h" for="ch" forName="bgRectTx" refType="h" refFor="ch" refForName="bgRect" op="equ"/>
-              </dgm:constrLst>
-            </dgm:if>
-            <dgm:else name="Name29">
-              <dgm:constrLst>
-                <dgm:constr type="userA"/>
-                <dgm:constr type="l" for="ch" forName="bgRect"/>
-                <dgm:constr type="t" for="ch" forName="bgRect"/>
-                <dgm:constr type="h" for="ch" forName="bgRect" refType="userA" fact="1.2"/>
-                <dgm:constr type="r" for="ch" forName="bgRectTx" refType="w"/>
-                <dgm:constr type="t" for="ch" forName="bgRectTx"/>
-                <dgm:constr type="w" for="ch" forName="bgRectTx" refType="w" refFor="ch" refForName="bgRect" fact="0.3"/>
-                <dgm:constr type="h" for="ch" forName="bgRectTx" refType="h" refFor="ch" refForName="bgRect" op="equ"/>
-              </dgm:constrLst>
-            </dgm:else>
-          </dgm:choose>
-          <dgm:ruleLst/>
-          <dgm:layoutNode name="bgRect" styleLbl="bgShp">
-            <dgm:alg type="sp"/>
-            <dgm:shape xmlns:r="http://schemas.openxmlformats.org/officeDocument/2006/relationships" type="roundRect" r:blip="" zOrderOff="-999">
-              <dgm:adjLst>
-                <dgm:adj idx="1" val="0.1"/>
-              </dgm:adjLst>
-            </dgm:shape>
-            <dgm:presOf axis="desOrSelf" ptType="node"/>
-            <dgm:constrLst/>
-            <dgm:ruleLst/>
-          </dgm:layoutNode>
-          <dgm:layoutNode name="bgRectTx" styleLbl="bgShp">
-            <dgm:varLst>
-              <dgm:bulletEnabled val="1"/>
-            </dgm:varLst>
-            <dgm:alg type="tx"/>
-            <dgm:presOf axis="desOrSelf" ptType="node"/>
-            <dgm:shape xmlns:r="http://schemas.openxmlformats.org/officeDocument/2006/relationships" type="rect" r:blip="" zOrderOff="-999" hideGeom="1">
-              <dgm:adjLst/>
-            </dgm:shape>
-            <dgm:constrLst>
-              <dgm:constr type="primFontSz" val="65"/>
-            </dgm:constrLst>
-            <dgm:ruleLst>
-              <dgm:rule type="primFontSz" val="5" fact="NaN" max="NaN"/>
-            </dgm:ruleLst>
-          </dgm:layoutNode>
-        </dgm:layoutNode>
-        <dgm:choose name="Name30">
-          <dgm:if name="Name31" axis="self" ptType="node" func="revPos" op="gte" val="2">
-            <dgm:layoutNode name="spComp">
-              <dgm:alg type="composite">
-                <dgm:param type="vertAlign" val="t"/>
-                <dgm:param type="horzAlign" val="ctr"/>
-              </dgm:alg>
-              <dgm:shape xmlns:r="http://schemas.openxmlformats.org/officeDocument/2006/relationships" r:blip="">
-                <dgm:adjLst/>
-              </dgm:shape>
-              <dgm:presOf/>
-              <dgm:constrLst>
-                <dgm:constr type="userA"/>
-                <dgm:constr type="userB"/>
-                <dgm:constr type="l" for="ch" forName="vSp"/>
-                <dgm:constr type="t" for="ch" forName="vSp"/>
-                <dgm:constr type="h" for="ch" forName="vSp" refType="userB"/>
-                <dgm:constr type="hOff" for="ch" forName="vSp" refType="userA" fact="-0.2"/>
-              </dgm:constrLst>
-              <dgm:ruleLst/>
-              <dgm:layoutNode name="vSp">
-                <dgm:alg type="sp"/>
-                <dgm:shape xmlns:r="http://schemas.openxmlformats.org/officeDocument/2006/relationships" r:blip="">
-                  <dgm:adjLst/>
-                </dgm:shape>
-                <dgm:presOf/>
-                <dgm:constrLst/>
-                <dgm:ruleLst/>
-              </dgm:layoutNode>
-            </dgm:layoutNode>
-          </dgm:if>
-          <dgm:else name="Name32"/>
-        </dgm:choose>
-      </dgm:forEach>
-    </dgm:layoutNode>
-  </dgm:layoutNode>
-</dgm:layoutDef>
-</file>
-
-<file path=ppt/diagrams/layout2.xml><?xml version="1.0" encoding="utf-8"?>
 <dgm:layoutDef xmlns:dgm="http://schemas.openxmlformats.org/drawingml/2006/diagram" xmlns:a="http://schemas.openxmlformats.org/drawingml/2006/main" uniqueId="urn:microsoft.com/office/officeart/2005/8/layout/hierarchy6">
   <dgm:title val=""/>
   <dgm:desc val=""/>
@@ -6118,1040 +3727,6 @@
 </dgm:styleDef>
 </file>
 
-<file path=ppt/diagrams/quickStyle2.xml><?xml version="1.0" encoding="utf-8"?>
-<dgm:styleDef xmlns:dgm="http://schemas.openxmlformats.org/drawingml/2006/diagram" xmlns:a="http://schemas.openxmlformats.org/drawingml/2006/main" uniqueId="urn:microsoft.com/office/officeart/2005/8/quickstyle/simple1">
-  <dgm:title val=""/>
-  <dgm:desc val=""/>
-  <dgm:catLst>
-    <dgm:cat type="simple" pri="10100"/>
-  </dgm:catLst>
-  <dgm:scene3d>
-    <a:camera prst="orthographicFront"/>
-    <a:lightRig rig="threePt" dir="t"/>
-  </dgm:scene3d>
-  <dgm:styleLbl name="node0">
-    <dgm:scene3d>
-      <a:camera prst="orthographicFront"/>
-      <a:lightRig rig="threePt" dir="t"/>
-    </dgm:scene3d>
-    <dgm:sp3d/>
-    <dgm:txPr/>
-    <dgm:style>
-      <a:lnRef idx="2">
-        <a:scrgbClr r="0" g="0" b="0"/>
-      </a:lnRef>
-      <a:fillRef idx="1">
-        <a:scrgbClr r="0" g="0" b="0"/>
-      </a:fillRef>
-      <a:effectRef idx="0">
-        <a:scrgbClr r="0" g="0" b="0"/>
-      </a:effectRef>
-      <a:fontRef idx="minor">
-        <a:schemeClr val="lt1"/>
-      </a:fontRef>
-    </dgm:style>
-  </dgm:styleLbl>
-  <dgm:styleLbl name="lnNode1">
-    <dgm:scene3d>
-      <a:camera prst="orthographicFront"/>
-      <a:lightRig rig="threePt" dir="t"/>
-    </dgm:scene3d>
-    <dgm:sp3d/>
-    <dgm:txPr/>
-    <dgm:style>
-      <a:lnRef idx="2">
-        <a:scrgbClr r="0" g="0" b="0"/>
-      </a:lnRef>
-      <a:fillRef idx="1">
-        <a:scrgbClr r="0" g="0" b="0"/>
-      </a:fillRef>
-      <a:effectRef idx="0">
-        <a:scrgbClr r="0" g="0" b="0"/>
-      </a:effectRef>
-      <a:fontRef idx="minor">
-        <a:schemeClr val="lt1"/>
-      </a:fontRef>
-    </dgm:style>
-  </dgm:styleLbl>
-  <dgm:styleLbl name="vennNode1">
-    <dgm:scene3d>
-      <a:camera prst="orthographicFront"/>
-      <a:lightRig rig="threePt" dir="t"/>
-    </dgm:scene3d>
-    <dgm:sp3d/>
-    <dgm:txPr/>
-    <dgm:style>
-      <a:lnRef idx="2">
-        <a:scrgbClr r="0" g="0" b="0"/>
-      </a:lnRef>
-      <a:fillRef idx="1">
-        <a:scrgbClr r="0" g="0" b="0"/>
-      </a:fillRef>
-      <a:effectRef idx="0">
-        <a:scrgbClr r="0" g="0" b="0"/>
-      </a:effectRef>
-      <a:fontRef idx="minor">
-        <a:schemeClr val="tx1"/>
-      </a:fontRef>
-    </dgm:style>
-  </dgm:styleLbl>
-  <dgm:styleLbl name="alignNode1">
-    <dgm:scene3d>
-      <a:camera prst="orthographicFront"/>
-      <a:lightRig rig="threePt" dir="t"/>
-    </dgm:scene3d>
-    <dgm:sp3d/>
-    <dgm:txPr/>
-    <dgm:style>
-      <a:lnRef idx="2">
-        <a:scrgbClr r="0" g="0" b="0"/>
-      </a:lnRef>
-      <a:fillRef idx="1">
-        <a:scrgbClr r="0" g="0" b="0"/>
-      </a:fillRef>
-      <a:effectRef idx="0">
-        <a:scrgbClr r="0" g="0" b="0"/>
-      </a:effectRef>
-      <a:fontRef idx="minor">
-        <a:schemeClr val="lt1"/>
-      </a:fontRef>
-    </dgm:style>
-  </dgm:styleLbl>
-  <dgm:styleLbl name="node1">
-    <dgm:scene3d>
-      <a:camera prst="orthographicFront"/>
-      <a:lightRig rig="threePt" dir="t"/>
-    </dgm:scene3d>
-    <dgm:sp3d/>
-    <dgm:txPr/>
-    <dgm:style>
-      <a:lnRef idx="2">
-        <a:scrgbClr r="0" g="0" b="0"/>
-      </a:lnRef>
-      <a:fillRef idx="1">
-        <a:scrgbClr r="0" g="0" b="0"/>
-      </a:fillRef>
-      <a:effectRef idx="0">
-        <a:scrgbClr r="0" g="0" b="0"/>
-      </a:effectRef>
-      <a:fontRef idx="minor">
-        <a:schemeClr val="lt1"/>
-      </a:fontRef>
-    </dgm:style>
-  </dgm:styleLbl>
-  <dgm:styleLbl name="node2">
-    <dgm:scene3d>
-      <a:camera prst="orthographicFront"/>
-      <a:lightRig rig="threePt" dir="t"/>
-    </dgm:scene3d>
-    <dgm:sp3d/>
-    <dgm:txPr/>
-    <dgm:style>
-      <a:lnRef idx="2">
-        <a:scrgbClr r="0" g="0" b="0"/>
-      </a:lnRef>
-      <a:fillRef idx="1">
-        <a:scrgbClr r="0" g="0" b="0"/>
-      </a:fillRef>
-      <a:effectRef idx="0">
-        <a:scrgbClr r="0" g="0" b="0"/>
-      </a:effectRef>
-      <a:fontRef idx="minor">
-        <a:schemeClr val="lt1"/>
-      </a:fontRef>
-    </dgm:style>
-  </dgm:styleLbl>
-  <dgm:styleLbl name="node3">
-    <dgm:scene3d>
-      <a:camera prst="orthographicFront"/>
-      <a:lightRig rig="threePt" dir="t"/>
-    </dgm:scene3d>
-    <dgm:sp3d/>
-    <dgm:txPr/>
-    <dgm:style>
-      <a:lnRef idx="2">
-        <a:scrgbClr r="0" g="0" b="0"/>
-      </a:lnRef>
-      <a:fillRef idx="1">
-        <a:scrgbClr r="0" g="0" b="0"/>
-      </a:fillRef>
-      <a:effectRef idx="0">
-        <a:scrgbClr r="0" g="0" b="0"/>
-      </a:effectRef>
-      <a:fontRef idx="minor">
-        <a:schemeClr val="lt1"/>
-      </a:fontRef>
-    </dgm:style>
-  </dgm:styleLbl>
-  <dgm:styleLbl name="node4">
-    <dgm:scene3d>
-      <a:camera prst="orthographicFront"/>
-      <a:lightRig rig="threePt" dir="t"/>
-    </dgm:scene3d>
-    <dgm:sp3d/>
-    <dgm:txPr/>
-    <dgm:style>
-      <a:lnRef idx="2">
-        <a:scrgbClr r="0" g="0" b="0"/>
-      </a:lnRef>
-      <a:fillRef idx="1">
-        <a:scrgbClr r="0" g="0" b="0"/>
-      </a:fillRef>
-      <a:effectRef idx="0">
-        <a:scrgbClr r="0" g="0" b="0"/>
-      </a:effectRef>
-      <a:fontRef idx="minor">
-        <a:schemeClr val="lt1"/>
-      </a:fontRef>
-    </dgm:style>
-  </dgm:styleLbl>
-  <dgm:styleLbl name="fgImgPlace1">
-    <dgm:scene3d>
-      <a:camera prst="orthographicFront"/>
-      <a:lightRig rig="threePt" dir="t"/>
-    </dgm:scene3d>
-    <dgm:sp3d/>
-    <dgm:txPr/>
-    <dgm:style>
-      <a:lnRef idx="2">
-        <a:scrgbClr r="0" g="0" b="0"/>
-      </a:lnRef>
-      <a:fillRef idx="1">
-        <a:scrgbClr r="0" g="0" b="0"/>
-      </a:fillRef>
-      <a:effectRef idx="0">
-        <a:scrgbClr r="0" g="0" b="0"/>
-      </a:effectRef>
-      <a:fontRef idx="minor"/>
-    </dgm:style>
-  </dgm:styleLbl>
-  <dgm:styleLbl name="alignImgPlace1">
-    <dgm:scene3d>
-      <a:camera prst="orthographicFront"/>
-      <a:lightRig rig="threePt" dir="t"/>
-    </dgm:scene3d>
-    <dgm:sp3d/>
-    <dgm:txPr/>
-    <dgm:style>
-      <a:lnRef idx="2">
-        <a:scrgbClr r="0" g="0" b="0"/>
-      </a:lnRef>
-      <a:fillRef idx="1">
-        <a:scrgbClr r="0" g="0" b="0"/>
-      </a:fillRef>
-      <a:effectRef idx="0">
-        <a:scrgbClr r="0" g="0" b="0"/>
-      </a:effectRef>
-      <a:fontRef idx="minor"/>
-    </dgm:style>
-  </dgm:styleLbl>
-  <dgm:styleLbl name="bgImgPlace1">
-    <dgm:scene3d>
-      <a:camera prst="orthographicFront"/>
-      <a:lightRig rig="threePt" dir="t"/>
-    </dgm:scene3d>
-    <dgm:sp3d/>
-    <dgm:txPr/>
-    <dgm:style>
-      <a:lnRef idx="2">
-        <a:scrgbClr r="0" g="0" b="0"/>
-      </a:lnRef>
-      <a:fillRef idx="1">
-        <a:scrgbClr r="0" g="0" b="0"/>
-      </a:fillRef>
-      <a:effectRef idx="0">
-        <a:scrgbClr r="0" g="0" b="0"/>
-      </a:effectRef>
-      <a:fontRef idx="minor"/>
-    </dgm:style>
-  </dgm:styleLbl>
-  <dgm:styleLbl name="sibTrans2D1">
-    <dgm:scene3d>
-      <a:camera prst="orthographicFront"/>
-      <a:lightRig rig="threePt" dir="t"/>
-    </dgm:scene3d>
-    <dgm:sp3d/>
-    <dgm:txPr/>
-    <dgm:style>
-      <a:lnRef idx="0">
-        <a:scrgbClr r="0" g="0" b="0"/>
-      </a:lnRef>
-      <a:fillRef idx="1">
-        <a:scrgbClr r="0" g="0" b="0"/>
-      </a:fillRef>
-      <a:effectRef idx="0">
-        <a:scrgbClr r="0" g="0" b="0"/>
-      </a:effectRef>
-      <a:fontRef idx="minor">
-        <a:schemeClr val="lt1"/>
-      </a:fontRef>
-    </dgm:style>
-  </dgm:styleLbl>
-  <dgm:styleLbl name="fgSibTrans2D1">
-    <dgm:scene3d>
-      <a:camera prst="orthographicFront"/>
-      <a:lightRig rig="threePt" dir="t"/>
-    </dgm:scene3d>
-    <dgm:sp3d/>
-    <dgm:txPr/>
-    <dgm:style>
-      <a:lnRef idx="0">
-        <a:scrgbClr r="0" g="0" b="0"/>
-      </a:lnRef>
-      <a:fillRef idx="1">
-        <a:scrgbClr r="0" g="0" b="0"/>
-      </a:fillRef>
-      <a:effectRef idx="0">
-        <a:scrgbClr r="0" g="0" b="0"/>
-      </a:effectRef>
-      <a:fontRef idx="minor">
-        <a:schemeClr val="lt1"/>
-      </a:fontRef>
-    </dgm:style>
-  </dgm:styleLbl>
-  <dgm:styleLbl name="bgSibTrans2D1">
-    <dgm:scene3d>
-      <a:camera prst="orthographicFront"/>
-      <a:lightRig rig="threePt" dir="t"/>
-    </dgm:scene3d>
-    <dgm:sp3d/>
-    <dgm:txPr/>
-    <dgm:style>
-      <a:lnRef idx="0">
-        <a:scrgbClr r="0" g="0" b="0"/>
-      </a:lnRef>
-      <a:fillRef idx="1">
-        <a:scrgbClr r="0" g="0" b="0"/>
-      </a:fillRef>
-      <a:effectRef idx="0">
-        <a:scrgbClr r="0" g="0" b="0"/>
-      </a:effectRef>
-      <a:fontRef idx="minor">
-        <a:schemeClr val="lt1"/>
-      </a:fontRef>
-    </dgm:style>
-  </dgm:styleLbl>
-  <dgm:styleLbl name="sibTrans1D1">
-    <dgm:scene3d>
-      <a:camera prst="orthographicFront"/>
-      <a:lightRig rig="threePt" dir="t"/>
-    </dgm:scene3d>
-    <dgm:sp3d/>
-    <dgm:txPr/>
-    <dgm:style>
-      <a:lnRef idx="1">
-        <a:scrgbClr r="0" g="0" b="0"/>
-      </a:lnRef>
-      <a:fillRef idx="0">
-        <a:scrgbClr r="0" g="0" b="0"/>
-      </a:fillRef>
-      <a:effectRef idx="0">
-        <a:scrgbClr r="0" g="0" b="0"/>
-      </a:effectRef>
-      <a:fontRef idx="minor"/>
-    </dgm:style>
-  </dgm:styleLbl>
-  <dgm:styleLbl name="callout">
-    <dgm:scene3d>
-      <a:camera prst="orthographicFront"/>
-      <a:lightRig rig="threePt" dir="t"/>
-    </dgm:scene3d>
-    <dgm:sp3d/>
-    <dgm:txPr/>
-    <dgm:style>
-      <a:lnRef idx="2">
-        <a:scrgbClr r="0" g="0" b="0"/>
-      </a:lnRef>
-      <a:fillRef idx="1">
-        <a:scrgbClr r="0" g="0" b="0"/>
-      </a:fillRef>
-      <a:effectRef idx="0">
-        <a:scrgbClr r="0" g="0" b="0"/>
-      </a:effectRef>
-      <a:fontRef idx="minor"/>
-    </dgm:style>
-  </dgm:styleLbl>
-  <dgm:styleLbl name="asst0">
-    <dgm:scene3d>
-      <a:camera prst="orthographicFront"/>
-      <a:lightRig rig="threePt" dir="t"/>
-    </dgm:scene3d>
-    <dgm:sp3d/>
-    <dgm:txPr/>
-    <dgm:style>
-      <a:lnRef idx="2">
-        <a:scrgbClr r="0" g="0" b="0"/>
-      </a:lnRef>
-      <a:fillRef idx="1">
-        <a:scrgbClr r="0" g="0" b="0"/>
-      </a:fillRef>
-      <a:effectRef idx="0">
-        <a:scrgbClr r="0" g="0" b="0"/>
-      </a:effectRef>
-      <a:fontRef idx="minor">
-        <a:schemeClr val="lt1"/>
-      </a:fontRef>
-    </dgm:style>
-  </dgm:styleLbl>
-  <dgm:styleLbl name="asst1">
-    <dgm:scene3d>
-      <a:camera prst="orthographicFront"/>
-      <a:lightRig rig="threePt" dir="t"/>
-    </dgm:scene3d>
-    <dgm:sp3d/>
-    <dgm:txPr/>
-    <dgm:style>
-      <a:lnRef idx="2">
-        <a:scrgbClr r="0" g="0" b="0"/>
-      </a:lnRef>
-      <a:fillRef idx="1">
-        <a:scrgbClr r="0" g="0" b="0"/>
-      </a:fillRef>
-      <a:effectRef idx="0">
-        <a:scrgbClr r="0" g="0" b="0"/>
-      </a:effectRef>
-      <a:fontRef idx="minor">
-        <a:schemeClr val="lt1"/>
-      </a:fontRef>
-    </dgm:style>
-  </dgm:styleLbl>
-  <dgm:styleLbl name="asst2">
-    <dgm:scene3d>
-      <a:camera prst="orthographicFront"/>
-      <a:lightRig rig="threePt" dir="t"/>
-    </dgm:scene3d>
-    <dgm:sp3d/>
-    <dgm:txPr/>
-    <dgm:style>
-      <a:lnRef idx="2">
-        <a:scrgbClr r="0" g="0" b="0"/>
-      </a:lnRef>
-      <a:fillRef idx="1">
-        <a:scrgbClr r="0" g="0" b="0"/>
-      </a:fillRef>
-      <a:effectRef idx="0">
-        <a:scrgbClr r="0" g="0" b="0"/>
-      </a:effectRef>
-      <a:fontRef idx="minor">
-        <a:schemeClr val="lt1"/>
-      </a:fontRef>
-    </dgm:style>
-  </dgm:styleLbl>
-  <dgm:styleLbl name="asst3">
-    <dgm:scene3d>
-      <a:camera prst="orthographicFront"/>
-      <a:lightRig rig="threePt" dir="t"/>
-    </dgm:scene3d>
-    <dgm:sp3d/>
-    <dgm:txPr/>
-    <dgm:style>
-      <a:lnRef idx="2">
-        <a:scrgbClr r="0" g="0" b="0"/>
-      </a:lnRef>
-      <a:fillRef idx="1">
-        <a:scrgbClr r="0" g="0" b="0"/>
-      </a:fillRef>
-      <a:effectRef idx="0">
-        <a:scrgbClr r="0" g="0" b="0"/>
-      </a:effectRef>
-      <a:fontRef idx="minor">
-        <a:schemeClr val="lt1"/>
-      </a:fontRef>
-    </dgm:style>
-  </dgm:styleLbl>
-  <dgm:styleLbl name="asst4">
-    <dgm:scene3d>
-      <a:camera prst="orthographicFront"/>
-      <a:lightRig rig="threePt" dir="t"/>
-    </dgm:scene3d>
-    <dgm:sp3d/>
-    <dgm:txPr/>
-    <dgm:style>
-      <a:lnRef idx="2">
-        <a:scrgbClr r="0" g="0" b="0"/>
-      </a:lnRef>
-      <a:fillRef idx="1">
-        <a:scrgbClr r="0" g="0" b="0"/>
-      </a:fillRef>
-      <a:effectRef idx="0">
-        <a:scrgbClr r="0" g="0" b="0"/>
-      </a:effectRef>
-      <a:fontRef idx="minor">
-        <a:schemeClr val="lt1"/>
-      </a:fontRef>
-    </dgm:style>
-  </dgm:styleLbl>
-  <dgm:styleLbl name="parChTrans2D1">
-    <dgm:scene3d>
-      <a:camera prst="orthographicFront"/>
-      <a:lightRig rig="threePt" dir="t"/>
-    </dgm:scene3d>
-    <dgm:sp3d/>
-    <dgm:txPr/>
-    <dgm:style>
-      <a:lnRef idx="2">
-        <a:scrgbClr r="0" g="0" b="0"/>
-      </a:lnRef>
-      <a:fillRef idx="1">
-        <a:scrgbClr r="0" g="0" b="0"/>
-      </a:fillRef>
-      <a:effectRef idx="0">
-        <a:scrgbClr r="0" g="0" b="0"/>
-      </a:effectRef>
-      <a:fontRef idx="minor">
-        <a:schemeClr val="lt1"/>
-      </a:fontRef>
-    </dgm:style>
-  </dgm:styleLbl>
-  <dgm:styleLbl name="parChTrans2D2">
-    <dgm:scene3d>
-      <a:camera prst="orthographicFront"/>
-      <a:lightRig rig="threePt" dir="t"/>
-    </dgm:scene3d>
-    <dgm:sp3d/>
-    <dgm:txPr/>
-    <dgm:style>
-      <a:lnRef idx="2">
-        <a:scrgbClr r="0" g="0" b="0"/>
-      </a:lnRef>
-      <a:fillRef idx="1">
-        <a:scrgbClr r="0" g="0" b="0"/>
-      </a:fillRef>
-      <a:effectRef idx="0">
-        <a:scrgbClr r="0" g="0" b="0"/>
-      </a:effectRef>
-      <a:fontRef idx="minor">
-        <a:schemeClr val="lt1"/>
-      </a:fontRef>
-    </dgm:style>
-  </dgm:styleLbl>
-  <dgm:styleLbl name="parChTrans2D3">
-    <dgm:scene3d>
-      <a:camera prst="orthographicFront"/>
-      <a:lightRig rig="threePt" dir="t"/>
-    </dgm:scene3d>
-    <dgm:sp3d/>
-    <dgm:txPr/>
-    <dgm:style>
-      <a:lnRef idx="2">
-        <a:scrgbClr r="0" g="0" b="0"/>
-      </a:lnRef>
-      <a:fillRef idx="1">
-        <a:scrgbClr r="0" g="0" b="0"/>
-      </a:fillRef>
-      <a:effectRef idx="0">
-        <a:scrgbClr r="0" g="0" b="0"/>
-      </a:effectRef>
-      <a:fontRef idx="minor">
-        <a:schemeClr val="lt1"/>
-      </a:fontRef>
-    </dgm:style>
-  </dgm:styleLbl>
-  <dgm:styleLbl name="parChTrans2D4">
-    <dgm:scene3d>
-      <a:camera prst="orthographicFront"/>
-      <a:lightRig rig="threePt" dir="t"/>
-    </dgm:scene3d>
-    <dgm:sp3d/>
-    <dgm:txPr/>
-    <dgm:style>
-      <a:lnRef idx="2">
-        <a:scrgbClr r="0" g="0" b="0"/>
-      </a:lnRef>
-      <a:fillRef idx="1">
-        <a:scrgbClr r="0" g="0" b="0"/>
-      </a:fillRef>
-      <a:effectRef idx="0">
-        <a:scrgbClr r="0" g="0" b="0"/>
-      </a:effectRef>
-      <a:fontRef idx="minor">
-        <a:schemeClr val="lt1"/>
-      </a:fontRef>
-    </dgm:style>
-  </dgm:styleLbl>
-  <dgm:styleLbl name="parChTrans1D1">
-    <dgm:scene3d>
-      <a:camera prst="orthographicFront"/>
-      <a:lightRig rig="threePt" dir="t"/>
-    </dgm:scene3d>
-    <dgm:sp3d/>
-    <dgm:txPr/>
-    <dgm:style>
-      <a:lnRef idx="2">
-        <a:scrgbClr r="0" g="0" b="0"/>
-      </a:lnRef>
-      <a:fillRef idx="0">
-        <a:scrgbClr r="0" g="0" b="0"/>
-      </a:fillRef>
-      <a:effectRef idx="0">
-        <a:scrgbClr r="0" g="0" b="0"/>
-      </a:effectRef>
-      <a:fontRef idx="minor"/>
-    </dgm:style>
-  </dgm:styleLbl>
-  <dgm:styleLbl name="parChTrans1D2">
-    <dgm:scene3d>
-      <a:camera prst="orthographicFront"/>
-      <a:lightRig rig="threePt" dir="t"/>
-    </dgm:scene3d>
-    <dgm:sp3d/>
-    <dgm:txPr/>
-    <dgm:style>
-      <a:lnRef idx="2">
-        <a:scrgbClr r="0" g="0" b="0"/>
-      </a:lnRef>
-      <a:fillRef idx="0">
-        <a:scrgbClr r="0" g="0" b="0"/>
-      </a:fillRef>
-      <a:effectRef idx="0">
-        <a:scrgbClr r="0" g="0" b="0"/>
-      </a:effectRef>
-      <a:fontRef idx="minor"/>
-    </dgm:style>
-  </dgm:styleLbl>
-  <dgm:styleLbl name="parChTrans1D3">
-    <dgm:scene3d>
-      <a:camera prst="orthographicFront"/>
-      <a:lightRig rig="threePt" dir="t"/>
-    </dgm:scene3d>
-    <dgm:sp3d/>
-    <dgm:txPr/>
-    <dgm:style>
-      <a:lnRef idx="2">
-        <a:scrgbClr r="0" g="0" b="0"/>
-      </a:lnRef>
-      <a:fillRef idx="0">
-        <a:scrgbClr r="0" g="0" b="0"/>
-      </a:fillRef>
-      <a:effectRef idx="0">
-        <a:scrgbClr r="0" g="0" b="0"/>
-      </a:effectRef>
-      <a:fontRef idx="minor"/>
-    </dgm:style>
-  </dgm:styleLbl>
-  <dgm:styleLbl name="parChTrans1D4">
-    <dgm:scene3d>
-      <a:camera prst="orthographicFront"/>
-      <a:lightRig rig="threePt" dir="t"/>
-    </dgm:scene3d>
-    <dgm:sp3d/>
-    <dgm:txPr/>
-    <dgm:style>
-      <a:lnRef idx="2">
-        <a:scrgbClr r="0" g="0" b="0"/>
-      </a:lnRef>
-      <a:fillRef idx="0">
-        <a:scrgbClr r="0" g="0" b="0"/>
-      </a:fillRef>
-      <a:effectRef idx="0">
-        <a:scrgbClr r="0" g="0" b="0"/>
-      </a:effectRef>
-      <a:fontRef idx="minor"/>
-    </dgm:style>
-  </dgm:styleLbl>
-  <dgm:styleLbl name="fgAcc1">
-    <dgm:scene3d>
-      <a:camera prst="orthographicFront"/>
-      <a:lightRig rig="threePt" dir="t"/>
-    </dgm:scene3d>
-    <dgm:sp3d/>
-    <dgm:txPr/>
-    <dgm:style>
-      <a:lnRef idx="2">
-        <a:scrgbClr r="0" g="0" b="0"/>
-      </a:lnRef>
-      <a:fillRef idx="1">
-        <a:scrgbClr r="0" g="0" b="0"/>
-      </a:fillRef>
-      <a:effectRef idx="0">
-        <a:scrgbClr r="0" g="0" b="0"/>
-      </a:effectRef>
-      <a:fontRef idx="minor"/>
-    </dgm:style>
-  </dgm:styleLbl>
-  <dgm:styleLbl name="conFgAcc1">
-    <dgm:scene3d>
-      <a:camera prst="orthographicFront"/>
-      <a:lightRig rig="threePt" dir="t"/>
-    </dgm:scene3d>
-    <dgm:sp3d/>
-    <dgm:txPr/>
-    <dgm:style>
-      <a:lnRef idx="2">
-        <a:scrgbClr r="0" g="0" b="0"/>
-      </a:lnRef>
-      <a:fillRef idx="1">
-        <a:scrgbClr r="0" g="0" b="0"/>
-      </a:fillRef>
-      <a:effectRef idx="0">
-        <a:scrgbClr r="0" g="0" b="0"/>
-      </a:effectRef>
-      <a:fontRef idx="minor"/>
-    </dgm:style>
-  </dgm:styleLbl>
-  <dgm:styleLbl name="alignAcc1">
-    <dgm:scene3d>
-      <a:camera prst="orthographicFront"/>
-      <a:lightRig rig="threePt" dir="t"/>
-    </dgm:scene3d>
-    <dgm:sp3d/>
-    <dgm:txPr/>
-    <dgm:style>
-      <a:lnRef idx="2">
-        <a:scrgbClr r="0" g="0" b="0"/>
-      </a:lnRef>
-      <a:fillRef idx="1">
-        <a:scrgbClr r="0" g="0" b="0"/>
-      </a:fillRef>
-      <a:effectRef idx="0">
-        <a:scrgbClr r="0" g="0" b="0"/>
-      </a:effectRef>
-      <a:fontRef idx="minor"/>
-    </dgm:style>
-  </dgm:styleLbl>
-  <dgm:styleLbl name="trAlignAcc1">
-    <dgm:scene3d>
-      <a:camera prst="orthographicFront"/>
-      <a:lightRig rig="threePt" dir="t"/>
-    </dgm:scene3d>
-    <dgm:sp3d/>
-    <dgm:txPr/>
-    <dgm:style>
-      <a:lnRef idx="1">
-        <a:scrgbClr r="0" g="0" b="0"/>
-      </a:lnRef>
-      <a:fillRef idx="1">
-        <a:scrgbClr r="0" g="0" b="0"/>
-      </a:fillRef>
-      <a:effectRef idx="0">
-        <a:scrgbClr r="0" g="0" b="0"/>
-      </a:effectRef>
-      <a:fontRef idx="minor"/>
-    </dgm:style>
-  </dgm:styleLbl>
-  <dgm:styleLbl name="bgAcc1">
-    <dgm:scene3d>
-      <a:camera prst="orthographicFront"/>
-      <a:lightRig rig="threePt" dir="t"/>
-    </dgm:scene3d>
-    <dgm:sp3d/>
-    <dgm:txPr/>
-    <dgm:style>
-      <a:lnRef idx="2">
-        <a:scrgbClr r="0" g="0" b="0"/>
-      </a:lnRef>
-      <a:fillRef idx="1">
-        <a:scrgbClr r="0" g="0" b="0"/>
-      </a:fillRef>
-      <a:effectRef idx="0">
-        <a:scrgbClr r="0" g="0" b="0"/>
-      </a:effectRef>
-      <a:fontRef idx="minor"/>
-    </dgm:style>
-  </dgm:styleLbl>
-  <dgm:styleLbl name="solidFgAcc1">
-    <dgm:scene3d>
-      <a:camera prst="orthographicFront"/>
-      <a:lightRig rig="threePt" dir="t"/>
-    </dgm:scene3d>
-    <dgm:sp3d/>
-    <dgm:txPr/>
-    <dgm:style>
-      <a:lnRef idx="2">
-        <a:scrgbClr r="0" g="0" b="0"/>
-      </a:lnRef>
-      <a:fillRef idx="1">
-        <a:scrgbClr r="0" g="0" b="0"/>
-      </a:fillRef>
-      <a:effectRef idx="0">
-        <a:scrgbClr r="0" g="0" b="0"/>
-      </a:effectRef>
-      <a:fontRef idx="minor"/>
-    </dgm:style>
-  </dgm:styleLbl>
-  <dgm:styleLbl name="solidAlignAcc1">
-    <dgm:scene3d>
-      <a:camera prst="orthographicFront"/>
-      <a:lightRig rig="threePt" dir="t"/>
-    </dgm:scene3d>
-    <dgm:sp3d/>
-    <dgm:txPr/>
-    <dgm:style>
-      <a:lnRef idx="2">
-        <a:scrgbClr r="0" g="0" b="0"/>
-      </a:lnRef>
-      <a:fillRef idx="1">
-        <a:scrgbClr r="0" g="0" b="0"/>
-      </a:fillRef>
-      <a:effectRef idx="0">
-        <a:scrgbClr r="0" g="0" b="0"/>
-      </a:effectRef>
-      <a:fontRef idx="minor"/>
-    </dgm:style>
-  </dgm:styleLbl>
-  <dgm:styleLbl name="solidBgAcc1">
-    <dgm:scene3d>
-      <a:camera prst="orthographicFront"/>
-      <a:lightRig rig="threePt" dir="t"/>
-    </dgm:scene3d>
-    <dgm:sp3d/>
-    <dgm:txPr/>
-    <dgm:style>
-      <a:lnRef idx="2">
-        <a:scrgbClr r="0" g="0" b="0"/>
-      </a:lnRef>
-      <a:fillRef idx="1">
-        <a:scrgbClr r="0" g="0" b="0"/>
-      </a:fillRef>
-      <a:effectRef idx="0">
-        <a:scrgbClr r="0" g="0" b="0"/>
-      </a:effectRef>
-      <a:fontRef idx="minor"/>
-    </dgm:style>
-  </dgm:styleLbl>
-  <dgm:styleLbl name="fgAccFollowNode1">
-    <dgm:scene3d>
-      <a:camera prst="orthographicFront"/>
-      <a:lightRig rig="threePt" dir="t"/>
-    </dgm:scene3d>
-    <dgm:sp3d/>
-    <dgm:txPr/>
-    <dgm:style>
-      <a:lnRef idx="2">
-        <a:scrgbClr r="0" g="0" b="0"/>
-      </a:lnRef>
-      <a:fillRef idx="1">
-        <a:scrgbClr r="0" g="0" b="0"/>
-      </a:fillRef>
-      <a:effectRef idx="0">
-        <a:scrgbClr r="0" g="0" b="0"/>
-      </a:effectRef>
-      <a:fontRef idx="minor"/>
-    </dgm:style>
-  </dgm:styleLbl>
-  <dgm:styleLbl name="alignAccFollowNode1">
-    <dgm:scene3d>
-      <a:camera prst="orthographicFront"/>
-      <a:lightRig rig="threePt" dir="t"/>
-    </dgm:scene3d>
-    <dgm:sp3d/>
-    <dgm:txPr/>
-    <dgm:style>
-      <a:lnRef idx="2">
-        <a:scrgbClr r="0" g="0" b="0"/>
-      </a:lnRef>
-      <a:fillRef idx="1">
-        <a:scrgbClr r="0" g="0" b="0"/>
-      </a:fillRef>
-      <a:effectRef idx="0">
-        <a:scrgbClr r="0" g="0" b="0"/>
-      </a:effectRef>
-      <a:fontRef idx="minor"/>
-    </dgm:style>
-  </dgm:styleLbl>
-  <dgm:styleLbl name="bgAccFollowNode1">
-    <dgm:scene3d>
-      <a:camera prst="orthographicFront"/>
-      <a:lightRig rig="threePt" dir="t"/>
-    </dgm:scene3d>
-    <dgm:sp3d/>
-    <dgm:txPr/>
-    <dgm:style>
-      <a:lnRef idx="2">
-        <a:scrgbClr r="0" g="0" b="0"/>
-      </a:lnRef>
-      <a:fillRef idx="1">
-        <a:scrgbClr r="0" g="0" b="0"/>
-      </a:fillRef>
-      <a:effectRef idx="0">
-        <a:scrgbClr r="0" g="0" b="0"/>
-      </a:effectRef>
-      <a:fontRef idx="minor"/>
-    </dgm:style>
-  </dgm:styleLbl>
-  <dgm:styleLbl name="fgAcc0">
-    <dgm:scene3d>
-      <a:camera prst="orthographicFront"/>
-      <a:lightRig rig="threePt" dir="t"/>
-    </dgm:scene3d>
-    <dgm:sp3d/>
-    <dgm:txPr/>
-    <dgm:style>
-      <a:lnRef idx="2">
-        <a:scrgbClr r="0" g="0" b="0"/>
-      </a:lnRef>
-      <a:fillRef idx="1">
-        <a:scrgbClr r="0" g="0" b="0"/>
-      </a:fillRef>
-      <a:effectRef idx="0">
-        <a:scrgbClr r="0" g="0" b="0"/>
-      </a:effectRef>
-      <a:fontRef idx="minor"/>
-    </dgm:style>
-  </dgm:styleLbl>
-  <dgm:styleLbl name="fgAcc2">
-    <dgm:scene3d>
-      <a:camera prst="orthographicFront"/>
-      <a:lightRig rig="threePt" dir="t"/>
-    </dgm:scene3d>
-    <dgm:sp3d/>
-    <dgm:txPr/>
-    <dgm:style>
-      <a:lnRef idx="2">
-        <a:scrgbClr r="0" g="0" b="0"/>
-      </a:lnRef>
-      <a:fillRef idx="1">
-        <a:scrgbClr r="0" g="0" b="0"/>
-      </a:fillRef>
-      <a:effectRef idx="0">
-        <a:scrgbClr r="0" g="0" b="0"/>
-      </a:effectRef>
-      <a:fontRef idx="minor"/>
-    </dgm:style>
-  </dgm:styleLbl>
-  <dgm:styleLbl name="fgAcc3">
-    <dgm:scene3d>
-      <a:camera prst="orthographicFront"/>
-      <a:lightRig rig="threePt" dir="t"/>
-    </dgm:scene3d>
-    <dgm:sp3d/>
-    <dgm:txPr/>
-    <dgm:style>
-      <a:lnRef idx="2">
-        <a:scrgbClr r="0" g="0" b="0"/>
-      </a:lnRef>
-      <a:fillRef idx="1">
-        <a:scrgbClr r="0" g="0" b="0"/>
-      </a:fillRef>
-      <a:effectRef idx="0">
-        <a:scrgbClr r="0" g="0" b="0"/>
-      </a:effectRef>
-      <a:fontRef idx="minor"/>
-    </dgm:style>
-  </dgm:styleLbl>
-  <dgm:styleLbl name="fgAcc4">
-    <dgm:scene3d>
-      <a:camera prst="orthographicFront"/>
-      <a:lightRig rig="threePt" dir="t"/>
-    </dgm:scene3d>
-    <dgm:sp3d/>
-    <dgm:txPr/>
-    <dgm:style>
-      <a:lnRef idx="2">
-        <a:scrgbClr r="0" g="0" b="0"/>
-      </a:lnRef>
-      <a:fillRef idx="1">
-        <a:scrgbClr r="0" g="0" b="0"/>
-      </a:fillRef>
-      <a:effectRef idx="0">
-        <a:scrgbClr r="0" g="0" b="0"/>
-      </a:effectRef>
-      <a:fontRef idx="minor"/>
-    </dgm:style>
-  </dgm:styleLbl>
-  <dgm:styleLbl name="bgShp">
-    <dgm:scene3d>
-      <a:camera prst="orthographicFront"/>
-      <a:lightRig rig="threePt" dir="t"/>
-    </dgm:scene3d>
-    <dgm:sp3d/>
-    <dgm:txPr/>
-    <dgm:style>
-      <a:lnRef idx="0">
-        <a:scrgbClr r="0" g="0" b="0"/>
-      </a:lnRef>
-      <a:fillRef idx="1">
-        <a:scrgbClr r="0" g="0" b="0"/>
-      </a:fillRef>
-      <a:effectRef idx="0">
-        <a:scrgbClr r="0" g="0" b="0"/>
-      </a:effectRef>
-      <a:fontRef idx="minor"/>
-    </dgm:style>
-  </dgm:styleLbl>
-  <dgm:styleLbl name="dkBgShp">
-    <dgm:scene3d>
-      <a:camera prst="orthographicFront"/>
-      <a:lightRig rig="threePt" dir="t"/>
-    </dgm:scene3d>
-    <dgm:sp3d/>
-    <dgm:txPr/>
-    <dgm:style>
-      <a:lnRef idx="0">
-        <a:scrgbClr r="0" g="0" b="0"/>
-      </a:lnRef>
-      <a:fillRef idx="1">
-        <a:scrgbClr r="0" g="0" b="0"/>
-      </a:fillRef>
-      <a:effectRef idx="0">
-        <a:scrgbClr r="0" g="0" b="0"/>
-      </a:effectRef>
-      <a:fontRef idx="minor"/>
-    </dgm:style>
-  </dgm:styleLbl>
-  <dgm:styleLbl name="trBgShp">
-    <dgm:scene3d>
-      <a:camera prst="orthographicFront"/>
-      <a:lightRig rig="threePt" dir="t"/>
-    </dgm:scene3d>
-    <dgm:sp3d/>
-    <dgm:txPr/>
-    <dgm:style>
-      <a:lnRef idx="0">
-        <a:scrgbClr r="0" g="0" b="0"/>
-      </a:lnRef>
-      <a:fillRef idx="1">
-        <a:scrgbClr r="0" g="0" b="0"/>
-      </a:fillRef>
-      <a:effectRef idx="0">
-        <a:scrgbClr r="0" g="0" b="0"/>
-      </a:effectRef>
-      <a:fontRef idx="minor"/>
-    </dgm:style>
-  </dgm:styleLbl>
-  <dgm:styleLbl name="fgShp">
-    <dgm:scene3d>
-      <a:camera prst="orthographicFront"/>
-      <a:lightRig rig="threePt" dir="t"/>
-    </dgm:scene3d>
-    <dgm:sp3d/>
-    <dgm:txPr/>
-    <dgm:style>
-      <a:lnRef idx="2">
-        <a:scrgbClr r="0" g="0" b="0"/>
-      </a:lnRef>
-      <a:fillRef idx="1">
-        <a:scrgbClr r="0" g="0" b="0"/>
-      </a:fillRef>
-      <a:effectRef idx="0">
-        <a:scrgbClr r="0" g="0" b="0"/>
-      </a:effectRef>
-      <a:fontRef idx="minor"/>
-    </dgm:style>
-  </dgm:styleLbl>
-  <dgm:styleLbl name="revTx">
-    <dgm:scene3d>
-      <a:camera prst="orthographicFront"/>
-      <a:lightRig rig="threePt" dir="t"/>
-    </dgm:scene3d>
-    <dgm:sp3d/>
-    <dgm:txPr/>
-    <dgm:style>
-      <a:lnRef idx="0">
-        <a:scrgbClr r="0" g="0" b="0"/>
-      </a:lnRef>
-      <a:fillRef idx="0">
-        <a:scrgbClr r="0" g="0" b="0"/>
-      </a:fillRef>
-      <a:effectRef idx="0">
-        <a:scrgbClr r="0" g="0" b="0"/>
-      </a:effectRef>
-      <a:fontRef idx="minor"/>
-    </dgm:style>
-  </dgm:styleLbl>
-</dgm:styleDef>
-</file>
-
 <file path=ppt/notesMasters/notesMaster1.xml><?xml version="1.0" encoding="utf-8"?>
 <p:notesMaster xmlns:a="http://schemas.openxmlformats.org/drawingml/2006/main" xmlns:r="http://schemas.openxmlformats.org/officeDocument/2006/relationships" xmlns:p="http://schemas.openxmlformats.org/presentationml/2006/main">
   <p:cSld>
@@ -7234,7 +3809,7 @@
           <a:p>
             <a:fld id="{8EF132DC-35E1-4077-BC46-972F94400611}" type="datetimeFigureOut">
               <a:rPr lang="en-US" smtClean="0"/>
-              <a:t>12/11/2015</a:t>
+              <a:t>12/13/2015</a:t>
             </a:fld>
             <a:endParaRPr lang="en-US"/>
           </a:p>
@@ -7808,7 +4383,7 @@
           <a:p>
             <a:r>
               <a:rPr lang="en-US" dirty="0" smtClean="0"/>
-              <a:t>35</a:t>
+              <a:t>38</a:t>
             </a:r>
             <a:endParaRPr lang="en-US" dirty="0"/>
           </a:p>
@@ -7831,7 +4406,7 @@
           <a:p>
             <a:fld id="{722C0914-2AC1-49A2-A751-124D1A4122C4}" type="slidenum">
               <a:rPr lang="en-US" smtClean="0"/>
-              <a:t>12</a:t>
+              <a:t>11</a:t>
             </a:fld>
             <a:endParaRPr lang="en-US"/>
           </a:p>
@@ -7840,7 +4415,7 @@
     </p:spTree>
     <p:extLst>
       <p:ext uri="{BB962C8B-B14F-4D97-AF65-F5344CB8AC3E}">
-        <p14:creationId xmlns:p14="http://schemas.microsoft.com/office/powerpoint/2010/main" val="1830647406"/>
+        <p14:creationId xmlns:p14="http://schemas.microsoft.com/office/powerpoint/2010/main" val="2588538844"/>
       </p:ext>
     </p:extLst>
   </p:cSld>
@@ -7896,7 +4471,7 @@
           <a:p>
             <a:r>
               <a:rPr lang="en-US" dirty="0" smtClean="0"/>
-              <a:t>38</a:t>
+              <a:t>35</a:t>
             </a:r>
             <a:endParaRPr lang="en-US" dirty="0"/>
           </a:p>
@@ -7919,7 +4494,95 @@
           <a:p>
             <a:fld id="{722C0914-2AC1-49A2-A751-124D1A4122C4}" type="slidenum">
               <a:rPr lang="en-US" smtClean="0"/>
-              <a:t>13</a:t>
+              <a:t>14</a:t>
+            </a:fld>
+            <a:endParaRPr lang="en-US"/>
+          </a:p>
+        </p:txBody>
+      </p:sp>
+    </p:spTree>
+    <p:extLst>
+      <p:ext uri="{BB962C8B-B14F-4D97-AF65-F5344CB8AC3E}">
+        <p14:creationId xmlns:p14="http://schemas.microsoft.com/office/powerpoint/2010/main" val="1830647406"/>
+      </p:ext>
+    </p:extLst>
+  </p:cSld>
+  <p:clrMapOvr>
+    <a:masterClrMapping/>
+  </p:clrMapOvr>
+</p:notes>
+</file>
+
+<file path=ppt/notesSlides/notesSlide6.xml><?xml version="1.0" encoding="utf-8"?>
+<p:notes xmlns:a="http://schemas.openxmlformats.org/drawingml/2006/main" xmlns:r="http://schemas.openxmlformats.org/officeDocument/2006/relationships" xmlns:p="http://schemas.openxmlformats.org/presentationml/2006/main">
+  <p:cSld>
+    <p:spTree>
+      <p:nvGrpSpPr>
+        <p:cNvPr id="1" name=""/>
+        <p:cNvGrpSpPr/>
+        <p:nvPr/>
+      </p:nvGrpSpPr>
+      <p:grpSpPr>
+        <a:xfrm>
+          <a:off x="0" y="0"/>
+          <a:ext cx="0" cy="0"/>
+          <a:chOff x="0" y="0"/>
+          <a:chExt cx="0" cy="0"/>
+        </a:xfrm>
+      </p:grpSpPr>
+      <p:sp>
+        <p:nvSpPr>
+          <p:cNvPr id="2" name="Slide Image Placeholder 1"/>
+          <p:cNvSpPr>
+            <a:spLocks noGrp="1" noRot="1" noChangeAspect="1"/>
+          </p:cNvSpPr>
+          <p:nvPr>
+            <p:ph type="sldImg"/>
+          </p:nvPr>
+        </p:nvSpPr>
+        <p:spPr/>
+      </p:sp>
+      <p:sp>
+        <p:nvSpPr>
+          <p:cNvPr id="3" name="Notes Placeholder 2"/>
+          <p:cNvSpPr>
+            <a:spLocks noGrp="1"/>
+          </p:cNvSpPr>
+          <p:nvPr>
+            <p:ph type="body" idx="1"/>
+          </p:nvPr>
+        </p:nvSpPr>
+        <p:spPr/>
+        <p:txBody>
+          <a:bodyPr/>
+          <a:lstStyle/>
+          <a:p>
+            <a:r>
+              <a:rPr lang="en-US" dirty="0" smtClean="0"/>
+              <a:t>38</a:t>
+            </a:r>
+            <a:endParaRPr lang="en-US" dirty="0"/>
+          </a:p>
+        </p:txBody>
+      </p:sp>
+      <p:sp>
+        <p:nvSpPr>
+          <p:cNvPr id="4" name="Slide Number Placeholder 3"/>
+          <p:cNvSpPr>
+            <a:spLocks noGrp="1"/>
+          </p:cNvSpPr>
+          <p:nvPr>
+            <p:ph type="sldNum" sz="quarter" idx="10"/>
+          </p:nvPr>
+        </p:nvSpPr>
+        <p:spPr/>
+        <p:txBody>
+          <a:bodyPr/>
+          <a:lstStyle/>
+          <a:p>
+            <a:fld id="{722C0914-2AC1-49A2-A751-124D1A4122C4}" type="slidenum">
+              <a:rPr lang="en-US" smtClean="0"/>
+              <a:t>15</a:t>
             </a:fld>
             <a:endParaRPr lang="en-US"/>
           </a:p>
@@ -8099,7 +4762,7 @@
           <a:p>
             <a:fld id="{557D511F-992E-4508-878E-64B76E155AD3}" type="datetimeFigureOut">
               <a:rPr lang="en-US" smtClean="0"/>
-              <a:t>12/11/2015</a:t>
+              <a:t>12/13/2015</a:t>
             </a:fld>
             <a:endParaRPr lang="en-US"/>
           </a:p>
@@ -8310,7 +4973,7 @@
           <a:p>
             <a:fld id="{557D511F-992E-4508-878E-64B76E155AD3}" type="datetimeFigureOut">
               <a:rPr lang="en-US" smtClean="0"/>
-              <a:t>12/11/2015</a:t>
+              <a:t>12/13/2015</a:t>
             </a:fld>
             <a:endParaRPr lang="en-US"/>
           </a:p>
@@ -8484,7 +5147,7 @@
           <a:p>
             <a:fld id="{557D511F-992E-4508-878E-64B76E155AD3}" type="datetimeFigureOut">
               <a:rPr lang="en-US" smtClean="0"/>
-              <a:t>12/11/2015</a:t>
+              <a:t>12/13/2015</a:t>
             </a:fld>
             <a:endParaRPr lang="en-US"/>
           </a:p>
@@ -8624,7 +5287,7 @@
           <a:p>
             <a:fld id="{557D511F-992E-4508-878E-64B76E155AD3}" type="datetimeFigureOut">
               <a:rPr lang="en-US" smtClean="0"/>
-              <a:t>12/11/2015</a:t>
+              <a:t>12/13/2015</a:t>
             </a:fld>
             <a:endParaRPr lang="en-US"/>
           </a:p>
@@ -8901,7 +5564,7 @@
           <a:p>
             <a:fld id="{557D511F-992E-4508-878E-64B76E155AD3}" type="datetimeFigureOut">
               <a:rPr lang="en-US" smtClean="0"/>
-              <a:t>12/11/2015</a:t>
+              <a:t>12/13/2015</a:t>
             </a:fld>
             <a:endParaRPr lang="en-US"/>
           </a:p>
@@ -9158,7 +5821,7 @@
           <a:p>
             <a:fld id="{557D511F-992E-4508-878E-64B76E155AD3}" type="datetimeFigureOut">
               <a:rPr lang="en-US" smtClean="0"/>
-              <a:t>12/11/2015</a:t>
+              <a:t>12/13/2015</a:t>
             </a:fld>
             <a:endParaRPr lang="en-US"/>
           </a:p>
@@ -9371,7 +6034,7 @@
           <a:p>
             <a:fld id="{557D511F-992E-4508-878E-64B76E155AD3}" type="datetimeFigureOut">
               <a:rPr lang="en-US" smtClean="0"/>
-              <a:t>12/11/2015</a:t>
+              <a:t>12/13/2015</a:t>
             </a:fld>
             <a:endParaRPr lang="en-US"/>
           </a:p>
@@ -10170,7 +6833,7 @@
           <a:p>
             <a:r>
               <a:rPr lang="en-US" dirty="0" smtClean="0"/>
-              <a:t>Publishing your project</a:t>
+              <a:t>Source Data</a:t>
             </a:r>
             <a:endParaRPr lang="en-US" dirty="0"/>
           </a:p>
@@ -10191,24 +6854,243 @@
           <a:bodyPr/>
           <a:lstStyle/>
           <a:p>
-            <a:endParaRPr lang="en-US"/>
+            <a:r>
+              <a:rPr lang="en-US" dirty="0" smtClean="0"/>
+              <a:t>JSON format</a:t>
+            </a:r>
+          </a:p>
+          <a:p>
+            <a:pPr lvl="1"/>
+            <a:r>
+              <a:rPr lang="en-US" dirty="0" smtClean="0"/>
+              <a:t>Pure </a:t>
+            </a:r>
+            <a:r>
+              <a:rPr lang="en-US" dirty="0" err="1" smtClean="0"/>
+              <a:t>javascript</a:t>
+            </a:r>
+            <a:r>
+              <a:rPr lang="en-US" dirty="0" smtClean="0"/>
+              <a:t> data notation (data is valid </a:t>
+            </a:r>
+            <a:r>
+              <a:rPr lang="en-US" dirty="0" err="1" smtClean="0"/>
+              <a:t>javascript</a:t>
+            </a:r>
+            <a:r>
+              <a:rPr lang="en-US" dirty="0" smtClean="0"/>
+              <a:t>)</a:t>
+            </a:r>
+          </a:p>
+          <a:p>
+            <a:r>
+              <a:rPr lang="en-US" dirty="0" smtClean="0"/>
+              <a:t>174 Nations</a:t>
+            </a:r>
+          </a:p>
+          <a:p>
+            <a:r>
+              <a:rPr lang="en-US" dirty="0" smtClean="0"/>
+              <a:t>Income, life expectancy, population </a:t>
+            </a:r>
+          </a:p>
+          <a:p>
+            <a:r>
+              <a:rPr lang="en-US" dirty="0" smtClean="0"/>
+              <a:t>1950 – 2009</a:t>
+            </a:r>
+          </a:p>
+          <a:p>
+            <a:r>
+              <a:rPr lang="en-US" dirty="0" smtClean="0"/>
+              <a:t>~30K values</a:t>
+            </a:r>
+            <a:endParaRPr lang="en-US" dirty="0"/>
           </a:p>
         </p:txBody>
       </p:sp>
+      <p:pic>
+        <p:nvPicPr>
+          <p:cNvPr id="4" name="Picture 3" descr="Screen Clipping"/>
+          <p:cNvPicPr>
+            <a:picLocks noChangeAspect="1"/>
+          </p:cNvPicPr>
+          <p:nvPr/>
+        </p:nvPicPr>
+        <p:blipFill>
+          <a:blip r:embed="rId2">
+            <a:extLst>
+              <a:ext uri="{28A0092B-C50C-407E-A947-70E740481C1C}">
+                <a14:useLocalDpi xmlns:a14="http://schemas.microsoft.com/office/drawing/2010/main" val="0"/>
+              </a:ext>
+            </a:extLst>
+          </a:blip>
+          <a:stretch>
+            <a:fillRect/>
+          </a:stretch>
+        </p:blipFill>
+        <p:spPr>
+          <a:xfrm>
+            <a:off x="7109034" y="2257957"/>
+            <a:ext cx="4244766" cy="3919006"/>
+          </a:xfrm>
+          <a:prstGeom prst="rect">
+            <a:avLst/>
+          </a:prstGeom>
+        </p:spPr>
+      </p:pic>
     </p:spTree>
     <p:extLst>
       <p:ext uri="{BB962C8B-B14F-4D97-AF65-F5344CB8AC3E}">
-        <p14:creationId xmlns:p14="http://schemas.microsoft.com/office/powerpoint/2010/main" val="1477507254"/>
+        <p14:creationId xmlns:p14="http://schemas.microsoft.com/office/powerpoint/2010/main" val="627562031"/>
       </p:ext>
     </p:extLst>
   </p:cSld>
   <p:clrMapOvr>
     <a:masterClrMapping/>
   </p:clrMapOvr>
+  <p:timing>
+    <p:tnLst>
+      <p:par>
+        <p:cTn id="1" dur="indefinite" restart="never" nodeType="tmRoot"/>
+      </p:par>
+    </p:tnLst>
+  </p:timing>
 </p:sld>
 </file>
 
 <file path=ppt/slides/slide11.xml><?xml version="1.0" encoding="utf-8"?>
+<p:sld xmlns:a="http://schemas.openxmlformats.org/drawingml/2006/main" xmlns:r="http://schemas.openxmlformats.org/officeDocument/2006/relationships" xmlns:p="http://schemas.openxmlformats.org/presentationml/2006/main">
+  <p:cSld>
+    <p:spTree>
+      <p:nvGrpSpPr>
+        <p:cNvPr id="1" name=""/>
+        <p:cNvGrpSpPr/>
+        <p:nvPr/>
+      </p:nvGrpSpPr>
+      <p:grpSpPr>
+        <a:xfrm>
+          <a:off x="0" y="0"/>
+          <a:ext cx="0" cy="0"/>
+          <a:chOff x="0" y="0"/>
+          <a:chExt cx="0" cy="0"/>
+        </a:xfrm>
+      </p:grpSpPr>
+      <p:sp>
+        <p:nvSpPr>
+          <p:cNvPr id="2" name="Title 1"/>
+          <p:cNvSpPr>
+            <a:spLocks noGrp="1"/>
+          </p:cNvSpPr>
+          <p:nvPr>
+            <p:ph type="ctrTitle"/>
+          </p:nvPr>
+        </p:nvSpPr>
+        <p:spPr>
+          <a:xfrm>
+            <a:off x="1524000" y="1122363"/>
+            <a:ext cx="9144000" cy="1963195"/>
+          </a:xfrm>
+        </p:spPr>
+        <p:txBody>
+          <a:bodyPr/>
+          <a:lstStyle/>
+          <a:p>
+            <a:r>
+              <a:rPr lang="en-US" dirty="0" smtClean="0"/>
+              <a:t>Coding Time!</a:t>
+            </a:r>
+            <a:endParaRPr lang="en-US" dirty="0"/>
+          </a:p>
+        </p:txBody>
+      </p:sp>
+      <p:sp>
+        <p:nvSpPr>
+          <p:cNvPr id="3" name="Subtitle 2"/>
+          <p:cNvSpPr>
+            <a:spLocks noGrp="1"/>
+          </p:cNvSpPr>
+          <p:nvPr>
+            <p:ph type="subTitle" idx="1"/>
+          </p:nvPr>
+        </p:nvSpPr>
+        <p:spPr>
+          <a:xfrm>
+            <a:off x="2919420" y="4104741"/>
+            <a:ext cx="6311246" cy="1655762"/>
+          </a:xfrm>
+        </p:spPr>
+        <p:txBody>
+          <a:bodyPr/>
+          <a:lstStyle/>
+          <a:p>
+            <a:pPr algn="l"/>
+            <a:endParaRPr lang="en-US" dirty="0" smtClean="0"/>
+          </a:p>
+          <a:p>
+            <a:r>
+              <a:rPr lang="en-US" dirty="0" smtClean="0"/>
+              <a:t>   https</a:t>
+            </a:r>
+            <a:r>
+              <a:rPr lang="en-US" dirty="0"/>
+              <a:t>://github.com/febret/intro2D3</a:t>
+            </a:r>
+            <a:endParaRPr lang="en-US" dirty="0"/>
+          </a:p>
+        </p:txBody>
+      </p:sp>
+      <p:pic>
+        <p:nvPicPr>
+          <p:cNvPr id="5" name="Picture 4"/>
+          <p:cNvPicPr>
+            <a:picLocks noChangeAspect="1"/>
+          </p:cNvPicPr>
+          <p:nvPr/>
+        </p:nvPicPr>
+        <p:blipFill>
+          <a:blip r:embed="rId3" cstate="print">
+            <a:extLst>
+              <a:ext uri="{28A0092B-C50C-407E-A947-70E740481C1C}">
+                <a14:useLocalDpi xmlns:a14="http://schemas.microsoft.com/office/drawing/2010/main" val="0"/>
+              </a:ext>
+            </a:extLst>
+          </a:blip>
+          <a:stretch>
+            <a:fillRect/>
+          </a:stretch>
+        </p:blipFill>
+        <p:spPr>
+          <a:xfrm>
+            <a:off x="3216831" y="4577624"/>
+            <a:ext cx="354998" cy="354998"/>
+          </a:xfrm>
+          <a:prstGeom prst="rect">
+            <a:avLst/>
+          </a:prstGeom>
+        </p:spPr>
+      </p:pic>
+    </p:spTree>
+    <p:extLst>
+      <p:ext uri="{BB962C8B-B14F-4D97-AF65-F5344CB8AC3E}">
+        <p14:creationId xmlns:p14="http://schemas.microsoft.com/office/powerpoint/2010/main" val="2892644391"/>
+      </p:ext>
+    </p:extLst>
+  </p:cSld>
+  <p:clrMapOvr>
+    <a:masterClrMapping/>
+  </p:clrMapOvr>
+  <p:timing>
+    <p:tnLst>
+      <p:par>
+        <p:cTn id="1" dur="indefinite" restart="never" nodeType="tmRoot"/>
+      </p:par>
+    </p:tnLst>
+  </p:timing>
+</p:sld>
+</file>
+
+<file path=ppt/slides/slide12.xml><?xml version="1.0" encoding="utf-8"?>
 <p:sld xmlns:a="http://schemas.openxmlformats.org/drawingml/2006/main" xmlns:r="http://schemas.openxmlformats.org/officeDocument/2006/relationships" xmlns:p="http://schemas.openxmlformats.org/presentationml/2006/main">
   <p:cSld>
     <p:spTree>
@@ -10242,6 +7124,1682 @@
           <a:p>
             <a:r>
               <a:rPr lang="en-US" dirty="0" smtClean="0"/>
+              <a:t>Tasks</a:t>
+            </a:r>
+            <a:endParaRPr lang="en-US" dirty="0"/>
+          </a:p>
+        </p:txBody>
+      </p:sp>
+      <p:sp>
+        <p:nvSpPr>
+          <p:cNvPr id="3" name="Content Placeholder 2"/>
+          <p:cNvSpPr>
+            <a:spLocks noGrp="1"/>
+          </p:cNvSpPr>
+          <p:nvPr>
+            <p:ph idx="1"/>
+          </p:nvPr>
+        </p:nvSpPr>
+        <p:spPr>
+          <a:xfrm>
+            <a:off x="838200" y="811924"/>
+            <a:ext cx="10515600" cy="5809770"/>
+          </a:xfrm>
+        </p:spPr>
+        <p:txBody>
+          <a:bodyPr/>
+          <a:lstStyle/>
+          <a:p>
+            <a:r>
+              <a:rPr lang="en-US" b="1" dirty="0" smtClean="0"/>
+              <a:t>1 – Basic page setup</a:t>
+            </a:r>
+          </a:p>
+          <a:p>
+            <a:pPr lvl="1"/>
+            <a:r>
+              <a:rPr lang="en-US" dirty="0" smtClean="0"/>
+              <a:t>D3 JSON loading</a:t>
+            </a:r>
+          </a:p>
+          <a:p>
+            <a:pPr lvl="1"/>
+            <a:r>
+              <a:rPr lang="en-US" dirty="0" smtClean="0"/>
+              <a:t>D3 selection</a:t>
+            </a:r>
+          </a:p>
+          <a:p>
+            <a:r>
+              <a:rPr lang="en-US" b="1" dirty="0" smtClean="0"/>
+              <a:t>2 – Loading data and printing content</a:t>
+            </a:r>
+          </a:p>
+          <a:p>
+            <a:pPr lvl="1"/>
+            <a:r>
+              <a:rPr lang="en-US" dirty="0" err="1" smtClean="0"/>
+              <a:t>selectAll</a:t>
+            </a:r>
+            <a:r>
+              <a:rPr lang="en-US" dirty="0"/>
+              <a:t> </a:t>
+            </a:r>
+            <a:r>
+              <a:rPr lang="en-US" dirty="0" smtClean="0"/>
+              <a:t>and enter</a:t>
+            </a:r>
+          </a:p>
+          <a:p>
+            <a:pPr lvl="1"/>
+            <a:r>
+              <a:rPr lang="en-US" dirty="0" smtClean="0"/>
+              <a:t>The data function</a:t>
+            </a:r>
+          </a:p>
+          <a:p>
+            <a:r>
+              <a:rPr lang="en-US" b="1" dirty="0" smtClean="0"/>
+              <a:t>3 – SVG drawing and Axes</a:t>
+            </a:r>
+          </a:p>
+          <a:p>
+            <a:pPr lvl="1"/>
+            <a:r>
+              <a:rPr lang="en-US" dirty="0" smtClean="0"/>
+              <a:t>Scales</a:t>
+            </a:r>
+          </a:p>
+          <a:p>
+            <a:pPr lvl="1"/>
+            <a:r>
+              <a:rPr lang="en-US" dirty="0" smtClean="0"/>
+              <a:t>The call function</a:t>
+            </a:r>
+          </a:p>
+          <a:p>
+            <a:r>
+              <a:rPr lang="en-US" b="1" dirty="0" smtClean="0"/>
+              <a:t>4 – Plotting data</a:t>
+            </a:r>
+          </a:p>
+          <a:p>
+            <a:r>
+              <a:rPr lang="en-US" b="1" dirty="0" smtClean="0"/>
+              <a:t>5 – Adding and removing points</a:t>
+            </a:r>
+          </a:p>
+          <a:p>
+            <a:pPr lvl="1"/>
+            <a:r>
+              <a:rPr lang="en-US" dirty="0" smtClean="0"/>
+              <a:t>d3.map</a:t>
+            </a:r>
+          </a:p>
+          <a:p>
+            <a:pPr lvl="1"/>
+            <a:r>
+              <a:rPr lang="en-US" dirty="0" smtClean="0"/>
+              <a:t>d3.on</a:t>
+            </a:r>
+          </a:p>
+          <a:p>
+            <a:r>
+              <a:rPr lang="en-US" b="1" dirty="0" smtClean="0"/>
+              <a:t>6 - animation</a:t>
+            </a:r>
+          </a:p>
+          <a:p>
+            <a:endParaRPr lang="en-US" dirty="0"/>
+          </a:p>
+        </p:txBody>
+      </p:sp>
+    </p:spTree>
+    <p:extLst>
+      <p:ext uri="{BB962C8B-B14F-4D97-AF65-F5344CB8AC3E}">
+        <p14:creationId xmlns:p14="http://schemas.microsoft.com/office/powerpoint/2010/main" val="1477507254"/>
+      </p:ext>
+    </p:extLst>
+  </p:cSld>
+  <p:clrMapOvr>
+    <a:masterClrMapping/>
+  </p:clrMapOvr>
+  <p:timing>
+    <p:tnLst>
+      <p:par>
+        <p:cTn id="1" dur="indefinite" restart="never" nodeType="tmRoot">
+          <p:childTnLst>
+            <p:seq concurrent="1" nextAc="seek">
+              <p:cTn id="2" dur="indefinite" nodeType="mainSeq">
+                <p:childTnLst>
+                  <p:par>
+                    <p:cTn id="3" fill="hold">
+                      <p:stCondLst>
+                        <p:cond delay="indefinite"/>
+                      </p:stCondLst>
+                      <p:childTnLst>
+                        <p:par>
+                          <p:cTn id="4" fill="hold">
+                            <p:stCondLst>
+                              <p:cond delay="0"/>
+                            </p:stCondLst>
+                            <p:childTnLst>
+                              <p:par>
+                                <p:cTn id="5" presetID="42" presetClass="entr" presetSubtype="0" fill="hold" grpId="0" nodeType="clickEffect">
+                                  <p:stCondLst>
+                                    <p:cond delay="0"/>
+                                  </p:stCondLst>
+                                  <p:childTnLst>
+                                    <p:set>
+                                      <p:cBhvr>
+                                        <p:cTn id="6" dur="1" fill="hold">
+                                          <p:stCondLst>
+                                            <p:cond delay="0"/>
+                                          </p:stCondLst>
+                                        </p:cTn>
+                                        <p:tgtEl>
+                                          <p:spTgt spid="3">
+                                            <p:txEl>
+                                              <p:pRg st="0" end="0"/>
+                                            </p:txEl>
+                                          </p:spTgt>
+                                        </p:tgtEl>
+                                        <p:attrNameLst>
+                                          <p:attrName>style.visibility</p:attrName>
+                                        </p:attrNameLst>
+                                      </p:cBhvr>
+                                      <p:to>
+                                        <p:strVal val="visible"/>
+                                      </p:to>
+                                    </p:set>
+                                    <p:animEffect transition="in" filter="fade">
+                                      <p:cBhvr>
+                                        <p:cTn id="7" dur="500"/>
+                                        <p:tgtEl>
+                                          <p:spTgt spid="3">
+                                            <p:txEl>
+                                              <p:pRg st="0" end="0"/>
+                                            </p:txEl>
+                                          </p:spTgt>
+                                        </p:tgtEl>
+                                      </p:cBhvr>
+                                    </p:animEffect>
+                                    <p:anim calcmode="lin" valueType="num">
+                                      <p:cBhvr>
+                                        <p:cTn id="8" dur="500" fill="hold"/>
+                                        <p:tgtEl>
+                                          <p:spTgt spid="3">
+                                            <p:txEl>
+                                              <p:pRg st="0" end="0"/>
+                                            </p:txEl>
+                                          </p:spTgt>
+                                        </p:tgtEl>
+                                        <p:attrNameLst>
+                                          <p:attrName>ppt_x</p:attrName>
+                                        </p:attrNameLst>
+                                      </p:cBhvr>
+                                      <p:tavLst>
+                                        <p:tav tm="0">
+                                          <p:val>
+                                            <p:strVal val="#ppt_x"/>
+                                          </p:val>
+                                        </p:tav>
+                                        <p:tav tm="100000">
+                                          <p:val>
+                                            <p:strVal val="#ppt_x"/>
+                                          </p:val>
+                                        </p:tav>
+                                      </p:tavLst>
+                                    </p:anim>
+                                    <p:anim calcmode="lin" valueType="num">
+                                      <p:cBhvr>
+                                        <p:cTn id="9" dur="500" fill="hold"/>
+                                        <p:tgtEl>
+                                          <p:spTgt spid="3">
+                                            <p:txEl>
+                                              <p:pRg st="0" end="0"/>
+                                            </p:txEl>
+                                          </p:spTgt>
+                                        </p:tgtEl>
+                                        <p:attrNameLst>
+                                          <p:attrName>ppt_y</p:attrName>
+                                        </p:attrNameLst>
+                                      </p:cBhvr>
+                                      <p:tavLst>
+                                        <p:tav tm="0">
+                                          <p:val>
+                                            <p:strVal val="#ppt_y+.1"/>
+                                          </p:val>
+                                        </p:tav>
+                                        <p:tav tm="100000">
+                                          <p:val>
+                                            <p:strVal val="#ppt_y"/>
+                                          </p:val>
+                                        </p:tav>
+                                      </p:tavLst>
+                                    </p:anim>
+                                  </p:childTnLst>
+                                </p:cTn>
+                              </p:par>
+                              <p:par>
+                                <p:cTn id="10" presetID="42" presetClass="entr" presetSubtype="0" fill="hold" grpId="0" nodeType="withEffect">
+                                  <p:stCondLst>
+                                    <p:cond delay="0"/>
+                                  </p:stCondLst>
+                                  <p:childTnLst>
+                                    <p:set>
+                                      <p:cBhvr>
+                                        <p:cTn id="11" dur="1" fill="hold">
+                                          <p:stCondLst>
+                                            <p:cond delay="0"/>
+                                          </p:stCondLst>
+                                        </p:cTn>
+                                        <p:tgtEl>
+                                          <p:spTgt spid="3">
+                                            <p:txEl>
+                                              <p:pRg st="1" end="1"/>
+                                            </p:txEl>
+                                          </p:spTgt>
+                                        </p:tgtEl>
+                                        <p:attrNameLst>
+                                          <p:attrName>style.visibility</p:attrName>
+                                        </p:attrNameLst>
+                                      </p:cBhvr>
+                                      <p:to>
+                                        <p:strVal val="visible"/>
+                                      </p:to>
+                                    </p:set>
+                                    <p:animEffect transition="in" filter="fade">
+                                      <p:cBhvr>
+                                        <p:cTn id="12" dur="500"/>
+                                        <p:tgtEl>
+                                          <p:spTgt spid="3">
+                                            <p:txEl>
+                                              <p:pRg st="1" end="1"/>
+                                            </p:txEl>
+                                          </p:spTgt>
+                                        </p:tgtEl>
+                                      </p:cBhvr>
+                                    </p:animEffect>
+                                    <p:anim calcmode="lin" valueType="num">
+                                      <p:cBhvr>
+                                        <p:cTn id="13" dur="500" fill="hold"/>
+                                        <p:tgtEl>
+                                          <p:spTgt spid="3">
+                                            <p:txEl>
+                                              <p:pRg st="1" end="1"/>
+                                            </p:txEl>
+                                          </p:spTgt>
+                                        </p:tgtEl>
+                                        <p:attrNameLst>
+                                          <p:attrName>ppt_x</p:attrName>
+                                        </p:attrNameLst>
+                                      </p:cBhvr>
+                                      <p:tavLst>
+                                        <p:tav tm="0">
+                                          <p:val>
+                                            <p:strVal val="#ppt_x"/>
+                                          </p:val>
+                                        </p:tav>
+                                        <p:tav tm="100000">
+                                          <p:val>
+                                            <p:strVal val="#ppt_x"/>
+                                          </p:val>
+                                        </p:tav>
+                                      </p:tavLst>
+                                    </p:anim>
+                                    <p:anim calcmode="lin" valueType="num">
+                                      <p:cBhvr>
+                                        <p:cTn id="14" dur="500" fill="hold"/>
+                                        <p:tgtEl>
+                                          <p:spTgt spid="3">
+                                            <p:txEl>
+                                              <p:pRg st="1" end="1"/>
+                                            </p:txEl>
+                                          </p:spTgt>
+                                        </p:tgtEl>
+                                        <p:attrNameLst>
+                                          <p:attrName>ppt_y</p:attrName>
+                                        </p:attrNameLst>
+                                      </p:cBhvr>
+                                      <p:tavLst>
+                                        <p:tav tm="0">
+                                          <p:val>
+                                            <p:strVal val="#ppt_y+.1"/>
+                                          </p:val>
+                                        </p:tav>
+                                        <p:tav tm="100000">
+                                          <p:val>
+                                            <p:strVal val="#ppt_y"/>
+                                          </p:val>
+                                        </p:tav>
+                                      </p:tavLst>
+                                    </p:anim>
+                                  </p:childTnLst>
+                                </p:cTn>
+                              </p:par>
+                              <p:par>
+                                <p:cTn id="15" presetID="42" presetClass="entr" presetSubtype="0" fill="hold" grpId="0" nodeType="withEffect">
+                                  <p:stCondLst>
+                                    <p:cond delay="0"/>
+                                  </p:stCondLst>
+                                  <p:childTnLst>
+                                    <p:set>
+                                      <p:cBhvr>
+                                        <p:cTn id="16" dur="1" fill="hold">
+                                          <p:stCondLst>
+                                            <p:cond delay="0"/>
+                                          </p:stCondLst>
+                                        </p:cTn>
+                                        <p:tgtEl>
+                                          <p:spTgt spid="3">
+                                            <p:txEl>
+                                              <p:pRg st="2" end="2"/>
+                                            </p:txEl>
+                                          </p:spTgt>
+                                        </p:tgtEl>
+                                        <p:attrNameLst>
+                                          <p:attrName>style.visibility</p:attrName>
+                                        </p:attrNameLst>
+                                      </p:cBhvr>
+                                      <p:to>
+                                        <p:strVal val="visible"/>
+                                      </p:to>
+                                    </p:set>
+                                    <p:animEffect transition="in" filter="fade">
+                                      <p:cBhvr>
+                                        <p:cTn id="17" dur="500"/>
+                                        <p:tgtEl>
+                                          <p:spTgt spid="3">
+                                            <p:txEl>
+                                              <p:pRg st="2" end="2"/>
+                                            </p:txEl>
+                                          </p:spTgt>
+                                        </p:tgtEl>
+                                      </p:cBhvr>
+                                    </p:animEffect>
+                                    <p:anim calcmode="lin" valueType="num">
+                                      <p:cBhvr>
+                                        <p:cTn id="18" dur="500" fill="hold"/>
+                                        <p:tgtEl>
+                                          <p:spTgt spid="3">
+                                            <p:txEl>
+                                              <p:pRg st="2" end="2"/>
+                                            </p:txEl>
+                                          </p:spTgt>
+                                        </p:tgtEl>
+                                        <p:attrNameLst>
+                                          <p:attrName>ppt_x</p:attrName>
+                                        </p:attrNameLst>
+                                      </p:cBhvr>
+                                      <p:tavLst>
+                                        <p:tav tm="0">
+                                          <p:val>
+                                            <p:strVal val="#ppt_x"/>
+                                          </p:val>
+                                        </p:tav>
+                                        <p:tav tm="100000">
+                                          <p:val>
+                                            <p:strVal val="#ppt_x"/>
+                                          </p:val>
+                                        </p:tav>
+                                      </p:tavLst>
+                                    </p:anim>
+                                    <p:anim calcmode="lin" valueType="num">
+                                      <p:cBhvr>
+                                        <p:cTn id="19" dur="500" fill="hold"/>
+                                        <p:tgtEl>
+                                          <p:spTgt spid="3">
+                                            <p:txEl>
+                                              <p:pRg st="2" end="2"/>
+                                            </p:txEl>
+                                          </p:spTgt>
+                                        </p:tgtEl>
+                                        <p:attrNameLst>
+                                          <p:attrName>ppt_y</p:attrName>
+                                        </p:attrNameLst>
+                                      </p:cBhvr>
+                                      <p:tavLst>
+                                        <p:tav tm="0">
+                                          <p:val>
+                                            <p:strVal val="#ppt_y+.1"/>
+                                          </p:val>
+                                        </p:tav>
+                                        <p:tav tm="100000">
+                                          <p:val>
+                                            <p:strVal val="#ppt_y"/>
+                                          </p:val>
+                                        </p:tav>
+                                      </p:tavLst>
+                                    </p:anim>
+                                  </p:childTnLst>
+                                </p:cTn>
+                              </p:par>
+                            </p:childTnLst>
+                          </p:cTn>
+                        </p:par>
+                      </p:childTnLst>
+                    </p:cTn>
+                  </p:par>
+                  <p:par>
+                    <p:cTn id="20" fill="hold">
+                      <p:stCondLst>
+                        <p:cond delay="indefinite"/>
+                      </p:stCondLst>
+                      <p:childTnLst>
+                        <p:par>
+                          <p:cTn id="21" fill="hold">
+                            <p:stCondLst>
+                              <p:cond delay="0"/>
+                            </p:stCondLst>
+                            <p:childTnLst>
+                              <p:par>
+                                <p:cTn id="22" presetID="42" presetClass="entr" presetSubtype="0" fill="hold" grpId="0" nodeType="clickEffect">
+                                  <p:stCondLst>
+                                    <p:cond delay="0"/>
+                                  </p:stCondLst>
+                                  <p:childTnLst>
+                                    <p:set>
+                                      <p:cBhvr>
+                                        <p:cTn id="23" dur="1" fill="hold">
+                                          <p:stCondLst>
+                                            <p:cond delay="0"/>
+                                          </p:stCondLst>
+                                        </p:cTn>
+                                        <p:tgtEl>
+                                          <p:spTgt spid="3">
+                                            <p:txEl>
+                                              <p:pRg st="3" end="3"/>
+                                            </p:txEl>
+                                          </p:spTgt>
+                                        </p:tgtEl>
+                                        <p:attrNameLst>
+                                          <p:attrName>style.visibility</p:attrName>
+                                        </p:attrNameLst>
+                                      </p:cBhvr>
+                                      <p:to>
+                                        <p:strVal val="visible"/>
+                                      </p:to>
+                                    </p:set>
+                                    <p:animEffect transition="in" filter="fade">
+                                      <p:cBhvr>
+                                        <p:cTn id="24" dur="500"/>
+                                        <p:tgtEl>
+                                          <p:spTgt spid="3">
+                                            <p:txEl>
+                                              <p:pRg st="3" end="3"/>
+                                            </p:txEl>
+                                          </p:spTgt>
+                                        </p:tgtEl>
+                                      </p:cBhvr>
+                                    </p:animEffect>
+                                    <p:anim calcmode="lin" valueType="num">
+                                      <p:cBhvr>
+                                        <p:cTn id="25" dur="500" fill="hold"/>
+                                        <p:tgtEl>
+                                          <p:spTgt spid="3">
+                                            <p:txEl>
+                                              <p:pRg st="3" end="3"/>
+                                            </p:txEl>
+                                          </p:spTgt>
+                                        </p:tgtEl>
+                                        <p:attrNameLst>
+                                          <p:attrName>ppt_x</p:attrName>
+                                        </p:attrNameLst>
+                                      </p:cBhvr>
+                                      <p:tavLst>
+                                        <p:tav tm="0">
+                                          <p:val>
+                                            <p:strVal val="#ppt_x"/>
+                                          </p:val>
+                                        </p:tav>
+                                        <p:tav tm="100000">
+                                          <p:val>
+                                            <p:strVal val="#ppt_x"/>
+                                          </p:val>
+                                        </p:tav>
+                                      </p:tavLst>
+                                    </p:anim>
+                                    <p:anim calcmode="lin" valueType="num">
+                                      <p:cBhvr>
+                                        <p:cTn id="26" dur="500" fill="hold"/>
+                                        <p:tgtEl>
+                                          <p:spTgt spid="3">
+                                            <p:txEl>
+                                              <p:pRg st="3" end="3"/>
+                                            </p:txEl>
+                                          </p:spTgt>
+                                        </p:tgtEl>
+                                        <p:attrNameLst>
+                                          <p:attrName>ppt_y</p:attrName>
+                                        </p:attrNameLst>
+                                      </p:cBhvr>
+                                      <p:tavLst>
+                                        <p:tav tm="0">
+                                          <p:val>
+                                            <p:strVal val="#ppt_y+.1"/>
+                                          </p:val>
+                                        </p:tav>
+                                        <p:tav tm="100000">
+                                          <p:val>
+                                            <p:strVal val="#ppt_y"/>
+                                          </p:val>
+                                        </p:tav>
+                                      </p:tavLst>
+                                    </p:anim>
+                                  </p:childTnLst>
+                                </p:cTn>
+                              </p:par>
+                              <p:par>
+                                <p:cTn id="27" presetID="42" presetClass="entr" presetSubtype="0" fill="hold" grpId="0" nodeType="withEffect">
+                                  <p:stCondLst>
+                                    <p:cond delay="0"/>
+                                  </p:stCondLst>
+                                  <p:childTnLst>
+                                    <p:set>
+                                      <p:cBhvr>
+                                        <p:cTn id="28" dur="1" fill="hold">
+                                          <p:stCondLst>
+                                            <p:cond delay="0"/>
+                                          </p:stCondLst>
+                                        </p:cTn>
+                                        <p:tgtEl>
+                                          <p:spTgt spid="3">
+                                            <p:txEl>
+                                              <p:pRg st="4" end="4"/>
+                                            </p:txEl>
+                                          </p:spTgt>
+                                        </p:tgtEl>
+                                        <p:attrNameLst>
+                                          <p:attrName>style.visibility</p:attrName>
+                                        </p:attrNameLst>
+                                      </p:cBhvr>
+                                      <p:to>
+                                        <p:strVal val="visible"/>
+                                      </p:to>
+                                    </p:set>
+                                    <p:animEffect transition="in" filter="fade">
+                                      <p:cBhvr>
+                                        <p:cTn id="29" dur="500"/>
+                                        <p:tgtEl>
+                                          <p:spTgt spid="3">
+                                            <p:txEl>
+                                              <p:pRg st="4" end="4"/>
+                                            </p:txEl>
+                                          </p:spTgt>
+                                        </p:tgtEl>
+                                      </p:cBhvr>
+                                    </p:animEffect>
+                                    <p:anim calcmode="lin" valueType="num">
+                                      <p:cBhvr>
+                                        <p:cTn id="30" dur="500" fill="hold"/>
+                                        <p:tgtEl>
+                                          <p:spTgt spid="3">
+                                            <p:txEl>
+                                              <p:pRg st="4" end="4"/>
+                                            </p:txEl>
+                                          </p:spTgt>
+                                        </p:tgtEl>
+                                        <p:attrNameLst>
+                                          <p:attrName>ppt_x</p:attrName>
+                                        </p:attrNameLst>
+                                      </p:cBhvr>
+                                      <p:tavLst>
+                                        <p:tav tm="0">
+                                          <p:val>
+                                            <p:strVal val="#ppt_x"/>
+                                          </p:val>
+                                        </p:tav>
+                                        <p:tav tm="100000">
+                                          <p:val>
+                                            <p:strVal val="#ppt_x"/>
+                                          </p:val>
+                                        </p:tav>
+                                      </p:tavLst>
+                                    </p:anim>
+                                    <p:anim calcmode="lin" valueType="num">
+                                      <p:cBhvr>
+                                        <p:cTn id="31" dur="500" fill="hold"/>
+                                        <p:tgtEl>
+                                          <p:spTgt spid="3">
+                                            <p:txEl>
+                                              <p:pRg st="4" end="4"/>
+                                            </p:txEl>
+                                          </p:spTgt>
+                                        </p:tgtEl>
+                                        <p:attrNameLst>
+                                          <p:attrName>ppt_y</p:attrName>
+                                        </p:attrNameLst>
+                                      </p:cBhvr>
+                                      <p:tavLst>
+                                        <p:tav tm="0">
+                                          <p:val>
+                                            <p:strVal val="#ppt_y+.1"/>
+                                          </p:val>
+                                        </p:tav>
+                                        <p:tav tm="100000">
+                                          <p:val>
+                                            <p:strVal val="#ppt_y"/>
+                                          </p:val>
+                                        </p:tav>
+                                      </p:tavLst>
+                                    </p:anim>
+                                  </p:childTnLst>
+                                </p:cTn>
+                              </p:par>
+                              <p:par>
+                                <p:cTn id="32" presetID="42" presetClass="entr" presetSubtype="0" fill="hold" grpId="0" nodeType="withEffect">
+                                  <p:stCondLst>
+                                    <p:cond delay="0"/>
+                                  </p:stCondLst>
+                                  <p:childTnLst>
+                                    <p:set>
+                                      <p:cBhvr>
+                                        <p:cTn id="33" dur="1" fill="hold">
+                                          <p:stCondLst>
+                                            <p:cond delay="0"/>
+                                          </p:stCondLst>
+                                        </p:cTn>
+                                        <p:tgtEl>
+                                          <p:spTgt spid="3">
+                                            <p:txEl>
+                                              <p:pRg st="5" end="5"/>
+                                            </p:txEl>
+                                          </p:spTgt>
+                                        </p:tgtEl>
+                                        <p:attrNameLst>
+                                          <p:attrName>style.visibility</p:attrName>
+                                        </p:attrNameLst>
+                                      </p:cBhvr>
+                                      <p:to>
+                                        <p:strVal val="visible"/>
+                                      </p:to>
+                                    </p:set>
+                                    <p:animEffect transition="in" filter="fade">
+                                      <p:cBhvr>
+                                        <p:cTn id="34" dur="500"/>
+                                        <p:tgtEl>
+                                          <p:spTgt spid="3">
+                                            <p:txEl>
+                                              <p:pRg st="5" end="5"/>
+                                            </p:txEl>
+                                          </p:spTgt>
+                                        </p:tgtEl>
+                                      </p:cBhvr>
+                                    </p:animEffect>
+                                    <p:anim calcmode="lin" valueType="num">
+                                      <p:cBhvr>
+                                        <p:cTn id="35" dur="500" fill="hold"/>
+                                        <p:tgtEl>
+                                          <p:spTgt spid="3">
+                                            <p:txEl>
+                                              <p:pRg st="5" end="5"/>
+                                            </p:txEl>
+                                          </p:spTgt>
+                                        </p:tgtEl>
+                                        <p:attrNameLst>
+                                          <p:attrName>ppt_x</p:attrName>
+                                        </p:attrNameLst>
+                                      </p:cBhvr>
+                                      <p:tavLst>
+                                        <p:tav tm="0">
+                                          <p:val>
+                                            <p:strVal val="#ppt_x"/>
+                                          </p:val>
+                                        </p:tav>
+                                        <p:tav tm="100000">
+                                          <p:val>
+                                            <p:strVal val="#ppt_x"/>
+                                          </p:val>
+                                        </p:tav>
+                                      </p:tavLst>
+                                    </p:anim>
+                                    <p:anim calcmode="lin" valueType="num">
+                                      <p:cBhvr>
+                                        <p:cTn id="36" dur="500" fill="hold"/>
+                                        <p:tgtEl>
+                                          <p:spTgt spid="3">
+                                            <p:txEl>
+                                              <p:pRg st="5" end="5"/>
+                                            </p:txEl>
+                                          </p:spTgt>
+                                        </p:tgtEl>
+                                        <p:attrNameLst>
+                                          <p:attrName>ppt_y</p:attrName>
+                                        </p:attrNameLst>
+                                      </p:cBhvr>
+                                      <p:tavLst>
+                                        <p:tav tm="0">
+                                          <p:val>
+                                            <p:strVal val="#ppt_y+.1"/>
+                                          </p:val>
+                                        </p:tav>
+                                        <p:tav tm="100000">
+                                          <p:val>
+                                            <p:strVal val="#ppt_y"/>
+                                          </p:val>
+                                        </p:tav>
+                                      </p:tavLst>
+                                    </p:anim>
+                                  </p:childTnLst>
+                                </p:cTn>
+                              </p:par>
+                            </p:childTnLst>
+                          </p:cTn>
+                        </p:par>
+                      </p:childTnLst>
+                    </p:cTn>
+                  </p:par>
+                  <p:par>
+                    <p:cTn id="37" fill="hold">
+                      <p:stCondLst>
+                        <p:cond delay="indefinite"/>
+                      </p:stCondLst>
+                      <p:childTnLst>
+                        <p:par>
+                          <p:cTn id="38" fill="hold">
+                            <p:stCondLst>
+                              <p:cond delay="0"/>
+                            </p:stCondLst>
+                            <p:childTnLst>
+                              <p:par>
+                                <p:cTn id="39" presetID="42" presetClass="entr" presetSubtype="0" fill="hold" grpId="0" nodeType="clickEffect">
+                                  <p:stCondLst>
+                                    <p:cond delay="0"/>
+                                  </p:stCondLst>
+                                  <p:childTnLst>
+                                    <p:set>
+                                      <p:cBhvr>
+                                        <p:cTn id="40" dur="1" fill="hold">
+                                          <p:stCondLst>
+                                            <p:cond delay="0"/>
+                                          </p:stCondLst>
+                                        </p:cTn>
+                                        <p:tgtEl>
+                                          <p:spTgt spid="3">
+                                            <p:txEl>
+                                              <p:pRg st="6" end="6"/>
+                                            </p:txEl>
+                                          </p:spTgt>
+                                        </p:tgtEl>
+                                        <p:attrNameLst>
+                                          <p:attrName>style.visibility</p:attrName>
+                                        </p:attrNameLst>
+                                      </p:cBhvr>
+                                      <p:to>
+                                        <p:strVal val="visible"/>
+                                      </p:to>
+                                    </p:set>
+                                    <p:animEffect transition="in" filter="fade">
+                                      <p:cBhvr>
+                                        <p:cTn id="41" dur="500"/>
+                                        <p:tgtEl>
+                                          <p:spTgt spid="3">
+                                            <p:txEl>
+                                              <p:pRg st="6" end="6"/>
+                                            </p:txEl>
+                                          </p:spTgt>
+                                        </p:tgtEl>
+                                      </p:cBhvr>
+                                    </p:animEffect>
+                                    <p:anim calcmode="lin" valueType="num">
+                                      <p:cBhvr>
+                                        <p:cTn id="42" dur="500" fill="hold"/>
+                                        <p:tgtEl>
+                                          <p:spTgt spid="3">
+                                            <p:txEl>
+                                              <p:pRg st="6" end="6"/>
+                                            </p:txEl>
+                                          </p:spTgt>
+                                        </p:tgtEl>
+                                        <p:attrNameLst>
+                                          <p:attrName>ppt_x</p:attrName>
+                                        </p:attrNameLst>
+                                      </p:cBhvr>
+                                      <p:tavLst>
+                                        <p:tav tm="0">
+                                          <p:val>
+                                            <p:strVal val="#ppt_x"/>
+                                          </p:val>
+                                        </p:tav>
+                                        <p:tav tm="100000">
+                                          <p:val>
+                                            <p:strVal val="#ppt_x"/>
+                                          </p:val>
+                                        </p:tav>
+                                      </p:tavLst>
+                                    </p:anim>
+                                    <p:anim calcmode="lin" valueType="num">
+                                      <p:cBhvr>
+                                        <p:cTn id="43" dur="500" fill="hold"/>
+                                        <p:tgtEl>
+                                          <p:spTgt spid="3">
+                                            <p:txEl>
+                                              <p:pRg st="6" end="6"/>
+                                            </p:txEl>
+                                          </p:spTgt>
+                                        </p:tgtEl>
+                                        <p:attrNameLst>
+                                          <p:attrName>ppt_y</p:attrName>
+                                        </p:attrNameLst>
+                                      </p:cBhvr>
+                                      <p:tavLst>
+                                        <p:tav tm="0">
+                                          <p:val>
+                                            <p:strVal val="#ppt_y+.1"/>
+                                          </p:val>
+                                        </p:tav>
+                                        <p:tav tm="100000">
+                                          <p:val>
+                                            <p:strVal val="#ppt_y"/>
+                                          </p:val>
+                                        </p:tav>
+                                      </p:tavLst>
+                                    </p:anim>
+                                  </p:childTnLst>
+                                </p:cTn>
+                              </p:par>
+                              <p:par>
+                                <p:cTn id="44" presetID="42" presetClass="entr" presetSubtype="0" fill="hold" grpId="0" nodeType="withEffect">
+                                  <p:stCondLst>
+                                    <p:cond delay="0"/>
+                                  </p:stCondLst>
+                                  <p:childTnLst>
+                                    <p:set>
+                                      <p:cBhvr>
+                                        <p:cTn id="45" dur="1" fill="hold">
+                                          <p:stCondLst>
+                                            <p:cond delay="0"/>
+                                          </p:stCondLst>
+                                        </p:cTn>
+                                        <p:tgtEl>
+                                          <p:spTgt spid="3">
+                                            <p:txEl>
+                                              <p:pRg st="7" end="7"/>
+                                            </p:txEl>
+                                          </p:spTgt>
+                                        </p:tgtEl>
+                                        <p:attrNameLst>
+                                          <p:attrName>style.visibility</p:attrName>
+                                        </p:attrNameLst>
+                                      </p:cBhvr>
+                                      <p:to>
+                                        <p:strVal val="visible"/>
+                                      </p:to>
+                                    </p:set>
+                                    <p:animEffect transition="in" filter="fade">
+                                      <p:cBhvr>
+                                        <p:cTn id="46" dur="500"/>
+                                        <p:tgtEl>
+                                          <p:spTgt spid="3">
+                                            <p:txEl>
+                                              <p:pRg st="7" end="7"/>
+                                            </p:txEl>
+                                          </p:spTgt>
+                                        </p:tgtEl>
+                                      </p:cBhvr>
+                                    </p:animEffect>
+                                    <p:anim calcmode="lin" valueType="num">
+                                      <p:cBhvr>
+                                        <p:cTn id="47" dur="500" fill="hold"/>
+                                        <p:tgtEl>
+                                          <p:spTgt spid="3">
+                                            <p:txEl>
+                                              <p:pRg st="7" end="7"/>
+                                            </p:txEl>
+                                          </p:spTgt>
+                                        </p:tgtEl>
+                                        <p:attrNameLst>
+                                          <p:attrName>ppt_x</p:attrName>
+                                        </p:attrNameLst>
+                                      </p:cBhvr>
+                                      <p:tavLst>
+                                        <p:tav tm="0">
+                                          <p:val>
+                                            <p:strVal val="#ppt_x"/>
+                                          </p:val>
+                                        </p:tav>
+                                        <p:tav tm="100000">
+                                          <p:val>
+                                            <p:strVal val="#ppt_x"/>
+                                          </p:val>
+                                        </p:tav>
+                                      </p:tavLst>
+                                    </p:anim>
+                                    <p:anim calcmode="lin" valueType="num">
+                                      <p:cBhvr>
+                                        <p:cTn id="48" dur="500" fill="hold"/>
+                                        <p:tgtEl>
+                                          <p:spTgt spid="3">
+                                            <p:txEl>
+                                              <p:pRg st="7" end="7"/>
+                                            </p:txEl>
+                                          </p:spTgt>
+                                        </p:tgtEl>
+                                        <p:attrNameLst>
+                                          <p:attrName>ppt_y</p:attrName>
+                                        </p:attrNameLst>
+                                      </p:cBhvr>
+                                      <p:tavLst>
+                                        <p:tav tm="0">
+                                          <p:val>
+                                            <p:strVal val="#ppt_y+.1"/>
+                                          </p:val>
+                                        </p:tav>
+                                        <p:tav tm="100000">
+                                          <p:val>
+                                            <p:strVal val="#ppt_y"/>
+                                          </p:val>
+                                        </p:tav>
+                                      </p:tavLst>
+                                    </p:anim>
+                                  </p:childTnLst>
+                                </p:cTn>
+                              </p:par>
+                              <p:par>
+                                <p:cTn id="49" presetID="42" presetClass="entr" presetSubtype="0" fill="hold" grpId="0" nodeType="withEffect">
+                                  <p:stCondLst>
+                                    <p:cond delay="0"/>
+                                  </p:stCondLst>
+                                  <p:childTnLst>
+                                    <p:set>
+                                      <p:cBhvr>
+                                        <p:cTn id="50" dur="1" fill="hold">
+                                          <p:stCondLst>
+                                            <p:cond delay="0"/>
+                                          </p:stCondLst>
+                                        </p:cTn>
+                                        <p:tgtEl>
+                                          <p:spTgt spid="3">
+                                            <p:txEl>
+                                              <p:pRg st="8" end="8"/>
+                                            </p:txEl>
+                                          </p:spTgt>
+                                        </p:tgtEl>
+                                        <p:attrNameLst>
+                                          <p:attrName>style.visibility</p:attrName>
+                                        </p:attrNameLst>
+                                      </p:cBhvr>
+                                      <p:to>
+                                        <p:strVal val="visible"/>
+                                      </p:to>
+                                    </p:set>
+                                    <p:animEffect transition="in" filter="fade">
+                                      <p:cBhvr>
+                                        <p:cTn id="51" dur="500"/>
+                                        <p:tgtEl>
+                                          <p:spTgt spid="3">
+                                            <p:txEl>
+                                              <p:pRg st="8" end="8"/>
+                                            </p:txEl>
+                                          </p:spTgt>
+                                        </p:tgtEl>
+                                      </p:cBhvr>
+                                    </p:animEffect>
+                                    <p:anim calcmode="lin" valueType="num">
+                                      <p:cBhvr>
+                                        <p:cTn id="52" dur="500" fill="hold"/>
+                                        <p:tgtEl>
+                                          <p:spTgt spid="3">
+                                            <p:txEl>
+                                              <p:pRg st="8" end="8"/>
+                                            </p:txEl>
+                                          </p:spTgt>
+                                        </p:tgtEl>
+                                        <p:attrNameLst>
+                                          <p:attrName>ppt_x</p:attrName>
+                                        </p:attrNameLst>
+                                      </p:cBhvr>
+                                      <p:tavLst>
+                                        <p:tav tm="0">
+                                          <p:val>
+                                            <p:strVal val="#ppt_x"/>
+                                          </p:val>
+                                        </p:tav>
+                                        <p:tav tm="100000">
+                                          <p:val>
+                                            <p:strVal val="#ppt_x"/>
+                                          </p:val>
+                                        </p:tav>
+                                      </p:tavLst>
+                                    </p:anim>
+                                    <p:anim calcmode="lin" valueType="num">
+                                      <p:cBhvr>
+                                        <p:cTn id="53" dur="500" fill="hold"/>
+                                        <p:tgtEl>
+                                          <p:spTgt spid="3">
+                                            <p:txEl>
+                                              <p:pRg st="8" end="8"/>
+                                            </p:txEl>
+                                          </p:spTgt>
+                                        </p:tgtEl>
+                                        <p:attrNameLst>
+                                          <p:attrName>ppt_y</p:attrName>
+                                        </p:attrNameLst>
+                                      </p:cBhvr>
+                                      <p:tavLst>
+                                        <p:tav tm="0">
+                                          <p:val>
+                                            <p:strVal val="#ppt_y+.1"/>
+                                          </p:val>
+                                        </p:tav>
+                                        <p:tav tm="100000">
+                                          <p:val>
+                                            <p:strVal val="#ppt_y"/>
+                                          </p:val>
+                                        </p:tav>
+                                      </p:tavLst>
+                                    </p:anim>
+                                  </p:childTnLst>
+                                </p:cTn>
+                              </p:par>
+                            </p:childTnLst>
+                          </p:cTn>
+                        </p:par>
+                      </p:childTnLst>
+                    </p:cTn>
+                  </p:par>
+                  <p:par>
+                    <p:cTn id="54" fill="hold">
+                      <p:stCondLst>
+                        <p:cond delay="indefinite"/>
+                      </p:stCondLst>
+                      <p:childTnLst>
+                        <p:par>
+                          <p:cTn id="55" fill="hold">
+                            <p:stCondLst>
+                              <p:cond delay="0"/>
+                            </p:stCondLst>
+                            <p:childTnLst>
+                              <p:par>
+                                <p:cTn id="56" presetID="42" presetClass="entr" presetSubtype="0" fill="hold" grpId="0" nodeType="clickEffect">
+                                  <p:stCondLst>
+                                    <p:cond delay="0"/>
+                                  </p:stCondLst>
+                                  <p:childTnLst>
+                                    <p:set>
+                                      <p:cBhvr>
+                                        <p:cTn id="57" dur="1" fill="hold">
+                                          <p:stCondLst>
+                                            <p:cond delay="0"/>
+                                          </p:stCondLst>
+                                        </p:cTn>
+                                        <p:tgtEl>
+                                          <p:spTgt spid="3">
+                                            <p:txEl>
+                                              <p:pRg st="9" end="9"/>
+                                            </p:txEl>
+                                          </p:spTgt>
+                                        </p:tgtEl>
+                                        <p:attrNameLst>
+                                          <p:attrName>style.visibility</p:attrName>
+                                        </p:attrNameLst>
+                                      </p:cBhvr>
+                                      <p:to>
+                                        <p:strVal val="visible"/>
+                                      </p:to>
+                                    </p:set>
+                                    <p:animEffect transition="in" filter="fade">
+                                      <p:cBhvr>
+                                        <p:cTn id="58" dur="500"/>
+                                        <p:tgtEl>
+                                          <p:spTgt spid="3">
+                                            <p:txEl>
+                                              <p:pRg st="9" end="9"/>
+                                            </p:txEl>
+                                          </p:spTgt>
+                                        </p:tgtEl>
+                                      </p:cBhvr>
+                                    </p:animEffect>
+                                    <p:anim calcmode="lin" valueType="num">
+                                      <p:cBhvr>
+                                        <p:cTn id="59" dur="500" fill="hold"/>
+                                        <p:tgtEl>
+                                          <p:spTgt spid="3">
+                                            <p:txEl>
+                                              <p:pRg st="9" end="9"/>
+                                            </p:txEl>
+                                          </p:spTgt>
+                                        </p:tgtEl>
+                                        <p:attrNameLst>
+                                          <p:attrName>ppt_x</p:attrName>
+                                        </p:attrNameLst>
+                                      </p:cBhvr>
+                                      <p:tavLst>
+                                        <p:tav tm="0">
+                                          <p:val>
+                                            <p:strVal val="#ppt_x"/>
+                                          </p:val>
+                                        </p:tav>
+                                        <p:tav tm="100000">
+                                          <p:val>
+                                            <p:strVal val="#ppt_x"/>
+                                          </p:val>
+                                        </p:tav>
+                                      </p:tavLst>
+                                    </p:anim>
+                                    <p:anim calcmode="lin" valueType="num">
+                                      <p:cBhvr>
+                                        <p:cTn id="60" dur="500" fill="hold"/>
+                                        <p:tgtEl>
+                                          <p:spTgt spid="3">
+                                            <p:txEl>
+                                              <p:pRg st="9" end="9"/>
+                                            </p:txEl>
+                                          </p:spTgt>
+                                        </p:tgtEl>
+                                        <p:attrNameLst>
+                                          <p:attrName>ppt_y</p:attrName>
+                                        </p:attrNameLst>
+                                      </p:cBhvr>
+                                      <p:tavLst>
+                                        <p:tav tm="0">
+                                          <p:val>
+                                            <p:strVal val="#ppt_y+.1"/>
+                                          </p:val>
+                                        </p:tav>
+                                        <p:tav tm="100000">
+                                          <p:val>
+                                            <p:strVal val="#ppt_y"/>
+                                          </p:val>
+                                        </p:tav>
+                                      </p:tavLst>
+                                    </p:anim>
+                                  </p:childTnLst>
+                                </p:cTn>
+                              </p:par>
+                            </p:childTnLst>
+                          </p:cTn>
+                        </p:par>
+                      </p:childTnLst>
+                    </p:cTn>
+                  </p:par>
+                  <p:par>
+                    <p:cTn id="61" fill="hold">
+                      <p:stCondLst>
+                        <p:cond delay="indefinite"/>
+                      </p:stCondLst>
+                      <p:childTnLst>
+                        <p:par>
+                          <p:cTn id="62" fill="hold">
+                            <p:stCondLst>
+                              <p:cond delay="0"/>
+                            </p:stCondLst>
+                            <p:childTnLst>
+                              <p:par>
+                                <p:cTn id="63" presetID="42" presetClass="entr" presetSubtype="0" fill="hold" grpId="0" nodeType="clickEffect">
+                                  <p:stCondLst>
+                                    <p:cond delay="0"/>
+                                  </p:stCondLst>
+                                  <p:childTnLst>
+                                    <p:set>
+                                      <p:cBhvr>
+                                        <p:cTn id="64" dur="1" fill="hold">
+                                          <p:stCondLst>
+                                            <p:cond delay="0"/>
+                                          </p:stCondLst>
+                                        </p:cTn>
+                                        <p:tgtEl>
+                                          <p:spTgt spid="3">
+                                            <p:txEl>
+                                              <p:pRg st="10" end="10"/>
+                                            </p:txEl>
+                                          </p:spTgt>
+                                        </p:tgtEl>
+                                        <p:attrNameLst>
+                                          <p:attrName>style.visibility</p:attrName>
+                                        </p:attrNameLst>
+                                      </p:cBhvr>
+                                      <p:to>
+                                        <p:strVal val="visible"/>
+                                      </p:to>
+                                    </p:set>
+                                    <p:animEffect transition="in" filter="fade">
+                                      <p:cBhvr>
+                                        <p:cTn id="65" dur="500"/>
+                                        <p:tgtEl>
+                                          <p:spTgt spid="3">
+                                            <p:txEl>
+                                              <p:pRg st="10" end="10"/>
+                                            </p:txEl>
+                                          </p:spTgt>
+                                        </p:tgtEl>
+                                      </p:cBhvr>
+                                    </p:animEffect>
+                                    <p:anim calcmode="lin" valueType="num">
+                                      <p:cBhvr>
+                                        <p:cTn id="66" dur="500" fill="hold"/>
+                                        <p:tgtEl>
+                                          <p:spTgt spid="3">
+                                            <p:txEl>
+                                              <p:pRg st="10" end="10"/>
+                                            </p:txEl>
+                                          </p:spTgt>
+                                        </p:tgtEl>
+                                        <p:attrNameLst>
+                                          <p:attrName>ppt_x</p:attrName>
+                                        </p:attrNameLst>
+                                      </p:cBhvr>
+                                      <p:tavLst>
+                                        <p:tav tm="0">
+                                          <p:val>
+                                            <p:strVal val="#ppt_x"/>
+                                          </p:val>
+                                        </p:tav>
+                                        <p:tav tm="100000">
+                                          <p:val>
+                                            <p:strVal val="#ppt_x"/>
+                                          </p:val>
+                                        </p:tav>
+                                      </p:tavLst>
+                                    </p:anim>
+                                    <p:anim calcmode="lin" valueType="num">
+                                      <p:cBhvr>
+                                        <p:cTn id="67" dur="500" fill="hold"/>
+                                        <p:tgtEl>
+                                          <p:spTgt spid="3">
+                                            <p:txEl>
+                                              <p:pRg st="10" end="10"/>
+                                            </p:txEl>
+                                          </p:spTgt>
+                                        </p:tgtEl>
+                                        <p:attrNameLst>
+                                          <p:attrName>ppt_y</p:attrName>
+                                        </p:attrNameLst>
+                                      </p:cBhvr>
+                                      <p:tavLst>
+                                        <p:tav tm="0">
+                                          <p:val>
+                                            <p:strVal val="#ppt_y+.1"/>
+                                          </p:val>
+                                        </p:tav>
+                                        <p:tav tm="100000">
+                                          <p:val>
+                                            <p:strVal val="#ppt_y"/>
+                                          </p:val>
+                                        </p:tav>
+                                      </p:tavLst>
+                                    </p:anim>
+                                  </p:childTnLst>
+                                </p:cTn>
+                              </p:par>
+                              <p:par>
+                                <p:cTn id="68" presetID="42" presetClass="entr" presetSubtype="0" fill="hold" grpId="0" nodeType="withEffect">
+                                  <p:stCondLst>
+                                    <p:cond delay="0"/>
+                                  </p:stCondLst>
+                                  <p:childTnLst>
+                                    <p:set>
+                                      <p:cBhvr>
+                                        <p:cTn id="69" dur="1" fill="hold">
+                                          <p:stCondLst>
+                                            <p:cond delay="0"/>
+                                          </p:stCondLst>
+                                        </p:cTn>
+                                        <p:tgtEl>
+                                          <p:spTgt spid="3">
+                                            <p:txEl>
+                                              <p:pRg st="11" end="11"/>
+                                            </p:txEl>
+                                          </p:spTgt>
+                                        </p:tgtEl>
+                                        <p:attrNameLst>
+                                          <p:attrName>style.visibility</p:attrName>
+                                        </p:attrNameLst>
+                                      </p:cBhvr>
+                                      <p:to>
+                                        <p:strVal val="visible"/>
+                                      </p:to>
+                                    </p:set>
+                                    <p:animEffect transition="in" filter="fade">
+                                      <p:cBhvr>
+                                        <p:cTn id="70" dur="500"/>
+                                        <p:tgtEl>
+                                          <p:spTgt spid="3">
+                                            <p:txEl>
+                                              <p:pRg st="11" end="11"/>
+                                            </p:txEl>
+                                          </p:spTgt>
+                                        </p:tgtEl>
+                                      </p:cBhvr>
+                                    </p:animEffect>
+                                    <p:anim calcmode="lin" valueType="num">
+                                      <p:cBhvr>
+                                        <p:cTn id="71" dur="500" fill="hold"/>
+                                        <p:tgtEl>
+                                          <p:spTgt spid="3">
+                                            <p:txEl>
+                                              <p:pRg st="11" end="11"/>
+                                            </p:txEl>
+                                          </p:spTgt>
+                                        </p:tgtEl>
+                                        <p:attrNameLst>
+                                          <p:attrName>ppt_x</p:attrName>
+                                        </p:attrNameLst>
+                                      </p:cBhvr>
+                                      <p:tavLst>
+                                        <p:tav tm="0">
+                                          <p:val>
+                                            <p:strVal val="#ppt_x"/>
+                                          </p:val>
+                                        </p:tav>
+                                        <p:tav tm="100000">
+                                          <p:val>
+                                            <p:strVal val="#ppt_x"/>
+                                          </p:val>
+                                        </p:tav>
+                                      </p:tavLst>
+                                    </p:anim>
+                                    <p:anim calcmode="lin" valueType="num">
+                                      <p:cBhvr>
+                                        <p:cTn id="72" dur="500" fill="hold"/>
+                                        <p:tgtEl>
+                                          <p:spTgt spid="3">
+                                            <p:txEl>
+                                              <p:pRg st="11" end="11"/>
+                                            </p:txEl>
+                                          </p:spTgt>
+                                        </p:tgtEl>
+                                        <p:attrNameLst>
+                                          <p:attrName>ppt_y</p:attrName>
+                                        </p:attrNameLst>
+                                      </p:cBhvr>
+                                      <p:tavLst>
+                                        <p:tav tm="0">
+                                          <p:val>
+                                            <p:strVal val="#ppt_y+.1"/>
+                                          </p:val>
+                                        </p:tav>
+                                        <p:tav tm="100000">
+                                          <p:val>
+                                            <p:strVal val="#ppt_y"/>
+                                          </p:val>
+                                        </p:tav>
+                                      </p:tavLst>
+                                    </p:anim>
+                                  </p:childTnLst>
+                                </p:cTn>
+                              </p:par>
+                              <p:par>
+                                <p:cTn id="73" presetID="42" presetClass="entr" presetSubtype="0" fill="hold" grpId="0" nodeType="withEffect">
+                                  <p:stCondLst>
+                                    <p:cond delay="0"/>
+                                  </p:stCondLst>
+                                  <p:childTnLst>
+                                    <p:set>
+                                      <p:cBhvr>
+                                        <p:cTn id="74" dur="1" fill="hold">
+                                          <p:stCondLst>
+                                            <p:cond delay="0"/>
+                                          </p:stCondLst>
+                                        </p:cTn>
+                                        <p:tgtEl>
+                                          <p:spTgt spid="3">
+                                            <p:txEl>
+                                              <p:pRg st="12" end="12"/>
+                                            </p:txEl>
+                                          </p:spTgt>
+                                        </p:tgtEl>
+                                        <p:attrNameLst>
+                                          <p:attrName>style.visibility</p:attrName>
+                                        </p:attrNameLst>
+                                      </p:cBhvr>
+                                      <p:to>
+                                        <p:strVal val="visible"/>
+                                      </p:to>
+                                    </p:set>
+                                    <p:animEffect transition="in" filter="fade">
+                                      <p:cBhvr>
+                                        <p:cTn id="75" dur="500"/>
+                                        <p:tgtEl>
+                                          <p:spTgt spid="3">
+                                            <p:txEl>
+                                              <p:pRg st="12" end="12"/>
+                                            </p:txEl>
+                                          </p:spTgt>
+                                        </p:tgtEl>
+                                      </p:cBhvr>
+                                    </p:animEffect>
+                                    <p:anim calcmode="lin" valueType="num">
+                                      <p:cBhvr>
+                                        <p:cTn id="76" dur="500" fill="hold"/>
+                                        <p:tgtEl>
+                                          <p:spTgt spid="3">
+                                            <p:txEl>
+                                              <p:pRg st="12" end="12"/>
+                                            </p:txEl>
+                                          </p:spTgt>
+                                        </p:tgtEl>
+                                        <p:attrNameLst>
+                                          <p:attrName>ppt_x</p:attrName>
+                                        </p:attrNameLst>
+                                      </p:cBhvr>
+                                      <p:tavLst>
+                                        <p:tav tm="0">
+                                          <p:val>
+                                            <p:strVal val="#ppt_x"/>
+                                          </p:val>
+                                        </p:tav>
+                                        <p:tav tm="100000">
+                                          <p:val>
+                                            <p:strVal val="#ppt_x"/>
+                                          </p:val>
+                                        </p:tav>
+                                      </p:tavLst>
+                                    </p:anim>
+                                    <p:anim calcmode="lin" valueType="num">
+                                      <p:cBhvr>
+                                        <p:cTn id="77" dur="500" fill="hold"/>
+                                        <p:tgtEl>
+                                          <p:spTgt spid="3">
+                                            <p:txEl>
+                                              <p:pRg st="12" end="12"/>
+                                            </p:txEl>
+                                          </p:spTgt>
+                                        </p:tgtEl>
+                                        <p:attrNameLst>
+                                          <p:attrName>ppt_y</p:attrName>
+                                        </p:attrNameLst>
+                                      </p:cBhvr>
+                                      <p:tavLst>
+                                        <p:tav tm="0">
+                                          <p:val>
+                                            <p:strVal val="#ppt_y+.1"/>
+                                          </p:val>
+                                        </p:tav>
+                                        <p:tav tm="100000">
+                                          <p:val>
+                                            <p:strVal val="#ppt_y"/>
+                                          </p:val>
+                                        </p:tav>
+                                      </p:tavLst>
+                                    </p:anim>
+                                  </p:childTnLst>
+                                </p:cTn>
+                              </p:par>
+                            </p:childTnLst>
+                          </p:cTn>
+                        </p:par>
+                      </p:childTnLst>
+                    </p:cTn>
+                  </p:par>
+                  <p:par>
+                    <p:cTn id="78" fill="hold">
+                      <p:stCondLst>
+                        <p:cond delay="indefinite"/>
+                      </p:stCondLst>
+                      <p:childTnLst>
+                        <p:par>
+                          <p:cTn id="79" fill="hold">
+                            <p:stCondLst>
+                              <p:cond delay="0"/>
+                            </p:stCondLst>
+                            <p:childTnLst>
+                              <p:par>
+                                <p:cTn id="80" presetID="42" presetClass="entr" presetSubtype="0" fill="hold" grpId="0" nodeType="clickEffect">
+                                  <p:stCondLst>
+                                    <p:cond delay="0"/>
+                                  </p:stCondLst>
+                                  <p:childTnLst>
+                                    <p:set>
+                                      <p:cBhvr>
+                                        <p:cTn id="81" dur="1" fill="hold">
+                                          <p:stCondLst>
+                                            <p:cond delay="0"/>
+                                          </p:stCondLst>
+                                        </p:cTn>
+                                        <p:tgtEl>
+                                          <p:spTgt spid="3">
+                                            <p:txEl>
+                                              <p:pRg st="13" end="13"/>
+                                            </p:txEl>
+                                          </p:spTgt>
+                                        </p:tgtEl>
+                                        <p:attrNameLst>
+                                          <p:attrName>style.visibility</p:attrName>
+                                        </p:attrNameLst>
+                                      </p:cBhvr>
+                                      <p:to>
+                                        <p:strVal val="visible"/>
+                                      </p:to>
+                                    </p:set>
+                                    <p:animEffect transition="in" filter="fade">
+                                      <p:cBhvr>
+                                        <p:cTn id="82" dur="500"/>
+                                        <p:tgtEl>
+                                          <p:spTgt spid="3">
+                                            <p:txEl>
+                                              <p:pRg st="13" end="13"/>
+                                            </p:txEl>
+                                          </p:spTgt>
+                                        </p:tgtEl>
+                                      </p:cBhvr>
+                                    </p:animEffect>
+                                    <p:anim calcmode="lin" valueType="num">
+                                      <p:cBhvr>
+                                        <p:cTn id="83" dur="500" fill="hold"/>
+                                        <p:tgtEl>
+                                          <p:spTgt spid="3">
+                                            <p:txEl>
+                                              <p:pRg st="13" end="13"/>
+                                            </p:txEl>
+                                          </p:spTgt>
+                                        </p:tgtEl>
+                                        <p:attrNameLst>
+                                          <p:attrName>ppt_x</p:attrName>
+                                        </p:attrNameLst>
+                                      </p:cBhvr>
+                                      <p:tavLst>
+                                        <p:tav tm="0">
+                                          <p:val>
+                                            <p:strVal val="#ppt_x"/>
+                                          </p:val>
+                                        </p:tav>
+                                        <p:tav tm="100000">
+                                          <p:val>
+                                            <p:strVal val="#ppt_x"/>
+                                          </p:val>
+                                        </p:tav>
+                                      </p:tavLst>
+                                    </p:anim>
+                                    <p:anim calcmode="lin" valueType="num">
+                                      <p:cBhvr>
+                                        <p:cTn id="84" dur="500" fill="hold"/>
+                                        <p:tgtEl>
+                                          <p:spTgt spid="3">
+                                            <p:txEl>
+                                              <p:pRg st="13" end="13"/>
+                                            </p:txEl>
+                                          </p:spTgt>
+                                        </p:tgtEl>
+                                        <p:attrNameLst>
+                                          <p:attrName>ppt_y</p:attrName>
+                                        </p:attrNameLst>
+                                      </p:cBhvr>
+                                      <p:tavLst>
+                                        <p:tav tm="0">
+                                          <p:val>
+                                            <p:strVal val="#ppt_y+.1"/>
+                                          </p:val>
+                                        </p:tav>
+                                        <p:tav tm="100000">
+                                          <p:val>
+                                            <p:strVal val="#ppt_y"/>
+                                          </p:val>
+                                        </p:tav>
+                                      </p:tavLst>
+                                    </p:anim>
+                                  </p:childTnLst>
+                                </p:cTn>
+                              </p:par>
+                            </p:childTnLst>
+                          </p:cTn>
+                        </p:par>
+                      </p:childTnLst>
+                    </p:cTn>
+                  </p:par>
+                </p:childTnLst>
+              </p:cTn>
+              <p:prevCondLst>
+                <p:cond evt="onPrev" delay="0">
+                  <p:tgtEl>
+                    <p:sldTgt/>
+                  </p:tgtEl>
+                </p:cond>
+              </p:prevCondLst>
+              <p:nextCondLst>
+                <p:cond evt="onNext" delay="0">
+                  <p:tgtEl>
+                    <p:sldTgt/>
+                  </p:tgtEl>
+                </p:cond>
+              </p:nextCondLst>
+            </p:seq>
+          </p:childTnLst>
+        </p:cTn>
+      </p:par>
+    </p:tnLst>
+    <p:bldLst>
+      <p:bldP spid="3" grpId="0" build="p"/>
+    </p:bldLst>
+  </p:timing>
+</p:sld>
+</file>
+
+<file path=ppt/slides/slide13.xml><?xml version="1.0" encoding="utf-8"?>
+<p:sld xmlns:a="http://schemas.openxmlformats.org/drawingml/2006/main" xmlns:r="http://schemas.openxmlformats.org/officeDocument/2006/relationships" xmlns:p="http://schemas.openxmlformats.org/presentationml/2006/main">
+  <p:cSld>
+    <p:spTree>
+      <p:nvGrpSpPr>
+        <p:cNvPr id="1" name=""/>
+        <p:cNvGrpSpPr/>
+        <p:nvPr/>
+      </p:nvGrpSpPr>
+      <p:grpSpPr>
+        <a:xfrm>
+          <a:off x="0" y="0"/>
+          <a:ext cx="0" cy="0"/>
+          <a:chOff x="0" y="0"/>
+          <a:chExt cx="0" cy="0"/>
+        </a:xfrm>
+      </p:grpSpPr>
+      <p:sp>
+        <p:nvSpPr>
+          <p:cNvPr id="2" name="Title 1"/>
+          <p:cNvSpPr>
+            <a:spLocks noGrp="1"/>
+          </p:cNvSpPr>
+          <p:nvPr>
+            <p:ph type="title"/>
+          </p:nvPr>
+        </p:nvSpPr>
+        <p:spPr/>
+        <p:txBody>
+          <a:bodyPr/>
+          <a:lstStyle/>
+          <a:p>
+            <a:r>
+              <a:rPr lang="en-US" dirty="0" smtClean="0"/>
               <a:t>Other Resources</a:t>
             </a:r>
             <a:endParaRPr lang="en-US" dirty="0"/>
@@ -10280,10 +8838,17 @@
   <p:clrMapOvr>
     <a:masterClrMapping/>
   </p:clrMapOvr>
+  <p:timing>
+    <p:tnLst>
+      <p:par>
+        <p:cTn id="1" dur="indefinite" restart="never" nodeType="tmRoot"/>
+      </p:par>
+    </p:tnLst>
+  </p:timing>
 </p:sld>
 </file>
 
-<file path=ppt/slides/slide12.xml><?xml version="1.0" encoding="utf-8"?>
+<file path=ppt/slides/slide14.xml><?xml version="1.0" encoding="utf-8"?>
 <p:sld xmlns:a="http://schemas.openxmlformats.org/drawingml/2006/main" xmlns:r="http://schemas.openxmlformats.org/officeDocument/2006/relationships" xmlns:p="http://schemas.openxmlformats.org/presentationml/2006/main">
   <p:cSld>
     <p:spTree>
@@ -11170,7 +9735,7 @@
 </p:sld>
 </file>
 
-<file path=ppt/slides/slide13.xml><?xml version="1.0" encoding="utf-8"?>
+<file path=ppt/slides/slide15.xml><?xml version="1.0" encoding="utf-8"?>
 <p:sld xmlns:a="http://schemas.openxmlformats.org/drawingml/2006/main" xmlns:r="http://schemas.openxmlformats.org/officeDocument/2006/relationships" xmlns:p="http://schemas.openxmlformats.org/presentationml/2006/main">
   <p:cSld>
     <p:spTree>
@@ -11742,6 +10307,106 @@
         <p:spPr>
           <a:xfrm>
             <a:off x="4915743" y="2860483"/>
+            <a:ext cx="684048" cy="685800"/>
+          </a:xfrm>
+          <a:prstGeom prst="ellipse">
+            <a:avLst/>
+          </a:prstGeom>
+          <a:noFill/>
+          <a:ln w="63500" cap="flat" cmpd="thickThin">
+            <a:solidFill>
+              <a:srgbClr val="000000">
+                <a:alpha val="69804"/>
+              </a:srgbClr>
+            </a:solidFill>
+            <a:prstDash val="lgDashDot"/>
+            <a:bevel/>
+          </a:ln>
+        </p:spPr>
+        <p:style>
+          <a:lnRef idx="2">
+            <a:schemeClr val="accent1">
+              <a:shade val="50000"/>
+            </a:schemeClr>
+          </a:lnRef>
+          <a:fillRef idx="1">
+            <a:schemeClr val="accent1"/>
+          </a:fillRef>
+          <a:effectRef idx="0">
+            <a:schemeClr val="accent1"/>
+          </a:effectRef>
+          <a:fontRef idx="minor">
+            <a:schemeClr val="lt1"/>
+          </a:fontRef>
+        </p:style>
+        <p:txBody>
+          <a:bodyPr rtlCol="0" anchor="ctr"/>
+          <a:lstStyle/>
+          <a:p>
+            <a:pPr algn="ctr"/>
+            <a:endParaRPr lang="en-US"/>
+          </a:p>
+        </p:txBody>
+      </p:sp>
+      <p:sp>
+        <p:nvSpPr>
+          <p:cNvPr id="10" name="Oval 9"/>
+          <p:cNvSpPr/>
+          <p:nvPr/>
+        </p:nvSpPr>
+        <p:spPr>
+          <a:xfrm>
+            <a:off x="6959796" y="1127098"/>
+            <a:ext cx="684048" cy="685800"/>
+          </a:xfrm>
+          <a:prstGeom prst="ellipse">
+            <a:avLst/>
+          </a:prstGeom>
+          <a:noFill/>
+          <a:ln w="127000" cap="flat">
+            <a:solidFill>
+              <a:srgbClr val="000000">
+                <a:alpha val="69804"/>
+              </a:srgbClr>
+            </a:solidFill>
+            <a:prstDash val="sysDot"/>
+            <a:bevel/>
+          </a:ln>
+        </p:spPr>
+        <p:style>
+          <a:lnRef idx="2">
+            <a:schemeClr val="accent1">
+              <a:shade val="50000"/>
+            </a:schemeClr>
+          </a:lnRef>
+          <a:fillRef idx="1">
+            <a:schemeClr val="accent1"/>
+          </a:fillRef>
+          <a:effectRef idx="0">
+            <a:schemeClr val="accent1"/>
+          </a:effectRef>
+          <a:fontRef idx="minor">
+            <a:schemeClr val="lt1"/>
+          </a:fontRef>
+        </p:style>
+        <p:txBody>
+          <a:bodyPr rtlCol="0" anchor="ctr"/>
+          <a:lstStyle/>
+          <a:p>
+            <a:pPr algn="ctr"/>
+            <a:endParaRPr lang="en-US"/>
+          </a:p>
+        </p:txBody>
+      </p:sp>
+      <p:sp>
+        <p:nvSpPr>
+          <p:cNvPr id="11" name="Oval 10"/>
+          <p:cNvSpPr/>
+          <p:nvPr/>
+        </p:nvSpPr>
+        <p:spPr>
+          <a:xfrm>
+            <a:off x="6959796" y="1127098"/>
             <a:ext cx="684048" cy="685800"/>
           </a:xfrm>
           <a:prstGeom prst="ellipse">
@@ -12419,6 +11084,208 @@
                                   </p:childTnLst>
                                 </p:cTn>
                               </p:par>
+                              <p:par>
+                                <p:cTn id="47" presetID="53" presetClass="entr" presetSubtype="16" fill="hold" grpId="0" nodeType="withEffect">
+                                  <p:stCondLst>
+                                    <p:cond delay="0"/>
+                                  </p:stCondLst>
+                                  <p:childTnLst>
+                                    <p:set>
+                                      <p:cBhvr>
+                                        <p:cTn id="48" dur="1" fill="hold">
+                                          <p:stCondLst>
+                                            <p:cond delay="0"/>
+                                          </p:stCondLst>
+                                        </p:cTn>
+                                        <p:tgtEl>
+                                          <p:spTgt spid="10"/>
+                                        </p:tgtEl>
+                                        <p:attrNameLst>
+                                          <p:attrName>style.visibility</p:attrName>
+                                        </p:attrNameLst>
+                                      </p:cBhvr>
+                                      <p:to>
+                                        <p:strVal val="visible"/>
+                                      </p:to>
+                                    </p:set>
+                                    <p:anim calcmode="lin" valueType="num">
+                                      <p:cBhvr>
+                                        <p:cTn id="49" dur="500" fill="hold"/>
+                                        <p:tgtEl>
+                                          <p:spTgt spid="10"/>
+                                        </p:tgtEl>
+                                        <p:attrNameLst>
+                                          <p:attrName>ppt_w</p:attrName>
+                                        </p:attrNameLst>
+                                      </p:cBhvr>
+                                      <p:tavLst>
+                                        <p:tav tm="0">
+                                          <p:val>
+                                            <p:fltVal val="0"/>
+                                          </p:val>
+                                        </p:tav>
+                                        <p:tav tm="100000">
+                                          <p:val>
+                                            <p:strVal val="#ppt_w"/>
+                                          </p:val>
+                                        </p:tav>
+                                      </p:tavLst>
+                                    </p:anim>
+                                    <p:anim calcmode="lin" valueType="num">
+                                      <p:cBhvr>
+                                        <p:cTn id="50" dur="500" fill="hold"/>
+                                        <p:tgtEl>
+                                          <p:spTgt spid="10"/>
+                                        </p:tgtEl>
+                                        <p:attrNameLst>
+                                          <p:attrName>ppt_h</p:attrName>
+                                        </p:attrNameLst>
+                                      </p:cBhvr>
+                                      <p:tavLst>
+                                        <p:tav tm="0">
+                                          <p:val>
+                                            <p:fltVal val="0"/>
+                                          </p:val>
+                                        </p:tav>
+                                        <p:tav tm="100000">
+                                          <p:val>
+                                            <p:strVal val="#ppt_h"/>
+                                          </p:val>
+                                        </p:tav>
+                                      </p:tavLst>
+                                    </p:anim>
+                                    <p:animEffect transition="in" filter="fade">
+                                      <p:cBhvr>
+                                        <p:cTn id="51" dur="500"/>
+                                        <p:tgtEl>
+                                          <p:spTgt spid="10"/>
+                                        </p:tgtEl>
+                                      </p:cBhvr>
+                                    </p:animEffect>
+                                  </p:childTnLst>
+                                </p:cTn>
+                              </p:par>
+                              <p:par>
+                                <p:cTn id="52" presetID="8" presetClass="emph" presetSubtype="0" repeatCount="indefinite" fill="hold" grpId="1" nodeType="withEffect">
+                                  <p:stCondLst>
+                                    <p:cond delay="0"/>
+                                  </p:stCondLst>
+                                  <p:childTnLst>
+                                    <p:animRot by="43200000">
+                                      <p:cBhvr>
+                                        <p:cTn id="53" dur="59000" fill="hold"/>
+                                        <p:tgtEl>
+                                          <p:spTgt spid="10"/>
+                                        </p:tgtEl>
+                                        <p:attrNameLst>
+                                          <p:attrName>r</p:attrName>
+                                        </p:attrNameLst>
+                                      </p:cBhvr>
+                                    </p:animRot>
+                                  </p:childTnLst>
+                                </p:cTn>
+                              </p:par>
+                              <p:par>
+                                <p:cTn id="54" presetID="53" presetClass="entr" presetSubtype="16" fill="hold" grpId="0" nodeType="withEffect">
+                                  <p:stCondLst>
+                                    <p:cond delay="0"/>
+                                  </p:stCondLst>
+                                  <p:childTnLst>
+                                    <p:set>
+                                      <p:cBhvr>
+                                        <p:cTn id="55" dur="1" fill="hold">
+                                          <p:stCondLst>
+                                            <p:cond delay="0"/>
+                                          </p:stCondLst>
+                                        </p:cTn>
+                                        <p:tgtEl>
+                                          <p:spTgt spid="11"/>
+                                        </p:tgtEl>
+                                        <p:attrNameLst>
+                                          <p:attrName>style.visibility</p:attrName>
+                                        </p:attrNameLst>
+                                      </p:cBhvr>
+                                      <p:to>
+                                        <p:strVal val="visible"/>
+                                      </p:to>
+                                    </p:set>
+                                    <p:anim calcmode="lin" valueType="num">
+                                      <p:cBhvr>
+                                        <p:cTn id="56" dur="500" fill="hold"/>
+                                        <p:tgtEl>
+                                          <p:spTgt spid="11"/>
+                                        </p:tgtEl>
+                                        <p:attrNameLst>
+                                          <p:attrName>ppt_w</p:attrName>
+                                        </p:attrNameLst>
+                                      </p:cBhvr>
+                                      <p:tavLst>
+                                        <p:tav tm="0">
+                                          <p:val>
+                                            <p:fltVal val="0"/>
+                                          </p:val>
+                                        </p:tav>
+                                        <p:tav tm="100000">
+                                          <p:val>
+                                            <p:strVal val="#ppt_w"/>
+                                          </p:val>
+                                        </p:tav>
+                                      </p:tavLst>
+                                    </p:anim>
+                                    <p:anim calcmode="lin" valueType="num">
+                                      <p:cBhvr>
+                                        <p:cTn id="57" dur="500" fill="hold"/>
+                                        <p:tgtEl>
+                                          <p:spTgt spid="11"/>
+                                        </p:tgtEl>
+                                        <p:attrNameLst>
+                                          <p:attrName>ppt_h</p:attrName>
+                                        </p:attrNameLst>
+                                      </p:cBhvr>
+                                      <p:tavLst>
+                                        <p:tav tm="0">
+                                          <p:val>
+                                            <p:fltVal val="0"/>
+                                          </p:val>
+                                        </p:tav>
+                                        <p:tav tm="100000">
+                                          <p:val>
+                                            <p:strVal val="#ppt_h"/>
+                                          </p:val>
+                                        </p:tav>
+                                      </p:tavLst>
+                                    </p:anim>
+                                    <p:animEffect transition="in" filter="fade">
+                                      <p:cBhvr>
+                                        <p:cTn id="58" dur="500"/>
+                                        <p:tgtEl>
+                                          <p:spTgt spid="11"/>
+                                        </p:tgtEl>
+                                      </p:cBhvr>
+                                    </p:animEffect>
+                                  </p:childTnLst>
+                                </p:cTn>
+                              </p:par>
+                              <p:par>
+                                <p:cTn id="59" presetID="8" presetClass="emph" presetSubtype="0" repeatCount="indefinite" fill="hold" grpId="1" nodeType="withEffect">
+                                  <p:stCondLst>
+                                    <p:cond delay="0"/>
+                                  </p:stCondLst>
+                                  <p:childTnLst>
+                                    <p:animRot by="-43200000">
+                                      <p:cBhvr>
+                                        <p:cTn id="60" dur="59000" fill="hold"/>
+                                        <p:tgtEl>
+                                          <p:spTgt spid="11"/>
+                                        </p:tgtEl>
+                                        <p:attrNameLst>
+                                          <p:attrName>r</p:attrName>
+                                        </p:attrNameLst>
+                                      </p:cBhvr>
+                                    </p:animRot>
+                                  </p:childTnLst>
+                                </p:cTn>
+                              </p:par>
                             </p:childTnLst>
                           </p:cTn>
                         </p:par>
@@ -12459,6 +11326,10 @@
       <p:bldP spid="17" grpId="1" animBg="1"/>
       <p:bldP spid="18" grpId="0" animBg="1"/>
       <p:bldP spid="18" grpId="1" animBg="1"/>
+      <p:bldP spid="10" grpId="0" animBg="1"/>
+      <p:bldP spid="10" grpId="1" animBg="1"/>
+      <p:bldP spid="11" grpId="0" animBg="1"/>
+      <p:bldP spid="11" grpId="1" animBg="1"/>
     </p:bldLst>
   </p:timing>
 </p:sld>
@@ -14017,28 +12888,847 @@
           </a:p>
         </p:txBody>
       </p:sp>
-      <p:graphicFrame>
-        <p:nvGraphicFramePr>
-          <p:cNvPr id="4" name="Diagram 3"/>
-          <p:cNvGraphicFramePr/>
-          <p:nvPr>
-            <p:extLst>
-              <p:ext uri="{D42A27DB-BD31-4B8C-83A1-F6EECF244321}">
-                <p14:modId xmlns:p14="http://schemas.microsoft.com/office/powerpoint/2010/main" val="1423304165"/>
-              </p:ext>
-            </p:extLst>
-          </p:nvPr>
-        </p:nvGraphicFramePr>
-        <p:xfrm>
-          <a:off x="167185" y="2765365"/>
-          <a:ext cx="5928815" cy="3562643"/>
-        </p:xfrm>
-        <a:graphic>
-          <a:graphicData uri="http://schemas.openxmlformats.org/drawingml/2006/diagram">
-            <dgm:relIds xmlns:dgm="http://schemas.openxmlformats.org/drawingml/2006/diagram" xmlns:r="http://schemas.openxmlformats.org/officeDocument/2006/relationships" r:dm="rId2" r:lo="rId3" r:qs="rId4" r:cs="rId5"/>
-          </a:graphicData>
-        </a:graphic>
-      </p:graphicFrame>
+      <p:sp>
+        <p:nvSpPr>
+          <p:cNvPr id="5" name="Rectangle 4"/>
+          <p:cNvSpPr/>
+          <p:nvPr/>
+        </p:nvSpPr>
+        <p:spPr>
+          <a:xfrm>
+            <a:off x="5762168" y="4638770"/>
+            <a:ext cx="6096000" cy="1754326"/>
+          </a:xfrm>
+          <a:prstGeom prst="rect">
+            <a:avLst/>
+          </a:prstGeom>
+          <a:solidFill>
+            <a:schemeClr val="tx1"/>
+          </a:solidFill>
+        </p:spPr>
+        <p:txBody>
+          <a:bodyPr>
+            <a:spAutoFit/>
+          </a:bodyPr>
+          <a:lstStyle/>
+          <a:p>
+            <a:r>
+              <a:rPr lang="en-US" b="1" dirty="0">
+                <a:solidFill>
+                  <a:srgbClr val="FFFFFF"/>
+                </a:solidFill>
+                <a:highlight>
+                  <a:srgbClr val="000000"/>
+                </a:highlight>
+              </a:rPr>
+              <a:t> </a:t>
+            </a:r>
+            <a:r>
+              <a:rPr lang="en-US" dirty="0">
+                <a:solidFill>
+                  <a:srgbClr val="FF6600"/>
+                </a:solidFill>
+                <a:highlight>
+                  <a:srgbClr val="000000"/>
+                </a:highlight>
+              </a:rPr>
+              <a:t>&lt;script&gt;</a:t>
+            </a:r>
+            <a:endParaRPr lang="en-US" dirty="0">
+              <a:solidFill>
+                <a:srgbClr val="FFFFFF"/>
+              </a:solidFill>
+              <a:highlight>
+                <a:srgbClr val="000000"/>
+              </a:highlight>
+            </a:endParaRPr>
+          </a:p>
+          <a:p>
+            <a:r>
+              <a:rPr lang="en-US" dirty="0">
+                <a:solidFill>
+                  <a:srgbClr val="FFFFFF"/>
+                </a:solidFill>
+                <a:highlight>
+                  <a:srgbClr val="000000"/>
+                </a:highlight>
+              </a:rPr>
+              <a:t>        </a:t>
+            </a:r>
+            <a:r>
+              <a:rPr lang="en-US" b="1" dirty="0" err="1">
+                <a:solidFill>
+                  <a:srgbClr val="0080FF"/>
+                </a:solidFill>
+                <a:highlight>
+                  <a:srgbClr val="000000"/>
+                </a:highlight>
+              </a:rPr>
+              <a:t>var</a:t>
+            </a:r>
+            <a:r>
+              <a:rPr lang="en-US" dirty="0">
+                <a:solidFill>
+                  <a:srgbClr val="FFFFFF"/>
+                </a:solidFill>
+                <a:highlight>
+                  <a:srgbClr val="000000"/>
+                </a:highlight>
+              </a:rPr>
+              <a:t> a </a:t>
+            </a:r>
+            <a:r>
+              <a:rPr lang="en-US" dirty="0">
+                <a:solidFill>
+                  <a:srgbClr val="8080C0"/>
+                </a:solidFill>
+                <a:highlight>
+                  <a:srgbClr val="000000"/>
+                </a:highlight>
+              </a:rPr>
+              <a:t>=</a:t>
+            </a:r>
+            <a:r>
+              <a:rPr lang="en-US" dirty="0">
+                <a:solidFill>
+                  <a:srgbClr val="FFFFFF"/>
+                </a:solidFill>
+                <a:highlight>
+                  <a:srgbClr val="000000"/>
+                </a:highlight>
+              </a:rPr>
+              <a:t> </a:t>
+            </a:r>
+            <a:r>
+              <a:rPr lang="en-US" dirty="0" err="1">
+                <a:solidFill>
+                  <a:srgbClr val="FFFFFF"/>
+                </a:solidFill>
+                <a:highlight>
+                  <a:srgbClr val="000000"/>
+                </a:highlight>
+              </a:rPr>
+              <a:t>document.getElementById</a:t>
+            </a:r>
+            <a:r>
+              <a:rPr lang="en-US" dirty="0">
+                <a:solidFill>
+                  <a:srgbClr val="8080C0"/>
+                </a:solidFill>
+                <a:highlight>
+                  <a:srgbClr val="000000"/>
+                </a:highlight>
+              </a:rPr>
+              <a:t>(</a:t>
+            </a:r>
+            <a:r>
+              <a:rPr lang="en-US" dirty="0">
+                <a:solidFill>
+                  <a:srgbClr val="FFFF00"/>
+                </a:solidFill>
+                <a:highlight>
+                  <a:srgbClr val="000000"/>
+                </a:highlight>
+              </a:rPr>
+              <a:t>"special"</a:t>
+            </a:r>
+            <a:r>
+              <a:rPr lang="en-US" dirty="0">
+                <a:solidFill>
+                  <a:srgbClr val="8080C0"/>
+                </a:solidFill>
+                <a:highlight>
+                  <a:srgbClr val="000000"/>
+                </a:highlight>
+              </a:rPr>
+              <a:t>);</a:t>
+            </a:r>
+            <a:endParaRPr lang="en-US" dirty="0">
+              <a:solidFill>
+                <a:srgbClr val="FFFFFF"/>
+              </a:solidFill>
+              <a:highlight>
+                <a:srgbClr val="000000"/>
+              </a:highlight>
+            </a:endParaRPr>
+          </a:p>
+          <a:p>
+            <a:r>
+              <a:rPr lang="en-US" dirty="0">
+                <a:solidFill>
+                  <a:srgbClr val="FFFFFF"/>
+                </a:solidFill>
+                <a:highlight>
+                  <a:srgbClr val="000000"/>
+                </a:highlight>
+              </a:rPr>
+              <a:t>        </a:t>
+            </a:r>
+            <a:r>
+              <a:rPr lang="en-US" dirty="0" err="1">
+                <a:solidFill>
+                  <a:srgbClr val="FFFFFF"/>
+                </a:solidFill>
+                <a:highlight>
+                  <a:srgbClr val="000000"/>
+                </a:highlight>
+              </a:rPr>
+              <a:t>a.addEventListener</a:t>
+            </a:r>
+            <a:r>
+              <a:rPr lang="en-US" dirty="0">
+                <a:solidFill>
+                  <a:srgbClr val="8080C0"/>
+                </a:solidFill>
+                <a:highlight>
+                  <a:srgbClr val="000000"/>
+                </a:highlight>
+              </a:rPr>
+              <a:t>(</a:t>
+            </a:r>
+            <a:r>
+              <a:rPr lang="en-US" dirty="0">
+                <a:solidFill>
+                  <a:srgbClr val="FFFF00"/>
+                </a:solidFill>
+                <a:highlight>
+                  <a:srgbClr val="000000"/>
+                </a:highlight>
+              </a:rPr>
+              <a:t>"</a:t>
+            </a:r>
+            <a:r>
+              <a:rPr lang="en-US" dirty="0" err="1">
+                <a:solidFill>
+                  <a:srgbClr val="FFFF00"/>
+                </a:solidFill>
+                <a:highlight>
+                  <a:srgbClr val="000000"/>
+                </a:highlight>
+              </a:rPr>
+              <a:t>mousedown</a:t>
+            </a:r>
+            <a:r>
+              <a:rPr lang="en-US" dirty="0">
+                <a:solidFill>
+                  <a:srgbClr val="FFFF00"/>
+                </a:solidFill>
+                <a:highlight>
+                  <a:srgbClr val="000000"/>
+                </a:highlight>
+              </a:rPr>
+              <a:t>"</a:t>
+            </a:r>
+            <a:r>
+              <a:rPr lang="en-US" dirty="0">
+                <a:solidFill>
+                  <a:srgbClr val="8080C0"/>
+                </a:solidFill>
+                <a:highlight>
+                  <a:srgbClr val="000000"/>
+                </a:highlight>
+              </a:rPr>
+              <a:t>,</a:t>
+            </a:r>
+            <a:r>
+              <a:rPr lang="en-US" b="1" dirty="0">
+                <a:solidFill>
+                  <a:srgbClr val="0080FF"/>
+                </a:solidFill>
+                <a:highlight>
+                  <a:srgbClr val="000000"/>
+                </a:highlight>
+              </a:rPr>
+              <a:t>function</a:t>
+            </a:r>
+            <a:r>
+              <a:rPr lang="en-US" dirty="0">
+                <a:solidFill>
+                  <a:srgbClr val="8080C0"/>
+                </a:solidFill>
+                <a:highlight>
+                  <a:srgbClr val="000000"/>
+                </a:highlight>
+              </a:rPr>
+              <a:t>(){</a:t>
+            </a:r>
+            <a:endParaRPr lang="en-US" dirty="0">
+              <a:solidFill>
+                <a:srgbClr val="FFFFFF"/>
+              </a:solidFill>
+              <a:highlight>
+                <a:srgbClr val="000000"/>
+              </a:highlight>
+            </a:endParaRPr>
+          </a:p>
+          <a:p>
+            <a:r>
+              <a:rPr lang="en-US" dirty="0">
+                <a:solidFill>
+                  <a:srgbClr val="FFFFFF"/>
+                </a:solidFill>
+                <a:highlight>
+                  <a:srgbClr val="000000"/>
+                </a:highlight>
+              </a:rPr>
+              <a:t>            alert</a:t>
+            </a:r>
+            <a:r>
+              <a:rPr lang="en-US" dirty="0">
+                <a:solidFill>
+                  <a:srgbClr val="8080C0"/>
+                </a:solidFill>
+                <a:highlight>
+                  <a:srgbClr val="000000"/>
+                </a:highlight>
+              </a:rPr>
+              <a:t>(</a:t>
+            </a:r>
+            <a:r>
+              <a:rPr lang="en-US" dirty="0">
+                <a:solidFill>
+                  <a:srgbClr val="FFFF00"/>
+                </a:solidFill>
+                <a:highlight>
+                  <a:srgbClr val="000000"/>
+                </a:highlight>
+              </a:rPr>
+              <a:t>'hello world!'</a:t>
+            </a:r>
+            <a:r>
+              <a:rPr lang="en-US" dirty="0">
+                <a:solidFill>
+                  <a:srgbClr val="8080C0"/>
+                </a:solidFill>
+                <a:highlight>
+                  <a:srgbClr val="000000"/>
+                </a:highlight>
+              </a:rPr>
+              <a:t>)</a:t>
+            </a:r>
+            <a:endParaRPr lang="en-US" dirty="0">
+              <a:solidFill>
+                <a:srgbClr val="FFFFFF"/>
+              </a:solidFill>
+              <a:highlight>
+                <a:srgbClr val="000000"/>
+              </a:highlight>
+            </a:endParaRPr>
+          </a:p>
+          <a:p>
+            <a:r>
+              <a:rPr lang="en-US" dirty="0">
+                <a:solidFill>
+                  <a:srgbClr val="FFFFFF"/>
+                </a:solidFill>
+                <a:highlight>
+                  <a:srgbClr val="000000"/>
+                </a:highlight>
+              </a:rPr>
+              <a:t>            </a:t>
+            </a:r>
+            <a:r>
+              <a:rPr lang="en-US" dirty="0">
+                <a:solidFill>
+                  <a:srgbClr val="8080C0"/>
+                </a:solidFill>
+                <a:highlight>
+                  <a:srgbClr val="000000"/>
+                </a:highlight>
+              </a:rPr>
+              <a:t>},</a:t>
+            </a:r>
+            <a:r>
+              <a:rPr lang="en-US" b="1" dirty="0">
+                <a:solidFill>
+                  <a:srgbClr val="0080FF"/>
+                </a:solidFill>
+                <a:highlight>
+                  <a:srgbClr val="000000"/>
+                </a:highlight>
+              </a:rPr>
+              <a:t>false</a:t>
+            </a:r>
+            <a:r>
+              <a:rPr lang="en-US" dirty="0">
+                <a:solidFill>
+                  <a:srgbClr val="8080C0"/>
+                </a:solidFill>
+                <a:highlight>
+                  <a:srgbClr val="000000"/>
+                </a:highlight>
+              </a:rPr>
+              <a:t>);</a:t>
+            </a:r>
+            <a:r>
+              <a:rPr lang="en-US" dirty="0">
+                <a:solidFill>
+                  <a:srgbClr val="FFFFFF"/>
+                </a:solidFill>
+                <a:highlight>
+                  <a:srgbClr val="000000"/>
+                </a:highlight>
+              </a:rPr>
+              <a:t>   </a:t>
+            </a:r>
+          </a:p>
+          <a:p>
+            <a:r>
+              <a:rPr lang="en-US" dirty="0">
+                <a:solidFill>
+                  <a:srgbClr val="FFFFFF"/>
+                </a:solidFill>
+                <a:highlight>
+                  <a:srgbClr val="000000"/>
+                </a:highlight>
+              </a:rPr>
+              <a:t>  </a:t>
+            </a:r>
+            <a:r>
+              <a:rPr lang="en-US" dirty="0" smtClean="0">
+                <a:solidFill>
+                  <a:srgbClr val="FF6600"/>
+                </a:solidFill>
+                <a:highlight>
+                  <a:srgbClr val="000000"/>
+                </a:highlight>
+              </a:rPr>
+              <a:t>&lt;/</a:t>
+            </a:r>
+            <a:r>
+              <a:rPr lang="en-US" dirty="0">
+                <a:solidFill>
+                  <a:srgbClr val="FF6600"/>
+                </a:solidFill>
+                <a:highlight>
+                  <a:srgbClr val="000000"/>
+                </a:highlight>
+              </a:rPr>
+              <a:t>script&gt;</a:t>
+            </a:r>
+            <a:endParaRPr lang="en-US" dirty="0"/>
+          </a:p>
+        </p:txBody>
+      </p:sp>
+      <p:sp>
+        <p:nvSpPr>
+          <p:cNvPr id="6" name="Rectangle 5"/>
+          <p:cNvSpPr/>
+          <p:nvPr/>
+        </p:nvSpPr>
+        <p:spPr>
+          <a:xfrm>
+            <a:off x="478798" y="2739204"/>
+            <a:ext cx="6887737" cy="923330"/>
+          </a:xfrm>
+          <a:prstGeom prst="rect">
+            <a:avLst/>
+          </a:prstGeom>
+          <a:solidFill>
+            <a:schemeClr val="tx1"/>
+          </a:solidFill>
+        </p:spPr>
+        <p:txBody>
+          <a:bodyPr wrap="square">
+            <a:spAutoFit/>
+          </a:bodyPr>
+          <a:lstStyle/>
+          <a:p>
+            <a:r>
+              <a:rPr lang="en-US" b="1" dirty="0">
+                <a:solidFill>
+                  <a:srgbClr val="FFFFFF"/>
+                </a:solidFill>
+                <a:highlight>
+                  <a:srgbClr val="000000"/>
+                </a:highlight>
+              </a:rPr>
+              <a:t> </a:t>
+            </a:r>
+            <a:r>
+              <a:rPr lang="en-US" dirty="0">
+                <a:solidFill>
+                  <a:srgbClr val="FF6600"/>
+                </a:solidFill>
+                <a:highlight>
+                  <a:srgbClr val="000000"/>
+                </a:highlight>
+              </a:rPr>
+              <a:t>&lt;div</a:t>
+            </a:r>
+            <a:r>
+              <a:rPr lang="en-US" dirty="0">
+                <a:solidFill>
+                  <a:srgbClr val="FFFFFF"/>
+                </a:solidFill>
+                <a:highlight>
+                  <a:srgbClr val="000000"/>
+                </a:highlight>
+              </a:rPr>
+              <a:t> </a:t>
+            </a:r>
+            <a:r>
+              <a:rPr lang="en-US" dirty="0">
+                <a:solidFill>
+                  <a:srgbClr val="99CC99"/>
+                </a:solidFill>
+                <a:highlight>
+                  <a:srgbClr val="000000"/>
+                </a:highlight>
+              </a:rPr>
+              <a:t>class</a:t>
+            </a:r>
+            <a:r>
+              <a:rPr lang="en-US" dirty="0">
+                <a:solidFill>
+                  <a:srgbClr val="FFFFFF"/>
+                </a:solidFill>
+                <a:highlight>
+                  <a:srgbClr val="000000"/>
+                </a:highlight>
+              </a:rPr>
+              <a:t>=</a:t>
+            </a:r>
+            <a:r>
+              <a:rPr lang="en-US" b="1" dirty="0">
+                <a:solidFill>
+                  <a:srgbClr val="FFFF00"/>
+                </a:solidFill>
+                <a:highlight>
+                  <a:srgbClr val="000000"/>
+                </a:highlight>
+              </a:rPr>
+              <a:t>"title"</a:t>
+            </a:r>
+            <a:r>
+              <a:rPr lang="en-US" dirty="0">
+                <a:solidFill>
+                  <a:srgbClr val="FF6600"/>
+                </a:solidFill>
+                <a:highlight>
+                  <a:srgbClr val="000000"/>
+                </a:highlight>
+              </a:rPr>
+              <a:t>&gt;</a:t>
+            </a:r>
+            <a:r>
+              <a:rPr lang="en-US" b="1" dirty="0">
+                <a:solidFill>
+                  <a:srgbClr val="FFFFFF"/>
+                </a:solidFill>
+                <a:highlight>
+                  <a:srgbClr val="000000"/>
+                </a:highlight>
+              </a:rPr>
+              <a:t>Hello world!</a:t>
+            </a:r>
+            <a:r>
+              <a:rPr lang="en-US" dirty="0">
+                <a:solidFill>
+                  <a:srgbClr val="FF6600"/>
+                </a:solidFill>
+                <a:highlight>
+                  <a:srgbClr val="000000"/>
+                </a:highlight>
+              </a:rPr>
+              <a:t>&lt;/div&gt;</a:t>
+            </a:r>
+            <a:endParaRPr lang="en-US" b="1" dirty="0">
+              <a:solidFill>
+                <a:srgbClr val="FFFFFF"/>
+              </a:solidFill>
+              <a:highlight>
+                <a:srgbClr val="000000"/>
+              </a:highlight>
+            </a:endParaRPr>
+          </a:p>
+          <a:p>
+            <a:r>
+              <a:rPr lang="en-US" b="1" dirty="0">
+                <a:solidFill>
+                  <a:srgbClr val="FFFFFF"/>
+                </a:solidFill>
+                <a:highlight>
+                  <a:srgbClr val="000000"/>
+                </a:highlight>
+              </a:rPr>
+              <a:t>        </a:t>
+            </a:r>
+            <a:r>
+              <a:rPr lang="en-US" dirty="0">
+                <a:solidFill>
+                  <a:srgbClr val="FF6600"/>
+                </a:solidFill>
+                <a:highlight>
+                  <a:srgbClr val="000000"/>
+                </a:highlight>
+              </a:rPr>
+              <a:t>&lt;p&gt;</a:t>
+            </a:r>
+            <a:r>
+              <a:rPr lang="en-US" b="1" dirty="0">
+                <a:solidFill>
+                  <a:srgbClr val="FFFFFF"/>
+                </a:solidFill>
+                <a:highlight>
+                  <a:srgbClr val="000000"/>
+                </a:highlight>
+              </a:rPr>
+              <a:t>All paragraphs are styled like this except for</a:t>
+            </a:r>
+            <a:r>
+              <a:rPr lang="en-US" dirty="0">
+                <a:solidFill>
+                  <a:srgbClr val="FF6600"/>
+                </a:solidFill>
+                <a:highlight>
+                  <a:srgbClr val="000000"/>
+                </a:highlight>
+              </a:rPr>
+              <a:t>&lt;/p&gt;</a:t>
+            </a:r>
+            <a:endParaRPr lang="en-US" b="1" dirty="0">
+              <a:solidFill>
+                <a:srgbClr val="FFFFFF"/>
+              </a:solidFill>
+              <a:highlight>
+                <a:srgbClr val="000000"/>
+              </a:highlight>
+            </a:endParaRPr>
+          </a:p>
+          <a:p>
+            <a:r>
+              <a:rPr lang="en-US" b="1" dirty="0">
+                <a:solidFill>
+                  <a:srgbClr val="FFFFFF"/>
+                </a:solidFill>
+                <a:highlight>
+                  <a:srgbClr val="000000"/>
+                </a:highlight>
+              </a:rPr>
+              <a:t>        </a:t>
+            </a:r>
+            <a:r>
+              <a:rPr lang="en-US" dirty="0">
+                <a:solidFill>
+                  <a:srgbClr val="FF6600"/>
+                </a:solidFill>
+                <a:highlight>
+                  <a:srgbClr val="000000"/>
+                </a:highlight>
+              </a:rPr>
+              <a:t>&lt;p</a:t>
+            </a:r>
+            <a:r>
+              <a:rPr lang="en-US" dirty="0">
+                <a:solidFill>
+                  <a:srgbClr val="FFFFFF"/>
+                </a:solidFill>
+                <a:highlight>
+                  <a:srgbClr val="000000"/>
+                </a:highlight>
+              </a:rPr>
+              <a:t> </a:t>
+            </a:r>
+            <a:r>
+              <a:rPr lang="en-US" dirty="0">
+                <a:solidFill>
+                  <a:srgbClr val="99CC99"/>
+                </a:solidFill>
+                <a:highlight>
+                  <a:srgbClr val="000000"/>
+                </a:highlight>
+              </a:rPr>
+              <a:t>id</a:t>
+            </a:r>
+            <a:r>
+              <a:rPr lang="en-US" dirty="0">
+                <a:solidFill>
+                  <a:srgbClr val="FFFFFF"/>
+                </a:solidFill>
+                <a:highlight>
+                  <a:srgbClr val="000000"/>
+                </a:highlight>
+              </a:rPr>
+              <a:t>=</a:t>
+            </a:r>
+            <a:r>
+              <a:rPr lang="en-US" b="1" dirty="0">
+                <a:solidFill>
+                  <a:srgbClr val="FFFF00"/>
+                </a:solidFill>
+                <a:highlight>
+                  <a:srgbClr val="000000"/>
+                </a:highlight>
+              </a:rPr>
+              <a:t>"special"</a:t>
+            </a:r>
+            <a:r>
+              <a:rPr lang="en-US" dirty="0">
+                <a:solidFill>
+                  <a:srgbClr val="FF6600"/>
+                </a:solidFill>
+                <a:highlight>
+                  <a:srgbClr val="000000"/>
+                </a:highlight>
+              </a:rPr>
+              <a:t>&gt;</a:t>
+            </a:r>
+            <a:r>
+              <a:rPr lang="en-US" b="1" dirty="0">
+                <a:solidFill>
+                  <a:srgbClr val="FFFFFF"/>
+                </a:solidFill>
+                <a:highlight>
+                  <a:srgbClr val="000000"/>
+                </a:highlight>
+              </a:rPr>
+              <a:t>this one</a:t>
+            </a:r>
+            <a:r>
+              <a:rPr lang="en-US" dirty="0">
+                <a:solidFill>
+                  <a:srgbClr val="FF6600"/>
+                </a:solidFill>
+                <a:highlight>
+                  <a:srgbClr val="000000"/>
+                </a:highlight>
+              </a:rPr>
+              <a:t>&lt;/p&gt;</a:t>
+            </a:r>
+            <a:endParaRPr lang="en-US" dirty="0"/>
+          </a:p>
+        </p:txBody>
+      </p:sp>
+      <p:cxnSp>
+        <p:nvCxnSpPr>
+          <p:cNvPr id="8" name="Elbow Connector 7"/>
+          <p:cNvCxnSpPr>
+            <a:stCxn id="12" idx="2"/>
+            <a:endCxn id="13" idx="0"/>
+          </p:cNvCxnSpPr>
+          <p:nvPr/>
+        </p:nvCxnSpPr>
+        <p:spPr>
+          <a:xfrm rot="16200000" flipH="1">
+            <a:off x="5804888" y="60653"/>
+            <a:ext cx="1366527" cy="8460059"/>
+          </a:xfrm>
+          <a:prstGeom prst="bentConnector3">
+            <a:avLst>
+              <a:gd name="adj1" fmla="val 50000"/>
+            </a:avLst>
+          </a:prstGeom>
+          <a:ln w="38100">
+            <a:solidFill>
+              <a:srgbClr val="FF0000"/>
+            </a:solidFill>
+            <a:tailEnd type="triangle"/>
+          </a:ln>
+        </p:spPr>
+        <p:style>
+          <a:lnRef idx="1">
+            <a:schemeClr val="accent1"/>
+          </a:lnRef>
+          <a:fillRef idx="0">
+            <a:schemeClr val="accent1"/>
+          </a:fillRef>
+          <a:effectRef idx="0">
+            <a:schemeClr val="accent1"/>
+          </a:effectRef>
+          <a:fontRef idx="minor">
+            <a:schemeClr val="tx1"/>
+          </a:fontRef>
+        </p:style>
+      </p:cxnSp>
+      <p:sp>
+        <p:nvSpPr>
+          <p:cNvPr id="12" name="Rectangle 11"/>
+          <p:cNvSpPr/>
+          <p:nvPr/>
+        </p:nvSpPr>
+        <p:spPr>
+          <a:xfrm>
+            <a:off x="1756317" y="3334215"/>
+            <a:ext cx="1003610" cy="273205"/>
+          </a:xfrm>
+          <a:prstGeom prst="rect">
+            <a:avLst/>
+          </a:prstGeom>
+          <a:noFill/>
+          <a:ln>
+            <a:solidFill>
+              <a:srgbClr val="FF0000"/>
+            </a:solidFill>
+          </a:ln>
+        </p:spPr>
+        <p:style>
+          <a:lnRef idx="2">
+            <a:schemeClr val="accent6"/>
+          </a:lnRef>
+          <a:fillRef idx="1">
+            <a:schemeClr val="lt1"/>
+          </a:fillRef>
+          <a:effectRef idx="0">
+            <a:schemeClr val="accent6"/>
+          </a:effectRef>
+          <a:fontRef idx="minor">
+            <a:schemeClr val="dk1"/>
+          </a:fontRef>
+        </p:style>
+        <p:txBody>
+          <a:bodyPr rtlCol="0" anchor="ctr"/>
+          <a:lstStyle/>
+          <a:p>
+            <a:pPr algn="ctr"/>
+            <a:endParaRPr lang="en-US"/>
+          </a:p>
+        </p:txBody>
+      </p:sp>
+      <p:sp>
+        <p:nvSpPr>
+          <p:cNvPr id="13" name="Rectangle 12"/>
+          <p:cNvSpPr/>
+          <p:nvPr/>
+        </p:nvSpPr>
+        <p:spPr>
+          <a:xfrm>
+            <a:off x="10216376" y="4973947"/>
+            <a:ext cx="1003610" cy="273205"/>
+          </a:xfrm>
+          <a:prstGeom prst="rect">
+            <a:avLst/>
+          </a:prstGeom>
+          <a:noFill/>
+          <a:ln>
+            <a:solidFill>
+              <a:srgbClr val="FF0000"/>
+            </a:solidFill>
+          </a:ln>
+        </p:spPr>
+        <p:style>
+          <a:lnRef idx="2">
+            <a:schemeClr val="accent6"/>
+          </a:lnRef>
+          <a:fillRef idx="1">
+            <a:schemeClr val="lt1"/>
+          </a:fillRef>
+          <a:effectRef idx="0">
+            <a:schemeClr val="accent6"/>
+          </a:effectRef>
+          <a:fontRef idx="minor">
+            <a:schemeClr val="dk1"/>
+          </a:fontRef>
+        </p:style>
+        <p:txBody>
+          <a:bodyPr rtlCol="0" anchor="ctr"/>
+          <a:lstStyle/>
+          <a:p>
+            <a:pPr algn="ctr"/>
+            <a:endParaRPr lang="en-US"/>
+          </a:p>
+        </p:txBody>
+      </p:sp>
     </p:spTree>
     <p:extLst>
       <p:ext uri="{BB962C8B-B14F-4D97-AF65-F5344CB8AC3E}">
@@ -14114,10 +13804,414 @@
           <a:bodyPr/>
           <a:lstStyle/>
           <a:p>
-            <a:endParaRPr lang="en-US"/>
+            <a:r>
+              <a:rPr lang="en-US" dirty="0" smtClean="0"/>
+              <a:t>Scalable Vector Graphics</a:t>
+            </a:r>
+          </a:p>
+          <a:p>
+            <a:pPr lvl="1"/>
+            <a:r>
+              <a:rPr lang="en-US" dirty="0" smtClean="0"/>
+              <a:t>XML format for 2D graphics, embeddable in HTML</a:t>
+            </a:r>
+          </a:p>
+          <a:p>
+            <a:pPr lvl="1"/>
+            <a:r>
+              <a:rPr lang="en-US" dirty="0" smtClean="0"/>
+              <a:t>Elements are part of DOM and can be styled with CSS</a:t>
+            </a:r>
+            <a:endParaRPr lang="en-US" dirty="0"/>
           </a:p>
         </p:txBody>
       </p:sp>
+      <p:sp>
+        <p:nvSpPr>
+          <p:cNvPr id="4" name="Rectangle 3"/>
+          <p:cNvSpPr/>
+          <p:nvPr/>
+        </p:nvSpPr>
+        <p:spPr>
+          <a:xfrm>
+            <a:off x="167269" y="4245701"/>
+            <a:ext cx="7008541" cy="1815882"/>
+          </a:xfrm>
+          <a:prstGeom prst="rect">
+            <a:avLst/>
+          </a:prstGeom>
+          <a:solidFill>
+            <a:schemeClr val="tx1"/>
+          </a:solidFill>
+        </p:spPr>
+        <p:txBody>
+          <a:bodyPr wrap="square">
+            <a:spAutoFit/>
+          </a:bodyPr>
+          <a:lstStyle/>
+          <a:p>
+            <a:r>
+              <a:rPr lang="en-US" sz="1600" b="1" dirty="0">
+                <a:solidFill>
+                  <a:srgbClr val="FFFFFF"/>
+                </a:solidFill>
+                <a:highlight>
+                  <a:srgbClr val="000000"/>
+                </a:highlight>
+              </a:rPr>
+              <a:t> </a:t>
+            </a:r>
+            <a:r>
+              <a:rPr lang="en-US" sz="1600" dirty="0">
+                <a:solidFill>
+                  <a:schemeClr val="bg1"/>
+                </a:solidFill>
+                <a:highlight>
+                  <a:srgbClr val="000000"/>
+                </a:highlight>
+              </a:rPr>
+              <a:t>&lt;</a:t>
+            </a:r>
+            <a:r>
+              <a:rPr lang="en-US" sz="1600" dirty="0" err="1">
+                <a:solidFill>
+                  <a:schemeClr val="bg1"/>
+                </a:solidFill>
+                <a:highlight>
+                  <a:srgbClr val="000000"/>
+                </a:highlight>
+              </a:rPr>
+              <a:t>svg</a:t>
+            </a:r>
+            <a:r>
+              <a:rPr lang="en-US" sz="1600" dirty="0">
+                <a:solidFill>
+                  <a:schemeClr val="bg1"/>
+                </a:solidFill>
+                <a:highlight>
+                  <a:srgbClr val="000000"/>
+                </a:highlight>
+              </a:rPr>
+              <a:t> width="12cm" height="12cm"&gt;</a:t>
+            </a:r>
+            <a:endParaRPr lang="en-US" sz="1600" b="1" dirty="0">
+              <a:solidFill>
+                <a:schemeClr val="bg1"/>
+              </a:solidFill>
+              <a:highlight>
+                <a:srgbClr val="000000"/>
+              </a:highlight>
+            </a:endParaRPr>
+          </a:p>
+          <a:p>
+            <a:r>
+              <a:rPr lang="en-US" sz="1600" b="1" dirty="0">
+                <a:solidFill>
+                  <a:schemeClr val="bg1"/>
+                </a:solidFill>
+                <a:highlight>
+                  <a:srgbClr val="000000"/>
+                </a:highlight>
+              </a:rPr>
+              <a:t>            </a:t>
+            </a:r>
+            <a:r>
+              <a:rPr lang="en-US" sz="1600" dirty="0">
+                <a:solidFill>
+                  <a:schemeClr val="bg1"/>
+                </a:solidFill>
+                <a:highlight>
+                  <a:srgbClr val="000000"/>
+                </a:highlight>
+              </a:rPr>
+              <a:t>&lt;g width="12cm" height="12cm" class="circles"&gt;</a:t>
+            </a:r>
+            <a:endParaRPr lang="en-US" sz="1600" b="1" dirty="0">
+              <a:solidFill>
+                <a:schemeClr val="bg1"/>
+              </a:solidFill>
+              <a:highlight>
+                <a:srgbClr val="000000"/>
+              </a:highlight>
+            </a:endParaRPr>
+          </a:p>
+          <a:p>
+            <a:r>
+              <a:rPr lang="en-US" sz="1600" b="1" dirty="0">
+                <a:solidFill>
+                  <a:schemeClr val="bg1"/>
+                </a:solidFill>
+                <a:highlight>
+                  <a:srgbClr val="000000"/>
+                </a:highlight>
+              </a:rPr>
+              <a:t>                </a:t>
+            </a:r>
+            <a:r>
+              <a:rPr lang="en-US" sz="1600" dirty="0">
+                <a:solidFill>
+                  <a:schemeClr val="bg1"/>
+                </a:solidFill>
+                <a:highlight>
+                  <a:srgbClr val="000000"/>
+                </a:highlight>
+              </a:rPr>
+              <a:t>&lt;circle style="</a:t>
+            </a:r>
+            <a:r>
+              <a:rPr lang="en-US" sz="1600" dirty="0" err="1">
+                <a:solidFill>
+                  <a:schemeClr val="bg1"/>
+                </a:solidFill>
+                <a:highlight>
+                  <a:srgbClr val="000000"/>
+                </a:highlight>
+              </a:rPr>
+              <a:t>fill:green</a:t>
+            </a:r>
+            <a:r>
+              <a:rPr lang="en-US" sz="1600" dirty="0">
+                <a:solidFill>
+                  <a:schemeClr val="bg1"/>
+                </a:solidFill>
+                <a:highlight>
+                  <a:srgbClr val="000000"/>
+                </a:highlight>
+              </a:rPr>
+              <a:t>" r="100px" cx="170px" cy="150px"/&gt;</a:t>
+            </a:r>
+            <a:endParaRPr lang="en-US" sz="1600" b="1" dirty="0">
+              <a:solidFill>
+                <a:schemeClr val="bg1"/>
+              </a:solidFill>
+              <a:highlight>
+                <a:srgbClr val="000000"/>
+              </a:highlight>
+            </a:endParaRPr>
+          </a:p>
+          <a:p>
+            <a:r>
+              <a:rPr lang="en-US" sz="1600" b="1" dirty="0">
+                <a:solidFill>
+                  <a:schemeClr val="bg1"/>
+                </a:solidFill>
+                <a:highlight>
+                  <a:srgbClr val="000000"/>
+                </a:highlight>
+              </a:rPr>
+              <a:t>                </a:t>
+            </a:r>
+            <a:r>
+              <a:rPr lang="en-US" sz="1600" dirty="0">
+                <a:solidFill>
+                  <a:schemeClr val="bg1"/>
+                </a:solidFill>
+                <a:highlight>
+                  <a:srgbClr val="000000"/>
+                </a:highlight>
+              </a:rPr>
+              <a:t>&lt;circle style="</a:t>
+            </a:r>
+            <a:r>
+              <a:rPr lang="en-US" sz="1600" dirty="0" err="1">
+                <a:solidFill>
+                  <a:schemeClr val="bg1"/>
+                </a:solidFill>
+                <a:highlight>
+                  <a:srgbClr val="000000"/>
+                </a:highlight>
+              </a:rPr>
+              <a:t>fill:red</a:t>
+            </a:r>
+            <a:r>
+              <a:rPr lang="en-US" sz="1600" dirty="0">
+                <a:solidFill>
+                  <a:schemeClr val="bg1"/>
+                </a:solidFill>
+                <a:highlight>
+                  <a:srgbClr val="000000"/>
+                </a:highlight>
+              </a:rPr>
+              <a:t>" r="100px" cx="240px" cy="250px"/&gt;</a:t>
+            </a:r>
+            <a:endParaRPr lang="en-US" sz="1600" b="1" dirty="0">
+              <a:solidFill>
+                <a:schemeClr val="bg1"/>
+              </a:solidFill>
+              <a:highlight>
+                <a:srgbClr val="000000"/>
+              </a:highlight>
+            </a:endParaRPr>
+          </a:p>
+          <a:p>
+            <a:r>
+              <a:rPr lang="en-US" sz="1600" b="1" dirty="0">
+                <a:solidFill>
+                  <a:schemeClr val="bg1"/>
+                </a:solidFill>
+                <a:highlight>
+                  <a:srgbClr val="000000"/>
+                </a:highlight>
+              </a:rPr>
+              <a:t>                </a:t>
+            </a:r>
+            <a:r>
+              <a:rPr lang="en-US" sz="1600" dirty="0">
+                <a:solidFill>
+                  <a:schemeClr val="bg1"/>
+                </a:solidFill>
+                <a:highlight>
+                  <a:srgbClr val="000000"/>
+                </a:highlight>
+              </a:rPr>
+              <a:t>&lt;circle style="</a:t>
+            </a:r>
+            <a:r>
+              <a:rPr lang="en-US" sz="1600" dirty="0" err="1">
+                <a:solidFill>
+                  <a:schemeClr val="bg1"/>
+                </a:solidFill>
+                <a:highlight>
+                  <a:srgbClr val="000000"/>
+                </a:highlight>
+              </a:rPr>
+              <a:t>fill:blue</a:t>
+            </a:r>
+            <a:r>
+              <a:rPr lang="en-US" sz="1600" dirty="0">
+                <a:solidFill>
+                  <a:schemeClr val="bg1"/>
+                </a:solidFill>
+                <a:highlight>
+                  <a:srgbClr val="000000"/>
+                </a:highlight>
+              </a:rPr>
+              <a:t>" r="100px" cx="100" cy="250px"/&gt;</a:t>
+            </a:r>
+            <a:endParaRPr lang="en-US" sz="1600" b="1" dirty="0">
+              <a:solidFill>
+                <a:schemeClr val="bg1"/>
+              </a:solidFill>
+              <a:highlight>
+                <a:srgbClr val="000000"/>
+              </a:highlight>
+            </a:endParaRPr>
+          </a:p>
+          <a:p>
+            <a:r>
+              <a:rPr lang="en-US" sz="1600" b="1" dirty="0">
+                <a:solidFill>
+                  <a:schemeClr val="bg1"/>
+                </a:solidFill>
+                <a:highlight>
+                  <a:srgbClr val="000000"/>
+                </a:highlight>
+              </a:rPr>
+              <a:t>            </a:t>
+            </a:r>
+            <a:r>
+              <a:rPr lang="en-US" sz="1600" dirty="0">
+                <a:solidFill>
+                  <a:schemeClr val="bg1"/>
+                </a:solidFill>
+                <a:highlight>
+                  <a:srgbClr val="000000"/>
+                </a:highlight>
+              </a:rPr>
+              <a:t>&lt;/g&gt;</a:t>
+            </a:r>
+            <a:endParaRPr lang="en-US" sz="1600" b="1" dirty="0">
+              <a:solidFill>
+                <a:schemeClr val="bg1"/>
+              </a:solidFill>
+              <a:highlight>
+                <a:srgbClr val="000000"/>
+              </a:highlight>
+            </a:endParaRPr>
+          </a:p>
+          <a:p>
+            <a:r>
+              <a:rPr lang="en-US" sz="1600" b="1" dirty="0">
+                <a:solidFill>
+                  <a:schemeClr val="bg1"/>
+                </a:solidFill>
+                <a:highlight>
+                  <a:srgbClr val="000000"/>
+                </a:highlight>
+              </a:rPr>
+              <a:t>        </a:t>
+            </a:r>
+            <a:r>
+              <a:rPr lang="en-US" sz="1600" dirty="0">
+                <a:solidFill>
+                  <a:schemeClr val="bg1"/>
+                </a:solidFill>
+                <a:highlight>
+                  <a:srgbClr val="000000"/>
+                </a:highlight>
+              </a:rPr>
+              <a:t>&lt;/</a:t>
+            </a:r>
+            <a:r>
+              <a:rPr lang="en-US" sz="1600" dirty="0" err="1">
+                <a:solidFill>
+                  <a:schemeClr val="bg1"/>
+                </a:solidFill>
+                <a:highlight>
+                  <a:srgbClr val="000000"/>
+                </a:highlight>
+              </a:rPr>
+              <a:t>svg</a:t>
+            </a:r>
+            <a:r>
+              <a:rPr lang="en-US" sz="1600" dirty="0">
+                <a:solidFill>
+                  <a:schemeClr val="bg1"/>
+                </a:solidFill>
+                <a:highlight>
+                  <a:srgbClr val="000000"/>
+                </a:highlight>
+              </a:rPr>
+              <a:t>&gt;</a:t>
+            </a:r>
+            <a:endParaRPr lang="en-US" sz="1600" dirty="0">
+              <a:solidFill>
+                <a:schemeClr val="bg1"/>
+              </a:solidFill>
+            </a:endParaRPr>
+          </a:p>
+        </p:txBody>
+      </p:sp>
+      <p:pic>
+        <p:nvPicPr>
+          <p:cNvPr id="5" name="Picture 4" descr="Screen Clipping"/>
+          <p:cNvPicPr>
+            <a:picLocks noChangeAspect="1"/>
+          </p:cNvPicPr>
+          <p:nvPr/>
+        </p:nvPicPr>
+        <p:blipFill>
+          <a:blip r:embed="rId2">
+            <a:extLst>
+              <a:ext uri="{28A0092B-C50C-407E-A947-70E740481C1C}">
+                <a14:useLocalDpi xmlns:a14="http://schemas.microsoft.com/office/drawing/2010/main" val="0"/>
+              </a:ext>
+            </a:extLst>
+          </a:blip>
+          <a:stretch>
+            <a:fillRect/>
+          </a:stretch>
+        </p:blipFill>
+        <p:spPr>
+          <a:xfrm>
+            <a:off x="8055116" y="3065728"/>
+            <a:ext cx="3530781" cy="3213265"/>
+          </a:xfrm>
+          <a:prstGeom prst="rect">
+            <a:avLst/>
+          </a:prstGeom>
+        </p:spPr>
+      </p:pic>
     </p:spTree>
     <p:extLst>
       <p:ext uri="{BB962C8B-B14F-4D97-AF65-F5344CB8AC3E}">
@@ -14194,10 +14288,231 @@
           <a:lstStyle/>
           <a:p>
             <a:r>
+              <a:rPr lang="en-US" b="1" dirty="0" smtClean="0"/>
+              <a:t>Data-driven Documents</a:t>
+            </a:r>
+          </a:p>
+          <a:p>
+            <a:pPr lvl="1"/>
+            <a:r>
               <a:rPr lang="en-US" dirty="0" smtClean="0"/>
-              <a:t>What it is &amp; isn’t</a:t>
-            </a:r>
-            <a:endParaRPr lang="en-US" dirty="0"/>
+              <a:t>D3 = </a:t>
+            </a:r>
+            <a:r>
+              <a:rPr lang="en-US" b="1" dirty="0"/>
+              <a:t>M</a:t>
+            </a:r>
+            <a:r>
+              <a:rPr lang="en-US" b="1" dirty="0" smtClean="0"/>
+              <a:t>anipulate DOM based on data</a:t>
+            </a:r>
+          </a:p>
+          <a:p>
+            <a:r>
+              <a:rPr lang="en-US" dirty="0" smtClean="0"/>
+              <a:t>D3 is NOT a plotting library (not only…)</a:t>
+            </a:r>
+          </a:p>
+          <a:p>
+            <a:r>
+              <a:rPr lang="en-US" dirty="0" smtClean="0"/>
+              <a:t>D3 makes it easier to create page content procedurally based on data sources &amp; user inputs</a:t>
+            </a:r>
+          </a:p>
+          <a:p>
+            <a:pPr lvl="1"/>
+            <a:r>
+              <a:rPr lang="en-US" dirty="0" smtClean="0"/>
+              <a:t>What ‘content’ is </a:t>
+            </a:r>
+            <a:r>
+              <a:rPr lang="en-US" dirty="0" err="1" smtClean="0"/>
+              <a:t>is</a:t>
+            </a:r>
+            <a:r>
+              <a:rPr lang="en-US" dirty="0" smtClean="0"/>
+              <a:t> up to you! (html elements, </a:t>
+            </a:r>
+            <a:r>
+              <a:rPr lang="en-US" dirty="0" err="1" smtClean="0"/>
+              <a:t>svg</a:t>
+            </a:r>
+            <a:r>
+              <a:rPr lang="en-US" dirty="0" smtClean="0"/>
+              <a:t>, canvas graphics, …)</a:t>
+            </a:r>
+          </a:p>
+          <a:p>
+            <a:pPr lvl="1"/>
+            <a:r>
+              <a:rPr lang="en-US" dirty="0" smtClean="0"/>
+              <a:t>D3 provides functions to deal with</a:t>
+            </a:r>
+          </a:p>
+          <a:p>
+            <a:pPr lvl="2"/>
+            <a:r>
+              <a:rPr lang="en-US" dirty="0" smtClean="0"/>
+              <a:t>Data stream-in</a:t>
+            </a:r>
+          </a:p>
+          <a:p>
+            <a:pPr lvl="2"/>
+            <a:r>
+              <a:rPr lang="en-US" dirty="0" smtClean="0"/>
+              <a:t>Transitions</a:t>
+            </a:r>
+          </a:p>
+          <a:p>
+            <a:pPr lvl="2"/>
+            <a:r>
+              <a:rPr lang="en-US" dirty="0" smtClean="0"/>
+              <a:t>Basic plot elements (scales, axes, …)</a:t>
+            </a:r>
+          </a:p>
+          <a:p>
+            <a:r>
+              <a:rPr lang="en-US" dirty="0" smtClean="0"/>
+              <a:t>Getting D3</a:t>
+            </a:r>
+            <a:r>
+              <a:rPr lang="en-US" dirty="0"/>
+              <a:t>: </a:t>
+            </a:r>
+            <a:endParaRPr lang="en-US" dirty="0" smtClean="0"/>
+          </a:p>
+          <a:p>
+            <a:pPr lvl="1"/>
+            <a:r>
+              <a:rPr lang="en-US" dirty="0" smtClean="0"/>
+              <a:t>download </a:t>
+            </a:r>
+            <a:r>
+              <a:rPr lang="en-US" dirty="0"/>
+              <a:t>from </a:t>
+            </a:r>
+            <a:r>
+              <a:rPr lang="en-US" b="1" dirty="0">
+                <a:hlinkClick r:id="rId2"/>
+              </a:rPr>
+              <a:t>http://d3js.org</a:t>
+            </a:r>
+            <a:r>
+              <a:rPr lang="en-US" b="1" dirty="0" smtClean="0">
+                <a:hlinkClick r:id="rId2"/>
+              </a:rPr>
+              <a:t>/</a:t>
+            </a:r>
+            <a:endParaRPr lang="en-US" b="1" dirty="0" smtClean="0"/>
+          </a:p>
+          <a:p>
+            <a:pPr lvl="1"/>
+            <a:r>
+              <a:rPr lang="en-US" b="1" dirty="0" smtClean="0"/>
+              <a:t>OR </a:t>
+            </a:r>
+            <a:r>
+              <a:rPr lang="en-US" dirty="0" smtClean="0"/>
+              <a:t>import online version directly: </a:t>
+            </a:r>
+            <a:endParaRPr lang="en-US" b="1" dirty="0" smtClean="0"/>
+          </a:p>
+          <a:p>
+            <a:endParaRPr lang="en-US" b="1" dirty="0"/>
+          </a:p>
+        </p:txBody>
+      </p:sp>
+      <p:sp>
+        <p:nvSpPr>
+          <p:cNvPr id="4" name="Rectangle 3"/>
+          <p:cNvSpPr/>
+          <p:nvPr/>
+        </p:nvSpPr>
+        <p:spPr>
+          <a:xfrm>
+            <a:off x="5717930" y="5123315"/>
+            <a:ext cx="6252033" cy="461665"/>
+          </a:xfrm>
+          <a:prstGeom prst="rect">
+            <a:avLst/>
+          </a:prstGeom>
+          <a:solidFill>
+            <a:schemeClr val="tx1"/>
+          </a:solidFill>
+        </p:spPr>
+        <p:txBody>
+          <a:bodyPr wrap="none">
+            <a:spAutoFit/>
+          </a:bodyPr>
+          <a:lstStyle/>
+          <a:p>
+            <a:r>
+              <a:rPr lang="en-US" sz="2400" dirty="0">
+                <a:solidFill>
+                  <a:srgbClr val="FF6600"/>
+                </a:solidFill>
+                <a:highlight>
+                  <a:srgbClr val="000000"/>
+                </a:highlight>
+              </a:rPr>
+              <a:t>&lt;script</a:t>
+            </a:r>
+            <a:r>
+              <a:rPr lang="en-US" sz="2400" dirty="0">
+                <a:solidFill>
+                  <a:srgbClr val="FFFFFF"/>
+                </a:solidFill>
+                <a:highlight>
+                  <a:srgbClr val="000000"/>
+                </a:highlight>
+              </a:rPr>
+              <a:t> </a:t>
+            </a:r>
+            <a:r>
+              <a:rPr lang="en-US" sz="2400" dirty="0" err="1">
+                <a:solidFill>
+                  <a:srgbClr val="99CC99"/>
+                </a:solidFill>
+                <a:highlight>
+                  <a:srgbClr val="000000"/>
+                </a:highlight>
+              </a:rPr>
+              <a:t>src</a:t>
+            </a:r>
+            <a:r>
+              <a:rPr lang="en-US" sz="2400" dirty="0">
+                <a:solidFill>
+                  <a:srgbClr val="FFFFFF"/>
+                </a:solidFill>
+                <a:highlight>
+                  <a:srgbClr val="000000"/>
+                </a:highlight>
+              </a:rPr>
+              <a:t>=</a:t>
+            </a:r>
+            <a:r>
+              <a:rPr lang="en-US" sz="2400" b="1" dirty="0">
+                <a:solidFill>
+                  <a:srgbClr val="FFFF00"/>
+                </a:solidFill>
+                <a:highlight>
+                  <a:srgbClr val="000000"/>
+                </a:highlight>
+              </a:rPr>
+              <a:t>"http://d3js.org/d3.v3.min.js"</a:t>
+            </a:r>
+            <a:r>
+              <a:rPr lang="en-US" sz="2400" dirty="0">
+                <a:solidFill>
+                  <a:srgbClr val="FF6600"/>
+                </a:solidFill>
+                <a:highlight>
+                  <a:srgbClr val="000000"/>
+                </a:highlight>
+              </a:rPr>
+              <a:t>&gt;</a:t>
+            </a:r>
+            <a:endParaRPr lang="en-US" sz="2400" dirty="0"/>
           </a:p>
         </p:txBody>
       </p:sp>
@@ -14257,29 +14572,259 @@
               <a:rPr lang="en-US" dirty="0"/>
               <a:t>The Wealth &amp; Health of Nations</a:t>
             </a:r>
-            <a:endParaRPr lang="en-US" dirty="0"/>
           </a:p>
         </p:txBody>
       </p:sp>
-      <p:sp>
-        <p:nvSpPr>
-          <p:cNvPr id="3" name="Content Placeholder 2"/>
-          <p:cNvSpPr>
-            <a:spLocks noGrp="1"/>
-          </p:cNvSpPr>
+      <p:pic>
+        <p:nvPicPr>
+          <p:cNvPr id="4" name="Content Placeholder 3" descr="Screen Clipping"/>
+          <p:cNvPicPr>
+            <a:picLocks noGrp="1" noChangeAspect="1"/>
+          </p:cNvPicPr>
           <p:nvPr>
             <p:ph idx="1"/>
           </p:nvPr>
+        </p:nvPicPr>
+        <p:blipFill>
+          <a:blip r:embed="rId2" cstate="print">
+            <a:extLst>
+              <a:ext uri="{28A0092B-C50C-407E-A947-70E740481C1C}">
+                <a14:useLocalDpi xmlns:a14="http://schemas.microsoft.com/office/drawing/2010/main" val="0"/>
+              </a:ext>
+            </a:extLst>
+          </a:blip>
+          <a:stretch>
+            <a:fillRect/>
+          </a:stretch>
+        </p:blipFill>
+        <p:spPr>
+          <a:xfrm>
+            <a:off x="4544212" y="928300"/>
+            <a:ext cx="7296433" cy="5365750"/>
+          </a:xfrm>
+          <a:effectLst>
+            <a:outerShdw blurRad="152400" algn="ctr" rotWithShape="0">
+              <a:prstClr val="black">
+                <a:alpha val="40000"/>
+              </a:prstClr>
+            </a:outerShdw>
+          </a:effectLst>
+        </p:spPr>
+      </p:pic>
+      <p:sp>
+        <p:nvSpPr>
+          <p:cNvPr id="5" name="Content Placeholder 2"/>
+          <p:cNvSpPr txBox="1">
+            <a:spLocks/>
+          </p:cNvSpPr>
+          <p:nvPr/>
         </p:nvSpPr>
-        <p:spPr/>
+        <p:spPr>
+          <a:xfrm>
+            <a:off x="297366" y="873255"/>
+            <a:ext cx="10515600" cy="5365039"/>
+          </a:xfrm>
+          <a:prstGeom prst="rect">
+            <a:avLst/>
+          </a:prstGeom>
+        </p:spPr>
         <p:txBody>
-          <a:bodyPr/>
-          <a:lstStyle/>
+          <a:bodyPr vert="horz" lIns="91440" tIns="45720" rIns="91440" bIns="45720" rtlCol="0">
+            <a:normAutofit/>
+          </a:bodyPr>
+          <a:lstStyle>
+            <a:lvl1pPr marL="228600" indent="-228600" algn="l" defTabSz="914400" rtl="0" eaLnBrk="1" latinLnBrk="0" hangingPunct="1">
+              <a:lnSpc>
+                <a:spcPct val="90000"/>
+              </a:lnSpc>
+              <a:spcBef>
+                <a:spcPts val="1000"/>
+              </a:spcBef>
+              <a:buFont typeface="Arial" panose="020B0604020202020204" pitchFamily="34" charset="0"/>
+              <a:buChar char="•"/>
+              <a:defRPr sz="2400" kern="1200">
+                <a:solidFill>
+                  <a:schemeClr val="tx1"/>
+                </a:solidFill>
+                <a:latin typeface="+mn-lt"/>
+                <a:ea typeface="+mn-ea"/>
+                <a:cs typeface="+mn-cs"/>
+              </a:defRPr>
+            </a:lvl1pPr>
+            <a:lvl2pPr marL="685800" indent="-228600" algn="l" defTabSz="914400" rtl="0" eaLnBrk="1" latinLnBrk="0" hangingPunct="1">
+              <a:lnSpc>
+                <a:spcPct val="90000"/>
+              </a:lnSpc>
+              <a:spcBef>
+                <a:spcPts val="500"/>
+              </a:spcBef>
+              <a:buFont typeface="Arial" panose="020B0604020202020204" pitchFamily="34" charset="0"/>
+              <a:buChar char="•"/>
+              <a:defRPr sz="2000" kern="1200">
+                <a:solidFill>
+                  <a:schemeClr val="tx1"/>
+                </a:solidFill>
+                <a:latin typeface="+mn-lt"/>
+                <a:ea typeface="+mn-ea"/>
+                <a:cs typeface="+mn-cs"/>
+              </a:defRPr>
+            </a:lvl2pPr>
+            <a:lvl3pPr marL="1143000" indent="-228600" algn="l" defTabSz="914400" rtl="0" eaLnBrk="1" latinLnBrk="0" hangingPunct="1">
+              <a:lnSpc>
+                <a:spcPct val="90000"/>
+              </a:lnSpc>
+              <a:spcBef>
+                <a:spcPts val="500"/>
+              </a:spcBef>
+              <a:buFont typeface="Arial" panose="020B0604020202020204" pitchFamily="34" charset="0"/>
+              <a:buChar char="•"/>
+              <a:defRPr sz="1800" kern="1200">
+                <a:solidFill>
+                  <a:schemeClr val="tx1"/>
+                </a:solidFill>
+                <a:latin typeface="+mn-lt"/>
+                <a:ea typeface="+mn-ea"/>
+                <a:cs typeface="+mn-cs"/>
+              </a:defRPr>
+            </a:lvl3pPr>
+            <a:lvl4pPr marL="1600200" indent="-228600" algn="l" defTabSz="914400" rtl="0" eaLnBrk="1" latinLnBrk="0" hangingPunct="1">
+              <a:lnSpc>
+                <a:spcPct val="90000"/>
+              </a:lnSpc>
+              <a:spcBef>
+                <a:spcPts val="500"/>
+              </a:spcBef>
+              <a:buFont typeface="Arial" panose="020B0604020202020204" pitchFamily="34" charset="0"/>
+              <a:buChar char="•"/>
+              <a:defRPr sz="1600" kern="1200">
+                <a:solidFill>
+                  <a:schemeClr val="tx1"/>
+                </a:solidFill>
+                <a:latin typeface="+mn-lt"/>
+                <a:ea typeface="+mn-ea"/>
+                <a:cs typeface="+mn-cs"/>
+              </a:defRPr>
+            </a:lvl4pPr>
+            <a:lvl5pPr marL="2057400" indent="-228600" algn="l" defTabSz="914400" rtl="0" eaLnBrk="1" latinLnBrk="0" hangingPunct="1">
+              <a:lnSpc>
+                <a:spcPct val="90000"/>
+              </a:lnSpc>
+              <a:spcBef>
+                <a:spcPts val="500"/>
+              </a:spcBef>
+              <a:buFont typeface="Arial" panose="020B0604020202020204" pitchFamily="34" charset="0"/>
+              <a:buChar char="•"/>
+              <a:defRPr sz="1600" kern="1200">
+                <a:solidFill>
+                  <a:schemeClr val="tx1"/>
+                </a:solidFill>
+                <a:latin typeface="+mn-lt"/>
+                <a:ea typeface="+mn-ea"/>
+                <a:cs typeface="+mn-cs"/>
+              </a:defRPr>
+            </a:lvl5pPr>
+            <a:lvl6pPr marL="2514600" indent="-228600" algn="l" defTabSz="914400" rtl="0" eaLnBrk="1" latinLnBrk="0" hangingPunct="1">
+              <a:lnSpc>
+                <a:spcPct val="90000"/>
+              </a:lnSpc>
+              <a:spcBef>
+                <a:spcPts val="500"/>
+              </a:spcBef>
+              <a:buFont typeface="Arial" panose="020B0604020202020204" pitchFamily="34" charset="0"/>
+              <a:buChar char="•"/>
+              <a:defRPr sz="1800" kern="1200">
+                <a:solidFill>
+                  <a:schemeClr val="tx1"/>
+                </a:solidFill>
+                <a:latin typeface="+mn-lt"/>
+                <a:ea typeface="+mn-ea"/>
+                <a:cs typeface="+mn-cs"/>
+              </a:defRPr>
+            </a:lvl6pPr>
+            <a:lvl7pPr marL="2971800" indent="-228600" algn="l" defTabSz="914400" rtl="0" eaLnBrk="1" latinLnBrk="0" hangingPunct="1">
+              <a:lnSpc>
+                <a:spcPct val="90000"/>
+              </a:lnSpc>
+              <a:spcBef>
+                <a:spcPts val="500"/>
+              </a:spcBef>
+              <a:buFont typeface="Arial" panose="020B0604020202020204" pitchFamily="34" charset="0"/>
+              <a:buChar char="•"/>
+              <a:defRPr sz="1800" kern="1200">
+                <a:solidFill>
+                  <a:schemeClr val="tx1"/>
+                </a:solidFill>
+                <a:latin typeface="+mn-lt"/>
+                <a:ea typeface="+mn-ea"/>
+                <a:cs typeface="+mn-cs"/>
+              </a:defRPr>
+            </a:lvl7pPr>
+            <a:lvl8pPr marL="3429000" indent="-228600" algn="l" defTabSz="914400" rtl="0" eaLnBrk="1" latinLnBrk="0" hangingPunct="1">
+              <a:lnSpc>
+                <a:spcPct val="90000"/>
+              </a:lnSpc>
+              <a:spcBef>
+                <a:spcPts val="500"/>
+              </a:spcBef>
+              <a:buFont typeface="Arial" panose="020B0604020202020204" pitchFamily="34" charset="0"/>
+              <a:buChar char="•"/>
+              <a:defRPr sz="1800" kern="1200">
+                <a:solidFill>
+                  <a:schemeClr val="tx1"/>
+                </a:solidFill>
+                <a:latin typeface="+mn-lt"/>
+                <a:ea typeface="+mn-ea"/>
+                <a:cs typeface="+mn-cs"/>
+              </a:defRPr>
+            </a:lvl8pPr>
+            <a:lvl9pPr marL="3886200" indent="-228600" algn="l" defTabSz="914400" rtl="0" eaLnBrk="1" latinLnBrk="0" hangingPunct="1">
+              <a:lnSpc>
+                <a:spcPct val="90000"/>
+              </a:lnSpc>
+              <a:spcBef>
+                <a:spcPts val="500"/>
+              </a:spcBef>
+              <a:buFont typeface="Arial" panose="020B0604020202020204" pitchFamily="34" charset="0"/>
+              <a:buChar char="•"/>
+              <a:defRPr sz="1800" kern="1200">
+                <a:solidFill>
+                  <a:schemeClr val="tx1"/>
+                </a:solidFill>
+                <a:latin typeface="+mn-lt"/>
+                <a:ea typeface="+mn-ea"/>
+                <a:cs typeface="+mn-cs"/>
+              </a:defRPr>
+            </a:lvl9pPr>
+          </a:lstStyle>
           <a:p>
             <a:pPr marL="0" indent="0">
               <a:buNone/>
             </a:pPr>
-            <a:endParaRPr lang="en-US" dirty="0"/>
+            <a:r>
+              <a:rPr lang="en-US" sz="2000" b="1" dirty="0" smtClean="0"/>
+              <a:t>Life vs GDP/capita over time</a:t>
+            </a:r>
+          </a:p>
+          <a:p>
+            <a:pPr marL="0" indent="0">
+              <a:buNone/>
+            </a:pPr>
+            <a:r>
+              <a:rPr lang="en-US" sz="2000" b="1" dirty="0" smtClean="0"/>
+              <a:t>Color = region</a:t>
+            </a:r>
+          </a:p>
+          <a:p>
+            <a:pPr marL="0" indent="0">
+              <a:buNone/>
+            </a:pPr>
+            <a:r>
+              <a:rPr lang="en-US" sz="2000" b="1" dirty="0" smtClean="0"/>
+              <a:t>Circle size = population</a:t>
+            </a:r>
+          </a:p>
+          <a:p>
+            <a:endParaRPr lang="en-US" b="1" dirty="0"/>
           </a:p>
         </p:txBody>
       </p:sp>
@@ -14293,6 +14838,13 @@
   <p:clrMapOvr>
     <a:masterClrMapping/>
   </p:clrMapOvr>
+  <p:timing>
+    <p:tnLst>
+      <p:par>
+        <p:cTn id="1" dur="indefinite" restart="never" nodeType="tmRoot"/>
+      </p:par>
+    </p:tnLst>
+  </p:timing>
 </p:sld>
 </file>
 

--- a/Intro2D3.pptx
+++ b/Intro2D3.pptx
@@ -3809,7 +3809,7 @@
           <a:p>
             <a:fld id="{8EF132DC-35E1-4077-BC46-972F94400611}" type="datetimeFigureOut">
               <a:rPr lang="en-US" smtClean="0"/>
-              <a:t>12/13/2015</a:t>
+              <a:t>5/2/2016</a:t>
             </a:fld>
             <a:endParaRPr lang="en-US"/>
           </a:p>
@@ -4762,7 +4762,7 @@
           <a:p>
             <a:fld id="{557D511F-992E-4508-878E-64B76E155AD3}" type="datetimeFigureOut">
               <a:rPr lang="en-US" smtClean="0"/>
-              <a:t>12/13/2015</a:t>
+              <a:t>5/2/2016</a:t>
             </a:fld>
             <a:endParaRPr lang="en-US"/>
           </a:p>
@@ -4973,7 +4973,7 @@
           <a:p>
             <a:fld id="{557D511F-992E-4508-878E-64B76E155AD3}" type="datetimeFigureOut">
               <a:rPr lang="en-US" smtClean="0"/>
-              <a:t>12/13/2015</a:t>
+              <a:t>5/2/2016</a:t>
             </a:fld>
             <a:endParaRPr lang="en-US"/>
           </a:p>
@@ -5147,7 +5147,7 @@
           <a:p>
             <a:fld id="{557D511F-992E-4508-878E-64B76E155AD3}" type="datetimeFigureOut">
               <a:rPr lang="en-US" smtClean="0"/>
-              <a:t>12/13/2015</a:t>
+              <a:t>5/2/2016</a:t>
             </a:fld>
             <a:endParaRPr lang="en-US"/>
           </a:p>
@@ -5287,7 +5287,7 @@
           <a:p>
             <a:fld id="{557D511F-992E-4508-878E-64B76E155AD3}" type="datetimeFigureOut">
               <a:rPr lang="en-US" smtClean="0"/>
-              <a:t>12/13/2015</a:t>
+              <a:t>5/2/2016</a:t>
             </a:fld>
             <a:endParaRPr lang="en-US"/>
           </a:p>
@@ -5564,7 +5564,7 @@
           <a:p>
             <a:fld id="{557D511F-992E-4508-878E-64B76E155AD3}" type="datetimeFigureOut">
               <a:rPr lang="en-US" smtClean="0"/>
-              <a:t>12/13/2015</a:t>
+              <a:t>5/2/2016</a:t>
             </a:fld>
             <a:endParaRPr lang="en-US"/>
           </a:p>
@@ -5821,7 +5821,7 @@
           <a:p>
             <a:fld id="{557D511F-992E-4508-878E-64B76E155AD3}" type="datetimeFigureOut">
               <a:rPr lang="en-US" smtClean="0"/>
-              <a:t>12/13/2015</a:t>
+              <a:t>5/2/2016</a:t>
             </a:fld>
             <a:endParaRPr lang="en-US"/>
           </a:p>
@@ -6034,7 +6034,7 @@
           <a:p>
             <a:fld id="{557D511F-992E-4508-878E-64B76E155AD3}" type="datetimeFigureOut">
               <a:rPr lang="en-US" smtClean="0"/>
-              <a:t>12/13/2015</a:t>
+              <a:t>5/2/2016</a:t>
             </a:fld>
             <a:endParaRPr lang="en-US"/>
           </a:p>
@@ -6453,7 +6453,11 @@
           <a:p>
             <a:r>
               <a:rPr lang="en-US" sz="3200" dirty="0" smtClean="0"/>
-              <a:t>The Researcher’s Toolkit 2015</a:t>
+              <a:t>The Researcher’s Toolkit </a:t>
+            </a:r>
+            <a:r>
+              <a:rPr lang="en-US" sz="3200" dirty="0" smtClean="0"/>
+              <a:t>2016</a:t>
             </a:r>
             <a:r>
               <a:rPr lang="en-US" dirty="0"/>
@@ -6464,7 +6468,7 @@
             </a:br>
             <a:r>
               <a:rPr lang="en-US" dirty="0" smtClean="0"/>
-              <a:t>D3.js</a:t>
+              <a:t>Interactive Visualization with D3.js</a:t>
             </a:r>
             <a:endParaRPr lang="en-US" dirty="0"/>
           </a:p>
@@ -7036,7 +7040,6 @@
               <a:rPr lang="en-US" dirty="0"/>
               <a:t>://github.com/febret/intro2D3</a:t>
             </a:r>
-            <a:endParaRPr lang="en-US" dirty="0"/>
           </a:p>
         </p:txBody>
       </p:sp>
@@ -8822,9 +8825,118 @@
           <a:lstStyle/>
           <a:p>
             <a:r>
+              <a:rPr lang="en-US" dirty="0" smtClean="0"/>
+              <a:t>Software Carpentry: </a:t>
+            </a:r>
+            <a:r>
+              <a:rPr lang="en-US" dirty="0" smtClean="0">
+                <a:hlinkClick r:id="rId2"/>
+              </a:rPr>
+              <a:t>http</a:t>
+            </a:r>
+            <a:r>
+              <a:rPr lang="en-US" dirty="0">
+                <a:hlinkClick r:id="rId2"/>
+              </a:rPr>
+              <a:t>://dl.heeere.com/swc/d3</a:t>
+            </a:r>
+            <a:r>
+              <a:rPr lang="en-US" dirty="0" smtClean="0">
+                <a:hlinkClick r:id="rId2"/>
+              </a:rPr>
+              <a:t>/</a:t>
+            </a:r>
+            <a:endParaRPr lang="en-US" dirty="0" smtClean="0"/>
+          </a:p>
+          <a:p>
+            <a:pPr lvl="1"/>
+            <a:r>
+              <a:rPr lang="en-US" dirty="0" smtClean="0"/>
+              <a:t>Same tutorial</a:t>
+            </a:r>
+          </a:p>
+          <a:p>
+            <a:pPr lvl="1"/>
+            <a:r>
+              <a:rPr lang="en-US" dirty="0" smtClean="0"/>
+              <a:t>Some info on publishing your project</a:t>
+            </a:r>
+          </a:p>
+          <a:p>
+            <a:pPr lvl="1"/>
+            <a:endParaRPr lang="en-US" dirty="0"/>
+          </a:p>
+          <a:p>
+            <a:r>
               <a:rPr lang="en-US" dirty="0"/>
-              <a:t>http://dl.heeere.com/swc/d3/</a:t>
-            </a:r>
+              <a:t>API Reference: </a:t>
+            </a:r>
+            <a:r>
+              <a:rPr lang="en-US" dirty="0">
+                <a:hlinkClick r:id="rId3"/>
+              </a:rPr>
+              <a:t>https://</a:t>
+            </a:r>
+            <a:r>
+              <a:rPr lang="en-US" dirty="0" smtClean="0">
+                <a:hlinkClick r:id="rId3"/>
+              </a:rPr>
+              <a:t>github.com/mbostock/d3/wiki/API-Reference</a:t>
+            </a:r>
+            <a:endParaRPr lang="en-US" dirty="0" smtClean="0"/>
+          </a:p>
+          <a:p>
+            <a:endParaRPr lang="en-US" dirty="0"/>
+          </a:p>
+          <a:p>
+            <a:r>
+              <a:rPr lang="en-US" dirty="0" smtClean="0"/>
+              <a:t>Libraries that use D3 </a:t>
+            </a:r>
+            <a:r>
+              <a:rPr lang="en-US" dirty="0" smtClean="0">
+                <a:hlinkClick r:id="rId4"/>
+              </a:rPr>
+              <a:t>http</a:t>
+            </a:r>
+            <a:r>
+              <a:rPr lang="en-US" dirty="0">
+                <a:hlinkClick r:id="rId4"/>
+              </a:rPr>
+              <a:t>://</a:t>
+            </a:r>
+            <a:r>
+              <a:rPr lang="en-US" dirty="0" smtClean="0">
+                <a:hlinkClick r:id="rId4"/>
+              </a:rPr>
+              <a:t>mikemcdearmon.com/portfolio/techposts/charting-libraries-using-d3</a:t>
+            </a:r>
+            <a:endParaRPr lang="en-US" dirty="0" smtClean="0"/>
+          </a:p>
+          <a:p>
+            <a:endParaRPr lang="en-US" dirty="0"/>
+          </a:p>
+          <a:p>
+            <a:r>
+              <a:rPr lang="en-US" dirty="0"/>
+              <a:t>Workshop material: </a:t>
+            </a:r>
+            <a:r>
+              <a:rPr lang="en-US" dirty="0">
+                <a:hlinkClick r:id="rId5"/>
+              </a:rPr>
+              <a:t>https://</a:t>
+            </a:r>
+            <a:r>
+              <a:rPr lang="en-US" dirty="0" smtClean="0">
+                <a:hlinkClick r:id="rId5"/>
+              </a:rPr>
+              <a:t>github.com/febret/intro2D3</a:t>
+            </a:r>
+            <a:endParaRPr lang="en-US" dirty="0" smtClean="0"/>
+          </a:p>
+          <a:p>
+            <a:endParaRPr lang="en-US" dirty="0"/>
           </a:p>
         </p:txBody>
       </p:sp>
@@ -9044,8 +9156,16 @@
           <a:lstStyle/>
           <a:p>
             <a:r>
-              <a:rPr lang="en-US" dirty="0" smtClean="0"/>
-              <a:t>How we can help</a:t>
+              <a:rPr lang="en-US" b="1" dirty="0" err="1">
+                <a:latin typeface="Calisto MT" panose="02040603050505030304" pitchFamily="18" charset="0"/>
+              </a:rPr>
+              <a:t>Northwestern</a:t>
+            </a:r>
+            <a:r>
+              <a:rPr lang="en-US" dirty="0" err="1">
+                <a:latin typeface="Calibri Light" panose="020F0302020204030204" pitchFamily="34" charset="0"/>
+              </a:rPr>
+              <a:t>|Visualization</a:t>
             </a:r>
             <a:endParaRPr lang="en-US" dirty="0"/>
           </a:p>
@@ -9063,7 +9183,7 @@
         </p:nvSpPr>
         <p:spPr>
           <a:xfrm>
-            <a:off x="838200" y="990600"/>
+            <a:off x="827926" y="733746"/>
             <a:ext cx="10515600" cy="5186363"/>
           </a:xfrm>
         </p:spPr>
@@ -9071,97 +9191,183 @@
           <a:bodyPr/>
           <a:lstStyle/>
           <a:p>
-            <a:r>
-              <a:rPr lang="en-US" b="1" dirty="0" smtClean="0"/>
-              <a:t>First Step: </a:t>
+            <a:pPr marL="285750" indent="-285750"/>
+            <a:r>
+              <a:rPr lang="en-US" dirty="0"/>
+              <a:t>Part of Research Computing </a:t>
             </a:r>
             <a:r>
               <a:rPr lang="en-US" dirty="0" smtClean="0"/>
+              <a:t>Group</a:t>
+            </a:r>
+          </a:p>
+          <a:p>
+            <a:pPr marL="285750" indent="-285750"/>
+            <a:endParaRPr lang="en-US" dirty="0"/>
+          </a:p>
+          <a:p>
+            <a:pPr marL="285750" indent="-285750"/>
+            <a:r>
+              <a:rPr lang="en-US" dirty="0"/>
+              <a:t>Illustration, Animation &amp; Interactive Visualization </a:t>
+            </a:r>
+            <a:r>
+              <a:rPr lang="en-US" dirty="0" smtClean="0"/>
+              <a:t>Services</a:t>
+            </a:r>
+          </a:p>
+          <a:p>
+            <a:pPr marL="285750" indent="-285750"/>
+            <a:endParaRPr lang="en-US" dirty="0"/>
+          </a:p>
+          <a:p>
+            <a:pPr marL="285750" indent="-285750"/>
+            <a:r>
+              <a:rPr lang="en-US" dirty="0"/>
+              <a:t>We work with every School at </a:t>
+            </a:r>
+            <a:r>
+              <a:rPr lang="en-US" dirty="0" smtClean="0"/>
+              <a:t>Northwestern</a:t>
+            </a:r>
+          </a:p>
+          <a:p>
+            <a:pPr marL="285750" indent="-285750"/>
+            <a:endParaRPr lang="en-US" dirty="0"/>
+          </a:p>
+          <a:p>
+            <a:pPr marL="285750" indent="-285750"/>
+            <a:r>
+              <a:rPr lang="en-US" b="1" dirty="0"/>
+              <a:t>Activities:</a:t>
+            </a:r>
+          </a:p>
+          <a:p>
+            <a:pPr marL="742950" lvl="1" indent="-285750"/>
+            <a:r>
+              <a:rPr lang="en-US" sz="2400" dirty="0"/>
               <a:t>Consultation</a:t>
             </a:r>
           </a:p>
           <a:p>
-            <a:pPr lvl="1"/>
-            <a:r>
-              <a:rPr lang="en-US" dirty="0" smtClean="0"/>
-              <a:t>We learn about your research domain and your problem</a:t>
-            </a:r>
-          </a:p>
-          <a:p>
-            <a:pPr lvl="1"/>
-            <a:r>
-              <a:rPr lang="en-US" dirty="0" smtClean="0"/>
-              <a:t>Investigate existing solutions</a:t>
-            </a:r>
-          </a:p>
-          <a:p>
-            <a:endParaRPr lang="en-US" dirty="0" smtClean="0"/>
-          </a:p>
-          <a:p>
-            <a:r>
-              <a:rPr lang="en-US" dirty="0" smtClean="0"/>
-              <a:t>Proof-of-concept / preliminary app</a:t>
-            </a:r>
-          </a:p>
-          <a:p>
-            <a:pPr lvl="1"/>
-            <a:r>
-              <a:rPr lang="en-US" dirty="0" smtClean="0"/>
-              <a:t>We start working with your data</a:t>
-            </a:r>
-          </a:p>
-          <a:p>
-            <a:pPr lvl="1"/>
-            <a:r>
-              <a:rPr lang="en-US" b="1" dirty="0" smtClean="0"/>
-              <a:t>Objective: </a:t>
-            </a:r>
-            <a:r>
-              <a:rPr lang="en-US" dirty="0" smtClean="0"/>
-              <a:t>working prototype + basic documentation</a:t>
-            </a:r>
-          </a:p>
-          <a:p>
-            <a:pPr lvl="1"/>
-            <a:r>
-              <a:rPr lang="en-US" dirty="0" smtClean="0"/>
-              <a:t>Source code</a:t>
-            </a:r>
-          </a:p>
-          <a:p>
-            <a:pPr lvl="1"/>
-            <a:endParaRPr lang="en-US" dirty="0" smtClean="0"/>
-          </a:p>
-          <a:p>
-            <a:r>
-              <a:rPr lang="en-US" b="1" dirty="0" smtClean="0"/>
-              <a:t>Moving Forward</a:t>
-            </a:r>
-          </a:p>
-          <a:p>
-            <a:pPr lvl="1"/>
-            <a:r>
-              <a:rPr lang="en-US" dirty="0" smtClean="0"/>
-              <a:t>We provide time / cost estimate for your project</a:t>
-            </a:r>
-          </a:p>
-          <a:p>
-            <a:pPr lvl="1"/>
-            <a:r>
-              <a:rPr lang="en-US" dirty="0" smtClean="0"/>
-              <a:t>Tiered estimates</a:t>
-            </a:r>
-          </a:p>
-          <a:p>
-            <a:pPr lvl="1"/>
-            <a:r>
-              <a:rPr lang="en-US" dirty="0" smtClean="0"/>
-              <a:t>Help Integrating visualization into your next grant</a:t>
-            </a:r>
-            <a:endParaRPr lang="en-US" dirty="0"/>
+            <a:pPr marL="742950" lvl="1" indent="-285750"/>
+            <a:r>
+              <a:rPr lang="en-US" sz="2400" dirty="0"/>
+              <a:t>Design &amp; Development</a:t>
+            </a:r>
+          </a:p>
+          <a:p>
+            <a:pPr marL="742950" lvl="1" indent="-285750"/>
+            <a:r>
+              <a:rPr lang="en-US" sz="2400" dirty="0"/>
+              <a:t>Training</a:t>
+            </a:r>
           </a:p>
         </p:txBody>
       </p:sp>
+      <p:pic>
+        <p:nvPicPr>
+          <p:cNvPr id="7" name="Content Placeholder 7"/>
+          <p:cNvPicPr>
+            <a:picLocks noChangeAspect="1"/>
+          </p:cNvPicPr>
+          <p:nvPr/>
+        </p:nvPicPr>
+        <p:blipFill rotWithShape="1">
+          <a:blip r:embed="rId4" cstate="print">
+            <a:extLst>
+              <a:ext uri="{28A0092B-C50C-407E-A947-70E740481C1C}">
+                <a14:useLocalDpi xmlns:a14="http://schemas.microsoft.com/office/drawing/2010/main" val="0"/>
+              </a:ext>
+            </a:extLst>
+          </a:blip>
+          <a:srcRect l="304" t="2170" r="69704" b="2266"/>
+          <a:stretch/>
+        </p:blipFill>
+        <p:spPr>
+          <a:xfrm>
+            <a:off x="5315661" y="4809246"/>
+            <a:ext cx="2923674" cy="1939991"/>
+          </a:xfrm>
+          <a:prstGeom prst="rect">
+            <a:avLst/>
+          </a:prstGeom>
+          <a:effectLst>
+            <a:outerShdw blurRad="63500" sx="102000" sy="102000" algn="ctr" rotWithShape="0">
+              <a:prstClr val="black">
+                <a:alpha val="40000"/>
+              </a:prstClr>
+            </a:outerShdw>
+          </a:effectLst>
+        </p:spPr>
+      </p:pic>
+      <p:pic>
+        <p:nvPicPr>
+          <p:cNvPr id="8" name="Picture 7"/>
+          <p:cNvPicPr>
+            <a:picLocks noChangeAspect="1"/>
+          </p:cNvPicPr>
+          <p:nvPr/>
+        </p:nvPicPr>
+        <p:blipFill rotWithShape="1">
+          <a:blip r:embed="rId5"/>
+          <a:srcRect t="15917" r="6861" b="11331"/>
+          <a:stretch/>
+        </p:blipFill>
+        <p:spPr>
+          <a:xfrm>
+            <a:off x="3169781" y="4819215"/>
+            <a:ext cx="1845089" cy="1899788"/>
+          </a:xfrm>
+          <a:prstGeom prst="rect">
+            <a:avLst/>
+          </a:prstGeom>
+          <a:effectLst>
+            <a:outerShdw blurRad="63500" sx="102000" sy="102000" algn="ctr" rotWithShape="0">
+              <a:prstClr val="black">
+                <a:alpha val="40000"/>
+              </a:prstClr>
+            </a:outerShdw>
+          </a:effectLst>
+        </p:spPr>
+      </p:pic>
+      <p:pic>
+        <p:nvPicPr>
+          <p:cNvPr id="9" name="Picture 8" descr="Screen Clipping"/>
+          <p:cNvPicPr>
+            <a:picLocks noChangeAspect="1"/>
+          </p:cNvPicPr>
+          <p:nvPr/>
+        </p:nvPicPr>
+        <p:blipFill>
+          <a:blip r:embed="rId6" cstate="print">
+            <a:extLst>
+              <a:ext uri="{28A0092B-C50C-407E-A947-70E740481C1C}">
+                <a14:useLocalDpi xmlns:a14="http://schemas.microsoft.com/office/drawing/2010/main" val="0"/>
+              </a:ext>
+            </a:extLst>
+          </a:blip>
+          <a:stretch>
+            <a:fillRect/>
+          </a:stretch>
+        </p:blipFill>
+        <p:spPr>
+          <a:xfrm>
+            <a:off x="8522075" y="4778762"/>
+            <a:ext cx="3449921" cy="1939990"/>
+          </a:xfrm>
+          <a:prstGeom prst="rect">
+            <a:avLst/>
+          </a:prstGeom>
+          <a:effectLst>
+            <a:outerShdw blurRad="152400" algn="ctr" rotWithShape="0">
+              <a:prstClr val="black">
+                <a:alpha val="40000"/>
+              </a:prstClr>
+            </a:outerShdw>
+          </a:effectLst>
+        </p:spPr>
+      </p:pic>
     </p:spTree>
     <p:extLst>
       <p:ext uri="{BB962C8B-B14F-4D97-AF65-F5344CB8AC3E}">
@@ -9235,58 +9441,33 @@
                                   </p:childTnLst>
                                 </p:cTn>
                               </p:par>
+                            </p:childTnLst>
+                          </p:cTn>
+                        </p:par>
+                      </p:childTnLst>
+                    </p:cTn>
+                  </p:par>
+                  <p:par>
+                    <p:cTn id="8" fill="hold">
+                      <p:stCondLst>
+                        <p:cond delay="indefinite"/>
+                      </p:stCondLst>
+                      <p:childTnLst>
+                        <p:par>
+                          <p:cTn id="9" fill="hold">
+                            <p:stCondLst>
+                              <p:cond delay="0"/>
+                            </p:stCondLst>
+                            <p:childTnLst>
                               <p:par>
-                                <p:cTn id="8" presetID="10" presetClass="entr" presetSubtype="0" fill="hold" grpId="0" nodeType="withEffect">
+                                <p:cTn id="10" presetID="10" presetClass="entr" presetSubtype="0" fill="hold" grpId="0" nodeType="clickEffect">
                                   <p:stCondLst>
                                     <p:cond delay="0"/>
                                   </p:stCondLst>
                                   <p:childTnLst>
                                     <p:set>
                                       <p:cBhvr>
-                                        <p:cTn id="9" dur="1" fill="hold">
-                                          <p:stCondLst>
-                                            <p:cond delay="0"/>
-                                          </p:stCondLst>
-                                        </p:cTn>
-                                        <p:tgtEl>
-                                          <p:spTgt spid="3">
-                                            <p:txEl>
-                                              <p:pRg st="1" end="1"/>
-                                            </p:txEl>
-                                          </p:spTgt>
-                                        </p:tgtEl>
-                                        <p:attrNameLst>
-                                          <p:attrName>style.visibility</p:attrName>
-                                        </p:attrNameLst>
-                                      </p:cBhvr>
-                                      <p:to>
-                                        <p:strVal val="visible"/>
-                                      </p:to>
-                                    </p:set>
-                                    <p:animEffect transition="in" filter="fade">
-                                      <p:cBhvr>
-                                        <p:cTn id="10" dur="500"/>
-                                        <p:tgtEl>
-                                          <p:spTgt spid="3">
-                                            <p:txEl>
-                                              <p:pRg st="1" end="1"/>
-                                            </p:txEl>
-                                          </p:spTgt>
-                                        </p:tgtEl>
-                                      </p:cBhvr>
-                                    </p:animEffect>
-                                  </p:childTnLst>
-                                </p:cTn>
-                              </p:par>
-                              <p:par>
-                                <p:cTn id="11" presetID="10" presetClass="entr" presetSubtype="0" fill="hold" grpId="0" nodeType="withEffect">
-                                  <p:stCondLst>
-                                    <p:cond delay="0"/>
-                                  </p:stCondLst>
-                                  <p:childTnLst>
-                                    <p:set>
-                                      <p:cBhvr>
-                                        <p:cTn id="12" dur="1" fill="hold">
+                                        <p:cTn id="11" dur="1" fill="hold">
                                           <p:stCondLst>
                                             <p:cond delay="0"/>
                                           </p:stCondLst>
@@ -9308,7 +9489,7 @@
                                     </p:set>
                                     <p:animEffect transition="in" filter="fade">
                                       <p:cBhvr>
-                                        <p:cTn id="13" dur="500"/>
+                                        <p:cTn id="12" dur="500"/>
                                         <p:tgtEl>
                                           <p:spTgt spid="3">
                                             <p:txEl>
@@ -9328,26 +9509,26 @@
                     </p:cTn>
                   </p:par>
                   <p:par>
-                    <p:cTn id="14" fill="hold">
+                    <p:cTn id="13" fill="hold">
                       <p:stCondLst>
                         <p:cond delay="indefinite"/>
                       </p:stCondLst>
                       <p:childTnLst>
                         <p:par>
-                          <p:cTn id="15" fill="hold">
+                          <p:cTn id="14" fill="hold">
                             <p:stCondLst>
                               <p:cond delay="0"/>
                             </p:stCondLst>
                             <p:childTnLst>
                               <p:par>
-                                <p:cTn id="16" presetID="10" presetClass="entr" presetSubtype="0" fill="hold" grpId="0" nodeType="clickEffect">
+                                <p:cTn id="15" presetID="10" presetClass="entr" presetSubtype="0" fill="hold" grpId="0" nodeType="clickEffect">
                                   <p:stCondLst>
                                     <p:cond delay="0"/>
                                   </p:stCondLst>
                                   <p:childTnLst>
                                     <p:set>
                                       <p:cBhvr>
-                                        <p:cTn id="17" dur="1" fill="hold">
+                                        <p:cTn id="16" dur="1" fill="hold">
                                           <p:stCondLst>
                                             <p:cond delay="0"/>
                                           </p:stCondLst>
@@ -9369,7 +9550,7 @@
                                     </p:set>
                                     <p:animEffect transition="in" filter="fade">
                                       <p:cBhvr>
-                                        <p:cTn id="18" dur="500"/>
+                                        <p:cTn id="17" dur="500"/>
                                         <p:tgtEl>
                                           <p:spTgt spid="3">
                                             <p:txEl>
@@ -9382,58 +9563,33 @@
                                   </p:childTnLst>
                                 </p:cTn>
                               </p:par>
+                            </p:childTnLst>
+                          </p:cTn>
+                        </p:par>
+                      </p:childTnLst>
+                    </p:cTn>
+                  </p:par>
+                  <p:par>
+                    <p:cTn id="18" fill="hold">
+                      <p:stCondLst>
+                        <p:cond delay="indefinite"/>
+                      </p:stCondLst>
+                      <p:childTnLst>
+                        <p:par>
+                          <p:cTn id="19" fill="hold">
+                            <p:stCondLst>
+                              <p:cond delay="0"/>
+                            </p:stCondLst>
+                            <p:childTnLst>
                               <p:par>
-                                <p:cTn id="19" presetID="10" presetClass="entr" presetSubtype="0" fill="hold" grpId="0" nodeType="withEffect">
+                                <p:cTn id="20" presetID="10" presetClass="entr" presetSubtype="0" fill="hold" grpId="0" nodeType="clickEffect">
                                   <p:stCondLst>
                                     <p:cond delay="0"/>
                                   </p:stCondLst>
                                   <p:childTnLst>
                                     <p:set>
                                       <p:cBhvr>
-                                        <p:cTn id="20" dur="1" fill="hold">
-                                          <p:stCondLst>
-                                            <p:cond delay="0"/>
-                                          </p:stCondLst>
-                                        </p:cTn>
-                                        <p:tgtEl>
-                                          <p:spTgt spid="3">
-                                            <p:txEl>
-                                              <p:pRg st="5" end="5"/>
-                                            </p:txEl>
-                                          </p:spTgt>
-                                        </p:tgtEl>
-                                        <p:attrNameLst>
-                                          <p:attrName>style.visibility</p:attrName>
-                                        </p:attrNameLst>
-                                      </p:cBhvr>
-                                      <p:to>
-                                        <p:strVal val="visible"/>
-                                      </p:to>
-                                    </p:set>
-                                    <p:animEffect transition="in" filter="fade">
-                                      <p:cBhvr>
-                                        <p:cTn id="21" dur="500"/>
-                                        <p:tgtEl>
-                                          <p:spTgt spid="3">
-                                            <p:txEl>
-                                              <p:pRg st="5" end="5"/>
-                                            </p:txEl>
-                                          </p:spTgt>
-                                        </p:tgtEl>
-                                      </p:cBhvr>
-                                    </p:animEffect>
-                                  </p:childTnLst>
-                                </p:cTn>
-                              </p:par>
-                              <p:par>
-                                <p:cTn id="22" presetID="10" presetClass="entr" presetSubtype="0" fill="hold" grpId="0" nodeType="withEffect">
-                                  <p:stCondLst>
-                                    <p:cond delay="0"/>
-                                  </p:stCondLst>
-                                  <p:childTnLst>
-                                    <p:set>
-                                      <p:cBhvr>
-                                        <p:cTn id="23" dur="1" fill="hold">
+                                        <p:cTn id="21" dur="1" fill="hold">
                                           <p:stCondLst>
                                             <p:cond delay="0"/>
                                           </p:stCondLst>
@@ -9455,7 +9611,7 @@
                                     </p:set>
                                     <p:animEffect transition="in" filter="fade">
                                       <p:cBhvr>
-                                        <p:cTn id="24" dur="500"/>
+                                        <p:cTn id="22" dur="500"/>
                                         <p:tgtEl>
                                           <p:spTgt spid="3">
                                             <p:txEl>
@@ -9469,14 +9625,14 @@
                                 </p:cTn>
                               </p:par>
                               <p:par>
-                                <p:cTn id="25" presetID="10" presetClass="entr" presetSubtype="0" fill="hold" grpId="0" nodeType="withEffect">
+                                <p:cTn id="23" presetID="10" presetClass="entr" presetSubtype="0" fill="hold" grpId="0" nodeType="withEffect">
                                   <p:stCondLst>
                                     <p:cond delay="0"/>
                                   </p:stCondLst>
                                   <p:childTnLst>
                                     <p:set>
                                       <p:cBhvr>
-                                        <p:cTn id="26" dur="1" fill="hold">
+                                        <p:cTn id="24" dur="1" fill="hold">
                                           <p:stCondLst>
                                             <p:cond delay="0"/>
                                           </p:stCondLst>
@@ -9498,7 +9654,7 @@
                                     </p:set>
                                     <p:animEffect transition="in" filter="fade">
                                       <p:cBhvr>
-                                        <p:cTn id="27" dur="500"/>
+                                        <p:cTn id="25" dur="500"/>
                                         <p:tgtEl>
                                           <p:spTgt spid="3">
                                             <p:txEl>
@@ -9511,33 +9667,58 @@
                                   </p:childTnLst>
                                 </p:cTn>
                               </p:par>
-                            </p:childTnLst>
-                          </p:cTn>
-                        </p:par>
-                      </p:childTnLst>
-                    </p:cTn>
-                  </p:par>
-                  <p:par>
-                    <p:cTn id="28" fill="hold">
-                      <p:stCondLst>
-                        <p:cond delay="indefinite"/>
-                      </p:stCondLst>
-                      <p:childTnLst>
-                        <p:par>
-                          <p:cTn id="29" fill="hold">
-                            <p:stCondLst>
-                              <p:cond delay="0"/>
-                            </p:stCondLst>
-                            <p:childTnLst>
                               <p:par>
-                                <p:cTn id="30" presetID="10" presetClass="entr" presetSubtype="0" fill="hold" grpId="0" nodeType="clickEffect">
+                                <p:cTn id="26" presetID="10" presetClass="entr" presetSubtype="0" fill="hold" grpId="0" nodeType="withEffect">
                                   <p:stCondLst>
                                     <p:cond delay="0"/>
                                   </p:stCondLst>
                                   <p:childTnLst>
                                     <p:set>
                                       <p:cBhvr>
-                                        <p:cTn id="31" dur="1" fill="hold">
+                                        <p:cTn id="27" dur="1" fill="hold">
+                                          <p:stCondLst>
+                                            <p:cond delay="0"/>
+                                          </p:stCondLst>
+                                        </p:cTn>
+                                        <p:tgtEl>
+                                          <p:spTgt spid="3">
+                                            <p:txEl>
+                                              <p:pRg st="8" end="8"/>
+                                            </p:txEl>
+                                          </p:spTgt>
+                                        </p:tgtEl>
+                                        <p:attrNameLst>
+                                          <p:attrName>style.visibility</p:attrName>
+                                        </p:attrNameLst>
+                                      </p:cBhvr>
+                                      <p:to>
+                                        <p:strVal val="visible"/>
+                                      </p:to>
+                                    </p:set>
+                                    <p:animEffect transition="in" filter="fade">
+                                      <p:cBhvr>
+                                        <p:cTn id="28" dur="500"/>
+                                        <p:tgtEl>
+                                          <p:spTgt spid="3">
+                                            <p:txEl>
+                                              <p:pRg st="8" end="8"/>
+                                            </p:txEl>
+                                          </p:spTgt>
+                                        </p:tgtEl>
+                                      </p:cBhvr>
+                                    </p:animEffect>
+                                  </p:childTnLst>
+                                </p:cTn>
+                              </p:par>
+                              <p:par>
+                                <p:cTn id="29" presetID="10" presetClass="entr" presetSubtype="0" fill="hold" grpId="0" nodeType="withEffect">
+                                  <p:stCondLst>
+                                    <p:cond delay="0"/>
+                                  </p:stCondLst>
+                                  <p:childTnLst>
+                                    <p:set>
+                                      <p:cBhvr>
+                                        <p:cTn id="30" dur="1" fill="hold">
                                           <p:stCondLst>
                                             <p:cond delay="0"/>
                                           </p:stCondLst>
@@ -9559,140 +9740,11 @@
                                     </p:set>
                                     <p:animEffect transition="in" filter="fade">
                                       <p:cBhvr>
-                                        <p:cTn id="32" dur="500"/>
+                                        <p:cTn id="31" dur="500"/>
                                         <p:tgtEl>
                                           <p:spTgt spid="3">
                                             <p:txEl>
                                               <p:pRg st="9" end="9"/>
-                                            </p:txEl>
-                                          </p:spTgt>
-                                        </p:tgtEl>
-                                      </p:cBhvr>
-                                    </p:animEffect>
-                                  </p:childTnLst>
-                                </p:cTn>
-                              </p:par>
-                              <p:par>
-                                <p:cTn id="33" presetID="10" presetClass="entr" presetSubtype="0" fill="hold" grpId="0" nodeType="withEffect">
-                                  <p:stCondLst>
-                                    <p:cond delay="0"/>
-                                  </p:stCondLst>
-                                  <p:childTnLst>
-                                    <p:set>
-                                      <p:cBhvr>
-                                        <p:cTn id="34" dur="1" fill="hold">
-                                          <p:stCondLst>
-                                            <p:cond delay="0"/>
-                                          </p:stCondLst>
-                                        </p:cTn>
-                                        <p:tgtEl>
-                                          <p:spTgt spid="3">
-                                            <p:txEl>
-                                              <p:pRg st="10" end="10"/>
-                                            </p:txEl>
-                                          </p:spTgt>
-                                        </p:tgtEl>
-                                        <p:attrNameLst>
-                                          <p:attrName>style.visibility</p:attrName>
-                                        </p:attrNameLst>
-                                      </p:cBhvr>
-                                      <p:to>
-                                        <p:strVal val="visible"/>
-                                      </p:to>
-                                    </p:set>
-                                    <p:animEffect transition="in" filter="fade">
-                                      <p:cBhvr>
-                                        <p:cTn id="35" dur="500"/>
-                                        <p:tgtEl>
-                                          <p:spTgt spid="3">
-                                            <p:txEl>
-                                              <p:pRg st="10" end="10"/>
-                                            </p:txEl>
-                                          </p:spTgt>
-                                        </p:tgtEl>
-                                      </p:cBhvr>
-                                    </p:animEffect>
-                                  </p:childTnLst>
-                                </p:cTn>
-                              </p:par>
-                              <p:par>
-                                <p:cTn id="36" presetID="10" presetClass="entr" presetSubtype="0" fill="hold" grpId="0" nodeType="withEffect">
-                                  <p:stCondLst>
-                                    <p:cond delay="0"/>
-                                  </p:stCondLst>
-                                  <p:childTnLst>
-                                    <p:set>
-                                      <p:cBhvr>
-                                        <p:cTn id="37" dur="1" fill="hold">
-                                          <p:stCondLst>
-                                            <p:cond delay="0"/>
-                                          </p:stCondLst>
-                                        </p:cTn>
-                                        <p:tgtEl>
-                                          <p:spTgt spid="3">
-                                            <p:txEl>
-                                              <p:pRg st="11" end="11"/>
-                                            </p:txEl>
-                                          </p:spTgt>
-                                        </p:tgtEl>
-                                        <p:attrNameLst>
-                                          <p:attrName>style.visibility</p:attrName>
-                                        </p:attrNameLst>
-                                      </p:cBhvr>
-                                      <p:to>
-                                        <p:strVal val="visible"/>
-                                      </p:to>
-                                    </p:set>
-                                    <p:animEffect transition="in" filter="fade">
-                                      <p:cBhvr>
-                                        <p:cTn id="38" dur="500"/>
-                                        <p:tgtEl>
-                                          <p:spTgt spid="3">
-                                            <p:txEl>
-                                              <p:pRg st="11" end="11"/>
-                                            </p:txEl>
-                                          </p:spTgt>
-                                        </p:tgtEl>
-                                      </p:cBhvr>
-                                    </p:animEffect>
-                                  </p:childTnLst>
-                                </p:cTn>
-                              </p:par>
-                              <p:par>
-                                <p:cTn id="39" presetID="10" presetClass="entr" presetSubtype="0" fill="hold" grpId="0" nodeType="withEffect">
-                                  <p:stCondLst>
-                                    <p:cond delay="0"/>
-                                  </p:stCondLst>
-                                  <p:childTnLst>
-                                    <p:set>
-                                      <p:cBhvr>
-                                        <p:cTn id="40" dur="1" fill="hold">
-                                          <p:stCondLst>
-                                            <p:cond delay="0"/>
-                                          </p:stCondLst>
-                                        </p:cTn>
-                                        <p:tgtEl>
-                                          <p:spTgt spid="3">
-                                            <p:txEl>
-                                              <p:pRg st="12" end="12"/>
-                                            </p:txEl>
-                                          </p:spTgt>
-                                        </p:tgtEl>
-                                        <p:attrNameLst>
-                                          <p:attrName>style.visibility</p:attrName>
-                                        </p:attrNameLst>
-                                      </p:cBhvr>
-                                      <p:to>
-                                        <p:strVal val="visible"/>
-                                      </p:to>
-                                    </p:set>
-                                    <p:animEffect transition="in" filter="fade">
-                                      <p:cBhvr>
-                                        <p:cTn id="41" dur="500"/>
-                                        <p:tgtEl>
-                                          <p:spTgt spid="3">
-                                            <p:txEl>
-                                              <p:pRg st="12" end="12"/>
                                             </p:txEl>
                                           </p:spTgt>
                                         </p:tgtEl>
@@ -9955,10 +10007,143 @@
           <a:bodyPr/>
           <a:lstStyle/>
           <a:p>
-            <a:endParaRPr lang="en-US"/>
+            <a:pPr marL="457200" indent="-457200">
+              <a:buFont typeface="+mj-lt"/>
+              <a:buAutoNum type="arabicPeriod"/>
+            </a:pPr>
+            <a:r>
+              <a:rPr lang="en-US" sz="3200" b="1" dirty="0" smtClean="0"/>
+              <a:t>HTML5 Technologies</a:t>
+            </a:r>
+          </a:p>
+          <a:p>
+            <a:pPr marL="457200" indent="-457200">
+              <a:buFont typeface="+mj-lt"/>
+              <a:buAutoNum type="arabicPeriod"/>
+            </a:pPr>
+            <a:endParaRPr lang="en-US" sz="3200" b="1" dirty="0" smtClean="0"/>
+          </a:p>
+          <a:p>
+            <a:pPr marL="457200" indent="-457200">
+              <a:buFont typeface="+mj-lt"/>
+              <a:buAutoNum type="arabicPeriod"/>
+            </a:pPr>
+            <a:r>
+              <a:rPr lang="en-US" sz="3200" b="1" dirty="0" smtClean="0"/>
+              <a:t>Introduction to D3</a:t>
+            </a:r>
+          </a:p>
+          <a:p>
+            <a:pPr marL="457200" indent="-457200">
+              <a:buFont typeface="+mj-lt"/>
+              <a:buAutoNum type="arabicPeriod"/>
+            </a:pPr>
+            <a:endParaRPr lang="en-US" sz="3200" b="1" dirty="0" smtClean="0"/>
+          </a:p>
+          <a:p>
+            <a:pPr marL="457200" indent="-457200">
+              <a:buFont typeface="+mj-lt"/>
+              <a:buAutoNum type="arabicPeriod"/>
+            </a:pPr>
+            <a:r>
+              <a:rPr lang="en-US" sz="3200" b="1" dirty="0" smtClean="0"/>
+              <a:t>Example Project</a:t>
+            </a:r>
+          </a:p>
+          <a:p>
+            <a:pPr marL="457200" indent="-457200">
+              <a:buFont typeface="+mj-lt"/>
+              <a:buAutoNum type="arabicPeriod"/>
+            </a:pPr>
+            <a:endParaRPr lang="en-US" sz="3200" b="1" dirty="0" smtClean="0"/>
+          </a:p>
+          <a:p>
+            <a:pPr marL="457200" indent="-457200">
+              <a:buFont typeface="+mj-lt"/>
+              <a:buAutoNum type="arabicPeriod"/>
+            </a:pPr>
+            <a:r>
+              <a:rPr lang="en-US" sz="3200" b="1" dirty="0" smtClean="0"/>
+              <a:t>Additional Resources</a:t>
+            </a:r>
+          </a:p>
+          <a:p>
+            <a:pPr marL="457200" indent="-457200">
+              <a:buFont typeface="+mj-lt"/>
+              <a:buAutoNum type="arabicPeriod"/>
+            </a:pPr>
+            <a:endParaRPr lang="en-US" dirty="0"/>
           </a:p>
         </p:txBody>
       </p:sp>
+      <p:sp>
+        <p:nvSpPr>
+          <p:cNvPr id="4" name="Rectangle 3"/>
+          <p:cNvSpPr/>
+          <p:nvPr/>
+        </p:nvSpPr>
+        <p:spPr>
+          <a:xfrm>
+            <a:off x="3214083" y="5375788"/>
+            <a:ext cx="6260047" cy="523220"/>
+          </a:xfrm>
+          <a:prstGeom prst="rect">
+            <a:avLst/>
+          </a:prstGeom>
+        </p:spPr>
+        <p:txBody>
+          <a:bodyPr wrap="none">
+            <a:spAutoFit/>
+          </a:bodyPr>
+          <a:lstStyle/>
+          <a:p>
+            <a:r>
+              <a:rPr lang="en-US" sz="2800" b="1" dirty="0">
+                <a:hlinkClick r:id="rId2"/>
+              </a:rPr>
+              <a:t>https://github.com/febret/intro2D3</a:t>
+            </a:r>
+            <a:endParaRPr lang="en-US" sz="2800" b="1" dirty="0"/>
+          </a:p>
+        </p:txBody>
+      </p:sp>
+      <p:pic>
+        <p:nvPicPr>
+          <p:cNvPr id="5" name="Picture 4"/>
+          <p:cNvPicPr>
+            <a:picLocks noChangeAspect="1"/>
+          </p:cNvPicPr>
+          <p:nvPr/>
+        </p:nvPicPr>
+        <p:blipFill>
+          <a:blip r:embed="rId3" cstate="print">
+            <a:duotone>
+              <a:prstClr val="black"/>
+              <a:schemeClr val="accent1">
+                <a:tint val="45000"/>
+                <a:satMod val="400000"/>
+              </a:schemeClr>
+            </a:duotone>
+            <a:extLst>
+              <a:ext uri="{28A0092B-C50C-407E-A947-70E740481C1C}">
+                <a14:useLocalDpi xmlns:a14="http://schemas.microsoft.com/office/drawing/2010/main" val="0"/>
+              </a:ext>
+            </a:extLst>
+          </a:blip>
+          <a:stretch>
+            <a:fillRect/>
+          </a:stretch>
+        </p:blipFill>
+        <p:spPr>
+          <a:xfrm>
+            <a:off x="2939935" y="5459899"/>
+            <a:ext cx="354998" cy="354998"/>
+          </a:xfrm>
+          <a:prstGeom prst="rect">
+            <a:avLst/>
+          </a:prstGeom>
+        </p:spPr>
+      </p:pic>
     </p:spTree>
     <p:extLst>
       <p:ext uri="{BB962C8B-B14F-4D97-AF65-F5344CB8AC3E}">
@@ -13834,7 +14019,7 @@
         </p:nvSpPr>
         <p:spPr>
           <a:xfrm>
-            <a:off x="167269" y="4245701"/>
+            <a:off x="308937" y="3170315"/>
             <a:ext cx="7008541" cy="1815882"/>
           </a:xfrm>
           <a:prstGeom prst="rect">
@@ -14204,7 +14389,7 @@
         </p:blipFill>
         <p:spPr>
           <a:xfrm>
-            <a:off x="8055116" y="3065728"/>
+            <a:off x="8196784" y="1990342"/>
             <a:ext cx="3530781" cy="3213265"/>
           </a:xfrm>
           <a:prstGeom prst="rect">
@@ -14287,36 +14472,50 @@
           <a:bodyPr/>
           <a:lstStyle/>
           <a:p>
+            <a:pPr marL="0" indent="0" algn="ctr">
+              <a:buNone/>
+            </a:pPr>
+            <a:r>
+              <a:rPr lang="en-US" sz="2800" dirty="0" smtClean="0"/>
+              <a:t>Data-driven Documents </a:t>
+            </a:r>
+            <a:r>
+              <a:rPr lang="en-US" sz="2800" b="1" dirty="0" smtClean="0">
+                <a:sym typeface="Wingdings" panose="05000000000000000000" pitchFamily="2" charset="2"/>
+              </a:rPr>
+              <a:t> </a:t>
+            </a:r>
+            <a:r>
+              <a:rPr lang="en-US" sz="2800" b="1" dirty="0" smtClean="0"/>
+              <a:t>Manipulate DOM based on data</a:t>
+            </a:r>
+          </a:p>
+          <a:p>
+            <a:r>
+              <a:rPr lang="en-US" dirty="0" smtClean="0"/>
+              <a:t>D3 is not </a:t>
+            </a:r>
             <a:r>
               <a:rPr lang="en-US" b="1" dirty="0" smtClean="0"/>
-              <a:t>Data-driven Documents</a:t>
-            </a:r>
-          </a:p>
-          <a:p>
-            <a:pPr lvl="1"/>
+              <a:t>just</a:t>
+            </a:r>
             <a:r>
               <a:rPr lang="en-US" dirty="0" smtClean="0"/>
-              <a:t>D3 = </a:t>
-            </a:r>
-            <a:r>
-              <a:rPr lang="en-US" b="1" dirty="0"/>
-              <a:t>M</a:t>
+              <a:t> a plotting library </a:t>
+            </a:r>
+          </a:p>
+          <a:p>
+            <a:r>
+              <a:rPr lang="en-US" dirty="0" smtClean="0"/>
+              <a:t>D3 makes it easier to </a:t>
             </a:r>
             <a:r>
               <a:rPr lang="en-US" b="1" dirty="0" smtClean="0"/>
-              <a:t>anipulate DOM based on data</a:t>
-            </a:r>
-          </a:p>
-          <a:p>
+              <a:t>create page content procedurally </a:t>
+            </a:r>
             <a:r>
               <a:rPr lang="en-US" dirty="0" smtClean="0"/>
-              <a:t>D3 is NOT a plotting library (not only…)</a:t>
-            </a:r>
-          </a:p>
-          <a:p>
-            <a:r>
-              <a:rPr lang="en-US" dirty="0" smtClean="0"/>
-              <a:t>D3 makes it easier to create page content procedurally based on data sources &amp; user inputs</a:t>
+              <a:t>based on data sources &amp; user inputs</a:t>
             </a:r>
           </a:p>
           <a:p>
@@ -14430,7 +14629,7 @@
         </p:nvSpPr>
         <p:spPr>
           <a:xfrm>
-            <a:off x="5717930" y="5123315"/>
+            <a:off x="5698612" y="4878616"/>
             <a:ext cx="6252033" cy="461665"/>
           </a:xfrm>
           <a:prstGeom prst="rect">
@@ -14529,9 +14728,625 @@
   <p:timing>
     <p:tnLst>
       <p:par>
-        <p:cTn id="1" dur="indefinite" restart="never" nodeType="tmRoot"/>
+        <p:cTn id="1" dur="indefinite" restart="never" nodeType="tmRoot">
+          <p:childTnLst>
+            <p:seq concurrent="1" nextAc="seek">
+              <p:cTn id="2" dur="indefinite" nodeType="mainSeq">
+                <p:childTnLst>
+                  <p:par>
+                    <p:cTn id="3" fill="hold">
+                      <p:stCondLst>
+                        <p:cond delay="indefinite"/>
+                      </p:stCondLst>
+                      <p:childTnLst>
+                        <p:par>
+                          <p:cTn id="4" fill="hold">
+                            <p:stCondLst>
+                              <p:cond delay="0"/>
+                            </p:stCondLst>
+                            <p:childTnLst>
+                              <p:par>
+                                <p:cTn id="5" presetID="10" presetClass="entr" presetSubtype="0" fill="hold" grpId="0" nodeType="clickEffect">
+                                  <p:stCondLst>
+                                    <p:cond delay="0"/>
+                                  </p:stCondLst>
+                                  <p:childTnLst>
+                                    <p:set>
+                                      <p:cBhvr>
+                                        <p:cTn id="6" dur="1" fill="hold">
+                                          <p:stCondLst>
+                                            <p:cond delay="0"/>
+                                          </p:stCondLst>
+                                        </p:cTn>
+                                        <p:tgtEl>
+                                          <p:spTgt spid="3">
+                                            <p:txEl>
+                                              <p:pRg st="0" end="0"/>
+                                            </p:txEl>
+                                          </p:spTgt>
+                                        </p:tgtEl>
+                                        <p:attrNameLst>
+                                          <p:attrName>style.visibility</p:attrName>
+                                        </p:attrNameLst>
+                                      </p:cBhvr>
+                                      <p:to>
+                                        <p:strVal val="visible"/>
+                                      </p:to>
+                                    </p:set>
+                                    <p:animEffect transition="in" filter="fade">
+                                      <p:cBhvr>
+                                        <p:cTn id="7" dur="500"/>
+                                        <p:tgtEl>
+                                          <p:spTgt spid="3">
+                                            <p:txEl>
+                                              <p:pRg st="0" end="0"/>
+                                            </p:txEl>
+                                          </p:spTgt>
+                                        </p:tgtEl>
+                                      </p:cBhvr>
+                                    </p:animEffect>
+                                  </p:childTnLst>
+                                </p:cTn>
+                              </p:par>
+                            </p:childTnLst>
+                          </p:cTn>
+                        </p:par>
+                      </p:childTnLst>
+                    </p:cTn>
+                  </p:par>
+                  <p:par>
+                    <p:cTn id="8" fill="hold">
+                      <p:stCondLst>
+                        <p:cond delay="indefinite"/>
+                      </p:stCondLst>
+                      <p:childTnLst>
+                        <p:par>
+                          <p:cTn id="9" fill="hold">
+                            <p:stCondLst>
+                              <p:cond delay="0"/>
+                            </p:stCondLst>
+                            <p:childTnLst>
+                              <p:par>
+                                <p:cTn id="10" presetID="10" presetClass="entr" presetSubtype="0" fill="hold" grpId="0" nodeType="clickEffect">
+                                  <p:stCondLst>
+                                    <p:cond delay="0"/>
+                                  </p:stCondLst>
+                                  <p:childTnLst>
+                                    <p:set>
+                                      <p:cBhvr>
+                                        <p:cTn id="11" dur="1" fill="hold">
+                                          <p:stCondLst>
+                                            <p:cond delay="0"/>
+                                          </p:stCondLst>
+                                        </p:cTn>
+                                        <p:tgtEl>
+                                          <p:spTgt spid="3">
+                                            <p:txEl>
+                                              <p:pRg st="1" end="1"/>
+                                            </p:txEl>
+                                          </p:spTgt>
+                                        </p:tgtEl>
+                                        <p:attrNameLst>
+                                          <p:attrName>style.visibility</p:attrName>
+                                        </p:attrNameLst>
+                                      </p:cBhvr>
+                                      <p:to>
+                                        <p:strVal val="visible"/>
+                                      </p:to>
+                                    </p:set>
+                                    <p:animEffect transition="in" filter="fade">
+                                      <p:cBhvr>
+                                        <p:cTn id="12" dur="500"/>
+                                        <p:tgtEl>
+                                          <p:spTgt spid="3">
+                                            <p:txEl>
+                                              <p:pRg st="1" end="1"/>
+                                            </p:txEl>
+                                          </p:spTgt>
+                                        </p:tgtEl>
+                                      </p:cBhvr>
+                                    </p:animEffect>
+                                  </p:childTnLst>
+                                </p:cTn>
+                              </p:par>
+                            </p:childTnLst>
+                          </p:cTn>
+                        </p:par>
+                      </p:childTnLst>
+                    </p:cTn>
+                  </p:par>
+                  <p:par>
+                    <p:cTn id="13" fill="hold">
+                      <p:stCondLst>
+                        <p:cond delay="indefinite"/>
+                      </p:stCondLst>
+                      <p:childTnLst>
+                        <p:par>
+                          <p:cTn id="14" fill="hold">
+                            <p:stCondLst>
+                              <p:cond delay="0"/>
+                            </p:stCondLst>
+                            <p:childTnLst>
+                              <p:par>
+                                <p:cTn id="15" presetID="10" presetClass="entr" presetSubtype="0" fill="hold" grpId="0" nodeType="clickEffect">
+                                  <p:stCondLst>
+                                    <p:cond delay="0"/>
+                                  </p:stCondLst>
+                                  <p:childTnLst>
+                                    <p:set>
+                                      <p:cBhvr>
+                                        <p:cTn id="16" dur="1" fill="hold">
+                                          <p:stCondLst>
+                                            <p:cond delay="0"/>
+                                          </p:stCondLst>
+                                        </p:cTn>
+                                        <p:tgtEl>
+                                          <p:spTgt spid="3">
+                                            <p:txEl>
+                                              <p:pRg st="2" end="2"/>
+                                            </p:txEl>
+                                          </p:spTgt>
+                                        </p:tgtEl>
+                                        <p:attrNameLst>
+                                          <p:attrName>style.visibility</p:attrName>
+                                        </p:attrNameLst>
+                                      </p:cBhvr>
+                                      <p:to>
+                                        <p:strVal val="visible"/>
+                                      </p:to>
+                                    </p:set>
+                                    <p:animEffect transition="in" filter="fade">
+                                      <p:cBhvr>
+                                        <p:cTn id="17" dur="500"/>
+                                        <p:tgtEl>
+                                          <p:spTgt spid="3">
+                                            <p:txEl>
+                                              <p:pRg st="2" end="2"/>
+                                            </p:txEl>
+                                          </p:spTgt>
+                                        </p:tgtEl>
+                                      </p:cBhvr>
+                                    </p:animEffect>
+                                  </p:childTnLst>
+                                </p:cTn>
+                              </p:par>
+                              <p:par>
+                                <p:cTn id="18" presetID="10" presetClass="entr" presetSubtype="0" fill="hold" grpId="0" nodeType="withEffect">
+                                  <p:stCondLst>
+                                    <p:cond delay="0"/>
+                                  </p:stCondLst>
+                                  <p:childTnLst>
+                                    <p:set>
+                                      <p:cBhvr>
+                                        <p:cTn id="19" dur="1" fill="hold">
+                                          <p:stCondLst>
+                                            <p:cond delay="0"/>
+                                          </p:stCondLst>
+                                        </p:cTn>
+                                        <p:tgtEl>
+                                          <p:spTgt spid="3">
+                                            <p:txEl>
+                                              <p:pRg st="3" end="3"/>
+                                            </p:txEl>
+                                          </p:spTgt>
+                                        </p:tgtEl>
+                                        <p:attrNameLst>
+                                          <p:attrName>style.visibility</p:attrName>
+                                        </p:attrNameLst>
+                                      </p:cBhvr>
+                                      <p:to>
+                                        <p:strVal val="visible"/>
+                                      </p:to>
+                                    </p:set>
+                                    <p:animEffect transition="in" filter="fade">
+                                      <p:cBhvr>
+                                        <p:cTn id="20" dur="500"/>
+                                        <p:tgtEl>
+                                          <p:spTgt spid="3">
+                                            <p:txEl>
+                                              <p:pRg st="3" end="3"/>
+                                            </p:txEl>
+                                          </p:spTgt>
+                                        </p:tgtEl>
+                                      </p:cBhvr>
+                                    </p:animEffect>
+                                  </p:childTnLst>
+                                </p:cTn>
+                              </p:par>
+                              <p:par>
+                                <p:cTn id="21" presetID="10" presetClass="entr" presetSubtype="0" fill="hold" grpId="0" nodeType="withEffect">
+                                  <p:stCondLst>
+                                    <p:cond delay="0"/>
+                                  </p:stCondLst>
+                                  <p:childTnLst>
+                                    <p:set>
+                                      <p:cBhvr>
+                                        <p:cTn id="22" dur="1" fill="hold">
+                                          <p:stCondLst>
+                                            <p:cond delay="0"/>
+                                          </p:stCondLst>
+                                        </p:cTn>
+                                        <p:tgtEl>
+                                          <p:spTgt spid="3">
+                                            <p:txEl>
+                                              <p:pRg st="4" end="4"/>
+                                            </p:txEl>
+                                          </p:spTgt>
+                                        </p:tgtEl>
+                                        <p:attrNameLst>
+                                          <p:attrName>style.visibility</p:attrName>
+                                        </p:attrNameLst>
+                                      </p:cBhvr>
+                                      <p:to>
+                                        <p:strVal val="visible"/>
+                                      </p:to>
+                                    </p:set>
+                                    <p:animEffect transition="in" filter="fade">
+                                      <p:cBhvr>
+                                        <p:cTn id="23" dur="500"/>
+                                        <p:tgtEl>
+                                          <p:spTgt spid="3">
+                                            <p:txEl>
+                                              <p:pRg st="4" end="4"/>
+                                            </p:txEl>
+                                          </p:spTgt>
+                                        </p:tgtEl>
+                                      </p:cBhvr>
+                                    </p:animEffect>
+                                  </p:childTnLst>
+                                </p:cTn>
+                              </p:par>
+                              <p:par>
+                                <p:cTn id="24" presetID="10" presetClass="entr" presetSubtype="0" fill="hold" grpId="0" nodeType="withEffect">
+                                  <p:stCondLst>
+                                    <p:cond delay="0"/>
+                                  </p:stCondLst>
+                                  <p:childTnLst>
+                                    <p:set>
+                                      <p:cBhvr>
+                                        <p:cTn id="25" dur="1" fill="hold">
+                                          <p:stCondLst>
+                                            <p:cond delay="0"/>
+                                          </p:stCondLst>
+                                        </p:cTn>
+                                        <p:tgtEl>
+                                          <p:spTgt spid="3">
+                                            <p:txEl>
+                                              <p:pRg st="5" end="5"/>
+                                            </p:txEl>
+                                          </p:spTgt>
+                                        </p:tgtEl>
+                                        <p:attrNameLst>
+                                          <p:attrName>style.visibility</p:attrName>
+                                        </p:attrNameLst>
+                                      </p:cBhvr>
+                                      <p:to>
+                                        <p:strVal val="visible"/>
+                                      </p:to>
+                                    </p:set>
+                                    <p:animEffect transition="in" filter="fade">
+                                      <p:cBhvr>
+                                        <p:cTn id="26" dur="500"/>
+                                        <p:tgtEl>
+                                          <p:spTgt spid="3">
+                                            <p:txEl>
+                                              <p:pRg st="5" end="5"/>
+                                            </p:txEl>
+                                          </p:spTgt>
+                                        </p:tgtEl>
+                                      </p:cBhvr>
+                                    </p:animEffect>
+                                  </p:childTnLst>
+                                </p:cTn>
+                              </p:par>
+                              <p:par>
+                                <p:cTn id="27" presetID="10" presetClass="entr" presetSubtype="0" fill="hold" grpId="0" nodeType="withEffect">
+                                  <p:stCondLst>
+                                    <p:cond delay="0"/>
+                                  </p:stCondLst>
+                                  <p:childTnLst>
+                                    <p:set>
+                                      <p:cBhvr>
+                                        <p:cTn id="28" dur="1" fill="hold">
+                                          <p:stCondLst>
+                                            <p:cond delay="0"/>
+                                          </p:stCondLst>
+                                        </p:cTn>
+                                        <p:tgtEl>
+                                          <p:spTgt spid="3">
+                                            <p:txEl>
+                                              <p:pRg st="6" end="6"/>
+                                            </p:txEl>
+                                          </p:spTgt>
+                                        </p:tgtEl>
+                                        <p:attrNameLst>
+                                          <p:attrName>style.visibility</p:attrName>
+                                        </p:attrNameLst>
+                                      </p:cBhvr>
+                                      <p:to>
+                                        <p:strVal val="visible"/>
+                                      </p:to>
+                                    </p:set>
+                                    <p:animEffect transition="in" filter="fade">
+                                      <p:cBhvr>
+                                        <p:cTn id="29" dur="500"/>
+                                        <p:tgtEl>
+                                          <p:spTgt spid="3">
+                                            <p:txEl>
+                                              <p:pRg st="6" end="6"/>
+                                            </p:txEl>
+                                          </p:spTgt>
+                                        </p:tgtEl>
+                                      </p:cBhvr>
+                                    </p:animEffect>
+                                  </p:childTnLst>
+                                </p:cTn>
+                              </p:par>
+                              <p:par>
+                                <p:cTn id="30" presetID="10" presetClass="entr" presetSubtype="0" fill="hold" grpId="0" nodeType="withEffect">
+                                  <p:stCondLst>
+                                    <p:cond delay="0"/>
+                                  </p:stCondLst>
+                                  <p:childTnLst>
+                                    <p:set>
+                                      <p:cBhvr>
+                                        <p:cTn id="31" dur="1" fill="hold">
+                                          <p:stCondLst>
+                                            <p:cond delay="0"/>
+                                          </p:stCondLst>
+                                        </p:cTn>
+                                        <p:tgtEl>
+                                          <p:spTgt spid="3">
+                                            <p:txEl>
+                                              <p:pRg st="7" end="7"/>
+                                            </p:txEl>
+                                          </p:spTgt>
+                                        </p:tgtEl>
+                                        <p:attrNameLst>
+                                          <p:attrName>style.visibility</p:attrName>
+                                        </p:attrNameLst>
+                                      </p:cBhvr>
+                                      <p:to>
+                                        <p:strVal val="visible"/>
+                                      </p:to>
+                                    </p:set>
+                                    <p:animEffect transition="in" filter="fade">
+                                      <p:cBhvr>
+                                        <p:cTn id="32" dur="500"/>
+                                        <p:tgtEl>
+                                          <p:spTgt spid="3">
+                                            <p:txEl>
+                                              <p:pRg st="7" end="7"/>
+                                            </p:txEl>
+                                          </p:spTgt>
+                                        </p:tgtEl>
+                                      </p:cBhvr>
+                                    </p:animEffect>
+                                  </p:childTnLst>
+                                </p:cTn>
+                              </p:par>
+                            </p:childTnLst>
+                          </p:cTn>
+                        </p:par>
+                      </p:childTnLst>
+                    </p:cTn>
+                  </p:par>
+                  <p:par>
+                    <p:cTn id="33" fill="hold">
+                      <p:stCondLst>
+                        <p:cond delay="indefinite"/>
+                      </p:stCondLst>
+                      <p:childTnLst>
+                        <p:par>
+                          <p:cTn id="34" fill="hold">
+                            <p:stCondLst>
+                              <p:cond delay="0"/>
+                            </p:stCondLst>
+                            <p:childTnLst>
+                              <p:par>
+                                <p:cTn id="35" presetID="10" presetClass="entr" presetSubtype="0" fill="hold" grpId="0" nodeType="clickEffect">
+                                  <p:stCondLst>
+                                    <p:cond delay="0"/>
+                                  </p:stCondLst>
+                                  <p:childTnLst>
+                                    <p:set>
+                                      <p:cBhvr>
+                                        <p:cTn id="36" dur="1" fill="hold">
+                                          <p:stCondLst>
+                                            <p:cond delay="0"/>
+                                          </p:stCondLst>
+                                        </p:cTn>
+                                        <p:tgtEl>
+                                          <p:spTgt spid="3">
+                                            <p:txEl>
+                                              <p:pRg st="8" end="8"/>
+                                            </p:txEl>
+                                          </p:spTgt>
+                                        </p:tgtEl>
+                                        <p:attrNameLst>
+                                          <p:attrName>style.visibility</p:attrName>
+                                        </p:attrNameLst>
+                                      </p:cBhvr>
+                                      <p:to>
+                                        <p:strVal val="visible"/>
+                                      </p:to>
+                                    </p:set>
+                                    <p:animEffect transition="in" filter="fade">
+                                      <p:cBhvr>
+                                        <p:cTn id="37" dur="500"/>
+                                        <p:tgtEl>
+                                          <p:spTgt spid="3">
+                                            <p:txEl>
+                                              <p:pRg st="8" end="8"/>
+                                            </p:txEl>
+                                          </p:spTgt>
+                                        </p:tgtEl>
+                                      </p:cBhvr>
+                                    </p:animEffect>
+                                  </p:childTnLst>
+                                </p:cTn>
+                              </p:par>
+                              <p:par>
+                                <p:cTn id="38" presetID="10" presetClass="entr" presetSubtype="0" fill="hold" grpId="0" nodeType="withEffect">
+                                  <p:stCondLst>
+                                    <p:cond delay="0"/>
+                                  </p:stCondLst>
+                                  <p:childTnLst>
+                                    <p:set>
+                                      <p:cBhvr>
+                                        <p:cTn id="39" dur="1" fill="hold">
+                                          <p:stCondLst>
+                                            <p:cond delay="0"/>
+                                          </p:stCondLst>
+                                        </p:cTn>
+                                        <p:tgtEl>
+                                          <p:spTgt spid="3">
+                                            <p:txEl>
+                                              <p:pRg st="9" end="9"/>
+                                            </p:txEl>
+                                          </p:spTgt>
+                                        </p:tgtEl>
+                                        <p:attrNameLst>
+                                          <p:attrName>style.visibility</p:attrName>
+                                        </p:attrNameLst>
+                                      </p:cBhvr>
+                                      <p:to>
+                                        <p:strVal val="visible"/>
+                                      </p:to>
+                                    </p:set>
+                                    <p:animEffect transition="in" filter="fade">
+                                      <p:cBhvr>
+                                        <p:cTn id="40" dur="500"/>
+                                        <p:tgtEl>
+                                          <p:spTgt spid="3">
+                                            <p:txEl>
+                                              <p:pRg st="9" end="9"/>
+                                            </p:txEl>
+                                          </p:spTgt>
+                                        </p:tgtEl>
+                                      </p:cBhvr>
+                                    </p:animEffect>
+                                  </p:childTnLst>
+                                </p:cTn>
+                              </p:par>
+                              <p:par>
+                                <p:cTn id="41" presetID="10" presetClass="entr" presetSubtype="0" fill="hold" grpId="0" nodeType="withEffect">
+                                  <p:stCondLst>
+                                    <p:cond delay="0"/>
+                                  </p:stCondLst>
+                                  <p:childTnLst>
+                                    <p:set>
+                                      <p:cBhvr>
+                                        <p:cTn id="42" dur="1" fill="hold">
+                                          <p:stCondLst>
+                                            <p:cond delay="0"/>
+                                          </p:stCondLst>
+                                        </p:cTn>
+                                        <p:tgtEl>
+                                          <p:spTgt spid="3">
+                                            <p:txEl>
+                                              <p:pRg st="10" end="10"/>
+                                            </p:txEl>
+                                          </p:spTgt>
+                                        </p:tgtEl>
+                                        <p:attrNameLst>
+                                          <p:attrName>style.visibility</p:attrName>
+                                        </p:attrNameLst>
+                                      </p:cBhvr>
+                                      <p:to>
+                                        <p:strVal val="visible"/>
+                                      </p:to>
+                                    </p:set>
+                                    <p:animEffect transition="in" filter="fade">
+                                      <p:cBhvr>
+                                        <p:cTn id="43" dur="500"/>
+                                        <p:tgtEl>
+                                          <p:spTgt spid="3">
+                                            <p:txEl>
+                                              <p:pRg st="10" end="10"/>
+                                            </p:txEl>
+                                          </p:spTgt>
+                                        </p:tgtEl>
+                                      </p:cBhvr>
+                                    </p:animEffect>
+                                  </p:childTnLst>
+                                </p:cTn>
+                              </p:par>
+                            </p:childTnLst>
+                          </p:cTn>
+                        </p:par>
+                        <p:par>
+                          <p:cTn id="44" fill="hold">
+                            <p:stCondLst>
+                              <p:cond delay="500"/>
+                            </p:stCondLst>
+                            <p:childTnLst>
+                              <p:par>
+                                <p:cTn id="45" presetID="10" presetClass="entr" presetSubtype="0" fill="hold" grpId="0" nodeType="afterEffect">
+                                  <p:stCondLst>
+                                    <p:cond delay="0"/>
+                                  </p:stCondLst>
+                                  <p:childTnLst>
+                                    <p:set>
+                                      <p:cBhvr>
+                                        <p:cTn id="46" dur="1" fill="hold">
+                                          <p:stCondLst>
+                                            <p:cond delay="0"/>
+                                          </p:stCondLst>
+                                        </p:cTn>
+                                        <p:tgtEl>
+                                          <p:spTgt spid="4"/>
+                                        </p:tgtEl>
+                                        <p:attrNameLst>
+                                          <p:attrName>style.visibility</p:attrName>
+                                        </p:attrNameLst>
+                                      </p:cBhvr>
+                                      <p:to>
+                                        <p:strVal val="visible"/>
+                                      </p:to>
+                                    </p:set>
+                                    <p:animEffect transition="in" filter="fade">
+                                      <p:cBhvr>
+                                        <p:cTn id="47" dur="500"/>
+                                        <p:tgtEl>
+                                          <p:spTgt spid="4"/>
+                                        </p:tgtEl>
+                                      </p:cBhvr>
+                                    </p:animEffect>
+                                  </p:childTnLst>
+                                </p:cTn>
+                              </p:par>
+                            </p:childTnLst>
+                          </p:cTn>
+                        </p:par>
+                      </p:childTnLst>
+                    </p:cTn>
+                  </p:par>
+                </p:childTnLst>
+              </p:cTn>
+              <p:prevCondLst>
+                <p:cond evt="onPrev" delay="0">
+                  <p:tgtEl>
+                    <p:sldTgt/>
+                  </p:tgtEl>
+                </p:cond>
+              </p:prevCondLst>
+              <p:nextCondLst>
+                <p:cond evt="onNext" delay="0">
+                  <p:tgtEl>
+                    <p:sldTgt/>
+                  </p:tgtEl>
+                </p:cond>
+              </p:nextCondLst>
+            </p:seq>
+          </p:childTnLst>
+        </p:cTn>
       </p:par>
     </p:tnLst>
+    <p:bldLst>
+      <p:bldP spid="3" grpId="0" build="p"/>
+      <p:bldP spid="4" grpId="0" animBg="1"/>
+    </p:bldLst>
   </p:timing>
 </p:sld>
 </file>
